--- a/Design.pptx
+++ b/Design.pptx
@@ -7,10 +7,13 @@
   <p:sldIdLst>
     <p:sldId id="256" r:id="rId2"/>
     <p:sldId id="259" r:id="rId3"/>
-    <p:sldId id="261" r:id="rId4"/>
-    <p:sldId id="260" r:id="rId5"/>
-    <p:sldId id="257" r:id="rId6"/>
-    <p:sldId id="258" r:id="rId7"/>
+    <p:sldId id="264" r:id="rId4"/>
+    <p:sldId id="261" r:id="rId5"/>
+    <p:sldId id="260" r:id="rId6"/>
+    <p:sldId id="257" r:id="rId7"/>
+    <p:sldId id="258" r:id="rId8"/>
+    <p:sldId id="263" r:id="rId9"/>
+    <p:sldId id="262" r:id="rId10"/>
   </p:sldIdLst>
   <p:sldSz cx="13681075" cy="8280400"/>
   <p:notesSz cx="6858000" cy="9144000"/>
@@ -293,7 +296,7 @@
           <a:p>
             <a:fld id="{B1A6C896-786E-40CB-ABF2-E7ECB1B703CB}" type="datetimeFigureOut">
               <a:rPr lang="en-SG" smtClean="0"/>
-              <a:t>14/1/2022</a:t>
+              <a:t>2/2/2022</a:t>
             </a:fld>
             <a:endParaRPr lang="en-SG"/>
           </a:p>
@@ -463,7 +466,7 @@
           <a:p>
             <a:fld id="{B1A6C896-786E-40CB-ABF2-E7ECB1B703CB}" type="datetimeFigureOut">
               <a:rPr lang="en-SG" smtClean="0"/>
-              <a:t>14/1/2022</a:t>
+              <a:t>2/2/2022</a:t>
             </a:fld>
             <a:endParaRPr lang="en-SG"/>
           </a:p>
@@ -643,7 +646,7 @@
           <a:p>
             <a:fld id="{B1A6C896-786E-40CB-ABF2-E7ECB1B703CB}" type="datetimeFigureOut">
               <a:rPr lang="en-SG" smtClean="0"/>
-              <a:t>14/1/2022</a:t>
+              <a:t>2/2/2022</a:t>
             </a:fld>
             <a:endParaRPr lang="en-SG"/>
           </a:p>
@@ -813,7 +816,7 @@
           <a:p>
             <a:fld id="{B1A6C896-786E-40CB-ABF2-E7ECB1B703CB}" type="datetimeFigureOut">
               <a:rPr lang="en-SG" smtClean="0"/>
-              <a:t>14/1/2022</a:t>
+              <a:t>2/2/2022</a:t>
             </a:fld>
             <a:endParaRPr lang="en-SG"/>
           </a:p>
@@ -1059,7 +1062,7 @@
           <a:p>
             <a:fld id="{B1A6C896-786E-40CB-ABF2-E7ECB1B703CB}" type="datetimeFigureOut">
               <a:rPr lang="en-SG" smtClean="0"/>
-              <a:t>14/1/2022</a:t>
+              <a:t>2/2/2022</a:t>
             </a:fld>
             <a:endParaRPr lang="en-SG"/>
           </a:p>
@@ -1347,7 +1350,7 @@
           <a:p>
             <a:fld id="{B1A6C896-786E-40CB-ABF2-E7ECB1B703CB}" type="datetimeFigureOut">
               <a:rPr lang="en-SG" smtClean="0"/>
-              <a:t>14/1/2022</a:t>
+              <a:t>2/2/2022</a:t>
             </a:fld>
             <a:endParaRPr lang="en-SG"/>
           </a:p>
@@ -1774,7 +1777,7 @@
           <a:p>
             <a:fld id="{B1A6C896-786E-40CB-ABF2-E7ECB1B703CB}" type="datetimeFigureOut">
               <a:rPr lang="en-SG" smtClean="0"/>
-              <a:t>14/1/2022</a:t>
+              <a:t>2/2/2022</a:t>
             </a:fld>
             <a:endParaRPr lang="en-SG"/>
           </a:p>
@@ -1892,7 +1895,7 @@
           <a:p>
             <a:fld id="{B1A6C896-786E-40CB-ABF2-E7ECB1B703CB}" type="datetimeFigureOut">
               <a:rPr lang="en-SG" smtClean="0"/>
-              <a:t>14/1/2022</a:t>
+              <a:t>2/2/2022</a:t>
             </a:fld>
             <a:endParaRPr lang="en-SG"/>
           </a:p>
@@ -1987,7 +1990,7 @@
           <a:p>
             <a:fld id="{B1A6C896-786E-40CB-ABF2-E7ECB1B703CB}" type="datetimeFigureOut">
               <a:rPr lang="en-SG" smtClean="0"/>
-              <a:t>14/1/2022</a:t>
+              <a:t>2/2/2022</a:t>
             </a:fld>
             <a:endParaRPr lang="en-SG"/>
           </a:p>
@@ -2264,7 +2267,7 @@
           <a:p>
             <a:fld id="{B1A6C896-786E-40CB-ABF2-E7ECB1B703CB}" type="datetimeFigureOut">
               <a:rPr lang="en-SG" smtClean="0"/>
-              <a:t>14/1/2022</a:t>
+              <a:t>2/2/2022</a:t>
             </a:fld>
             <a:endParaRPr lang="en-SG"/>
           </a:p>
@@ -2517,7 +2520,7 @@
           <a:p>
             <a:fld id="{B1A6C896-786E-40CB-ABF2-E7ECB1B703CB}" type="datetimeFigureOut">
               <a:rPr lang="en-SG" smtClean="0"/>
-              <a:t>14/1/2022</a:t>
+              <a:t>2/2/2022</a:t>
             </a:fld>
             <a:endParaRPr lang="en-SG"/>
           </a:p>
@@ -2730,7 +2733,7 @@
           <a:p>
             <a:fld id="{B1A6C896-786E-40CB-ABF2-E7ECB1B703CB}" type="datetimeFigureOut">
               <a:rPr lang="en-SG" smtClean="0"/>
-              <a:t>14/1/2022</a:t>
+              <a:t>2/2/2022</a:t>
             </a:fld>
             <a:endParaRPr lang="en-SG"/>
           </a:p>
@@ -3631,103 +3634,57 @@
           <a:chExt cx="0" cy="0"/>
         </a:xfrm>
       </p:grpSpPr>
-      <p:sp>
-        <p:nvSpPr>
-          <p:cNvPr id="4" name="TextBox 3"/>
+    </p:spTree>
+    <p:extLst>
+      <p:ext uri="{BB962C8B-B14F-4D97-AF65-F5344CB8AC3E}">
+        <p14:creationId xmlns:p14="http://schemas.microsoft.com/office/powerpoint/2010/main" val="3813371465"/>
+      </p:ext>
+    </p:extLst>
+  </p:cSld>
+  <p:clrMapOvr>
+    <a:masterClrMapping/>
+  </p:clrMapOvr>
+  <p:timing>
+    <p:tnLst>
+      <p:par>
+        <p:cTn id="1" dur="indefinite" restart="never" nodeType="tmRoot"/>
+      </p:par>
+    </p:tnLst>
+  </p:timing>
+</p:sld>
+</file>
+
+<file path=ppt/slides/slide4.xml><?xml version="1.0" encoding="utf-8"?>
+<p:sld xmlns:a="http://schemas.openxmlformats.org/drawingml/2006/main" xmlns:r="http://schemas.openxmlformats.org/officeDocument/2006/relationships" xmlns:p="http://schemas.openxmlformats.org/presentationml/2006/main">
+  <p:cSld>
+    <p:spTree>
+      <p:nvGrpSpPr>
+        <p:cNvPr id="1" name=""/>
+        <p:cNvGrpSpPr/>
+        <p:nvPr/>
+      </p:nvGrpSpPr>
+      <p:grpSpPr>
+        <a:xfrm>
+          <a:off x="0" y="0"/>
+          <a:ext cx="0" cy="0"/>
+          <a:chOff x="0" y="0"/>
+          <a:chExt cx="0" cy="0"/>
+        </a:xfrm>
+      </p:grpSpPr>
+      <p:sp>
+        <p:nvSpPr>
+          <p:cNvPr id="7" name="TextBox 6"/>
           <p:cNvSpPr txBox="1"/>
           <p:nvPr/>
         </p:nvSpPr>
         <p:spPr>
           <a:xfrm>
-            <a:off x="1007888" y="1993663"/>
-            <a:ext cx="1584176" cy="1080120"/>
+            <a:off x="6336480" y="3780160"/>
+            <a:ext cx="1512168" cy="1080120"/>
           </a:xfrm>
           <a:prstGeom prst="rect">
             <a:avLst/>
           </a:prstGeom>
-        </p:spPr>
-        <p:style>
-          <a:lnRef idx="1">
-            <a:schemeClr val="accent1"/>
-          </a:lnRef>
-          <a:fillRef idx="2">
-            <a:schemeClr val="accent1"/>
-          </a:fillRef>
-          <a:effectRef idx="1">
-            <a:schemeClr val="accent1"/>
-          </a:effectRef>
-          <a:fontRef idx="minor">
-            <a:schemeClr val="dk1"/>
-          </a:fontRef>
-        </p:style>
-        <p:txBody>
-          <a:bodyPr wrap="square" rtlCol="0">
-            <a:noAutofit/>
-          </a:bodyPr>
-          <a:lstStyle/>
-          <a:p>
-            <a:r>
-              <a:rPr lang="en-SG" sz="1200" b="1" dirty="0" err="1" smtClean="0">
-                <a:latin typeface="Consolas" panose="020B0609020204030204" pitchFamily="49" charset="0"/>
-              </a:rPr>
-              <a:t>GameFix</a:t>
-            </a:r>
-            <a:endParaRPr lang="en-SG" sz="1200" b="1" dirty="0" smtClean="0">
-              <a:latin typeface="Consolas" panose="020B0609020204030204" pitchFamily="49" charset="0"/>
-            </a:endParaRPr>
-          </a:p>
-          <a:p>
-            <a:r>
-              <a:rPr lang="en-SG" sz="1200" dirty="0" err="1" smtClean="0">
-                <a:latin typeface="Consolas" panose="020B0609020204030204" pitchFamily="49" charset="0"/>
-              </a:rPr>
-              <a:t>PixelMap</a:t>
-            </a:r>
-            <a:endParaRPr lang="en-SG" sz="1200" dirty="0" smtClean="0">
-              <a:latin typeface="Consolas" panose="020B0609020204030204" pitchFamily="49" charset="0"/>
-            </a:endParaRPr>
-          </a:p>
-          <a:p>
-            <a:r>
-              <a:rPr lang="en-SG" sz="1200" dirty="0" err="1" smtClean="0">
-                <a:latin typeface="Consolas" panose="020B0609020204030204" pitchFamily="49" charset="0"/>
-              </a:rPr>
-              <a:t>CountryFixArray</a:t>
-            </a:r>
-            <a:endParaRPr lang="en-SG" sz="1200" dirty="0" smtClean="0">
-              <a:latin typeface="Consolas" panose="020B0609020204030204" pitchFamily="49" charset="0"/>
-            </a:endParaRPr>
-          </a:p>
-          <a:p>
-            <a:r>
-              <a:rPr lang="en-SG" sz="1200" dirty="0" err="1">
-                <a:latin typeface="Consolas" panose="020B0609020204030204" pitchFamily="49" charset="0"/>
-              </a:rPr>
-              <a:t>masterGame</a:t>
-            </a:r>
-            <a:endParaRPr lang="en-SG" sz="1200" dirty="0">
-              <a:latin typeface="Consolas" panose="020B0609020204030204" pitchFamily="49" charset="0"/>
-            </a:endParaRPr>
-          </a:p>
-        </p:txBody>
-      </p:sp>
-      <p:sp>
-        <p:nvSpPr>
-          <p:cNvPr id="5" name="TextBox 4"/>
-          <p:cNvSpPr txBox="1"/>
-          <p:nvPr/>
-        </p:nvSpPr>
-        <p:spPr>
-          <a:xfrm>
-            <a:off x="3168128" y="2340000"/>
-            <a:ext cx="1584176" cy="1080120"/>
-          </a:xfrm>
-          <a:prstGeom prst="rect">
-            <a:avLst/>
-          </a:prstGeom>
-          <a:ln>
-            <a:noFill/>
-          </a:ln>
         </p:spPr>
         <p:style>
           <a:lnRef idx="1">
@@ -3753,87 +3710,48 @@
               <a:rPr lang="en-SG" sz="1200" b="1" dirty="0" smtClean="0">
                 <a:latin typeface="Consolas" panose="020B0609020204030204" pitchFamily="49" charset="0"/>
               </a:rPr>
+              <a:t>Player</a:t>
+            </a:r>
+          </a:p>
+          <a:p>
+            <a:r>
+              <a:rPr lang="en-SG" sz="1200" dirty="0" smtClean="0">
+                <a:latin typeface="Consolas" panose="020B0609020204030204" pitchFamily="49" charset="0"/>
+              </a:rPr>
+              <a:t>ID</a:t>
+            </a:r>
+          </a:p>
+          <a:p>
+            <a:r>
+              <a:rPr lang="en-SG" sz="1200" dirty="0" smtClean="0">
+                <a:latin typeface="Consolas" panose="020B0609020204030204" pitchFamily="49" charset="0"/>
+              </a:rPr>
               <a:t>Game</a:t>
             </a:r>
           </a:p>
           <a:p>
             <a:r>
-              <a:rPr lang="en-SG" sz="1200" dirty="0" smtClean="0">
-                <a:latin typeface="Consolas" panose="020B0609020204030204" pitchFamily="49" charset="0"/>
-              </a:rPr>
-              <a:t>Map</a:t>
+              <a:rPr lang="en-SG" sz="1200" dirty="0" err="1" smtClean="0">
+                <a:latin typeface="Consolas" panose="020B0609020204030204" pitchFamily="49" charset="0"/>
+              </a:rPr>
+              <a:t>CountryIds</a:t>
             </a:r>
             <a:endParaRPr lang="en-SG" sz="1200" dirty="0">
               <a:latin typeface="Consolas" panose="020B0609020204030204" pitchFamily="49" charset="0"/>
             </a:endParaRPr>
           </a:p>
-          <a:p>
-            <a:r>
-              <a:rPr lang="en-SG" sz="1200" dirty="0" smtClean="0">
-                <a:latin typeface="Consolas" panose="020B0609020204030204" pitchFamily="49" charset="0"/>
-              </a:rPr>
-              <a:t>Players</a:t>
-            </a:r>
-          </a:p>
-          <a:p>
-            <a:r>
-              <a:rPr lang="en-SG" sz="1200" dirty="0" smtClean="0">
-                <a:latin typeface="Consolas" panose="020B0609020204030204" pitchFamily="49" charset="0"/>
-              </a:rPr>
-              <a:t>Results</a:t>
-            </a:r>
-            <a:endParaRPr lang="en-SG" sz="1200" dirty="0">
-              <a:latin typeface="Consolas" panose="020B0609020204030204" pitchFamily="49" charset="0"/>
-            </a:endParaRPr>
-          </a:p>
-        </p:txBody>
-      </p:sp>
-      <p:cxnSp>
-        <p:nvCxnSpPr>
-          <p:cNvPr id="6" name="Straight Arrow Connector 5"/>
-          <p:cNvCxnSpPr>
-            <a:stCxn id="11" idx="3"/>
-            <a:endCxn id="12" idx="1"/>
-          </p:cNvCxnSpPr>
-          <p:nvPr/>
-        </p:nvCxnSpPr>
-        <p:spPr>
-          <a:xfrm flipV="1">
-            <a:off x="1937367" y="2481920"/>
-            <a:ext cx="1302769" cy="208644"/>
-          </a:xfrm>
-          <a:prstGeom prst="straightConnector1">
-            <a:avLst/>
-          </a:prstGeom>
-          <a:ln>
-            <a:tailEnd type="arrow"/>
-          </a:ln>
-        </p:spPr>
-        <p:style>
-          <a:lnRef idx="1">
-            <a:schemeClr val="accent1"/>
-          </a:lnRef>
-          <a:fillRef idx="0">
-            <a:schemeClr val="accent1"/>
-          </a:fillRef>
-          <a:effectRef idx="0">
-            <a:schemeClr val="accent1"/>
-          </a:effectRef>
-          <a:fontRef idx="minor">
-            <a:schemeClr val="tx1"/>
-          </a:fontRef>
-        </p:style>
-      </p:cxnSp>
-      <p:sp>
-        <p:nvSpPr>
-          <p:cNvPr id="7" name="TextBox 6"/>
+        </p:txBody>
+      </p:sp>
+      <p:sp>
+        <p:nvSpPr>
+          <p:cNvPr id="8" name="TextBox 7"/>
           <p:cNvSpPr txBox="1"/>
           <p:nvPr/>
         </p:nvSpPr>
         <p:spPr>
           <a:xfrm>
-            <a:off x="5328368" y="3780160"/>
-            <a:ext cx="1584176" cy="1080120"/>
+            <a:off x="6336480" y="2484016"/>
+            <a:ext cx="1512168" cy="1080120"/>
           </a:xfrm>
           <a:prstGeom prst="rect">
             <a:avLst/>
@@ -3863,7 +3781,7 @@
               <a:rPr lang="en-SG" sz="1200" b="1" dirty="0" smtClean="0">
                 <a:latin typeface="Consolas" panose="020B0609020204030204" pitchFamily="49" charset="0"/>
               </a:rPr>
-              <a:t>Player</a:t>
+              <a:t>Map</a:t>
             </a:r>
           </a:p>
           <a:p>
@@ -3871,7 +3789,7 @@
               <a:rPr lang="en-SG" sz="1200" dirty="0" smtClean="0">
                 <a:latin typeface="Consolas" panose="020B0609020204030204" pitchFamily="49" charset="0"/>
               </a:rPr>
-              <a:t>ID</a:t>
+              <a:t>Game</a:t>
             </a:r>
           </a:p>
           <a:p>
@@ -3879,15 +3797,7 @@
               <a:rPr lang="en-SG" sz="1200" dirty="0" smtClean="0">
                 <a:latin typeface="Consolas" panose="020B0609020204030204" pitchFamily="49" charset="0"/>
               </a:rPr>
-              <a:t>Game</a:t>
-            </a:r>
-          </a:p>
-          <a:p>
-            <a:r>
-              <a:rPr lang="en-SG" sz="1200" dirty="0" err="1" smtClean="0">
-                <a:latin typeface="Consolas" panose="020B0609020204030204" pitchFamily="49" charset="0"/>
-              </a:rPr>
-              <a:t>CountryIds</a:t>
+              <a:t>Countries</a:t>
             </a:r>
             <a:endParaRPr lang="en-SG" sz="1200" dirty="0">
               <a:latin typeface="Consolas" panose="020B0609020204030204" pitchFamily="49" charset="0"/>
@@ -3897,18 +3807,278 @@
       </p:sp>
       <p:sp>
         <p:nvSpPr>
-          <p:cNvPr id="8" name="TextBox 7"/>
+          <p:cNvPr id="17" name="TextBox 16"/>
           <p:cNvSpPr txBox="1"/>
           <p:nvPr/>
         </p:nvSpPr>
         <p:spPr>
           <a:xfrm>
-            <a:off x="5366179" y="2484016"/>
+            <a:off x="6336480" y="395784"/>
+            <a:ext cx="1656184" cy="1728192"/>
+          </a:xfrm>
+          <a:prstGeom prst="rect">
+            <a:avLst/>
+          </a:prstGeom>
+          <a:ln w="12700"/>
+        </p:spPr>
+        <p:style>
+          <a:lnRef idx="1">
+            <a:schemeClr val="accent1"/>
+          </a:lnRef>
+          <a:fillRef idx="2">
+            <a:schemeClr val="accent1"/>
+          </a:fillRef>
+          <a:effectRef idx="1">
+            <a:schemeClr val="accent1"/>
+          </a:effectRef>
+          <a:fontRef idx="minor">
+            <a:schemeClr val="dk1"/>
+          </a:fontRef>
+        </p:style>
+        <p:txBody>
+          <a:bodyPr wrap="square" rtlCol="0">
+            <a:noAutofit/>
+          </a:bodyPr>
+          <a:lstStyle/>
+          <a:p>
+            <a:r>
+              <a:rPr lang="en-SG" sz="1200" b="1" dirty="0" err="1">
+                <a:latin typeface="Consolas" panose="020B0609020204030204" pitchFamily="49" charset="0"/>
+              </a:rPr>
+              <a:t>CountryFix</a:t>
+            </a:r>
+            <a:endParaRPr lang="en-SG" sz="1200" b="1" dirty="0" smtClean="0">
+              <a:latin typeface="Consolas" panose="020B0609020204030204" pitchFamily="49" charset="0"/>
+            </a:endParaRPr>
+          </a:p>
+          <a:p>
+            <a:r>
+              <a:rPr lang="en-SG" sz="1200" dirty="0" smtClean="0">
+                <a:latin typeface="Consolas" panose="020B0609020204030204" pitchFamily="49" charset="0"/>
+              </a:rPr>
+              <a:t>ID</a:t>
+            </a:r>
+          </a:p>
+          <a:p>
+            <a:r>
+              <a:rPr lang="en-SG" sz="1200" dirty="0" smtClean="0">
+                <a:latin typeface="Consolas" panose="020B0609020204030204" pitchFamily="49" charset="0"/>
+              </a:rPr>
+              <a:t>Coordinate</a:t>
+            </a:r>
+          </a:p>
+          <a:p>
+            <a:r>
+              <a:rPr lang="en-SG" sz="1200" dirty="0" err="1">
+                <a:latin typeface="Consolas" panose="020B0609020204030204" pitchFamily="49" charset="0"/>
+              </a:rPr>
+              <a:t>IsMountain</a:t>
+            </a:r>
+            <a:endParaRPr lang="en-SG" sz="1200" dirty="0">
+              <a:latin typeface="Consolas" panose="020B0609020204030204" pitchFamily="49" charset="0"/>
+            </a:endParaRPr>
+          </a:p>
+          <a:p>
+            <a:r>
+              <a:rPr lang="en-SG" sz="1200" dirty="0">
+                <a:latin typeface="Consolas" panose="020B0609020204030204" pitchFamily="49" charset="0"/>
+              </a:rPr>
+              <a:t>Size</a:t>
+            </a:r>
+          </a:p>
+          <a:p>
+            <a:r>
+              <a:rPr lang="en-SG" sz="1200" dirty="0">
+                <a:latin typeface="Consolas" panose="020B0609020204030204" pitchFamily="49" charset="0"/>
+              </a:rPr>
+              <a:t>Capacity</a:t>
+            </a:r>
+          </a:p>
+          <a:p>
+            <a:r>
+              <a:rPr lang="en-SG" sz="1200" dirty="0" err="1" smtClean="0">
+                <a:latin typeface="Consolas" panose="020B0609020204030204" pitchFamily="49" charset="0"/>
+              </a:rPr>
+              <a:t>Center</a:t>
+            </a:r>
+            <a:endParaRPr lang="en-SG" sz="1200" dirty="0" smtClean="0">
+              <a:latin typeface="Consolas" panose="020B0609020204030204" pitchFamily="49" charset="0"/>
+            </a:endParaRPr>
+          </a:p>
+          <a:p>
+            <a:r>
+              <a:rPr lang="en-SG" sz="1200" dirty="0" err="1" smtClean="0">
+                <a:latin typeface="Consolas" panose="020B0609020204030204" pitchFamily="49" charset="0"/>
+              </a:rPr>
+              <a:t>NeighbourIds</a:t>
+            </a:r>
+            <a:endParaRPr lang="en-SG" sz="1200" dirty="0" smtClean="0">
+              <a:latin typeface="Consolas" panose="020B0609020204030204" pitchFamily="49" charset="0"/>
+            </a:endParaRPr>
+          </a:p>
+          <a:p>
+            <a:r>
+              <a:rPr lang="en-SG" sz="1200" dirty="0" err="1">
+                <a:latin typeface="Consolas" panose="020B0609020204030204" pitchFamily="49" charset="0"/>
+              </a:rPr>
+              <a:t>BorderCoordinates</a:t>
+            </a:r>
+            <a:endParaRPr lang="en-SG" sz="1200" dirty="0">
+              <a:latin typeface="Consolas" panose="020B0609020204030204" pitchFamily="49" charset="0"/>
+            </a:endParaRPr>
+          </a:p>
+        </p:txBody>
+      </p:sp>
+      <p:sp>
+        <p:nvSpPr>
+          <p:cNvPr id="59" name="Right Brace 58"/>
+          <p:cNvSpPr/>
+          <p:nvPr/>
+        </p:nvSpPr>
+        <p:spPr>
+          <a:xfrm>
+            <a:off x="7488608" y="648923"/>
+            <a:ext cx="144016" cy="1259029"/>
+          </a:xfrm>
+          <a:prstGeom prst="rightBrace">
+            <a:avLst/>
+          </a:prstGeom>
+          <a:ln w="12700">
+            <a:solidFill>
+              <a:schemeClr val="tx1"/>
+            </a:solidFill>
+          </a:ln>
+        </p:spPr>
+        <p:style>
+          <a:lnRef idx="1">
+            <a:schemeClr val="accent1"/>
+          </a:lnRef>
+          <a:fillRef idx="0">
+            <a:schemeClr val="accent1"/>
+          </a:fillRef>
+          <a:effectRef idx="0">
+            <a:schemeClr val="accent1"/>
+          </a:effectRef>
+          <a:fontRef idx="minor">
+            <a:schemeClr val="tx1"/>
+          </a:fontRef>
+        </p:style>
+        <p:txBody>
+          <a:bodyPr rtlCol="0" anchor="ctr"/>
+          <a:lstStyle/>
+          <a:p>
+            <a:pPr algn="ctr"/>
+            <a:endParaRPr lang="en-SG">
+              <a:latin typeface="Consolas" panose="020B0609020204030204" pitchFamily="49" charset="0"/>
+            </a:endParaRPr>
+          </a:p>
+        </p:txBody>
+      </p:sp>
+      <p:sp>
+        <p:nvSpPr>
+          <p:cNvPr id="4" name="TextBox 3"/>
+          <p:cNvSpPr txBox="1"/>
+          <p:nvPr/>
+        </p:nvSpPr>
+        <p:spPr>
+          <a:xfrm>
+            <a:off x="4368530" y="397901"/>
             <a:ext cx="1584176" cy="1080120"/>
           </a:xfrm>
           <a:prstGeom prst="rect">
             <a:avLst/>
           </a:prstGeom>
+        </p:spPr>
+        <p:style>
+          <a:lnRef idx="1">
+            <a:schemeClr val="accent1"/>
+          </a:lnRef>
+          <a:fillRef idx="2">
+            <a:schemeClr val="accent1"/>
+          </a:fillRef>
+          <a:effectRef idx="1">
+            <a:schemeClr val="accent1"/>
+          </a:effectRef>
+          <a:fontRef idx="minor">
+            <a:schemeClr val="dk1"/>
+          </a:fontRef>
+        </p:style>
+        <p:txBody>
+          <a:bodyPr wrap="square" rtlCol="0">
+            <a:noAutofit/>
+          </a:bodyPr>
+          <a:lstStyle/>
+          <a:p>
+            <a:r>
+              <a:rPr lang="en-SG" sz="1200" b="1" dirty="0" err="1" smtClean="0">
+                <a:latin typeface="Consolas" panose="020B0609020204030204" pitchFamily="49" charset="0"/>
+              </a:rPr>
+              <a:t>GameFix</a:t>
+            </a:r>
+            <a:endParaRPr lang="en-SG" sz="1200" b="1" dirty="0" smtClean="0">
+              <a:latin typeface="Consolas" panose="020B0609020204030204" pitchFamily="49" charset="0"/>
+            </a:endParaRPr>
+          </a:p>
+          <a:p>
+            <a:r>
+              <a:rPr lang="en-SG" sz="1200" dirty="0" smtClean="0">
+                <a:latin typeface="Consolas" panose="020B0609020204030204" pitchFamily="49" charset="0"/>
+              </a:rPr>
+              <a:t>Options</a:t>
+            </a:r>
+          </a:p>
+          <a:p>
+            <a:r>
+              <a:rPr lang="en-SG" sz="1200" dirty="0" err="1" smtClean="0">
+                <a:latin typeface="Consolas" panose="020B0609020204030204" pitchFamily="49" charset="0"/>
+              </a:rPr>
+              <a:t>PixelMap</a:t>
+            </a:r>
+            <a:endParaRPr lang="en-SG" sz="1200" dirty="0" smtClean="0">
+              <a:latin typeface="Consolas" panose="020B0609020204030204" pitchFamily="49" charset="0"/>
+            </a:endParaRPr>
+          </a:p>
+          <a:p>
+            <a:r>
+              <a:rPr lang="en-SG" sz="1200" dirty="0" err="1" smtClean="0">
+                <a:latin typeface="Consolas" panose="020B0609020204030204" pitchFamily="49" charset="0"/>
+              </a:rPr>
+              <a:t>CountryFixArray</a:t>
+            </a:r>
+            <a:endParaRPr lang="en-SG" sz="1200" dirty="0" smtClean="0">
+              <a:latin typeface="Consolas" panose="020B0609020204030204" pitchFamily="49" charset="0"/>
+            </a:endParaRPr>
+          </a:p>
+          <a:p>
+            <a:r>
+              <a:rPr lang="en-SG" sz="1200" dirty="0" err="1">
+                <a:latin typeface="Consolas" panose="020B0609020204030204" pitchFamily="49" charset="0"/>
+              </a:rPr>
+              <a:t>masterGame</a:t>
+            </a:r>
+            <a:endParaRPr lang="en-SG" sz="1200" dirty="0">
+              <a:latin typeface="Consolas" panose="020B0609020204030204" pitchFamily="49" charset="0"/>
+            </a:endParaRPr>
+          </a:p>
+        </p:txBody>
+      </p:sp>
+      <p:sp>
+        <p:nvSpPr>
+          <p:cNvPr id="5" name="TextBox 4"/>
+          <p:cNvSpPr txBox="1"/>
+          <p:nvPr/>
+        </p:nvSpPr>
+        <p:spPr>
+          <a:xfrm>
+            <a:off x="4464273" y="2340000"/>
+            <a:ext cx="1512168" cy="1592560"/>
+          </a:xfrm>
+          <a:prstGeom prst="rect">
+            <a:avLst/>
+          </a:prstGeom>
+          <a:ln>
+            <a:noFill/>
+          </a:ln>
         </p:spPr>
         <p:style>
           <a:lnRef idx="1">
@@ -3934,43 +4104,130 @@
               <a:rPr lang="en-SG" sz="1200" b="1" dirty="0" smtClean="0">
                 <a:latin typeface="Consolas" panose="020B0609020204030204" pitchFamily="49" charset="0"/>
               </a:rPr>
+              <a:t>Game</a:t>
+            </a:r>
+          </a:p>
+          <a:p>
+            <a:r>
+              <a:rPr lang="en-SG" sz="1200" dirty="0" smtClean="0">
+                <a:latin typeface="Consolas" panose="020B0609020204030204" pitchFamily="49" charset="0"/>
+              </a:rPr>
               <a:t>Map</a:t>
-            </a:r>
-          </a:p>
-          <a:p>
-            <a:r>
-              <a:rPr lang="en-SG" sz="1200" dirty="0" smtClean="0">
-                <a:latin typeface="Consolas" panose="020B0609020204030204" pitchFamily="49" charset="0"/>
-              </a:rPr>
-              <a:t>Game</a:t>
-            </a:r>
-          </a:p>
-          <a:p>
-            <a:r>
-              <a:rPr lang="en-SG" sz="1200" dirty="0" smtClean="0">
-                <a:latin typeface="Consolas" panose="020B0609020204030204" pitchFamily="49" charset="0"/>
-              </a:rPr>
-              <a:t>Countries</a:t>
             </a:r>
             <a:endParaRPr lang="en-SG" sz="1200" dirty="0">
               <a:latin typeface="Consolas" panose="020B0609020204030204" pitchFamily="49" charset="0"/>
             </a:endParaRPr>
           </a:p>
-        </p:txBody>
-      </p:sp>
+          <a:p>
+            <a:r>
+              <a:rPr lang="en-SG" sz="1200" dirty="0" smtClean="0">
+                <a:latin typeface="Consolas" panose="020B0609020204030204" pitchFamily="49" charset="0"/>
+              </a:rPr>
+              <a:t>Players</a:t>
+            </a:r>
+          </a:p>
+          <a:p>
+            <a:r>
+              <a:rPr lang="en-SG" sz="1200" dirty="0" smtClean="0">
+                <a:latin typeface="Consolas" panose="020B0609020204030204" pitchFamily="49" charset="0"/>
+              </a:rPr>
+              <a:t>Results</a:t>
+            </a:r>
+          </a:p>
+          <a:p>
+            <a:r>
+              <a:rPr lang="en-SG" sz="1200" dirty="0" err="1" smtClean="0">
+                <a:latin typeface="Consolas" panose="020B0609020204030204" pitchFamily="49" charset="0"/>
+              </a:rPr>
+              <a:t>ArmyGrowthFact</a:t>
+            </a:r>
+            <a:endParaRPr lang="en-SG" sz="1200" dirty="0">
+              <a:latin typeface="Consolas" panose="020B0609020204030204" pitchFamily="49" charset="0"/>
+            </a:endParaRPr>
+          </a:p>
+          <a:p>
+            <a:r>
+              <a:rPr lang="en-SG" sz="1200" dirty="0" err="1" smtClean="0">
+                <a:latin typeface="Consolas" panose="020B0609020204030204" pitchFamily="49" charset="0"/>
+              </a:rPr>
+              <a:t>ProtectionFact</a:t>
+            </a:r>
+            <a:endParaRPr lang="en-SG" sz="1200" dirty="0">
+              <a:latin typeface="Consolas" panose="020B0609020204030204" pitchFamily="49" charset="0"/>
+            </a:endParaRPr>
+          </a:p>
+          <a:p>
+            <a:r>
+              <a:rPr lang="en-SG" sz="1200" dirty="0" err="1">
+                <a:latin typeface="Consolas" panose="020B0609020204030204" pitchFamily="49" charset="0"/>
+              </a:rPr>
+              <a:t>AttackFactor</a:t>
+            </a:r>
+            <a:endParaRPr lang="en-SG" sz="1200" dirty="0">
+              <a:latin typeface="Consolas" panose="020B0609020204030204" pitchFamily="49" charset="0"/>
+            </a:endParaRPr>
+          </a:p>
+          <a:p>
+            <a:r>
+              <a:rPr lang="en-SG" sz="1200" dirty="0" err="1" smtClean="0">
+                <a:latin typeface="Consolas" panose="020B0609020204030204" pitchFamily="49" charset="0"/>
+              </a:rPr>
+              <a:t>AttackBenefitFa</a:t>
+            </a:r>
+            <a:endParaRPr lang="en-SG" sz="1200" dirty="0">
+              <a:latin typeface="Consolas" panose="020B0609020204030204" pitchFamily="49" charset="0"/>
+            </a:endParaRPr>
+          </a:p>
+          <a:p>
+            <a:endParaRPr lang="en-SG" sz="1200" dirty="0">
+              <a:latin typeface="Consolas" panose="020B0609020204030204" pitchFamily="49" charset="0"/>
+            </a:endParaRPr>
+          </a:p>
+        </p:txBody>
+      </p:sp>
+      <p:cxnSp>
+        <p:nvCxnSpPr>
+          <p:cNvPr id="6" name="Straight Arrow Connector 5"/>
+          <p:cNvCxnSpPr/>
+          <p:nvPr/>
+        </p:nvCxnSpPr>
+        <p:spPr>
+          <a:xfrm flipH="1">
+            <a:off x="4752305" y="1392310"/>
+            <a:ext cx="116969" cy="981598"/>
+          </a:xfrm>
+          <a:prstGeom prst="straightConnector1">
+            <a:avLst/>
+          </a:prstGeom>
+          <a:ln>
+            <a:tailEnd type="arrow"/>
+          </a:ln>
+        </p:spPr>
+        <p:style>
+          <a:lnRef idx="1">
+            <a:schemeClr val="accent1"/>
+          </a:lnRef>
+          <a:fillRef idx="0">
+            <a:schemeClr val="accent1"/>
+          </a:fillRef>
+          <a:effectRef idx="0">
+            <a:schemeClr val="accent1"/>
+          </a:effectRef>
+          <a:fontRef idx="minor">
+            <a:schemeClr val="tx1"/>
+          </a:fontRef>
+        </p:style>
+      </p:cxnSp>
       <p:cxnSp>
         <p:nvCxnSpPr>
           <p:cNvPr id="9" name="Straight Arrow Connector 8"/>
-          <p:cNvCxnSpPr>
-            <a:stCxn id="14" idx="3"/>
-            <a:endCxn id="13" idx="1"/>
-          </p:cNvCxnSpPr>
+          <p:cNvCxnSpPr/>
           <p:nvPr/>
         </p:nvCxnSpPr>
         <p:spPr>
           <a:xfrm>
-            <a:off x="3888208" y="2829400"/>
-            <a:ext cx="1512167" cy="1103160"/>
+            <a:off x="5184353" y="2829400"/>
+            <a:ext cx="1224134" cy="1103160"/>
           </a:xfrm>
           <a:prstGeom prst="straightConnector1">
             <a:avLst/>
@@ -3997,16 +4254,13 @@
       <p:cxnSp>
         <p:nvCxnSpPr>
           <p:cNvPr id="10" name="Straight Arrow Connector 9"/>
-          <p:cNvCxnSpPr>
-            <a:stCxn id="15" idx="3"/>
-            <a:endCxn id="16" idx="1"/>
-          </p:cNvCxnSpPr>
+          <p:cNvCxnSpPr/>
           <p:nvPr/>
         </p:nvCxnSpPr>
         <p:spPr>
           <a:xfrm flipV="1">
-            <a:off x="3564172" y="2629844"/>
-            <a:ext cx="1865180" cy="55540"/>
+            <a:off x="4860317" y="2629844"/>
+            <a:ext cx="1539336" cy="55540"/>
           </a:xfrm>
           <a:prstGeom prst="straightConnector1">
             <a:avLst/>
@@ -4030,522 +4284,16 @@
           </a:fontRef>
         </p:style>
       </p:cxnSp>
-      <p:sp>
-        <p:nvSpPr>
-          <p:cNvPr id="11" name="Rectangle 10"/>
-          <p:cNvSpPr/>
-          <p:nvPr/>
-        </p:nvSpPr>
-        <p:spPr>
-          <a:xfrm>
-            <a:off x="1079896" y="2595144"/>
-            <a:ext cx="857471" cy="190840"/>
-          </a:xfrm>
-          <a:prstGeom prst="rect">
-            <a:avLst/>
-          </a:prstGeom>
-          <a:noFill/>
-          <a:ln>
-            <a:noFill/>
-          </a:ln>
-        </p:spPr>
-        <p:style>
-          <a:lnRef idx="2">
-            <a:schemeClr val="accent1">
-              <a:shade val="50000"/>
-            </a:schemeClr>
-          </a:lnRef>
-          <a:fillRef idx="1">
-            <a:schemeClr val="accent1"/>
-          </a:fillRef>
-          <a:effectRef idx="0">
-            <a:schemeClr val="accent1"/>
-          </a:effectRef>
-          <a:fontRef idx="minor">
-            <a:schemeClr val="lt1"/>
-          </a:fontRef>
-        </p:style>
-        <p:txBody>
-          <a:bodyPr rtlCol="0" anchor="ctr"/>
-          <a:lstStyle/>
-          <a:p>
-            <a:pPr algn="ctr"/>
-            <a:endParaRPr lang="en-SG">
-              <a:latin typeface="Consolas" panose="020B0609020204030204" pitchFamily="49" charset="0"/>
-            </a:endParaRPr>
-          </a:p>
-        </p:txBody>
-      </p:sp>
-      <p:sp>
-        <p:nvSpPr>
-          <p:cNvPr id="12" name="Rectangle 11"/>
-          <p:cNvSpPr/>
-          <p:nvPr/>
-        </p:nvSpPr>
-        <p:spPr>
-          <a:xfrm>
-            <a:off x="3240136" y="2373908"/>
-            <a:ext cx="432048" cy="216024"/>
-          </a:xfrm>
-          <a:prstGeom prst="rect">
-            <a:avLst/>
-          </a:prstGeom>
-          <a:noFill/>
-          <a:ln>
-            <a:solidFill>
-              <a:schemeClr val="tx1"/>
-            </a:solidFill>
-          </a:ln>
-        </p:spPr>
-        <p:style>
-          <a:lnRef idx="2">
-            <a:schemeClr val="accent1">
-              <a:shade val="50000"/>
-            </a:schemeClr>
-          </a:lnRef>
-          <a:fillRef idx="1">
-            <a:schemeClr val="accent1"/>
-          </a:fillRef>
-          <a:effectRef idx="0">
-            <a:schemeClr val="accent1"/>
-          </a:effectRef>
-          <a:fontRef idx="minor">
-            <a:schemeClr val="lt1"/>
-          </a:fontRef>
-        </p:style>
-        <p:txBody>
-          <a:bodyPr rtlCol="0" anchor="ctr"/>
-          <a:lstStyle/>
-          <a:p>
-            <a:pPr algn="ctr"/>
-            <a:endParaRPr lang="en-SG">
-              <a:latin typeface="Consolas" panose="020B0609020204030204" pitchFamily="49" charset="0"/>
-            </a:endParaRPr>
-          </a:p>
-        </p:txBody>
-      </p:sp>
-      <p:sp>
-        <p:nvSpPr>
-          <p:cNvPr id="13" name="Rectangle 12"/>
-          <p:cNvSpPr/>
-          <p:nvPr/>
-        </p:nvSpPr>
-        <p:spPr>
-          <a:xfrm>
-            <a:off x="5400375" y="3824548"/>
-            <a:ext cx="576065" cy="216024"/>
-          </a:xfrm>
-          <a:prstGeom prst="rect">
-            <a:avLst/>
-          </a:prstGeom>
-          <a:noFill/>
-          <a:ln>
-            <a:solidFill>
-              <a:schemeClr val="tx1"/>
-            </a:solidFill>
-          </a:ln>
-        </p:spPr>
-        <p:style>
-          <a:lnRef idx="2">
-            <a:schemeClr val="accent1">
-              <a:shade val="50000"/>
-            </a:schemeClr>
-          </a:lnRef>
-          <a:fillRef idx="1">
-            <a:schemeClr val="accent1"/>
-          </a:fillRef>
-          <a:effectRef idx="0">
-            <a:schemeClr val="accent1"/>
-          </a:effectRef>
-          <a:fontRef idx="minor">
-            <a:schemeClr val="lt1"/>
-          </a:fontRef>
-        </p:style>
-        <p:txBody>
-          <a:bodyPr rtlCol="0" anchor="ctr"/>
-          <a:lstStyle/>
-          <a:p>
-            <a:pPr algn="ctr"/>
-            <a:endParaRPr lang="en-SG">
-              <a:latin typeface="Consolas" panose="020B0609020204030204" pitchFamily="49" charset="0"/>
-            </a:endParaRPr>
-          </a:p>
-        </p:txBody>
-      </p:sp>
-      <p:sp>
-        <p:nvSpPr>
-          <p:cNvPr id="14" name="Rectangle 13"/>
-          <p:cNvSpPr/>
-          <p:nvPr/>
-        </p:nvSpPr>
-        <p:spPr>
-          <a:xfrm>
-            <a:off x="3240136" y="2721388"/>
-            <a:ext cx="648072" cy="216024"/>
-          </a:xfrm>
-          <a:prstGeom prst="rect">
-            <a:avLst/>
-          </a:prstGeom>
-          <a:noFill/>
-          <a:ln>
-            <a:solidFill>
-              <a:schemeClr val="tx1"/>
-            </a:solidFill>
-          </a:ln>
-        </p:spPr>
-        <p:style>
-          <a:lnRef idx="2">
-            <a:schemeClr val="accent1">
-              <a:shade val="50000"/>
-            </a:schemeClr>
-          </a:lnRef>
-          <a:fillRef idx="1">
-            <a:schemeClr val="accent1"/>
-          </a:fillRef>
-          <a:effectRef idx="0">
-            <a:schemeClr val="accent1"/>
-          </a:effectRef>
-          <a:fontRef idx="minor">
-            <a:schemeClr val="lt1"/>
-          </a:fontRef>
-        </p:style>
-        <p:txBody>
-          <a:bodyPr rtlCol="0" anchor="ctr"/>
-          <a:lstStyle/>
-          <a:p>
-            <a:pPr algn="ctr"/>
-            <a:endParaRPr lang="en-SG">
-              <a:latin typeface="Consolas" panose="020B0609020204030204" pitchFamily="49" charset="0"/>
-            </a:endParaRPr>
-          </a:p>
-        </p:txBody>
-      </p:sp>
-      <p:sp>
-        <p:nvSpPr>
-          <p:cNvPr id="15" name="Rectangle 14"/>
-          <p:cNvSpPr/>
-          <p:nvPr/>
-        </p:nvSpPr>
-        <p:spPr>
-          <a:xfrm>
-            <a:off x="3240136" y="2577372"/>
-            <a:ext cx="324036" cy="216024"/>
-          </a:xfrm>
-          <a:prstGeom prst="rect">
-            <a:avLst/>
-          </a:prstGeom>
-          <a:noFill/>
-          <a:ln>
-            <a:solidFill>
-              <a:schemeClr val="tx1"/>
-            </a:solidFill>
-          </a:ln>
-        </p:spPr>
-        <p:style>
-          <a:lnRef idx="2">
-            <a:schemeClr val="accent1">
-              <a:shade val="50000"/>
-            </a:schemeClr>
-          </a:lnRef>
-          <a:fillRef idx="1">
-            <a:schemeClr val="accent1"/>
-          </a:fillRef>
-          <a:effectRef idx="0">
-            <a:schemeClr val="accent1"/>
-          </a:effectRef>
-          <a:fontRef idx="minor">
-            <a:schemeClr val="lt1"/>
-          </a:fontRef>
-        </p:style>
-        <p:txBody>
-          <a:bodyPr rtlCol="0" anchor="ctr"/>
-          <a:lstStyle/>
-          <a:p>
-            <a:pPr algn="ctr"/>
-            <a:endParaRPr lang="en-SG">
-              <a:latin typeface="Consolas" panose="020B0609020204030204" pitchFamily="49" charset="0"/>
-            </a:endParaRPr>
-          </a:p>
-        </p:txBody>
-      </p:sp>
-      <p:sp>
-        <p:nvSpPr>
-          <p:cNvPr id="16" name="Rectangle 15"/>
-          <p:cNvSpPr/>
-          <p:nvPr/>
-        </p:nvSpPr>
-        <p:spPr>
-          <a:xfrm>
-            <a:off x="5429352" y="2548693"/>
-            <a:ext cx="432048" cy="162302"/>
-          </a:xfrm>
-          <a:prstGeom prst="rect">
-            <a:avLst/>
-          </a:prstGeom>
-          <a:noFill/>
-          <a:ln>
-            <a:solidFill>
-              <a:schemeClr val="tx1"/>
-            </a:solidFill>
-          </a:ln>
-        </p:spPr>
-        <p:style>
-          <a:lnRef idx="2">
-            <a:schemeClr val="accent1">
-              <a:shade val="50000"/>
-            </a:schemeClr>
-          </a:lnRef>
-          <a:fillRef idx="1">
-            <a:schemeClr val="accent1"/>
-          </a:fillRef>
-          <a:effectRef idx="0">
-            <a:schemeClr val="accent1"/>
-          </a:effectRef>
-          <a:fontRef idx="minor">
-            <a:schemeClr val="lt1"/>
-          </a:fontRef>
-        </p:style>
-        <p:txBody>
-          <a:bodyPr rtlCol="0" anchor="ctr"/>
-          <a:lstStyle/>
-          <a:p>
-            <a:pPr algn="ctr"/>
-            <a:endParaRPr lang="en-SG">
-              <a:latin typeface="Consolas" panose="020B0609020204030204" pitchFamily="49" charset="0"/>
-            </a:endParaRPr>
-          </a:p>
-        </p:txBody>
-      </p:sp>
-      <p:sp>
-        <p:nvSpPr>
-          <p:cNvPr id="17" name="TextBox 16"/>
-          <p:cNvSpPr txBox="1"/>
-          <p:nvPr/>
-        </p:nvSpPr>
-        <p:spPr>
-          <a:xfrm>
-            <a:off x="5400377" y="395784"/>
-            <a:ext cx="1656184" cy="1728192"/>
-          </a:xfrm>
-          <a:prstGeom prst="rect">
-            <a:avLst/>
-          </a:prstGeom>
-        </p:spPr>
-        <p:style>
-          <a:lnRef idx="1">
-            <a:schemeClr val="accent1"/>
-          </a:lnRef>
-          <a:fillRef idx="2">
-            <a:schemeClr val="accent1"/>
-          </a:fillRef>
-          <a:effectRef idx="1">
-            <a:schemeClr val="accent1"/>
-          </a:effectRef>
-          <a:fontRef idx="minor">
-            <a:schemeClr val="dk1"/>
-          </a:fontRef>
-        </p:style>
-        <p:txBody>
-          <a:bodyPr wrap="square" rtlCol="0">
-            <a:noAutofit/>
-          </a:bodyPr>
-          <a:lstStyle/>
-          <a:p>
-            <a:r>
-              <a:rPr lang="en-SG" sz="1200" b="1" dirty="0" err="1">
-                <a:latin typeface="Consolas" panose="020B0609020204030204" pitchFamily="49" charset="0"/>
-              </a:rPr>
-              <a:t>CountryFix</a:t>
-            </a:r>
-            <a:endParaRPr lang="en-SG" sz="1200" b="1" dirty="0" smtClean="0">
-              <a:latin typeface="Consolas" panose="020B0609020204030204" pitchFamily="49" charset="0"/>
-            </a:endParaRPr>
-          </a:p>
-          <a:p>
-            <a:r>
-              <a:rPr lang="en-SG" sz="1200" dirty="0" smtClean="0">
-                <a:latin typeface="Consolas" panose="020B0609020204030204" pitchFamily="49" charset="0"/>
-              </a:rPr>
-              <a:t>ID</a:t>
-            </a:r>
-          </a:p>
-          <a:p>
-            <a:r>
-              <a:rPr lang="en-SG" sz="1200" dirty="0" smtClean="0">
-                <a:latin typeface="Consolas" panose="020B0609020204030204" pitchFamily="49" charset="0"/>
-              </a:rPr>
-              <a:t>Coordinate</a:t>
-            </a:r>
-          </a:p>
-          <a:p>
-            <a:r>
-              <a:rPr lang="en-SG" sz="1200" dirty="0" err="1">
-                <a:latin typeface="Consolas" panose="020B0609020204030204" pitchFamily="49" charset="0"/>
-              </a:rPr>
-              <a:t>IsMountain</a:t>
-            </a:r>
-            <a:endParaRPr lang="en-SG" sz="1200" dirty="0">
-              <a:latin typeface="Consolas" panose="020B0609020204030204" pitchFamily="49" charset="0"/>
-            </a:endParaRPr>
-          </a:p>
-          <a:p>
-            <a:r>
-              <a:rPr lang="en-SG" sz="1200" dirty="0">
-                <a:latin typeface="Consolas" panose="020B0609020204030204" pitchFamily="49" charset="0"/>
-              </a:rPr>
-              <a:t>Size</a:t>
-            </a:r>
-          </a:p>
-          <a:p>
-            <a:r>
-              <a:rPr lang="en-SG" sz="1200" dirty="0">
-                <a:latin typeface="Consolas" panose="020B0609020204030204" pitchFamily="49" charset="0"/>
-              </a:rPr>
-              <a:t>Capacity</a:t>
-            </a:r>
-          </a:p>
-          <a:p>
-            <a:r>
-              <a:rPr lang="en-SG" sz="1200" dirty="0" err="1" smtClean="0">
-                <a:latin typeface="Consolas" panose="020B0609020204030204" pitchFamily="49" charset="0"/>
-              </a:rPr>
-              <a:t>Center</a:t>
-            </a:r>
-            <a:endParaRPr lang="en-SG" sz="1200" dirty="0" smtClean="0">
-              <a:latin typeface="Consolas" panose="020B0609020204030204" pitchFamily="49" charset="0"/>
-            </a:endParaRPr>
-          </a:p>
-          <a:p>
-            <a:r>
-              <a:rPr lang="en-SG" sz="1200" dirty="0" err="1" smtClean="0">
-                <a:latin typeface="Consolas" panose="020B0609020204030204" pitchFamily="49" charset="0"/>
-              </a:rPr>
-              <a:t>NeighbourIds</a:t>
-            </a:r>
-            <a:endParaRPr lang="en-SG" sz="1200" dirty="0" smtClean="0">
-              <a:latin typeface="Consolas" panose="020B0609020204030204" pitchFamily="49" charset="0"/>
-            </a:endParaRPr>
-          </a:p>
-          <a:p>
-            <a:r>
-              <a:rPr lang="en-SG" sz="1200" dirty="0" err="1">
-                <a:latin typeface="Consolas" panose="020B0609020204030204" pitchFamily="49" charset="0"/>
-              </a:rPr>
-              <a:t>BorderCoordinates</a:t>
-            </a:r>
-            <a:endParaRPr lang="en-SG" sz="1200" dirty="0">
-              <a:latin typeface="Consolas" panose="020B0609020204030204" pitchFamily="49" charset="0"/>
-            </a:endParaRPr>
-          </a:p>
-        </p:txBody>
-      </p:sp>
-      <p:sp>
-        <p:nvSpPr>
-          <p:cNvPr id="18" name="Rectangle 17"/>
-          <p:cNvSpPr/>
-          <p:nvPr/>
-        </p:nvSpPr>
-        <p:spPr>
-          <a:xfrm>
-            <a:off x="1079895" y="2404304"/>
-            <a:ext cx="1296145" cy="190840"/>
-          </a:xfrm>
-          <a:prstGeom prst="rect">
-            <a:avLst/>
-          </a:prstGeom>
-          <a:noFill/>
-          <a:ln>
-            <a:noFill/>
-          </a:ln>
-        </p:spPr>
-        <p:style>
-          <a:lnRef idx="2">
-            <a:schemeClr val="accent1">
-              <a:shade val="50000"/>
-            </a:schemeClr>
-          </a:lnRef>
-          <a:fillRef idx="1">
-            <a:schemeClr val="accent1"/>
-          </a:fillRef>
-          <a:effectRef idx="0">
-            <a:schemeClr val="accent1"/>
-          </a:effectRef>
-          <a:fontRef idx="minor">
-            <a:schemeClr val="lt1"/>
-          </a:fontRef>
-        </p:style>
-        <p:txBody>
-          <a:bodyPr rtlCol="0" anchor="ctr"/>
-          <a:lstStyle/>
-          <a:p>
-            <a:pPr algn="ctr"/>
-            <a:endParaRPr lang="en-SG">
-              <a:latin typeface="Consolas" panose="020B0609020204030204" pitchFamily="49" charset="0"/>
-            </a:endParaRPr>
-          </a:p>
-        </p:txBody>
-      </p:sp>
-      <p:sp>
-        <p:nvSpPr>
-          <p:cNvPr id="19" name="Rectangle 18"/>
-          <p:cNvSpPr/>
-          <p:nvPr/>
-        </p:nvSpPr>
-        <p:spPr>
-          <a:xfrm>
-            <a:off x="5472385" y="458083"/>
-            <a:ext cx="936103" cy="190840"/>
-          </a:xfrm>
-          <a:prstGeom prst="rect">
-            <a:avLst/>
-          </a:prstGeom>
-          <a:noFill/>
-          <a:ln>
-            <a:solidFill>
-              <a:schemeClr val="tx1"/>
-            </a:solidFill>
-          </a:ln>
-        </p:spPr>
-        <p:style>
-          <a:lnRef idx="2">
-            <a:schemeClr val="accent1">
-              <a:shade val="50000"/>
-            </a:schemeClr>
-          </a:lnRef>
-          <a:fillRef idx="1">
-            <a:schemeClr val="accent1"/>
-          </a:fillRef>
-          <a:effectRef idx="0">
-            <a:schemeClr val="accent1"/>
-          </a:effectRef>
-          <a:fontRef idx="minor">
-            <a:schemeClr val="lt1"/>
-          </a:fontRef>
-        </p:style>
-        <p:txBody>
-          <a:bodyPr rtlCol="0" anchor="ctr"/>
-          <a:lstStyle/>
-          <a:p>
-            <a:pPr algn="ctr"/>
-            <a:endParaRPr lang="en-SG">
-              <a:latin typeface="Consolas" panose="020B0609020204030204" pitchFamily="49" charset="0"/>
-            </a:endParaRPr>
-          </a:p>
-        </p:txBody>
-      </p:sp>
       <p:cxnSp>
         <p:nvCxnSpPr>
           <p:cNvPr id="20" name="Straight Arrow Connector 19"/>
-          <p:cNvCxnSpPr>
-            <a:stCxn id="18" idx="3"/>
-            <a:endCxn id="19" idx="1"/>
-          </p:cNvCxnSpPr>
+          <p:cNvCxnSpPr/>
           <p:nvPr/>
         </p:nvCxnSpPr>
         <p:spPr>
           <a:xfrm flipV="1">
-            <a:off x="2376040" y="553503"/>
-            <a:ext cx="3096345" cy="1946221"/>
+            <a:off x="5736682" y="553503"/>
+            <a:ext cx="671806" cy="552547"/>
           </a:xfrm>
           <a:prstGeom prst="straightConnector1">
             <a:avLst/>
@@ -4569,67 +4317,16 @@
           </a:fontRef>
         </p:style>
       </p:cxnSp>
-      <p:sp>
-        <p:nvSpPr>
-          <p:cNvPr id="23" name="Rectangle 22"/>
-          <p:cNvSpPr/>
-          <p:nvPr/>
-        </p:nvSpPr>
-        <p:spPr>
-          <a:xfrm>
-            <a:off x="5427714" y="2737963"/>
-            <a:ext cx="432048" cy="162302"/>
-          </a:xfrm>
-          <a:prstGeom prst="rect">
-            <a:avLst/>
-          </a:prstGeom>
-          <a:noFill/>
-          <a:ln>
-            <a:solidFill>
-              <a:schemeClr val="tx1"/>
-            </a:solidFill>
-          </a:ln>
-        </p:spPr>
-        <p:style>
-          <a:lnRef idx="2">
-            <a:schemeClr val="accent1">
-              <a:shade val="50000"/>
-            </a:schemeClr>
-          </a:lnRef>
-          <a:fillRef idx="1">
-            <a:schemeClr val="accent1"/>
-          </a:fillRef>
-          <a:effectRef idx="0">
-            <a:schemeClr val="accent1"/>
-          </a:effectRef>
-          <a:fontRef idx="minor">
-            <a:schemeClr val="lt1"/>
-          </a:fontRef>
-        </p:style>
-        <p:txBody>
-          <a:bodyPr rtlCol="0" anchor="ctr"/>
-          <a:lstStyle/>
-          <a:p>
-            <a:pPr algn="ctr"/>
-            <a:endParaRPr lang="en-SG">
-              <a:latin typeface="Consolas" panose="020B0609020204030204" pitchFamily="49" charset="0"/>
-            </a:endParaRPr>
-          </a:p>
-        </p:txBody>
-      </p:sp>
       <p:cxnSp>
         <p:nvCxnSpPr>
           <p:cNvPr id="25" name="Straight Arrow Connector 24"/>
-          <p:cNvCxnSpPr>
-            <a:stCxn id="23" idx="1"/>
-            <a:endCxn id="12" idx="3"/>
-          </p:cNvCxnSpPr>
+          <p:cNvCxnSpPr/>
           <p:nvPr/>
         </p:nvCxnSpPr>
         <p:spPr>
           <a:xfrm flipH="1" flipV="1">
-            <a:off x="3672184" y="2481920"/>
-            <a:ext cx="1755530" cy="337194"/>
+            <a:off x="4968329" y="2481920"/>
+            <a:ext cx="1429686" cy="337194"/>
           </a:xfrm>
           <a:prstGeom prst="straightConnector1">
             <a:avLst/>
@@ -4656,67 +4353,16 @@
           </a:fontRef>
         </p:style>
       </p:cxnSp>
-      <p:sp>
-        <p:nvSpPr>
-          <p:cNvPr id="27" name="Rectangle 26"/>
-          <p:cNvSpPr/>
-          <p:nvPr/>
-        </p:nvSpPr>
-        <p:spPr>
-          <a:xfrm>
-            <a:off x="5393757" y="4212208"/>
-            <a:ext cx="432048" cy="162302"/>
-          </a:xfrm>
-          <a:prstGeom prst="rect">
-            <a:avLst/>
-          </a:prstGeom>
-          <a:noFill/>
-          <a:ln>
-            <a:solidFill>
-              <a:schemeClr val="tx1"/>
-            </a:solidFill>
-          </a:ln>
-        </p:spPr>
-        <p:style>
-          <a:lnRef idx="2">
-            <a:schemeClr val="accent1">
-              <a:shade val="50000"/>
-            </a:schemeClr>
-          </a:lnRef>
-          <a:fillRef idx="1">
-            <a:schemeClr val="accent1"/>
-          </a:fillRef>
-          <a:effectRef idx="0">
-            <a:schemeClr val="accent1"/>
-          </a:effectRef>
-          <a:fontRef idx="minor">
-            <a:schemeClr val="lt1"/>
-          </a:fontRef>
-        </p:style>
-        <p:txBody>
-          <a:bodyPr rtlCol="0" anchor="ctr"/>
-          <a:lstStyle/>
-          <a:p>
-            <a:pPr algn="ctr"/>
-            <a:endParaRPr lang="en-SG">
-              <a:latin typeface="Consolas" panose="020B0609020204030204" pitchFamily="49" charset="0"/>
-            </a:endParaRPr>
-          </a:p>
-        </p:txBody>
-      </p:sp>
       <p:cxnSp>
         <p:nvCxnSpPr>
           <p:cNvPr id="29" name="Straight Arrow Connector 28"/>
-          <p:cNvCxnSpPr>
-            <a:stCxn id="27" idx="1"/>
-            <a:endCxn id="12" idx="3"/>
-          </p:cNvCxnSpPr>
+          <p:cNvCxnSpPr/>
           <p:nvPr/>
         </p:nvCxnSpPr>
         <p:spPr>
           <a:xfrm flipH="1" flipV="1">
-            <a:off x="3672184" y="2481920"/>
-            <a:ext cx="1721573" cy="1811439"/>
+            <a:off x="4968329" y="2481920"/>
+            <a:ext cx="1433540" cy="1811439"/>
           </a:xfrm>
           <a:prstGeom prst="straightConnector1">
             <a:avLst/>
@@ -4751,8 +4397,8 @@
         </p:nvSpPr>
         <p:spPr>
           <a:xfrm>
-            <a:off x="8352705" y="2700040"/>
-            <a:ext cx="1584176" cy="2448272"/>
+            <a:off x="8424713" y="2700040"/>
+            <a:ext cx="1512168" cy="2448272"/>
           </a:xfrm>
           <a:prstGeom prst="rect">
             <a:avLst/>
@@ -4906,115 +4552,16 @@
           </a:p>
         </p:txBody>
       </p:sp>
-      <p:sp>
-        <p:nvSpPr>
-          <p:cNvPr id="31" name="Rectangle 30"/>
-          <p:cNvSpPr/>
-          <p:nvPr/>
-        </p:nvSpPr>
-        <p:spPr>
-          <a:xfrm>
-            <a:off x="8424713" y="2746188"/>
-            <a:ext cx="648072" cy="162302"/>
-          </a:xfrm>
-          <a:prstGeom prst="rect">
-            <a:avLst/>
-          </a:prstGeom>
-          <a:noFill/>
-          <a:ln>
-            <a:solidFill>
-              <a:schemeClr val="tx1"/>
-            </a:solidFill>
-          </a:ln>
-        </p:spPr>
-        <p:style>
-          <a:lnRef idx="2">
-            <a:schemeClr val="accent1">
-              <a:shade val="50000"/>
-            </a:schemeClr>
-          </a:lnRef>
-          <a:fillRef idx="1">
-            <a:schemeClr val="accent1"/>
-          </a:fillRef>
-          <a:effectRef idx="0">
-            <a:schemeClr val="accent1"/>
-          </a:effectRef>
-          <a:fontRef idx="minor">
-            <a:schemeClr val="lt1"/>
-          </a:fontRef>
-        </p:style>
-        <p:txBody>
-          <a:bodyPr rtlCol="0" anchor="ctr"/>
-          <a:lstStyle/>
-          <a:p>
-            <a:pPr algn="ctr"/>
-            <a:endParaRPr lang="en-SG">
-              <a:latin typeface="Consolas" panose="020B0609020204030204" pitchFamily="49" charset="0"/>
-            </a:endParaRPr>
-          </a:p>
-        </p:txBody>
-      </p:sp>
-      <p:sp>
-        <p:nvSpPr>
-          <p:cNvPr id="35" name="Rectangle 34"/>
-          <p:cNvSpPr/>
-          <p:nvPr/>
-        </p:nvSpPr>
-        <p:spPr>
-          <a:xfrm>
-            <a:off x="5429351" y="2906793"/>
-            <a:ext cx="835121" cy="162302"/>
-          </a:xfrm>
-          <a:prstGeom prst="rect">
-            <a:avLst/>
-          </a:prstGeom>
-          <a:noFill/>
-          <a:ln>
-            <a:solidFill>
-              <a:schemeClr val="tx1"/>
-            </a:solidFill>
-          </a:ln>
-        </p:spPr>
-        <p:style>
-          <a:lnRef idx="2">
-            <a:schemeClr val="accent1">
-              <a:shade val="50000"/>
-            </a:schemeClr>
-          </a:lnRef>
-          <a:fillRef idx="1">
-            <a:schemeClr val="accent1"/>
-          </a:fillRef>
-          <a:effectRef idx="0">
-            <a:schemeClr val="accent1"/>
-          </a:effectRef>
-          <a:fontRef idx="minor">
-            <a:schemeClr val="lt1"/>
-          </a:fontRef>
-        </p:style>
-        <p:txBody>
-          <a:bodyPr rtlCol="0" anchor="ctr"/>
-          <a:lstStyle/>
-          <a:p>
-            <a:pPr algn="ctr"/>
-            <a:endParaRPr lang="en-SG">
-              <a:latin typeface="Consolas" panose="020B0609020204030204" pitchFamily="49" charset="0"/>
-            </a:endParaRPr>
-          </a:p>
-        </p:txBody>
-      </p:sp>
       <p:cxnSp>
         <p:nvCxnSpPr>
           <p:cNvPr id="37" name="Straight Arrow Connector 36"/>
-          <p:cNvCxnSpPr>
-            <a:stCxn id="35" idx="3"/>
-            <a:endCxn id="31" idx="1"/>
-          </p:cNvCxnSpPr>
+          <p:cNvCxnSpPr/>
           <p:nvPr/>
         </p:nvCxnSpPr>
         <p:spPr>
           <a:xfrm flipV="1">
-            <a:off x="6264472" y="2827339"/>
-            <a:ext cx="2160241" cy="160605"/>
+            <a:off x="7234773" y="2827339"/>
+            <a:ext cx="1261948" cy="160605"/>
           </a:xfrm>
           <a:prstGeom prst="straightConnector1">
             <a:avLst/>
@@ -5038,67 +4585,16 @@
           </a:fontRef>
         </p:style>
       </p:cxnSp>
-      <p:sp>
-        <p:nvSpPr>
-          <p:cNvPr id="44" name="Rectangle 43"/>
-          <p:cNvSpPr/>
-          <p:nvPr/>
-        </p:nvSpPr>
-        <p:spPr>
-          <a:xfrm>
-            <a:off x="8424713" y="4428232"/>
-            <a:ext cx="648072" cy="162302"/>
-          </a:xfrm>
-          <a:prstGeom prst="rect">
-            <a:avLst/>
-          </a:prstGeom>
-          <a:noFill/>
-          <a:ln>
-            <a:solidFill>
-              <a:schemeClr val="tx1"/>
-            </a:solidFill>
-          </a:ln>
-        </p:spPr>
-        <p:style>
-          <a:lnRef idx="2">
-            <a:schemeClr val="accent1">
-              <a:shade val="50000"/>
-            </a:schemeClr>
-          </a:lnRef>
-          <a:fillRef idx="1">
-            <a:schemeClr val="accent1"/>
-          </a:fillRef>
-          <a:effectRef idx="0">
-            <a:schemeClr val="accent1"/>
-          </a:effectRef>
-          <a:fontRef idx="minor">
-            <a:schemeClr val="lt1"/>
-          </a:fontRef>
-        </p:style>
-        <p:txBody>
-          <a:bodyPr rtlCol="0" anchor="ctr"/>
-          <a:lstStyle/>
-          <a:p>
-            <a:pPr algn="ctr"/>
-            <a:endParaRPr lang="en-SG">
-              <a:latin typeface="Consolas" panose="020B0609020204030204" pitchFamily="49" charset="0"/>
-            </a:endParaRPr>
-          </a:p>
-        </p:txBody>
-      </p:sp>
       <p:cxnSp>
         <p:nvCxnSpPr>
           <p:cNvPr id="47" name="Straight Arrow Connector 46"/>
-          <p:cNvCxnSpPr>
-            <a:stCxn id="44" idx="1"/>
-            <a:endCxn id="13" idx="3"/>
-          </p:cNvCxnSpPr>
+          <p:cNvCxnSpPr/>
           <p:nvPr/>
         </p:nvCxnSpPr>
         <p:spPr>
           <a:xfrm flipH="1" flipV="1">
-            <a:off x="5976440" y="3932560"/>
-            <a:ext cx="2448273" cy="576823"/>
+            <a:off x="6984552" y="3932560"/>
+            <a:ext cx="1512169" cy="576823"/>
           </a:xfrm>
           <a:prstGeom prst="straightConnector1">
             <a:avLst/>
@@ -5125,67 +4621,16 @@
           </a:fontRef>
         </p:style>
       </p:cxnSp>
-      <p:sp>
-        <p:nvSpPr>
-          <p:cNvPr id="48" name="Rectangle 47"/>
-          <p:cNvSpPr/>
-          <p:nvPr/>
-        </p:nvSpPr>
-        <p:spPr>
-          <a:xfrm>
-            <a:off x="8424713" y="4226170"/>
-            <a:ext cx="324036" cy="162302"/>
-          </a:xfrm>
-          <a:prstGeom prst="rect">
-            <a:avLst/>
-          </a:prstGeom>
-          <a:noFill/>
-          <a:ln>
-            <a:solidFill>
-              <a:schemeClr val="tx1"/>
-            </a:solidFill>
-          </a:ln>
-        </p:spPr>
-        <p:style>
-          <a:lnRef idx="2">
-            <a:schemeClr val="accent1">
-              <a:shade val="50000"/>
-            </a:schemeClr>
-          </a:lnRef>
-          <a:fillRef idx="1">
-            <a:schemeClr val="accent1"/>
-          </a:fillRef>
-          <a:effectRef idx="0">
-            <a:schemeClr val="accent1"/>
-          </a:effectRef>
-          <a:fontRef idx="minor">
-            <a:schemeClr val="lt1"/>
-          </a:fontRef>
-        </p:style>
-        <p:txBody>
-          <a:bodyPr rtlCol="0" anchor="ctr"/>
-          <a:lstStyle/>
-          <a:p>
-            <a:pPr algn="ctr"/>
-            <a:endParaRPr lang="en-SG">
-              <a:latin typeface="Consolas" panose="020B0609020204030204" pitchFamily="49" charset="0"/>
-            </a:endParaRPr>
-          </a:p>
-        </p:txBody>
-      </p:sp>
       <p:cxnSp>
         <p:nvCxnSpPr>
           <p:cNvPr id="50" name="Straight Arrow Connector 49"/>
-          <p:cNvCxnSpPr>
-            <a:stCxn id="48" idx="1"/>
-            <a:endCxn id="16" idx="3"/>
-          </p:cNvCxnSpPr>
+          <p:cNvCxnSpPr/>
           <p:nvPr/>
         </p:nvCxnSpPr>
         <p:spPr>
           <a:xfrm flipH="1" flipV="1">
-            <a:off x="5861400" y="2629844"/>
-            <a:ext cx="2563313" cy="1677477"/>
+            <a:off x="6831701" y="2629844"/>
+            <a:ext cx="1665020" cy="1677477"/>
           </a:xfrm>
           <a:prstGeom prst="straightConnector1">
             <a:avLst/>
@@ -5212,67 +4657,16 @@
           </a:fontRef>
         </p:style>
       </p:cxnSp>
-      <p:sp>
-        <p:nvSpPr>
-          <p:cNvPr id="52" name="Rectangle 51"/>
-          <p:cNvSpPr/>
-          <p:nvPr/>
-        </p:nvSpPr>
-        <p:spPr>
-          <a:xfrm>
-            <a:off x="5400376" y="4390007"/>
-            <a:ext cx="916585" cy="162302"/>
-          </a:xfrm>
-          <a:prstGeom prst="rect">
-            <a:avLst/>
-          </a:prstGeom>
-          <a:noFill/>
-          <a:ln>
-            <a:solidFill>
-              <a:schemeClr val="tx1"/>
-            </a:solidFill>
-          </a:ln>
-        </p:spPr>
-        <p:style>
-          <a:lnRef idx="2">
-            <a:schemeClr val="accent1">
-              <a:shade val="50000"/>
-            </a:schemeClr>
-          </a:lnRef>
-          <a:fillRef idx="1">
-            <a:schemeClr val="accent1"/>
-          </a:fillRef>
-          <a:effectRef idx="0">
-            <a:schemeClr val="accent1"/>
-          </a:effectRef>
-          <a:fontRef idx="minor">
-            <a:schemeClr val="lt1"/>
-          </a:fontRef>
-        </p:style>
-        <p:txBody>
-          <a:bodyPr rtlCol="0" anchor="ctr"/>
-          <a:lstStyle/>
-          <a:p>
-            <a:pPr algn="ctr"/>
-            <a:endParaRPr lang="en-SG">
-              <a:latin typeface="Consolas" panose="020B0609020204030204" pitchFamily="49" charset="0"/>
-            </a:endParaRPr>
-          </a:p>
-        </p:txBody>
-      </p:sp>
       <p:cxnSp>
         <p:nvCxnSpPr>
           <p:cNvPr id="54" name="Straight Arrow Connector 53"/>
-          <p:cNvCxnSpPr>
-            <a:stCxn id="52" idx="3"/>
-            <a:endCxn id="31" idx="1"/>
-          </p:cNvCxnSpPr>
+          <p:cNvCxnSpPr/>
           <p:nvPr/>
         </p:nvCxnSpPr>
         <p:spPr>
           <a:xfrm flipV="1">
-            <a:off x="6316961" y="2827339"/>
-            <a:ext cx="2107752" cy="1643819"/>
+            <a:off x="7325073" y="2827339"/>
+            <a:ext cx="1171648" cy="1643819"/>
           </a:xfrm>
           <a:prstGeom prst="straightConnector1">
             <a:avLst/>
@@ -5298,64 +4692,19 @@
       </p:cxnSp>
       <p:sp>
         <p:nvSpPr>
-          <p:cNvPr id="59" name="Right Brace 58"/>
-          <p:cNvSpPr/>
-          <p:nvPr/>
-        </p:nvSpPr>
-        <p:spPr>
-          <a:xfrm>
-            <a:off x="6552505" y="648923"/>
-            <a:ext cx="144016" cy="1259029"/>
-          </a:xfrm>
-          <a:prstGeom prst="rightBrace">
-            <a:avLst/>
-          </a:prstGeom>
-          <a:ln>
-            <a:solidFill>
-              <a:schemeClr val="tx1"/>
-            </a:solidFill>
-          </a:ln>
-        </p:spPr>
-        <p:style>
-          <a:lnRef idx="1">
-            <a:schemeClr val="accent1"/>
-          </a:lnRef>
-          <a:fillRef idx="0">
-            <a:schemeClr val="accent1"/>
-          </a:fillRef>
-          <a:effectRef idx="0">
-            <a:schemeClr val="accent1"/>
-          </a:effectRef>
-          <a:fontRef idx="minor">
-            <a:schemeClr val="tx1"/>
-          </a:fontRef>
-        </p:style>
-        <p:txBody>
-          <a:bodyPr rtlCol="0" anchor="ctr"/>
-          <a:lstStyle/>
-          <a:p>
-            <a:pPr algn="ctr"/>
-            <a:endParaRPr lang="en-SG">
-              <a:latin typeface="Consolas" panose="020B0609020204030204" pitchFamily="49" charset="0"/>
-            </a:endParaRPr>
-          </a:p>
-        </p:txBody>
-      </p:sp>
-      <p:sp>
-        <p:nvSpPr>
           <p:cNvPr id="60" name="Right Brace 59"/>
           <p:cNvSpPr/>
           <p:nvPr/>
         </p:nvSpPr>
         <p:spPr>
           <a:xfrm flipH="1">
-            <a:off x="8353835" y="2931170"/>
+            <a:off x="8425843" y="2931170"/>
             <a:ext cx="144016" cy="1259029"/>
           </a:xfrm>
           <a:prstGeom prst="rightBrace">
             <a:avLst/>
           </a:prstGeom>
-          <a:ln>
+          <a:ln w="12700">
             <a:solidFill>
               <a:schemeClr val="tx1"/>
             </a:solidFill>
@@ -5397,8 +4746,8 @@
         </p:nvCxnSpPr>
         <p:spPr>
           <a:xfrm>
-            <a:off x="6696521" y="1278438"/>
-            <a:ext cx="1657314" cy="2282247"/>
+            <a:off x="7632624" y="1278438"/>
+            <a:ext cx="793219" cy="2282247"/>
           </a:xfrm>
           <a:prstGeom prst="straightConnector1">
             <a:avLst/>
@@ -5438,14 +4787,14 @@
           <p:nvPr>
             <p:extLst>
               <p:ext uri="{D42A27DB-BD31-4B8C-83A1-F6EECF244321}">
-                <p14:modId xmlns:p14="http://schemas.microsoft.com/office/powerpoint/2010/main" val="2723617798"/>
+                <p14:modId xmlns:p14="http://schemas.microsoft.com/office/powerpoint/2010/main" val="461668478"/>
               </p:ext>
             </p:extLst>
           </p:nvPr>
         </p:nvGraphicFramePr>
         <p:xfrm>
-          <a:off x="863873" y="5460320"/>
-          <a:ext cx="9120718" cy="1920240"/>
+          <a:off x="1512226" y="5436344"/>
+          <a:ext cx="8496663" cy="1920240"/>
         </p:xfrm>
         <a:graphic>
           <a:graphicData uri="http://schemas.openxmlformats.org/drawingml/2006/table">
@@ -5455,7 +4804,7 @@
               </a:tblPr>
               <a:tblGrid>
                 <a:gridCol w="1536023"/>
-                <a:gridCol w="7584695"/>
+                <a:gridCol w="6960640"/>
               </a:tblGrid>
               <a:tr h="370840">
                 <a:tc>
@@ -5505,11 +4854,7 @@
                     <a:p>
                       <a:r>
                         <a:rPr lang="en-SG" sz="1200" dirty="0" smtClean="0"/>
-                        <a:t>Each time a Player has made a move, s</a:t>
-                      </a:r>
-                      <a:r>
-                        <a:rPr lang="en-SG" sz="1200" dirty="0" smtClean="0"/>
-                        <a:t>ome values of these classes  can change during a game. Each Player (</a:t>
+                        <a:t>Each time a Player has made a move, some values of these classes  can change during a game. Each Player (</a:t>
                       </a:r>
                       <a:r>
                         <a:rPr lang="en-SG" sz="1200" dirty="0" err="1" smtClean="0"/>
@@ -5595,19 +4940,19 @@
                     <a:p>
                       <a:r>
                         <a:rPr lang="en-SG" sz="1200" dirty="0" smtClean="0"/>
-                        <a:t>These values get copied from </a:t>
-                      </a:r>
-                      <a:r>
-                        <a:rPr lang="en-SG" sz="1200" dirty="0" err="1" smtClean="0"/>
-                        <a:t>CountryFix</a:t>
+                        <a:t>These values get copied </a:t>
                       </a:r>
                       <a:r>
                         <a:rPr lang="en-SG" sz="1200" dirty="0" smtClean="0"/>
-                        <a:t> to Country only</a:t>
+                        <a:t>only</a:t>
                       </a:r>
                       <a:r>
                         <a:rPr lang="en-SG" sz="1200" baseline="0" dirty="0" smtClean="0"/>
-                        <a:t> once, when a new Game starts</a:t>
+                        <a:t> </a:t>
+                      </a:r>
+                      <a:r>
+                        <a:rPr lang="en-SG" sz="1200" baseline="0" dirty="0" smtClean="0"/>
+                        <a:t>once, when a new Game starts</a:t>
                       </a:r>
                       <a:endParaRPr lang="en-SG" sz="1200" dirty="0"/>
                     </a:p>
@@ -5627,7 +4972,7 @@
         </p:nvSpPr>
         <p:spPr>
           <a:xfrm>
-            <a:off x="1007888" y="5580360"/>
+            <a:off x="1655960" y="5534537"/>
             <a:ext cx="1224137" cy="261847"/>
           </a:xfrm>
           <a:prstGeom prst="rect">
@@ -5668,7 +5013,7 @@
         </p:nvSpPr>
         <p:spPr>
           <a:xfrm>
-            <a:off x="1007888" y="6084416"/>
+            <a:off x="1655960" y="6084416"/>
             <a:ext cx="1217355" cy="216024"/>
           </a:xfrm>
           <a:prstGeom prst="rect">
@@ -5709,7 +5054,7 @@
         </p:nvCxnSpPr>
         <p:spPr>
           <a:xfrm>
-            <a:off x="1007888" y="6732488"/>
+            <a:off x="1655960" y="6660480"/>
             <a:ext cx="1209078" cy="0"/>
           </a:xfrm>
           <a:prstGeom prst="straightConnector1">
@@ -5742,7 +5087,7 @@
         </p:nvCxnSpPr>
         <p:spPr>
           <a:xfrm flipH="1">
-            <a:off x="1001108" y="6948512"/>
+            <a:off x="1649180" y="6948512"/>
             <a:ext cx="1212550" cy="0"/>
           </a:xfrm>
           <a:prstGeom prst="straightConnector1">
@@ -5778,7 +5123,7 @@
         </p:nvCxnSpPr>
         <p:spPr>
           <a:xfrm>
-            <a:off x="1024985" y="7236544"/>
+            <a:off x="1673057" y="7236544"/>
             <a:ext cx="1200258" cy="0"/>
           </a:xfrm>
           <a:prstGeom prst="straightConnector1">
@@ -5810,6 +5155,352 @@
           </a:fontRef>
         </p:style>
       </p:cxnSp>
+      <p:sp>
+        <p:nvSpPr>
+          <p:cNvPr id="122" name="TextBox 121"/>
+          <p:cNvSpPr txBox="1"/>
+          <p:nvPr/>
+        </p:nvSpPr>
+        <p:spPr>
+          <a:xfrm>
+            <a:off x="1727969" y="458083"/>
+            <a:ext cx="1800200" cy="1080120"/>
+          </a:xfrm>
+          <a:prstGeom prst="rect">
+            <a:avLst/>
+          </a:prstGeom>
+        </p:spPr>
+        <p:style>
+          <a:lnRef idx="1">
+            <a:schemeClr val="accent1"/>
+          </a:lnRef>
+          <a:fillRef idx="2">
+            <a:schemeClr val="accent1"/>
+          </a:fillRef>
+          <a:effectRef idx="1">
+            <a:schemeClr val="accent1"/>
+          </a:effectRef>
+          <a:fontRef idx="minor">
+            <a:schemeClr val="dk1"/>
+          </a:fontRef>
+        </p:style>
+        <p:txBody>
+          <a:bodyPr wrap="square" rtlCol="0">
+            <a:noAutofit/>
+          </a:bodyPr>
+          <a:lstStyle/>
+          <a:p>
+            <a:r>
+              <a:rPr lang="en-SG" sz="1200" b="1" dirty="0" smtClean="0">
+                <a:latin typeface="Consolas" panose="020B0609020204030204" pitchFamily="49" charset="0"/>
+              </a:rPr>
+              <a:t>Options</a:t>
+            </a:r>
+            <a:endParaRPr lang="en-SG" sz="1200" dirty="0" smtClean="0">
+              <a:latin typeface="Consolas" panose="020B0609020204030204" pitchFamily="49" charset="0"/>
+            </a:endParaRPr>
+          </a:p>
+          <a:p>
+            <a:r>
+              <a:rPr lang="en-SG" sz="1200" dirty="0" err="1" smtClean="0">
+                <a:latin typeface="Consolas" panose="020B0609020204030204" pitchFamily="49" charset="0"/>
+              </a:rPr>
+              <a:t>ArmyGrowthFactor</a:t>
+            </a:r>
+            <a:endParaRPr lang="en-SG" sz="1200" dirty="0" smtClean="0">
+              <a:latin typeface="Consolas" panose="020B0609020204030204" pitchFamily="49" charset="0"/>
+            </a:endParaRPr>
+          </a:p>
+          <a:p>
+            <a:r>
+              <a:rPr lang="en-SG" sz="1200" dirty="0" err="1" smtClean="0">
+                <a:latin typeface="Consolas" panose="020B0609020204030204" pitchFamily="49" charset="0"/>
+              </a:rPr>
+              <a:t>ProtectionFactor</a:t>
+            </a:r>
+            <a:endParaRPr lang="en-SG" sz="1200" dirty="0" smtClean="0">
+              <a:latin typeface="Consolas" panose="020B0609020204030204" pitchFamily="49" charset="0"/>
+            </a:endParaRPr>
+          </a:p>
+          <a:p>
+            <a:r>
+              <a:rPr lang="en-SG" sz="1200" dirty="0" err="1" smtClean="0">
+                <a:latin typeface="Consolas" panose="020B0609020204030204" pitchFamily="49" charset="0"/>
+              </a:rPr>
+              <a:t>AttackFactor</a:t>
+            </a:r>
+            <a:endParaRPr lang="en-SG" sz="1200" dirty="0" smtClean="0">
+              <a:latin typeface="Consolas" panose="020B0609020204030204" pitchFamily="49" charset="0"/>
+            </a:endParaRPr>
+          </a:p>
+          <a:p>
+            <a:r>
+              <a:rPr lang="en-SG" sz="1200" dirty="0" err="1">
+                <a:latin typeface="Consolas" panose="020B0609020204030204" pitchFamily="49" charset="0"/>
+              </a:rPr>
+              <a:t>AttackBenefitFactor</a:t>
+            </a:r>
+            <a:endParaRPr lang="en-SG" sz="1200" dirty="0" smtClean="0">
+              <a:latin typeface="Consolas" panose="020B0609020204030204" pitchFamily="49" charset="0"/>
+            </a:endParaRPr>
+          </a:p>
+        </p:txBody>
+      </p:sp>
+      <p:sp>
+        <p:nvSpPr>
+          <p:cNvPr id="123" name="Right Brace 122"/>
+          <p:cNvSpPr/>
+          <p:nvPr/>
+        </p:nvSpPr>
+        <p:spPr>
+          <a:xfrm flipH="1">
+            <a:off x="4464273" y="3139983"/>
+            <a:ext cx="144016" cy="712185"/>
+          </a:xfrm>
+          <a:prstGeom prst="rightBrace">
+            <a:avLst/>
+          </a:prstGeom>
+          <a:ln w="12700">
+            <a:solidFill>
+              <a:schemeClr val="tx1"/>
+            </a:solidFill>
+          </a:ln>
+        </p:spPr>
+        <p:style>
+          <a:lnRef idx="1">
+            <a:schemeClr val="accent1"/>
+          </a:lnRef>
+          <a:fillRef idx="0">
+            <a:schemeClr val="accent1"/>
+          </a:fillRef>
+          <a:effectRef idx="0">
+            <a:schemeClr val="accent1"/>
+          </a:effectRef>
+          <a:fontRef idx="minor">
+            <a:schemeClr val="tx1"/>
+          </a:fontRef>
+        </p:style>
+        <p:txBody>
+          <a:bodyPr rtlCol="0" anchor="ctr"/>
+          <a:lstStyle/>
+          <a:p>
+            <a:pPr algn="ctr"/>
+            <a:endParaRPr lang="en-SG">
+              <a:latin typeface="Consolas" panose="020B0609020204030204" pitchFamily="49" charset="0"/>
+            </a:endParaRPr>
+          </a:p>
+        </p:txBody>
+      </p:sp>
+      <p:sp>
+        <p:nvSpPr>
+          <p:cNvPr id="124" name="Right Brace 123"/>
+          <p:cNvSpPr/>
+          <p:nvPr/>
+        </p:nvSpPr>
+        <p:spPr>
+          <a:xfrm>
+            <a:off x="3384153" y="725601"/>
+            <a:ext cx="144016" cy="682965"/>
+          </a:xfrm>
+          <a:prstGeom prst="rightBrace">
+            <a:avLst/>
+          </a:prstGeom>
+          <a:ln w="12700">
+            <a:solidFill>
+              <a:schemeClr val="tx1"/>
+            </a:solidFill>
+          </a:ln>
+        </p:spPr>
+        <p:style>
+          <a:lnRef idx="1">
+            <a:schemeClr val="accent1"/>
+          </a:lnRef>
+          <a:fillRef idx="0">
+            <a:schemeClr val="accent1"/>
+          </a:fillRef>
+          <a:effectRef idx="0">
+            <a:schemeClr val="accent1"/>
+          </a:effectRef>
+          <a:fontRef idx="minor">
+            <a:schemeClr val="tx1"/>
+          </a:fontRef>
+        </p:style>
+        <p:txBody>
+          <a:bodyPr rtlCol="0" anchor="ctr"/>
+          <a:lstStyle/>
+          <a:p>
+            <a:pPr algn="ctr"/>
+            <a:endParaRPr lang="en-SG">
+              <a:latin typeface="Consolas" panose="020B0609020204030204" pitchFamily="49" charset="0"/>
+            </a:endParaRPr>
+          </a:p>
+        </p:txBody>
+      </p:sp>
+      <p:cxnSp>
+        <p:nvCxnSpPr>
+          <p:cNvPr id="125" name="Straight Arrow Connector 124"/>
+          <p:cNvCxnSpPr>
+            <a:stCxn id="124" idx="1"/>
+            <a:endCxn id="123" idx="1"/>
+          </p:cNvCxnSpPr>
+          <p:nvPr/>
+        </p:nvCxnSpPr>
+        <p:spPr>
+          <a:xfrm>
+            <a:off x="3528169" y="1067084"/>
+            <a:ext cx="936104" cy="2428992"/>
+          </a:xfrm>
+          <a:prstGeom prst="straightConnector1">
+            <a:avLst/>
+          </a:prstGeom>
+          <a:ln w="19050">
+            <a:solidFill>
+              <a:schemeClr val="tx1">
+                <a:lumMod val="50000"/>
+                <a:lumOff val="50000"/>
+              </a:schemeClr>
+            </a:solidFill>
+            <a:prstDash val="dash"/>
+            <a:tailEnd type="arrow"/>
+          </a:ln>
+        </p:spPr>
+        <p:style>
+          <a:lnRef idx="1">
+            <a:schemeClr val="accent1"/>
+          </a:lnRef>
+          <a:fillRef idx="0">
+            <a:schemeClr val="accent1"/>
+          </a:fillRef>
+          <a:effectRef idx="0">
+            <a:schemeClr val="accent1"/>
+          </a:effectRef>
+          <a:fontRef idx="minor">
+            <a:schemeClr val="tx1"/>
+          </a:fontRef>
+        </p:style>
+      </p:cxnSp>
+      <p:cxnSp>
+        <p:nvCxnSpPr>
+          <p:cNvPr id="134" name="Straight Arrow Connector 133"/>
+          <p:cNvCxnSpPr/>
+          <p:nvPr/>
+        </p:nvCxnSpPr>
+        <p:spPr>
+          <a:xfrm flipH="1" flipV="1">
+            <a:off x="2448049" y="597954"/>
+            <a:ext cx="1992490" cy="125100"/>
+          </a:xfrm>
+          <a:prstGeom prst="straightConnector1">
+            <a:avLst/>
+          </a:prstGeom>
+          <a:ln>
+            <a:solidFill>
+              <a:schemeClr val="tx1"/>
+            </a:solidFill>
+            <a:tailEnd type="arrow"/>
+          </a:ln>
+        </p:spPr>
+        <p:style>
+          <a:lnRef idx="1">
+            <a:schemeClr val="accent1"/>
+          </a:lnRef>
+          <a:fillRef idx="0">
+            <a:schemeClr val="accent1"/>
+          </a:fillRef>
+          <a:effectRef idx="0">
+            <a:schemeClr val="accent1"/>
+          </a:effectRef>
+          <a:fontRef idx="minor">
+            <a:schemeClr val="tx1"/>
+          </a:fontRef>
+        </p:style>
+      </p:cxnSp>
+      <p:sp>
+        <p:nvSpPr>
+          <p:cNvPr id="24" name="Freeform 23"/>
+          <p:cNvSpPr/>
+          <p:nvPr/>
+        </p:nvSpPr>
+        <p:spPr>
+          <a:xfrm>
+            <a:off x="9169955" y="2831046"/>
+            <a:ext cx="1031299" cy="1299726"/>
+          </a:xfrm>
+          <a:custGeom>
+            <a:avLst/>
+            <a:gdLst>
+              <a:gd name="connsiteX0" fmla="*/ 415273 w 1031299"/>
+              <a:gd name="connsiteY0" fmla="*/ 1299726 h 1299726"/>
+              <a:gd name="connsiteX1" fmla="*/ 1022211 w 1031299"/>
+              <a:gd name="connsiteY1" fmla="*/ 798603 h 1299726"/>
+              <a:gd name="connsiteX2" fmla="*/ 0 w 1031299"/>
+              <a:gd name="connsiteY2" fmla="*/ 0 h 1299726"/>
+            </a:gdLst>
+            <a:ahLst/>
+            <a:cxnLst>
+              <a:cxn ang="0">
+                <a:pos x="connsiteX0" y="connsiteY0"/>
+              </a:cxn>
+              <a:cxn ang="0">
+                <a:pos x="connsiteX1" y="connsiteY1"/>
+              </a:cxn>
+              <a:cxn ang="0">
+                <a:pos x="connsiteX2" y="connsiteY2"/>
+              </a:cxn>
+            </a:cxnLst>
+            <a:rect l="l" t="t" r="r" b="b"/>
+            <a:pathLst>
+              <a:path w="1031299" h="1299726">
+                <a:moveTo>
+                  <a:pt x="415273" y="1299726"/>
+                </a:moveTo>
+                <a:cubicBezTo>
+                  <a:pt x="753348" y="1157475"/>
+                  <a:pt x="1091423" y="1015224"/>
+                  <a:pt x="1022211" y="798603"/>
+                </a:cubicBezTo>
+                <a:cubicBezTo>
+                  <a:pt x="952999" y="581982"/>
+                  <a:pt x="476499" y="290991"/>
+                  <a:pt x="0" y="0"/>
+                </a:cubicBezTo>
+              </a:path>
+            </a:pathLst>
+          </a:custGeom>
+          <a:noFill/>
+          <a:ln w="9525">
+            <a:solidFill>
+              <a:srgbClr val="4A7EBB"/>
+            </a:solidFill>
+            <a:headEnd type="none" w="med" len="med"/>
+            <a:tailEnd type="arrow" w="med" len="med"/>
+          </a:ln>
+        </p:spPr>
+        <p:style>
+          <a:lnRef idx="2">
+            <a:schemeClr val="accent1">
+              <a:shade val="50000"/>
+            </a:schemeClr>
+          </a:lnRef>
+          <a:fillRef idx="1">
+            <a:schemeClr val="accent1"/>
+          </a:fillRef>
+          <a:effectRef idx="0">
+            <a:schemeClr val="accent1"/>
+          </a:effectRef>
+          <a:fontRef idx="minor">
+            <a:schemeClr val="lt1"/>
+          </a:fontRef>
+        </p:style>
+        <p:txBody>
+          <a:bodyPr rtlCol="0" anchor="ctr"/>
+          <a:lstStyle/>
+          <a:p>
+            <a:pPr algn="ctr"/>
+            <a:endParaRPr lang="en-SG"/>
+          </a:p>
+        </p:txBody>
+      </p:sp>
     </p:spTree>
     <p:extLst>
       <p:ext uri="{BB962C8B-B14F-4D97-AF65-F5344CB8AC3E}">
@@ -5830,7 +5521,7 @@
 </p:sld>
 </file>
 
-<file path=ppt/slides/slide4.xml><?xml version="1.0" encoding="utf-8"?>
+<file path=ppt/slides/slide5.xml><?xml version="1.0" encoding="utf-8"?>
 <p:sld xmlns:a="http://schemas.openxmlformats.org/drawingml/2006/main" xmlns:r="http://schemas.openxmlformats.org/officeDocument/2006/relationships" xmlns:p="http://schemas.openxmlformats.org/presentationml/2006/main">
   <p:cSld>
     <p:spTree>
@@ -6110,7 +5801,7 @@
 </p:sld>
 </file>
 
-<file path=ppt/slides/slide5.xml><?xml version="1.0" encoding="utf-8"?>
+<file path=ppt/slides/slide6.xml><?xml version="1.0" encoding="utf-8"?>
 <p:sld xmlns:a="http://schemas.openxmlformats.org/drawingml/2006/main" xmlns:r="http://schemas.openxmlformats.org/officeDocument/2006/relationships" xmlns:p="http://schemas.openxmlformats.org/presentationml/2006/main">
   <p:cSld>
     <p:spTree>
@@ -8225,7 +7916,7 @@
 </p:sld>
 </file>
 
-<file path=ppt/slides/slide6.xml><?xml version="1.0" encoding="utf-8"?>
+<file path=ppt/slides/slide7.xml><?xml version="1.0" encoding="utf-8"?>
 <p:sld xmlns:a="http://schemas.openxmlformats.org/drawingml/2006/main" xmlns:r="http://schemas.openxmlformats.org/officeDocument/2006/relationships" xmlns:p="http://schemas.openxmlformats.org/presentationml/2006/main">
   <p:cSld>
     <p:spTree>
@@ -8313,6 +8004,2613 @@
       </p:par>
     </p:tnLst>
   </p:timing>
+</p:sld>
+</file>
+
+<file path=ppt/slides/slide8.xml><?xml version="1.0" encoding="utf-8"?>
+<p:sld xmlns:a="http://schemas.openxmlformats.org/drawingml/2006/main" xmlns:r="http://schemas.openxmlformats.org/officeDocument/2006/relationships" xmlns:p="http://schemas.openxmlformats.org/presentationml/2006/main">
+  <p:cSld>
+    <p:spTree>
+      <p:nvGrpSpPr>
+        <p:cNvPr id="1" name=""/>
+        <p:cNvGrpSpPr/>
+        <p:nvPr/>
+      </p:nvGrpSpPr>
+      <p:grpSpPr>
+        <a:xfrm>
+          <a:off x="0" y="0"/>
+          <a:ext cx="0" cy="0"/>
+          <a:chOff x="0" y="0"/>
+          <a:chExt cx="0" cy="0"/>
+        </a:xfrm>
+      </p:grpSpPr>
+      <p:sp>
+        <p:nvSpPr>
+          <p:cNvPr id="4" name="Rectangle 3"/>
+          <p:cNvSpPr/>
+          <p:nvPr/>
+        </p:nvSpPr>
+        <p:spPr>
+          <a:xfrm>
+            <a:off x="71785" y="60329"/>
+            <a:ext cx="1053996" cy="388146"/>
+          </a:xfrm>
+          <a:prstGeom prst="rect">
+            <a:avLst/>
+          </a:prstGeom>
+        </p:spPr>
+        <p:txBody>
+          <a:bodyPr wrap="none" lIns="140552" tIns="70276" rIns="140552" bIns="70276">
+            <a:spAutoFit/>
+          </a:bodyPr>
+          <a:lstStyle/>
+          <a:p>
+            <a:r>
+              <a:rPr lang="en-SG" sz="1600" b="1" dirty="0" err="1" smtClean="0"/>
+              <a:t>Autoplay</a:t>
+            </a:r>
+            <a:endParaRPr lang="en-SG" sz="1600" b="1" dirty="0"/>
+          </a:p>
+        </p:txBody>
+      </p:sp>
+      <p:sp>
+        <p:nvSpPr>
+          <p:cNvPr id="5" name="Oval 4"/>
+          <p:cNvSpPr/>
+          <p:nvPr/>
+        </p:nvSpPr>
+        <p:spPr>
+          <a:xfrm>
+            <a:off x="5547021" y="3545858"/>
+            <a:ext cx="1224136" cy="1224136"/>
+          </a:xfrm>
+          <a:prstGeom prst="ellipse">
+            <a:avLst/>
+          </a:prstGeom>
+        </p:spPr>
+        <p:style>
+          <a:lnRef idx="1">
+            <a:schemeClr val="dk1"/>
+          </a:lnRef>
+          <a:fillRef idx="2">
+            <a:schemeClr val="dk1"/>
+          </a:fillRef>
+          <a:effectRef idx="1">
+            <a:schemeClr val="dk1"/>
+          </a:effectRef>
+          <a:fontRef idx="minor">
+            <a:schemeClr val="dk1"/>
+          </a:fontRef>
+        </p:style>
+        <p:txBody>
+          <a:bodyPr rtlCol="0" anchor="ctr"/>
+          <a:lstStyle/>
+          <a:p>
+            <a:pPr algn="ctr"/>
+            <a:r>
+              <a:rPr lang="en-SG" sz="1200" b="1" dirty="0" smtClean="0"/>
+              <a:t>Controller is waiting </a:t>
+            </a:r>
+            <a:r>
+              <a:rPr lang="en-SG" sz="1200" dirty="0" smtClean="0"/>
+              <a:t>for GUI move</a:t>
+            </a:r>
+            <a:endParaRPr lang="en-SG" sz="1200" dirty="0"/>
+          </a:p>
+        </p:txBody>
+      </p:sp>
+      <p:sp>
+        <p:nvSpPr>
+          <p:cNvPr id="6" name="Oval 5"/>
+          <p:cNvSpPr/>
+          <p:nvPr/>
+        </p:nvSpPr>
+        <p:spPr>
+          <a:xfrm>
+            <a:off x="5547021" y="2033690"/>
+            <a:ext cx="1224136" cy="1224136"/>
+          </a:xfrm>
+          <a:prstGeom prst="ellipse">
+            <a:avLst/>
+          </a:prstGeom>
+        </p:spPr>
+        <p:style>
+          <a:lnRef idx="1">
+            <a:schemeClr val="dk1"/>
+          </a:lnRef>
+          <a:fillRef idx="2">
+            <a:schemeClr val="dk1"/>
+          </a:fillRef>
+          <a:effectRef idx="1">
+            <a:schemeClr val="dk1"/>
+          </a:effectRef>
+          <a:fontRef idx="minor">
+            <a:schemeClr val="dk1"/>
+          </a:fontRef>
+        </p:style>
+        <p:txBody>
+          <a:bodyPr rtlCol="0" anchor="ctr"/>
+          <a:lstStyle/>
+          <a:p>
+            <a:pPr algn="ctr"/>
+            <a:r>
+              <a:rPr lang="en-SG" sz="1200" dirty="0" smtClean="0"/>
+              <a:t>Controller is busy processing GUI move</a:t>
+            </a:r>
+            <a:endParaRPr lang="en-SG" sz="1200" dirty="0"/>
+          </a:p>
+        </p:txBody>
+      </p:sp>
+      <p:cxnSp>
+        <p:nvCxnSpPr>
+          <p:cNvPr id="13" name="Elbow Connector 12"/>
+          <p:cNvCxnSpPr>
+            <a:stCxn id="5" idx="2"/>
+            <a:endCxn id="6" idx="2"/>
+          </p:cNvCxnSpPr>
+          <p:nvPr/>
+        </p:nvCxnSpPr>
+        <p:spPr>
+          <a:xfrm rot="10800000">
+            <a:off x="5547021" y="2645758"/>
+            <a:ext cx="12700" cy="1512168"/>
+          </a:xfrm>
+          <a:prstGeom prst="bentConnector3">
+            <a:avLst>
+              <a:gd name="adj1" fmla="val 1800000"/>
+            </a:avLst>
+          </a:prstGeom>
+          <a:ln>
+            <a:solidFill>
+              <a:schemeClr val="tx1"/>
+            </a:solidFill>
+            <a:tailEnd type="arrow"/>
+          </a:ln>
+        </p:spPr>
+        <p:style>
+          <a:lnRef idx="1">
+            <a:schemeClr val="accent1"/>
+          </a:lnRef>
+          <a:fillRef idx="0">
+            <a:schemeClr val="accent1"/>
+          </a:fillRef>
+          <a:effectRef idx="0">
+            <a:schemeClr val="accent1"/>
+          </a:effectRef>
+          <a:fontRef idx="minor">
+            <a:schemeClr val="tx1"/>
+          </a:fontRef>
+        </p:style>
+      </p:cxnSp>
+      <p:cxnSp>
+        <p:nvCxnSpPr>
+          <p:cNvPr id="15" name="Elbow Connector 14"/>
+          <p:cNvCxnSpPr>
+            <a:stCxn id="6" idx="6"/>
+            <a:endCxn id="5" idx="6"/>
+          </p:cNvCxnSpPr>
+          <p:nvPr/>
+        </p:nvCxnSpPr>
+        <p:spPr>
+          <a:xfrm>
+            <a:off x="6771157" y="2645758"/>
+            <a:ext cx="12700" cy="1512168"/>
+          </a:xfrm>
+          <a:prstGeom prst="bentConnector3">
+            <a:avLst>
+              <a:gd name="adj1" fmla="val 1800000"/>
+            </a:avLst>
+          </a:prstGeom>
+          <a:ln>
+            <a:solidFill>
+              <a:schemeClr val="tx1"/>
+            </a:solidFill>
+            <a:tailEnd type="arrow"/>
+          </a:ln>
+        </p:spPr>
+        <p:style>
+          <a:lnRef idx="1">
+            <a:schemeClr val="accent1"/>
+          </a:lnRef>
+          <a:fillRef idx="0">
+            <a:schemeClr val="accent1"/>
+          </a:fillRef>
+          <a:effectRef idx="0">
+            <a:schemeClr val="accent1"/>
+          </a:effectRef>
+          <a:fontRef idx="minor">
+            <a:schemeClr val="tx1"/>
+          </a:fontRef>
+        </p:style>
+      </p:cxnSp>
+      <p:sp>
+        <p:nvSpPr>
+          <p:cNvPr id="16" name="TextBox 15"/>
+          <p:cNvSpPr txBox="1"/>
+          <p:nvPr/>
+        </p:nvSpPr>
+        <p:spPr>
+          <a:xfrm>
+            <a:off x="4106861" y="2691114"/>
+            <a:ext cx="1182631" cy="646331"/>
+          </a:xfrm>
+          <a:prstGeom prst="rect">
+            <a:avLst/>
+          </a:prstGeom>
+          <a:noFill/>
+        </p:spPr>
+        <p:txBody>
+          <a:bodyPr wrap="none" rtlCol="0">
+            <a:spAutoFit/>
+          </a:bodyPr>
+          <a:lstStyle/>
+          <a:p>
+            <a:pPr algn="r"/>
+            <a:r>
+              <a:rPr lang="en-SG" sz="1200" dirty="0" err="1" smtClean="0"/>
+              <a:t>Gui</a:t>
+            </a:r>
+            <a:r>
+              <a:rPr lang="en-SG" sz="1200" dirty="0" smtClean="0"/>
+              <a:t> sends</a:t>
+            </a:r>
+          </a:p>
+          <a:p>
+            <a:pPr algn="r"/>
+            <a:r>
+              <a:rPr lang="en-SG" sz="1200" dirty="0" smtClean="0"/>
+              <a:t>Move to </a:t>
+            </a:r>
+          </a:p>
+          <a:p>
+            <a:pPr algn="r"/>
+            <a:r>
+              <a:rPr lang="en-SG" sz="1200" dirty="0" err="1" smtClean="0"/>
+              <a:t>GameController</a:t>
+            </a:r>
+            <a:endParaRPr lang="en-SG" sz="1200" dirty="0"/>
+          </a:p>
+        </p:txBody>
+      </p:sp>
+      <p:sp>
+        <p:nvSpPr>
+          <p:cNvPr id="17" name="TextBox 16"/>
+          <p:cNvSpPr txBox="1"/>
+          <p:nvPr/>
+        </p:nvSpPr>
+        <p:spPr>
+          <a:xfrm>
+            <a:off x="6987181" y="3804273"/>
+            <a:ext cx="1569532" cy="461665"/>
+          </a:xfrm>
+          <a:prstGeom prst="rect">
+            <a:avLst/>
+          </a:prstGeom>
+          <a:noFill/>
+        </p:spPr>
+        <p:txBody>
+          <a:bodyPr wrap="none" rtlCol="0">
+            <a:spAutoFit/>
+          </a:bodyPr>
+          <a:lstStyle/>
+          <a:p>
+            <a:r>
+              <a:rPr lang="en-SG" sz="1200" dirty="0" err="1" smtClean="0"/>
+              <a:t>MapChanged</a:t>
+            </a:r>
+            <a:r>
+              <a:rPr lang="en-SG" sz="1200" dirty="0" smtClean="0"/>
+              <a:t> event or</a:t>
+            </a:r>
+          </a:p>
+          <a:p>
+            <a:r>
+              <a:rPr lang="en-SG" sz="1200" dirty="0" err="1" smtClean="0"/>
+              <a:t>GameChangedEvent</a:t>
+            </a:r>
+            <a:endParaRPr lang="en-SG" sz="1200" dirty="0"/>
+          </a:p>
+        </p:txBody>
+      </p:sp>
+      <p:sp>
+        <p:nvSpPr>
+          <p:cNvPr id="18" name="Rectangle 17"/>
+          <p:cNvSpPr/>
+          <p:nvPr/>
+        </p:nvSpPr>
+        <p:spPr>
+          <a:xfrm>
+            <a:off x="1981151" y="1259418"/>
+            <a:ext cx="1008112" cy="504056"/>
+          </a:xfrm>
+          <a:prstGeom prst="rect">
+            <a:avLst/>
+          </a:prstGeom>
+          <a:ln w="28575"/>
+        </p:spPr>
+        <p:style>
+          <a:lnRef idx="1">
+            <a:schemeClr val="accent5"/>
+          </a:lnRef>
+          <a:fillRef idx="2">
+            <a:schemeClr val="accent5"/>
+          </a:fillRef>
+          <a:effectRef idx="1">
+            <a:schemeClr val="accent5"/>
+          </a:effectRef>
+          <a:fontRef idx="minor">
+            <a:schemeClr val="dk1"/>
+          </a:fontRef>
+        </p:style>
+        <p:txBody>
+          <a:bodyPr rtlCol="0" anchor="ctr"/>
+          <a:lstStyle/>
+          <a:p>
+            <a:pPr algn="ctr"/>
+            <a:r>
+              <a:rPr lang="en-SG" sz="1200" dirty="0" err="1" smtClean="0"/>
+              <a:t>Autoplay</a:t>
+            </a:r>
+            <a:endParaRPr lang="en-SG" sz="1200" dirty="0" smtClean="0"/>
+          </a:p>
+          <a:p>
+            <a:pPr algn="ctr"/>
+            <a:r>
+              <a:rPr lang="en-SG" sz="1200" dirty="0" smtClean="0"/>
+              <a:t>Timer</a:t>
+            </a:r>
+            <a:endParaRPr lang="en-SG" sz="1200" dirty="0"/>
+          </a:p>
+        </p:txBody>
+      </p:sp>
+      <p:sp>
+        <p:nvSpPr>
+          <p:cNvPr id="19" name="Hexagon 18"/>
+          <p:cNvSpPr/>
+          <p:nvPr/>
+        </p:nvSpPr>
+        <p:spPr>
+          <a:xfrm>
+            <a:off x="1871985" y="2105698"/>
+            <a:ext cx="1224136" cy="432048"/>
+          </a:xfrm>
+          <a:prstGeom prst="hexagon">
+            <a:avLst/>
+          </a:prstGeom>
+        </p:spPr>
+        <p:style>
+          <a:lnRef idx="1">
+            <a:schemeClr val="accent1"/>
+          </a:lnRef>
+          <a:fillRef idx="2">
+            <a:schemeClr val="accent1"/>
+          </a:fillRef>
+          <a:effectRef idx="1">
+            <a:schemeClr val="accent1"/>
+          </a:effectRef>
+          <a:fontRef idx="minor">
+            <a:schemeClr val="dk1"/>
+          </a:fontRef>
+        </p:style>
+        <p:txBody>
+          <a:bodyPr rtlCol="0" anchor="ctr"/>
+          <a:lstStyle/>
+          <a:p>
+            <a:pPr algn="ctr"/>
+            <a:r>
+              <a:rPr lang="en-SG" sz="1200" dirty="0" smtClean="0"/>
+              <a:t>Is controller waiting ?</a:t>
+            </a:r>
+            <a:endParaRPr lang="en-SG" sz="1200" dirty="0"/>
+          </a:p>
+        </p:txBody>
+      </p:sp>
+      <p:cxnSp>
+        <p:nvCxnSpPr>
+          <p:cNvPr id="21" name="Straight Arrow Connector 20"/>
+          <p:cNvCxnSpPr>
+            <a:stCxn id="18" idx="2"/>
+          </p:cNvCxnSpPr>
+          <p:nvPr/>
+        </p:nvCxnSpPr>
+        <p:spPr>
+          <a:xfrm>
+            <a:off x="2485207" y="1763474"/>
+            <a:ext cx="0" cy="342224"/>
+          </a:xfrm>
+          <a:prstGeom prst="straightConnector1">
+            <a:avLst/>
+          </a:prstGeom>
+          <a:ln>
+            <a:solidFill>
+              <a:schemeClr val="tx1"/>
+            </a:solidFill>
+            <a:tailEnd type="arrow"/>
+          </a:ln>
+        </p:spPr>
+        <p:style>
+          <a:lnRef idx="1">
+            <a:schemeClr val="accent1"/>
+          </a:lnRef>
+          <a:fillRef idx="0">
+            <a:schemeClr val="accent1"/>
+          </a:fillRef>
+          <a:effectRef idx="0">
+            <a:schemeClr val="accent1"/>
+          </a:effectRef>
+          <a:fontRef idx="minor">
+            <a:schemeClr val="tx1"/>
+          </a:fontRef>
+        </p:style>
+      </p:cxnSp>
+      <p:sp>
+        <p:nvSpPr>
+          <p:cNvPr id="25" name="TextBox 24"/>
+          <p:cNvSpPr txBox="1"/>
+          <p:nvPr/>
+        </p:nvSpPr>
+        <p:spPr>
+          <a:xfrm>
+            <a:off x="2485727" y="1745658"/>
+            <a:ext cx="431528" cy="276999"/>
+          </a:xfrm>
+          <a:prstGeom prst="rect">
+            <a:avLst/>
+          </a:prstGeom>
+          <a:noFill/>
+          <a:ln>
+            <a:solidFill>
+              <a:schemeClr val="tx1"/>
+            </a:solidFill>
+          </a:ln>
+        </p:spPr>
+        <p:txBody>
+          <a:bodyPr wrap="none" rtlCol="0">
+            <a:spAutoFit/>
+          </a:bodyPr>
+          <a:lstStyle/>
+          <a:p>
+            <a:r>
+              <a:rPr lang="en-SG" sz="1200" dirty="0" smtClean="0"/>
+              <a:t>Tick</a:t>
+            </a:r>
+            <a:endParaRPr lang="en-SG" sz="1200" dirty="0"/>
+          </a:p>
+        </p:txBody>
+      </p:sp>
+      <p:sp>
+        <p:nvSpPr>
+          <p:cNvPr id="30" name="Hexagon 29"/>
+          <p:cNvSpPr/>
+          <p:nvPr/>
+        </p:nvSpPr>
+        <p:spPr>
+          <a:xfrm>
+            <a:off x="7008783" y="4697986"/>
+            <a:ext cx="1346550" cy="432048"/>
+          </a:xfrm>
+          <a:prstGeom prst="hexagon">
+            <a:avLst/>
+          </a:prstGeom>
+        </p:spPr>
+        <p:style>
+          <a:lnRef idx="1">
+            <a:schemeClr val="dk1"/>
+          </a:lnRef>
+          <a:fillRef idx="2">
+            <a:schemeClr val="dk1"/>
+          </a:fillRef>
+          <a:effectRef idx="1">
+            <a:schemeClr val="dk1"/>
+          </a:effectRef>
+          <a:fontRef idx="minor">
+            <a:schemeClr val="dk1"/>
+          </a:fontRef>
+        </p:style>
+        <p:txBody>
+          <a:bodyPr rtlCol="0" anchor="ctr"/>
+          <a:lstStyle/>
+          <a:p>
+            <a:pPr algn="ctr"/>
+            <a:r>
+              <a:rPr lang="en-SG" sz="1200" dirty="0" smtClean="0"/>
+              <a:t>Is GUI Player active ?</a:t>
+            </a:r>
+            <a:endParaRPr lang="en-SG" sz="1200" dirty="0"/>
+          </a:p>
+        </p:txBody>
+      </p:sp>
+      <p:cxnSp>
+        <p:nvCxnSpPr>
+          <p:cNvPr id="35" name="Straight Arrow Connector 34"/>
+          <p:cNvCxnSpPr/>
+          <p:nvPr/>
+        </p:nvCxnSpPr>
+        <p:spPr>
+          <a:xfrm>
+            <a:off x="7631652" y="4193930"/>
+            <a:ext cx="50406" cy="504056"/>
+          </a:xfrm>
+          <a:prstGeom prst="straightConnector1">
+            <a:avLst/>
+          </a:prstGeom>
+          <a:ln>
+            <a:solidFill>
+              <a:schemeClr val="tx1"/>
+            </a:solidFill>
+            <a:tailEnd type="arrow"/>
+          </a:ln>
+        </p:spPr>
+        <p:style>
+          <a:lnRef idx="1">
+            <a:schemeClr val="accent1"/>
+          </a:lnRef>
+          <a:fillRef idx="0">
+            <a:schemeClr val="accent1"/>
+          </a:fillRef>
+          <a:effectRef idx="0">
+            <a:schemeClr val="accent1"/>
+          </a:effectRef>
+          <a:fontRef idx="minor">
+            <a:schemeClr val="tx1"/>
+          </a:fontRef>
+        </p:style>
+      </p:cxnSp>
+      <p:sp>
+        <p:nvSpPr>
+          <p:cNvPr id="37" name="Hexagon 36"/>
+          <p:cNvSpPr/>
+          <p:nvPr/>
+        </p:nvSpPr>
+        <p:spPr>
+          <a:xfrm>
+            <a:off x="7008783" y="5490074"/>
+            <a:ext cx="1346550" cy="432048"/>
+          </a:xfrm>
+          <a:prstGeom prst="hexagon">
+            <a:avLst/>
+          </a:prstGeom>
+        </p:spPr>
+        <p:style>
+          <a:lnRef idx="1">
+            <a:schemeClr val="dk1"/>
+          </a:lnRef>
+          <a:fillRef idx="2">
+            <a:schemeClr val="dk1"/>
+          </a:fillRef>
+          <a:effectRef idx="1">
+            <a:schemeClr val="dk1"/>
+          </a:effectRef>
+          <a:fontRef idx="minor">
+            <a:schemeClr val="dk1"/>
+          </a:fontRef>
+        </p:style>
+        <p:txBody>
+          <a:bodyPr rtlCol="0" anchor="ctr"/>
+          <a:lstStyle/>
+          <a:p>
+            <a:pPr algn="ctr"/>
+            <a:r>
+              <a:rPr lang="en-SG" sz="1200" dirty="0" smtClean="0"/>
+              <a:t>Is </a:t>
+            </a:r>
+            <a:r>
+              <a:rPr lang="en-SG" sz="1200" dirty="0" err="1" smtClean="0"/>
+              <a:t>autoplay</a:t>
+            </a:r>
+            <a:r>
+              <a:rPr lang="en-SG" sz="1200" dirty="0" smtClean="0"/>
+              <a:t> selected ?</a:t>
+            </a:r>
+            <a:endParaRPr lang="en-SG" sz="1200" dirty="0"/>
+          </a:p>
+        </p:txBody>
+      </p:sp>
+      <p:cxnSp>
+        <p:nvCxnSpPr>
+          <p:cNvPr id="39" name="Straight Arrow Connector 38"/>
+          <p:cNvCxnSpPr/>
+          <p:nvPr/>
+        </p:nvCxnSpPr>
+        <p:spPr>
+          <a:xfrm>
+            <a:off x="7682058" y="5130034"/>
+            <a:ext cx="0" cy="360040"/>
+          </a:xfrm>
+          <a:prstGeom prst="straightConnector1">
+            <a:avLst/>
+          </a:prstGeom>
+          <a:ln>
+            <a:solidFill>
+              <a:schemeClr val="tx1"/>
+            </a:solidFill>
+            <a:tailEnd type="arrow"/>
+          </a:ln>
+        </p:spPr>
+        <p:style>
+          <a:lnRef idx="1">
+            <a:schemeClr val="dk1"/>
+          </a:lnRef>
+          <a:fillRef idx="2">
+            <a:schemeClr val="dk1"/>
+          </a:fillRef>
+          <a:effectRef idx="1">
+            <a:schemeClr val="dk1"/>
+          </a:effectRef>
+          <a:fontRef idx="minor">
+            <a:schemeClr val="dk1"/>
+          </a:fontRef>
+        </p:style>
+      </p:cxnSp>
+      <p:sp>
+        <p:nvSpPr>
+          <p:cNvPr id="40" name="Rectangle 39"/>
+          <p:cNvSpPr/>
+          <p:nvPr/>
+        </p:nvSpPr>
+        <p:spPr>
+          <a:xfrm>
+            <a:off x="7131197" y="6210154"/>
+            <a:ext cx="1008112" cy="360040"/>
+          </a:xfrm>
+          <a:prstGeom prst="rect">
+            <a:avLst/>
+          </a:prstGeom>
+        </p:spPr>
+        <p:style>
+          <a:lnRef idx="1">
+            <a:schemeClr val="dk1"/>
+          </a:lnRef>
+          <a:fillRef idx="2">
+            <a:schemeClr val="dk1"/>
+          </a:fillRef>
+          <a:effectRef idx="1">
+            <a:schemeClr val="dk1"/>
+          </a:effectRef>
+          <a:fontRef idx="minor">
+            <a:schemeClr val="dk1"/>
+          </a:fontRef>
+        </p:style>
+        <p:txBody>
+          <a:bodyPr rtlCol="0" anchor="ctr"/>
+          <a:lstStyle/>
+          <a:p>
+            <a:pPr algn="ctr"/>
+            <a:r>
+              <a:rPr lang="en-SG" sz="1200" dirty="0" smtClean="0"/>
+              <a:t>Start Timer</a:t>
+            </a:r>
+            <a:endParaRPr lang="en-SG" sz="1200" dirty="0"/>
+          </a:p>
+        </p:txBody>
+      </p:sp>
+      <p:cxnSp>
+        <p:nvCxnSpPr>
+          <p:cNvPr id="44" name="Straight Arrow Connector 43"/>
+          <p:cNvCxnSpPr>
+            <a:endCxn id="40" idx="0"/>
+          </p:cNvCxnSpPr>
+          <p:nvPr/>
+        </p:nvCxnSpPr>
+        <p:spPr>
+          <a:xfrm>
+            <a:off x="7635253" y="5922122"/>
+            <a:ext cx="0" cy="288032"/>
+          </a:xfrm>
+          <a:prstGeom prst="straightConnector1">
+            <a:avLst/>
+          </a:prstGeom>
+          <a:ln>
+            <a:solidFill>
+              <a:schemeClr val="tx1"/>
+            </a:solidFill>
+            <a:tailEnd type="arrow"/>
+          </a:ln>
+        </p:spPr>
+        <p:style>
+          <a:lnRef idx="1">
+            <a:schemeClr val="dk1"/>
+          </a:lnRef>
+          <a:fillRef idx="2">
+            <a:schemeClr val="dk1"/>
+          </a:fillRef>
+          <a:effectRef idx="1">
+            <a:schemeClr val="dk1"/>
+          </a:effectRef>
+          <a:fontRef idx="minor">
+            <a:schemeClr val="dk1"/>
+          </a:fontRef>
+        </p:style>
+      </p:cxnSp>
+      <p:sp>
+        <p:nvSpPr>
+          <p:cNvPr id="51" name="Hexagon 50"/>
+          <p:cNvSpPr/>
+          <p:nvPr/>
+        </p:nvSpPr>
+        <p:spPr>
+          <a:xfrm>
+            <a:off x="8664967" y="4697986"/>
+            <a:ext cx="1346550" cy="432048"/>
+          </a:xfrm>
+          <a:prstGeom prst="hexagon">
+            <a:avLst/>
+          </a:prstGeom>
+        </p:spPr>
+        <p:style>
+          <a:lnRef idx="1">
+            <a:schemeClr val="dk1"/>
+          </a:lnRef>
+          <a:fillRef idx="2">
+            <a:schemeClr val="dk1"/>
+          </a:fillRef>
+          <a:effectRef idx="1">
+            <a:schemeClr val="dk1"/>
+          </a:effectRef>
+          <a:fontRef idx="minor">
+            <a:schemeClr val="dk1"/>
+          </a:fontRef>
+        </p:style>
+        <p:txBody>
+          <a:bodyPr rtlCol="0" anchor="ctr"/>
+          <a:lstStyle/>
+          <a:p>
+            <a:pPr algn="ctr"/>
+            <a:r>
+              <a:rPr lang="en-SG" sz="1200" dirty="0" smtClean="0"/>
+              <a:t>Is game over?</a:t>
+            </a:r>
+            <a:endParaRPr lang="en-SG" sz="1200" dirty="0"/>
+          </a:p>
+        </p:txBody>
+      </p:sp>
+      <p:sp>
+        <p:nvSpPr>
+          <p:cNvPr id="52" name="Hexagon 51"/>
+          <p:cNvSpPr/>
+          <p:nvPr/>
+        </p:nvSpPr>
+        <p:spPr>
+          <a:xfrm>
+            <a:off x="8664967" y="5490074"/>
+            <a:ext cx="1346550" cy="432048"/>
+          </a:xfrm>
+          <a:prstGeom prst="hexagon">
+            <a:avLst/>
+          </a:prstGeom>
+        </p:spPr>
+        <p:style>
+          <a:lnRef idx="1">
+            <a:schemeClr val="dk1"/>
+          </a:lnRef>
+          <a:fillRef idx="2">
+            <a:schemeClr val="dk1"/>
+          </a:fillRef>
+          <a:effectRef idx="1">
+            <a:schemeClr val="dk1"/>
+          </a:effectRef>
+          <a:fontRef idx="minor">
+            <a:schemeClr val="dk1"/>
+          </a:fontRef>
+        </p:style>
+        <p:txBody>
+          <a:bodyPr rtlCol="0" anchor="ctr"/>
+          <a:lstStyle/>
+          <a:p>
+            <a:pPr algn="ctr"/>
+            <a:r>
+              <a:rPr lang="en-SG" sz="1200" dirty="0" smtClean="0"/>
+              <a:t>Is </a:t>
+            </a:r>
+            <a:r>
+              <a:rPr lang="en-SG" sz="1200" dirty="0" err="1" smtClean="0"/>
+              <a:t>autoplay</a:t>
+            </a:r>
+            <a:r>
+              <a:rPr lang="en-SG" sz="1200" dirty="0" smtClean="0"/>
+              <a:t> selected?</a:t>
+            </a:r>
+            <a:endParaRPr lang="en-SG" sz="1200" dirty="0"/>
+          </a:p>
+        </p:txBody>
+      </p:sp>
+      <p:cxnSp>
+        <p:nvCxnSpPr>
+          <p:cNvPr id="53" name="Straight Arrow Connector 52"/>
+          <p:cNvCxnSpPr/>
+          <p:nvPr/>
+        </p:nvCxnSpPr>
+        <p:spPr>
+          <a:xfrm>
+            <a:off x="9338242" y="5130034"/>
+            <a:ext cx="0" cy="360040"/>
+          </a:xfrm>
+          <a:prstGeom prst="straightConnector1">
+            <a:avLst/>
+          </a:prstGeom>
+          <a:ln>
+            <a:tailEnd type="arrow"/>
+          </a:ln>
+        </p:spPr>
+        <p:style>
+          <a:lnRef idx="1">
+            <a:schemeClr val="dk1"/>
+          </a:lnRef>
+          <a:fillRef idx="2">
+            <a:schemeClr val="dk1"/>
+          </a:fillRef>
+          <a:effectRef idx="1">
+            <a:schemeClr val="dk1"/>
+          </a:effectRef>
+          <a:fontRef idx="minor">
+            <a:schemeClr val="dk1"/>
+          </a:fontRef>
+        </p:style>
+      </p:cxnSp>
+      <p:sp>
+        <p:nvSpPr>
+          <p:cNvPr id="54" name="Rectangle 53"/>
+          <p:cNvSpPr/>
+          <p:nvPr/>
+        </p:nvSpPr>
+        <p:spPr>
+          <a:xfrm>
+            <a:off x="8787381" y="6210154"/>
+            <a:ext cx="1008112" cy="360040"/>
+          </a:xfrm>
+          <a:prstGeom prst="rect">
+            <a:avLst/>
+          </a:prstGeom>
+        </p:spPr>
+        <p:style>
+          <a:lnRef idx="1">
+            <a:schemeClr val="dk1"/>
+          </a:lnRef>
+          <a:fillRef idx="2">
+            <a:schemeClr val="dk1"/>
+          </a:fillRef>
+          <a:effectRef idx="1">
+            <a:schemeClr val="dk1"/>
+          </a:effectRef>
+          <a:fontRef idx="minor">
+            <a:schemeClr val="dk1"/>
+          </a:fontRef>
+        </p:style>
+        <p:txBody>
+          <a:bodyPr rtlCol="0" anchor="ctr"/>
+          <a:lstStyle/>
+          <a:p>
+            <a:pPr algn="ctr"/>
+            <a:r>
+              <a:rPr lang="en-SG" sz="1200" dirty="0" err="1" smtClean="0"/>
+              <a:t>StopTimer</a:t>
+            </a:r>
+            <a:endParaRPr lang="en-SG" sz="1200" dirty="0"/>
+          </a:p>
+        </p:txBody>
+      </p:sp>
+      <p:cxnSp>
+        <p:nvCxnSpPr>
+          <p:cNvPr id="55" name="Straight Arrow Connector 54"/>
+          <p:cNvCxnSpPr>
+            <a:endCxn id="54" idx="0"/>
+          </p:cNvCxnSpPr>
+          <p:nvPr/>
+        </p:nvCxnSpPr>
+        <p:spPr>
+          <a:xfrm>
+            <a:off x="9291437" y="5922122"/>
+            <a:ext cx="0" cy="288032"/>
+          </a:xfrm>
+          <a:prstGeom prst="straightConnector1">
+            <a:avLst/>
+          </a:prstGeom>
+          <a:ln>
+            <a:tailEnd type="arrow"/>
+          </a:ln>
+        </p:spPr>
+        <p:style>
+          <a:lnRef idx="1">
+            <a:schemeClr val="dk1"/>
+          </a:lnRef>
+          <a:fillRef idx="2">
+            <a:schemeClr val="dk1"/>
+          </a:fillRef>
+          <a:effectRef idx="1">
+            <a:schemeClr val="dk1"/>
+          </a:effectRef>
+          <a:fontRef idx="minor">
+            <a:schemeClr val="dk1"/>
+          </a:fontRef>
+        </p:style>
+      </p:cxnSp>
+      <p:cxnSp>
+        <p:nvCxnSpPr>
+          <p:cNvPr id="57" name="Straight Arrow Connector 56"/>
+          <p:cNvCxnSpPr/>
+          <p:nvPr/>
+        </p:nvCxnSpPr>
+        <p:spPr>
+          <a:xfrm>
+            <a:off x="8499349" y="3905898"/>
+            <a:ext cx="792088" cy="720080"/>
+          </a:xfrm>
+          <a:prstGeom prst="straightConnector1">
+            <a:avLst/>
+          </a:prstGeom>
+          <a:ln>
+            <a:solidFill>
+              <a:schemeClr val="tx1"/>
+            </a:solidFill>
+            <a:tailEnd type="arrow"/>
+          </a:ln>
+        </p:spPr>
+        <p:style>
+          <a:lnRef idx="1">
+            <a:schemeClr val="accent1"/>
+          </a:lnRef>
+          <a:fillRef idx="0">
+            <a:schemeClr val="accent1"/>
+          </a:fillRef>
+          <a:effectRef idx="0">
+            <a:schemeClr val="accent1"/>
+          </a:effectRef>
+          <a:fontRef idx="minor">
+            <a:schemeClr val="tx1"/>
+          </a:fontRef>
+        </p:style>
+      </p:cxnSp>
+      <p:sp>
+        <p:nvSpPr>
+          <p:cNvPr id="58" name="Rectangle 57"/>
+          <p:cNvSpPr/>
+          <p:nvPr/>
+        </p:nvSpPr>
+        <p:spPr>
+          <a:xfrm>
+            <a:off x="1981151" y="2825778"/>
+            <a:ext cx="1008112" cy="360040"/>
+          </a:xfrm>
+          <a:prstGeom prst="rect">
+            <a:avLst/>
+          </a:prstGeom>
+        </p:spPr>
+        <p:style>
+          <a:lnRef idx="1">
+            <a:schemeClr val="accent1"/>
+          </a:lnRef>
+          <a:fillRef idx="2">
+            <a:schemeClr val="accent1"/>
+          </a:fillRef>
+          <a:effectRef idx="1">
+            <a:schemeClr val="accent1"/>
+          </a:effectRef>
+          <a:fontRef idx="minor">
+            <a:schemeClr val="dk1"/>
+          </a:fontRef>
+        </p:style>
+        <p:txBody>
+          <a:bodyPr rtlCol="0" anchor="ctr"/>
+          <a:lstStyle/>
+          <a:p>
+            <a:pPr algn="ctr"/>
+            <a:r>
+              <a:rPr lang="en-SG" sz="1200" dirty="0" smtClean="0"/>
+              <a:t>Send move to controller</a:t>
+            </a:r>
+            <a:endParaRPr lang="en-SG" sz="1200" dirty="0"/>
+          </a:p>
+        </p:txBody>
+      </p:sp>
+      <p:cxnSp>
+        <p:nvCxnSpPr>
+          <p:cNvPr id="59" name="Straight Arrow Connector 58"/>
+          <p:cNvCxnSpPr>
+            <a:endCxn id="58" idx="0"/>
+          </p:cNvCxnSpPr>
+          <p:nvPr/>
+        </p:nvCxnSpPr>
+        <p:spPr>
+          <a:xfrm flipH="1">
+            <a:off x="2485207" y="2537746"/>
+            <a:ext cx="520" cy="288032"/>
+          </a:xfrm>
+          <a:prstGeom prst="straightConnector1">
+            <a:avLst/>
+          </a:prstGeom>
+          <a:ln>
+            <a:solidFill>
+              <a:schemeClr val="tx1"/>
+            </a:solidFill>
+            <a:tailEnd type="arrow"/>
+          </a:ln>
+        </p:spPr>
+        <p:style>
+          <a:lnRef idx="1">
+            <a:schemeClr val="accent1"/>
+          </a:lnRef>
+          <a:fillRef idx="2">
+            <a:schemeClr val="accent1"/>
+          </a:fillRef>
+          <a:effectRef idx="1">
+            <a:schemeClr val="accent1"/>
+          </a:effectRef>
+          <a:fontRef idx="minor">
+            <a:schemeClr val="dk1"/>
+          </a:fontRef>
+        </p:style>
+      </p:cxnSp>
+      <p:sp>
+        <p:nvSpPr>
+          <p:cNvPr id="60" name="Rectangle 59"/>
+          <p:cNvSpPr/>
+          <p:nvPr/>
+        </p:nvSpPr>
+        <p:spPr>
+          <a:xfrm>
+            <a:off x="430819" y="2825778"/>
+            <a:ext cx="1219815" cy="360040"/>
+          </a:xfrm>
+          <a:prstGeom prst="rect">
+            <a:avLst/>
+          </a:prstGeom>
+        </p:spPr>
+        <p:style>
+          <a:lnRef idx="1">
+            <a:schemeClr val="accent1"/>
+          </a:lnRef>
+          <a:fillRef idx="2">
+            <a:schemeClr val="accent1"/>
+          </a:fillRef>
+          <a:effectRef idx="1">
+            <a:schemeClr val="accent1"/>
+          </a:effectRef>
+          <a:fontRef idx="minor">
+            <a:schemeClr val="dk1"/>
+          </a:fontRef>
+        </p:style>
+        <p:txBody>
+          <a:bodyPr rtlCol="0" anchor="ctr"/>
+          <a:lstStyle/>
+          <a:p>
+            <a:pPr algn="ctr"/>
+            <a:r>
+              <a:rPr lang="en-SG" sz="1200" dirty="0" err="1" smtClean="0"/>
+              <a:t>IsTimerWaiting</a:t>
+            </a:r>
+            <a:r>
+              <a:rPr lang="en-SG" sz="1200" dirty="0" smtClean="0"/>
+              <a:t> = true</a:t>
+            </a:r>
+            <a:endParaRPr lang="en-SG" sz="1200" dirty="0"/>
+          </a:p>
+        </p:txBody>
+      </p:sp>
+      <p:cxnSp>
+        <p:nvCxnSpPr>
+          <p:cNvPr id="62" name="Elbow Connector 61"/>
+          <p:cNvCxnSpPr>
+            <a:stCxn id="19" idx="3"/>
+            <a:endCxn id="60" idx="0"/>
+          </p:cNvCxnSpPr>
+          <p:nvPr/>
+        </p:nvCxnSpPr>
+        <p:spPr>
+          <a:xfrm rot="10800000" flipV="1">
+            <a:off x="1040727" y="2321722"/>
+            <a:ext cx="831258" cy="504056"/>
+          </a:xfrm>
+          <a:prstGeom prst="bentConnector2">
+            <a:avLst/>
+          </a:prstGeom>
+          <a:ln>
+            <a:solidFill>
+              <a:schemeClr val="tx1"/>
+            </a:solidFill>
+            <a:tailEnd type="arrow"/>
+          </a:ln>
+        </p:spPr>
+        <p:style>
+          <a:lnRef idx="1">
+            <a:schemeClr val="accent1"/>
+          </a:lnRef>
+          <a:fillRef idx="0">
+            <a:schemeClr val="accent1"/>
+          </a:fillRef>
+          <a:effectRef idx="0">
+            <a:schemeClr val="accent1"/>
+          </a:effectRef>
+          <a:fontRef idx="minor">
+            <a:schemeClr val="tx1"/>
+          </a:fontRef>
+        </p:style>
+      </p:cxnSp>
+      <p:sp>
+        <p:nvSpPr>
+          <p:cNvPr id="64" name="TextBox 63"/>
+          <p:cNvSpPr txBox="1"/>
+          <p:nvPr/>
+        </p:nvSpPr>
+        <p:spPr>
+          <a:xfrm>
+            <a:off x="2413199" y="2476771"/>
+            <a:ext cx="389594" cy="276999"/>
+          </a:xfrm>
+          <a:prstGeom prst="rect">
+            <a:avLst/>
+          </a:prstGeom>
+          <a:noFill/>
+        </p:spPr>
+        <p:txBody>
+          <a:bodyPr wrap="none" rtlCol="0">
+            <a:spAutoFit/>
+          </a:bodyPr>
+          <a:lstStyle/>
+          <a:p>
+            <a:r>
+              <a:rPr lang="en-SG" sz="1200" dirty="0" smtClean="0"/>
+              <a:t>yes</a:t>
+            </a:r>
+            <a:endParaRPr lang="en-SG" sz="1200" dirty="0"/>
+          </a:p>
+        </p:txBody>
+      </p:sp>
+      <p:sp>
+        <p:nvSpPr>
+          <p:cNvPr id="65" name="TextBox 64"/>
+          <p:cNvSpPr txBox="1"/>
+          <p:nvPr/>
+        </p:nvSpPr>
+        <p:spPr>
+          <a:xfrm>
+            <a:off x="1578087" y="2105698"/>
+            <a:ext cx="346570" cy="276999"/>
+          </a:xfrm>
+          <a:prstGeom prst="rect">
+            <a:avLst/>
+          </a:prstGeom>
+          <a:noFill/>
+        </p:spPr>
+        <p:txBody>
+          <a:bodyPr wrap="none" rtlCol="0">
+            <a:spAutoFit/>
+          </a:bodyPr>
+          <a:lstStyle/>
+          <a:p>
+            <a:r>
+              <a:rPr lang="en-SG" sz="1200" dirty="0" smtClean="0"/>
+              <a:t>no</a:t>
+            </a:r>
+            <a:endParaRPr lang="en-SG" sz="1200" dirty="0"/>
+          </a:p>
+        </p:txBody>
+      </p:sp>
+      <p:sp>
+        <p:nvSpPr>
+          <p:cNvPr id="68" name="Hexagon 67"/>
+          <p:cNvSpPr/>
+          <p:nvPr/>
+        </p:nvSpPr>
+        <p:spPr>
+          <a:xfrm>
+            <a:off x="10179763" y="5490074"/>
+            <a:ext cx="1629326" cy="432048"/>
+          </a:xfrm>
+          <a:prstGeom prst="hexagon">
+            <a:avLst/>
+          </a:prstGeom>
+        </p:spPr>
+        <p:style>
+          <a:lnRef idx="1">
+            <a:schemeClr val="dk1"/>
+          </a:lnRef>
+          <a:fillRef idx="2">
+            <a:schemeClr val="dk1"/>
+          </a:fillRef>
+          <a:effectRef idx="1">
+            <a:schemeClr val="dk1"/>
+          </a:effectRef>
+          <a:fontRef idx="minor">
+            <a:schemeClr val="dk1"/>
+          </a:fontRef>
+        </p:style>
+        <p:txBody>
+          <a:bodyPr rtlCol="0" anchor="ctr"/>
+          <a:lstStyle/>
+          <a:p>
+            <a:pPr algn="ctr"/>
+            <a:r>
+              <a:rPr lang="en-SG" sz="1200" dirty="0" err="1" smtClean="0"/>
+              <a:t>IsTimerWaiting</a:t>
+            </a:r>
+            <a:r>
+              <a:rPr lang="en-SG" sz="1200" dirty="0" smtClean="0"/>
+              <a:t> ?</a:t>
+            </a:r>
+            <a:endParaRPr lang="en-SG" sz="1200" dirty="0"/>
+          </a:p>
+        </p:txBody>
+      </p:sp>
+      <p:sp>
+        <p:nvSpPr>
+          <p:cNvPr id="69" name="Rectangle 68"/>
+          <p:cNvSpPr/>
+          <p:nvPr/>
+        </p:nvSpPr>
+        <p:spPr>
+          <a:xfrm>
+            <a:off x="10135834" y="6210154"/>
+            <a:ext cx="1623575" cy="360040"/>
+          </a:xfrm>
+          <a:prstGeom prst="rect">
+            <a:avLst/>
+          </a:prstGeom>
+        </p:spPr>
+        <p:style>
+          <a:lnRef idx="1">
+            <a:schemeClr val="dk1"/>
+          </a:lnRef>
+          <a:fillRef idx="2">
+            <a:schemeClr val="dk1"/>
+          </a:fillRef>
+          <a:effectRef idx="1">
+            <a:schemeClr val="dk1"/>
+          </a:effectRef>
+          <a:fontRef idx="minor">
+            <a:schemeClr val="dk1"/>
+          </a:fontRef>
+        </p:style>
+        <p:txBody>
+          <a:bodyPr rtlCol="0" anchor="ctr"/>
+          <a:lstStyle/>
+          <a:p>
+            <a:pPr algn="ctr"/>
+            <a:r>
+              <a:rPr lang="en-SG" sz="1200" dirty="0" err="1" smtClean="0"/>
+              <a:t>IsTimerWaiting</a:t>
+            </a:r>
+            <a:r>
+              <a:rPr lang="en-SG" sz="1200" dirty="0" smtClean="0"/>
+              <a:t> = false</a:t>
+            </a:r>
+          </a:p>
+          <a:p>
+            <a:pPr algn="ctr"/>
+            <a:r>
+              <a:rPr lang="en-SG" sz="1200" dirty="0" smtClean="0"/>
+              <a:t>Send move to </a:t>
+            </a:r>
+            <a:r>
+              <a:rPr lang="en-SG" sz="1200" dirty="0" err="1" smtClean="0"/>
+              <a:t>cotroller</a:t>
+            </a:r>
+            <a:endParaRPr lang="en-SG" sz="1200" dirty="0"/>
+          </a:p>
+        </p:txBody>
+      </p:sp>
+      <p:cxnSp>
+        <p:nvCxnSpPr>
+          <p:cNvPr id="70" name="Straight Arrow Connector 69"/>
+          <p:cNvCxnSpPr>
+            <a:endCxn id="69" idx="0"/>
+          </p:cNvCxnSpPr>
+          <p:nvPr/>
+        </p:nvCxnSpPr>
+        <p:spPr>
+          <a:xfrm>
+            <a:off x="10947621" y="5922122"/>
+            <a:ext cx="1" cy="288032"/>
+          </a:xfrm>
+          <a:prstGeom prst="straightConnector1">
+            <a:avLst/>
+          </a:prstGeom>
+          <a:ln>
+            <a:tailEnd type="arrow"/>
+          </a:ln>
+        </p:spPr>
+        <p:style>
+          <a:lnRef idx="1">
+            <a:schemeClr val="dk1"/>
+          </a:lnRef>
+          <a:fillRef idx="2">
+            <a:schemeClr val="dk1"/>
+          </a:fillRef>
+          <a:effectRef idx="1">
+            <a:schemeClr val="dk1"/>
+          </a:effectRef>
+          <a:fontRef idx="minor">
+            <a:schemeClr val="dk1"/>
+          </a:fontRef>
+        </p:style>
+      </p:cxnSp>
+      <p:cxnSp>
+        <p:nvCxnSpPr>
+          <p:cNvPr id="72" name="Elbow Connector 71"/>
+          <p:cNvCxnSpPr>
+            <a:stCxn id="51" idx="0"/>
+          </p:cNvCxnSpPr>
+          <p:nvPr/>
+        </p:nvCxnSpPr>
+        <p:spPr>
+          <a:xfrm>
+            <a:off x="10011517" y="4914010"/>
+            <a:ext cx="982909" cy="576064"/>
+          </a:xfrm>
+          <a:prstGeom prst="bentConnector3">
+            <a:avLst>
+              <a:gd name="adj1" fmla="val 100032"/>
+            </a:avLst>
+          </a:prstGeom>
+          <a:ln>
+            <a:solidFill>
+              <a:schemeClr val="tx1"/>
+            </a:solidFill>
+            <a:tailEnd type="arrow"/>
+          </a:ln>
+        </p:spPr>
+        <p:style>
+          <a:lnRef idx="1">
+            <a:schemeClr val="accent1"/>
+          </a:lnRef>
+          <a:fillRef idx="0">
+            <a:schemeClr val="accent1"/>
+          </a:fillRef>
+          <a:effectRef idx="0">
+            <a:schemeClr val="accent1"/>
+          </a:effectRef>
+          <a:fontRef idx="minor">
+            <a:schemeClr val="tx1"/>
+          </a:fontRef>
+        </p:style>
+      </p:cxnSp>
+      <p:sp>
+        <p:nvSpPr>
+          <p:cNvPr id="76" name="Freeform 75"/>
+          <p:cNvSpPr/>
+          <p:nvPr/>
+        </p:nvSpPr>
+        <p:spPr>
+          <a:xfrm>
+            <a:off x="4506103" y="3369174"/>
+            <a:ext cx="6428014" cy="3646714"/>
+          </a:xfrm>
+          <a:custGeom>
+            <a:avLst/>
+            <a:gdLst>
+              <a:gd name="connsiteX0" fmla="*/ 6428014 w 6428014"/>
+              <a:gd name="connsiteY0" fmla="*/ 3211286 h 4011386"/>
+              <a:gd name="connsiteX1" fmla="*/ 5910943 w 6428014"/>
+              <a:gd name="connsiteY1" fmla="*/ 4011386 h 4011386"/>
+              <a:gd name="connsiteX2" fmla="*/ 1415143 w 6428014"/>
+              <a:gd name="connsiteY2" fmla="*/ 3989614 h 4011386"/>
+              <a:gd name="connsiteX3" fmla="*/ 0 w 6428014"/>
+              <a:gd name="connsiteY3" fmla="*/ 0 h 4011386"/>
+              <a:gd name="connsiteX0" fmla="*/ 6428014 w 6428014"/>
+              <a:gd name="connsiteY0" fmla="*/ 3211286 h 3989614"/>
+              <a:gd name="connsiteX1" fmla="*/ 5180116 w 6428014"/>
+              <a:gd name="connsiteY1" fmla="*/ 3623459 h 3989614"/>
+              <a:gd name="connsiteX2" fmla="*/ 1415143 w 6428014"/>
+              <a:gd name="connsiteY2" fmla="*/ 3989614 h 3989614"/>
+              <a:gd name="connsiteX3" fmla="*/ 0 w 6428014"/>
+              <a:gd name="connsiteY3" fmla="*/ 0 h 3989614"/>
+              <a:gd name="connsiteX0" fmla="*/ 6428014 w 6428014"/>
+              <a:gd name="connsiteY0" fmla="*/ 3211286 h 3646714"/>
+              <a:gd name="connsiteX1" fmla="*/ 5180116 w 6428014"/>
+              <a:gd name="connsiteY1" fmla="*/ 3623459 h 3646714"/>
+              <a:gd name="connsiteX2" fmla="*/ 1803070 w 6428014"/>
+              <a:gd name="connsiteY2" fmla="*/ 3646714 h 3646714"/>
+              <a:gd name="connsiteX3" fmla="*/ 0 w 6428014"/>
+              <a:gd name="connsiteY3" fmla="*/ 0 h 3646714"/>
+            </a:gdLst>
+            <a:ahLst/>
+            <a:cxnLst>
+              <a:cxn ang="0">
+                <a:pos x="connsiteX0" y="connsiteY0"/>
+              </a:cxn>
+              <a:cxn ang="0">
+                <a:pos x="connsiteX1" y="connsiteY1"/>
+              </a:cxn>
+              <a:cxn ang="0">
+                <a:pos x="connsiteX2" y="connsiteY2"/>
+              </a:cxn>
+              <a:cxn ang="0">
+                <a:pos x="connsiteX3" y="connsiteY3"/>
+              </a:cxn>
+            </a:cxnLst>
+            <a:rect l="l" t="t" r="r" b="b"/>
+            <a:pathLst>
+              <a:path w="6428014" h="3646714">
+                <a:moveTo>
+                  <a:pt x="6428014" y="3211286"/>
+                </a:moveTo>
+                <a:lnTo>
+                  <a:pt x="5180116" y="3623459"/>
+                </a:lnTo>
+                <a:lnTo>
+                  <a:pt x="1803070" y="3646714"/>
+                </a:lnTo>
+                <a:lnTo>
+                  <a:pt x="0" y="0"/>
+                </a:lnTo>
+              </a:path>
+            </a:pathLst>
+          </a:custGeom>
+          <a:noFill/>
+          <a:ln w="9525">
+            <a:prstDash val="dash"/>
+            <a:headEnd type="none" w="med" len="med"/>
+            <a:tailEnd type="arrow" w="med" len="med"/>
+          </a:ln>
+        </p:spPr>
+        <p:style>
+          <a:lnRef idx="2">
+            <a:schemeClr val="accent1">
+              <a:shade val="50000"/>
+            </a:schemeClr>
+          </a:lnRef>
+          <a:fillRef idx="1">
+            <a:schemeClr val="accent1"/>
+          </a:fillRef>
+          <a:effectRef idx="0">
+            <a:schemeClr val="accent1"/>
+          </a:effectRef>
+          <a:fontRef idx="minor">
+            <a:schemeClr val="lt1"/>
+          </a:fontRef>
+        </p:style>
+        <p:txBody>
+          <a:bodyPr rtlCol="0" anchor="ctr"/>
+          <a:lstStyle/>
+          <a:p>
+            <a:pPr algn="ctr"/>
+            <a:endParaRPr lang="en-SG"/>
+          </a:p>
+        </p:txBody>
+      </p:sp>
+      <p:cxnSp>
+        <p:nvCxnSpPr>
+          <p:cNvPr id="79" name="Straight Arrow Connector 78"/>
+          <p:cNvCxnSpPr>
+            <a:stCxn id="58" idx="3"/>
+            <a:endCxn id="16" idx="1"/>
+          </p:cNvCxnSpPr>
+          <p:nvPr/>
+        </p:nvCxnSpPr>
+        <p:spPr>
+          <a:xfrm>
+            <a:off x="2989263" y="3005798"/>
+            <a:ext cx="1117598" cy="8482"/>
+          </a:xfrm>
+          <a:prstGeom prst="straightConnector1">
+            <a:avLst/>
+          </a:prstGeom>
+          <a:ln>
+            <a:solidFill>
+              <a:schemeClr val="tx1"/>
+            </a:solidFill>
+            <a:prstDash val="dash"/>
+            <a:tailEnd type="arrow"/>
+          </a:ln>
+        </p:spPr>
+        <p:style>
+          <a:lnRef idx="1">
+            <a:schemeClr val="accent1"/>
+          </a:lnRef>
+          <a:fillRef idx="0">
+            <a:schemeClr val="accent1"/>
+          </a:fillRef>
+          <a:effectRef idx="0">
+            <a:schemeClr val="accent1"/>
+          </a:effectRef>
+          <a:fontRef idx="minor">
+            <a:schemeClr val="tx1"/>
+          </a:fontRef>
+        </p:style>
+      </p:cxnSp>
+      <p:sp>
+        <p:nvSpPr>
+          <p:cNvPr id="80" name="TextBox 79"/>
+          <p:cNvSpPr txBox="1"/>
+          <p:nvPr/>
+        </p:nvSpPr>
+        <p:spPr>
+          <a:xfrm>
+            <a:off x="10022359" y="4697986"/>
+            <a:ext cx="346570" cy="276999"/>
+          </a:xfrm>
+          <a:prstGeom prst="rect">
+            <a:avLst/>
+          </a:prstGeom>
+          <a:noFill/>
+        </p:spPr>
+        <p:txBody>
+          <a:bodyPr wrap="none" rtlCol="0">
+            <a:spAutoFit/>
+          </a:bodyPr>
+          <a:lstStyle/>
+          <a:p>
+            <a:r>
+              <a:rPr lang="en-SG" sz="1200" dirty="0" smtClean="0"/>
+              <a:t>no</a:t>
+            </a:r>
+            <a:endParaRPr lang="en-SG" sz="1200" dirty="0"/>
+          </a:p>
+        </p:txBody>
+      </p:sp>
+      <p:sp>
+        <p:nvSpPr>
+          <p:cNvPr id="82" name="TextBox 81"/>
+          <p:cNvSpPr txBox="1"/>
+          <p:nvPr/>
+        </p:nvSpPr>
+        <p:spPr>
+          <a:xfrm>
+            <a:off x="9331263" y="5141067"/>
+            <a:ext cx="389594" cy="276999"/>
+          </a:xfrm>
+          <a:prstGeom prst="rect">
+            <a:avLst/>
+          </a:prstGeom>
+          <a:noFill/>
+        </p:spPr>
+        <p:txBody>
+          <a:bodyPr wrap="none" rtlCol="0">
+            <a:spAutoFit/>
+          </a:bodyPr>
+          <a:lstStyle/>
+          <a:p>
+            <a:r>
+              <a:rPr lang="en-SG" sz="1200" dirty="0" smtClean="0"/>
+              <a:t>yes</a:t>
+            </a:r>
+            <a:endParaRPr lang="en-SG" sz="1200" dirty="0"/>
+          </a:p>
+        </p:txBody>
+      </p:sp>
+      <p:sp>
+        <p:nvSpPr>
+          <p:cNvPr id="83" name="TextBox 82"/>
+          <p:cNvSpPr txBox="1"/>
+          <p:nvPr/>
+        </p:nvSpPr>
+        <p:spPr>
+          <a:xfrm>
+            <a:off x="7675079" y="5933155"/>
+            <a:ext cx="389594" cy="276999"/>
+          </a:xfrm>
+          <a:prstGeom prst="rect">
+            <a:avLst/>
+          </a:prstGeom>
+          <a:noFill/>
+        </p:spPr>
+        <p:txBody>
+          <a:bodyPr wrap="none" rtlCol="0">
+            <a:spAutoFit/>
+          </a:bodyPr>
+          <a:lstStyle/>
+          <a:p>
+            <a:r>
+              <a:rPr lang="en-SG" sz="1200" dirty="0" smtClean="0"/>
+              <a:t>yes</a:t>
+            </a:r>
+            <a:endParaRPr lang="en-SG" sz="1200" dirty="0"/>
+          </a:p>
+        </p:txBody>
+      </p:sp>
+      <p:sp>
+        <p:nvSpPr>
+          <p:cNvPr id="84" name="TextBox 83"/>
+          <p:cNvSpPr txBox="1"/>
+          <p:nvPr/>
+        </p:nvSpPr>
+        <p:spPr>
+          <a:xfrm>
+            <a:off x="9360817" y="5933155"/>
+            <a:ext cx="389594" cy="276999"/>
+          </a:xfrm>
+          <a:prstGeom prst="rect">
+            <a:avLst/>
+          </a:prstGeom>
+          <a:noFill/>
+        </p:spPr>
+        <p:txBody>
+          <a:bodyPr wrap="none" rtlCol="0">
+            <a:spAutoFit/>
+          </a:bodyPr>
+          <a:lstStyle/>
+          <a:p>
+            <a:r>
+              <a:rPr lang="en-SG" sz="1200" dirty="0" smtClean="0"/>
+              <a:t>yes</a:t>
+            </a:r>
+            <a:endParaRPr lang="en-SG" sz="1200" dirty="0"/>
+          </a:p>
+        </p:txBody>
+      </p:sp>
+      <p:sp>
+        <p:nvSpPr>
+          <p:cNvPr id="85" name="TextBox 84"/>
+          <p:cNvSpPr txBox="1"/>
+          <p:nvPr/>
+        </p:nvSpPr>
+        <p:spPr>
+          <a:xfrm>
+            <a:off x="7646095" y="5141067"/>
+            <a:ext cx="346570" cy="276999"/>
+          </a:xfrm>
+          <a:prstGeom prst="rect">
+            <a:avLst/>
+          </a:prstGeom>
+          <a:noFill/>
+        </p:spPr>
+        <p:txBody>
+          <a:bodyPr wrap="none" rtlCol="0">
+            <a:spAutoFit/>
+          </a:bodyPr>
+          <a:lstStyle/>
+          <a:p>
+            <a:r>
+              <a:rPr lang="en-SG" sz="1200" dirty="0" smtClean="0"/>
+              <a:t>no</a:t>
+            </a:r>
+            <a:endParaRPr lang="en-SG" sz="1200" dirty="0"/>
+          </a:p>
+        </p:txBody>
+      </p:sp>
+      <p:sp>
+        <p:nvSpPr>
+          <p:cNvPr id="2" name="TextBox 1"/>
+          <p:cNvSpPr txBox="1"/>
+          <p:nvPr/>
+        </p:nvSpPr>
+        <p:spPr>
+          <a:xfrm>
+            <a:off x="5400377" y="469533"/>
+            <a:ext cx="1553054" cy="646331"/>
+          </a:xfrm>
+          <a:prstGeom prst="rect">
+            <a:avLst/>
+          </a:prstGeom>
+          <a:noFill/>
+        </p:spPr>
+        <p:txBody>
+          <a:bodyPr wrap="none" rtlCol="0">
+            <a:spAutoFit/>
+          </a:bodyPr>
+          <a:lstStyle/>
+          <a:p>
+            <a:r>
+              <a:rPr lang="en-SG" sz="1200" dirty="0" err="1" smtClean="0"/>
+              <a:t>StartButton_Click</a:t>
+            </a:r>
+            <a:endParaRPr lang="en-SG" sz="1200" dirty="0" smtClean="0"/>
+          </a:p>
+          <a:p>
+            <a:r>
+              <a:rPr lang="en-SG" sz="1200" dirty="0" err="1"/>
+              <a:t>OptionsButton_Click</a:t>
+            </a:r>
+            <a:endParaRPr lang="en-SG" sz="1200" dirty="0" smtClean="0"/>
+          </a:p>
+          <a:p>
+            <a:r>
+              <a:rPr lang="en-SG" sz="1200" dirty="0" err="1" smtClean="0"/>
+              <a:t>MainWindow_Closing</a:t>
+            </a:r>
+            <a:endParaRPr lang="en-SG" sz="1200" dirty="0"/>
+          </a:p>
+        </p:txBody>
+      </p:sp>
+      <p:cxnSp>
+        <p:nvCxnSpPr>
+          <p:cNvPr id="7" name="Straight Arrow Connector 6"/>
+          <p:cNvCxnSpPr>
+            <a:stCxn id="22" idx="2"/>
+            <a:endCxn id="6" idx="0"/>
+          </p:cNvCxnSpPr>
+          <p:nvPr/>
+        </p:nvCxnSpPr>
+        <p:spPr>
+          <a:xfrm flipH="1">
+            <a:off x="6159089" y="1752903"/>
+            <a:ext cx="17337" cy="280787"/>
+          </a:xfrm>
+          <a:prstGeom prst="straightConnector1">
+            <a:avLst/>
+          </a:prstGeom>
+          <a:ln>
+            <a:solidFill>
+              <a:schemeClr val="tx1"/>
+            </a:solidFill>
+            <a:prstDash val="dash"/>
+            <a:tailEnd type="arrow"/>
+          </a:ln>
+        </p:spPr>
+        <p:style>
+          <a:lnRef idx="1">
+            <a:schemeClr val="accent1"/>
+          </a:lnRef>
+          <a:fillRef idx="0">
+            <a:schemeClr val="accent1"/>
+          </a:fillRef>
+          <a:effectRef idx="0">
+            <a:schemeClr val="accent1"/>
+          </a:effectRef>
+          <a:fontRef idx="minor">
+            <a:schemeClr val="tx1"/>
+          </a:fontRef>
+        </p:style>
+      </p:cxnSp>
+      <p:sp>
+        <p:nvSpPr>
+          <p:cNvPr id="47" name="TextBox 46"/>
+          <p:cNvSpPr txBox="1"/>
+          <p:nvPr/>
+        </p:nvSpPr>
+        <p:spPr>
+          <a:xfrm>
+            <a:off x="3240137" y="1302271"/>
+            <a:ext cx="2272482" cy="461665"/>
+          </a:xfrm>
+          <a:prstGeom prst="rect">
+            <a:avLst/>
+          </a:prstGeom>
+          <a:noFill/>
+        </p:spPr>
+        <p:txBody>
+          <a:bodyPr wrap="none" rtlCol="0">
+            <a:spAutoFit/>
+          </a:bodyPr>
+          <a:lstStyle/>
+          <a:p>
+            <a:r>
+              <a:rPr lang="en-SG" sz="1200" dirty="0" err="1" smtClean="0"/>
+              <a:t>NextStepButton_Click</a:t>
+            </a:r>
+            <a:endParaRPr lang="en-SG" sz="1200" dirty="0" smtClean="0"/>
+          </a:p>
+          <a:p>
+            <a:r>
+              <a:rPr lang="en-SG" sz="1200" dirty="0" err="1"/>
+              <a:t>mapControl_MouseLeftButtonUp</a:t>
+            </a:r>
+            <a:endParaRPr lang="en-SG" sz="1200" dirty="0"/>
+          </a:p>
+        </p:txBody>
+      </p:sp>
+      <p:cxnSp>
+        <p:nvCxnSpPr>
+          <p:cNvPr id="48" name="Straight Arrow Connector 47"/>
+          <p:cNvCxnSpPr>
+            <a:stCxn id="47" idx="2"/>
+          </p:cNvCxnSpPr>
+          <p:nvPr/>
+        </p:nvCxnSpPr>
+        <p:spPr>
+          <a:xfrm>
+            <a:off x="4376378" y="1763936"/>
+            <a:ext cx="117573" cy="917826"/>
+          </a:xfrm>
+          <a:prstGeom prst="straightConnector1">
+            <a:avLst/>
+          </a:prstGeom>
+          <a:ln>
+            <a:solidFill>
+              <a:schemeClr val="tx1"/>
+            </a:solidFill>
+            <a:prstDash val="dash"/>
+            <a:tailEnd type="arrow"/>
+          </a:ln>
+        </p:spPr>
+        <p:style>
+          <a:lnRef idx="1">
+            <a:schemeClr val="accent1"/>
+          </a:lnRef>
+          <a:fillRef idx="0">
+            <a:schemeClr val="accent1"/>
+          </a:fillRef>
+          <a:effectRef idx="0">
+            <a:schemeClr val="accent1"/>
+          </a:effectRef>
+          <a:fontRef idx="minor">
+            <a:schemeClr val="tx1"/>
+          </a:fontRef>
+        </p:style>
+      </p:cxnSp>
+      <p:sp>
+        <p:nvSpPr>
+          <p:cNvPr id="22" name="TextBox 21"/>
+          <p:cNvSpPr txBox="1"/>
+          <p:nvPr/>
+        </p:nvSpPr>
+        <p:spPr>
+          <a:xfrm>
+            <a:off x="5745692" y="1475904"/>
+            <a:ext cx="861468" cy="276999"/>
+          </a:xfrm>
+          <a:prstGeom prst="rect">
+            <a:avLst/>
+          </a:prstGeom>
+          <a:noFill/>
+          <a:ln>
+            <a:solidFill>
+              <a:schemeClr val="tx1"/>
+            </a:solidFill>
+          </a:ln>
+        </p:spPr>
+        <p:txBody>
+          <a:bodyPr wrap="square" rtlCol="0">
+            <a:spAutoFit/>
+          </a:bodyPr>
+          <a:lstStyle/>
+          <a:p>
+            <a:r>
+              <a:rPr lang="en-SG" sz="1200" dirty="0" smtClean="0"/>
+              <a:t>Stop Timer</a:t>
+            </a:r>
+            <a:endParaRPr lang="en-SG" sz="1200" dirty="0"/>
+          </a:p>
+        </p:txBody>
+      </p:sp>
+      <p:cxnSp>
+        <p:nvCxnSpPr>
+          <p:cNvPr id="26" name="Straight Arrow Connector 25"/>
+          <p:cNvCxnSpPr>
+            <a:stCxn id="2" idx="2"/>
+            <a:endCxn id="22" idx="0"/>
+          </p:cNvCxnSpPr>
+          <p:nvPr/>
+        </p:nvCxnSpPr>
+        <p:spPr>
+          <a:xfrm flipH="1">
+            <a:off x="6176426" y="1115864"/>
+            <a:ext cx="478" cy="360040"/>
+          </a:xfrm>
+          <a:prstGeom prst="straightConnector1">
+            <a:avLst/>
+          </a:prstGeom>
+          <a:ln>
+            <a:solidFill>
+              <a:schemeClr val="tx1"/>
+            </a:solidFill>
+            <a:tailEnd type="arrow"/>
+          </a:ln>
+        </p:spPr>
+        <p:style>
+          <a:lnRef idx="1">
+            <a:schemeClr val="accent1"/>
+          </a:lnRef>
+          <a:fillRef idx="0">
+            <a:schemeClr val="accent1"/>
+          </a:fillRef>
+          <a:effectRef idx="0">
+            <a:schemeClr val="accent1"/>
+          </a:effectRef>
+          <a:fontRef idx="minor">
+            <a:schemeClr val="tx1"/>
+          </a:fontRef>
+        </p:style>
+      </p:cxnSp>
+      <p:sp>
+        <p:nvSpPr>
+          <p:cNvPr id="61" name="TextBox 60"/>
+          <p:cNvSpPr txBox="1"/>
+          <p:nvPr/>
+        </p:nvSpPr>
+        <p:spPr>
+          <a:xfrm>
+            <a:off x="7493834" y="179760"/>
+            <a:ext cx="1387303" cy="276999"/>
+          </a:xfrm>
+          <a:prstGeom prst="rect">
+            <a:avLst/>
+          </a:prstGeom>
+          <a:noFill/>
+        </p:spPr>
+        <p:txBody>
+          <a:bodyPr wrap="none" rtlCol="0">
+            <a:spAutoFit/>
+          </a:bodyPr>
+          <a:lstStyle/>
+          <a:p>
+            <a:r>
+              <a:rPr lang="en-SG" sz="1200" dirty="0" err="1" smtClean="0"/>
+              <a:t>ReplayButton_Click</a:t>
+            </a:r>
+            <a:endParaRPr lang="en-SG" sz="1200" dirty="0" smtClean="0"/>
+          </a:p>
+        </p:txBody>
+      </p:sp>
+      <p:cxnSp>
+        <p:nvCxnSpPr>
+          <p:cNvPr id="63" name="Straight Arrow Connector 62"/>
+          <p:cNvCxnSpPr>
+            <a:stCxn id="75" idx="1"/>
+          </p:cNvCxnSpPr>
+          <p:nvPr/>
+        </p:nvCxnSpPr>
+        <p:spPr>
+          <a:xfrm flipH="1">
+            <a:off x="6696521" y="2391550"/>
+            <a:ext cx="914502" cy="0"/>
+          </a:xfrm>
+          <a:prstGeom prst="straightConnector1">
+            <a:avLst/>
+          </a:prstGeom>
+          <a:ln>
+            <a:solidFill>
+              <a:schemeClr val="tx1"/>
+            </a:solidFill>
+            <a:prstDash val="dash"/>
+            <a:tailEnd type="arrow"/>
+          </a:ln>
+        </p:spPr>
+        <p:style>
+          <a:lnRef idx="1">
+            <a:schemeClr val="accent1"/>
+          </a:lnRef>
+          <a:fillRef idx="0">
+            <a:schemeClr val="accent1"/>
+          </a:fillRef>
+          <a:effectRef idx="0">
+            <a:schemeClr val="accent1"/>
+          </a:effectRef>
+          <a:fontRef idx="minor">
+            <a:schemeClr val="tx1"/>
+          </a:fontRef>
+        </p:style>
+      </p:cxnSp>
+      <p:cxnSp>
+        <p:nvCxnSpPr>
+          <p:cNvPr id="67" name="Straight Arrow Connector 66"/>
+          <p:cNvCxnSpPr/>
+          <p:nvPr/>
+        </p:nvCxnSpPr>
+        <p:spPr>
+          <a:xfrm flipH="1">
+            <a:off x="8206909" y="456759"/>
+            <a:ext cx="5225" cy="242603"/>
+          </a:xfrm>
+          <a:prstGeom prst="straightConnector1">
+            <a:avLst/>
+          </a:prstGeom>
+          <a:ln>
+            <a:solidFill>
+              <a:schemeClr val="tx1"/>
+            </a:solidFill>
+            <a:tailEnd type="arrow"/>
+          </a:ln>
+        </p:spPr>
+        <p:style>
+          <a:lnRef idx="1">
+            <a:schemeClr val="accent1"/>
+          </a:lnRef>
+          <a:fillRef idx="0">
+            <a:schemeClr val="accent1"/>
+          </a:fillRef>
+          <a:effectRef idx="0">
+            <a:schemeClr val="accent1"/>
+          </a:effectRef>
+          <a:fontRef idx="minor">
+            <a:schemeClr val="tx1"/>
+          </a:fontRef>
+        </p:style>
+      </p:cxnSp>
+      <p:sp>
+        <p:nvSpPr>
+          <p:cNvPr id="71" name="Hexagon 70"/>
+          <p:cNvSpPr/>
+          <p:nvPr/>
+        </p:nvSpPr>
+        <p:spPr>
+          <a:xfrm>
+            <a:off x="7488609" y="699362"/>
+            <a:ext cx="1346550" cy="432048"/>
+          </a:xfrm>
+          <a:prstGeom prst="hexagon">
+            <a:avLst/>
+          </a:prstGeom>
+        </p:spPr>
+        <p:style>
+          <a:lnRef idx="1">
+            <a:schemeClr val="dk1"/>
+          </a:lnRef>
+          <a:fillRef idx="2">
+            <a:schemeClr val="dk1"/>
+          </a:fillRef>
+          <a:effectRef idx="1">
+            <a:schemeClr val="dk1"/>
+          </a:effectRef>
+          <a:fontRef idx="minor">
+            <a:schemeClr val="dk1"/>
+          </a:fontRef>
+        </p:style>
+        <p:txBody>
+          <a:bodyPr rtlCol="0" anchor="ctr"/>
+          <a:lstStyle/>
+          <a:p>
+            <a:pPr algn="ctr"/>
+            <a:r>
+              <a:rPr lang="en-SG" sz="1200" dirty="0" smtClean="0"/>
+              <a:t>Is GUI Player active ?</a:t>
+            </a:r>
+            <a:endParaRPr lang="en-SG" sz="1200" dirty="0"/>
+          </a:p>
+        </p:txBody>
+      </p:sp>
+      <p:sp>
+        <p:nvSpPr>
+          <p:cNvPr id="73" name="Hexagon 72"/>
+          <p:cNvSpPr/>
+          <p:nvPr/>
+        </p:nvSpPr>
+        <p:spPr>
+          <a:xfrm>
+            <a:off x="7488609" y="1491450"/>
+            <a:ext cx="1346550" cy="432048"/>
+          </a:xfrm>
+          <a:prstGeom prst="hexagon">
+            <a:avLst/>
+          </a:prstGeom>
+        </p:spPr>
+        <p:style>
+          <a:lnRef idx="1">
+            <a:schemeClr val="dk1"/>
+          </a:lnRef>
+          <a:fillRef idx="2">
+            <a:schemeClr val="dk1"/>
+          </a:fillRef>
+          <a:effectRef idx="1">
+            <a:schemeClr val="dk1"/>
+          </a:effectRef>
+          <a:fontRef idx="minor">
+            <a:schemeClr val="dk1"/>
+          </a:fontRef>
+        </p:style>
+        <p:txBody>
+          <a:bodyPr rtlCol="0" anchor="ctr"/>
+          <a:lstStyle/>
+          <a:p>
+            <a:pPr algn="ctr"/>
+            <a:r>
+              <a:rPr lang="en-SG" sz="1200" dirty="0" smtClean="0"/>
+              <a:t>Is </a:t>
+            </a:r>
+            <a:r>
+              <a:rPr lang="en-SG" sz="1200" dirty="0" err="1" smtClean="0"/>
+              <a:t>autoplay</a:t>
+            </a:r>
+            <a:r>
+              <a:rPr lang="en-SG" sz="1200" dirty="0" smtClean="0"/>
+              <a:t> selected ?</a:t>
+            </a:r>
+            <a:endParaRPr lang="en-SG" sz="1200" dirty="0"/>
+          </a:p>
+        </p:txBody>
+      </p:sp>
+      <p:cxnSp>
+        <p:nvCxnSpPr>
+          <p:cNvPr id="74" name="Straight Arrow Connector 73"/>
+          <p:cNvCxnSpPr/>
+          <p:nvPr/>
+        </p:nvCxnSpPr>
+        <p:spPr>
+          <a:xfrm>
+            <a:off x="8161884" y="1131410"/>
+            <a:ext cx="0" cy="360040"/>
+          </a:xfrm>
+          <a:prstGeom prst="straightConnector1">
+            <a:avLst/>
+          </a:prstGeom>
+          <a:ln>
+            <a:solidFill>
+              <a:schemeClr val="tx1"/>
+            </a:solidFill>
+            <a:tailEnd type="arrow"/>
+          </a:ln>
+        </p:spPr>
+        <p:style>
+          <a:lnRef idx="1">
+            <a:schemeClr val="dk1"/>
+          </a:lnRef>
+          <a:fillRef idx="2">
+            <a:schemeClr val="dk1"/>
+          </a:fillRef>
+          <a:effectRef idx="1">
+            <a:schemeClr val="dk1"/>
+          </a:effectRef>
+          <a:fontRef idx="minor">
+            <a:schemeClr val="dk1"/>
+          </a:fontRef>
+        </p:style>
+      </p:cxnSp>
+      <p:sp>
+        <p:nvSpPr>
+          <p:cNvPr id="75" name="Rectangle 74"/>
+          <p:cNvSpPr/>
+          <p:nvPr/>
+        </p:nvSpPr>
+        <p:spPr>
+          <a:xfrm>
+            <a:off x="7611023" y="2211530"/>
+            <a:ext cx="1008112" cy="360040"/>
+          </a:xfrm>
+          <a:prstGeom prst="rect">
+            <a:avLst/>
+          </a:prstGeom>
+        </p:spPr>
+        <p:style>
+          <a:lnRef idx="1">
+            <a:schemeClr val="dk1"/>
+          </a:lnRef>
+          <a:fillRef idx="2">
+            <a:schemeClr val="dk1"/>
+          </a:fillRef>
+          <a:effectRef idx="1">
+            <a:schemeClr val="dk1"/>
+          </a:effectRef>
+          <a:fontRef idx="minor">
+            <a:schemeClr val="dk1"/>
+          </a:fontRef>
+        </p:style>
+        <p:txBody>
+          <a:bodyPr rtlCol="0" anchor="ctr"/>
+          <a:lstStyle/>
+          <a:p>
+            <a:pPr algn="ctr"/>
+            <a:r>
+              <a:rPr lang="en-SG" sz="1200" dirty="0" smtClean="0"/>
+              <a:t>Start Timer</a:t>
+            </a:r>
+            <a:endParaRPr lang="en-SG" sz="1200" dirty="0"/>
+          </a:p>
+        </p:txBody>
+      </p:sp>
+      <p:cxnSp>
+        <p:nvCxnSpPr>
+          <p:cNvPr id="77" name="Straight Arrow Connector 76"/>
+          <p:cNvCxnSpPr>
+            <a:endCxn id="75" idx="0"/>
+          </p:cNvCxnSpPr>
+          <p:nvPr/>
+        </p:nvCxnSpPr>
+        <p:spPr>
+          <a:xfrm>
+            <a:off x="8115079" y="1923498"/>
+            <a:ext cx="0" cy="288032"/>
+          </a:xfrm>
+          <a:prstGeom prst="straightConnector1">
+            <a:avLst/>
+          </a:prstGeom>
+          <a:ln>
+            <a:solidFill>
+              <a:schemeClr val="tx1"/>
+            </a:solidFill>
+            <a:tailEnd type="arrow"/>
+          </a:ln>
+        </p:spPr>
+        <p:style>
+          <a:lnRef idx="1">
+            <a:schemeClr val="dk1"/>
+          </a:lnRef>
+          <a:fillRef idx="2">
+            <a:schemeClr val="dk1"/>
+          </a:fillRef>
+          <a:effectRef idx="1">
+            <a:schemeClr val="dk1"/>
+          </a:effectRef>
+          <a:fontRef idx="minor">
+            <a:schemeClr val="dk1"/>
+          </a:fontRef>
+        </p:style>
+      </p:cxnSp>
+      <p:sp>
+        <p:nvSpPr>
+          <p:cNvPr id="78" name="TextBox 77"/>
+          <p:cNvSpPr txBox="1"/>
+          <p:nvPr/>
+        </p:nvSpPr>
+        <p:spPr>
+          <a:xfrm>
+            <a:off x="8154905" y="1934531"/>
+            <a:ext cx="389594" cy="276999"/>
+          </a:xfrm>
+          <a:prstGeom prst="rect">
+            <a:avLst/>
+          </a:prstGeom>
+          <a:noFill/>
+        </p:spPr>
+        <p:txBody>
+          <a:bodyPr wrap="none" rtlCol="0">
+            <a:spAutoFit/>
+          </a:bodyPr>
+          <a:lstStyle/>
+          <a:p>
+            <a:r>
+              <a:rPr lang="en-SG" sz="1200" dirty="0" smtClean="0"/>
+              <a:t>yes</a:t>
+            </a:r>
+            <a:endParaRPr lang="en-SG" sz="1200" dirty="0"/>
+          </a:p>
+        </p:txBody>
+      </p:sp>
+      <p:sp>
+        <p:nvSpPr>
+          <p:cNvPr id="81" name="TextBox 80"/>
+          <p:cNvSpPr txBox="1"/>
+          <p:nvPr/>
+        </p:nvSpPr>
+        <p:spPr>
+          <a:xfrm>
+            <a:off x="8125921" y="1142443"/>
+            <a:ext cx="346570" cy="276999"/>
+          </a:xfrm>
+          <a:prstGeom prst="rect">
+            <a:avLst/>
+          </a:prstGeom>
+          <a:noFill/>
+        </p:spPr>
+        <p:txBody>
+          <a:bodyPr wrap="none" rtlCol="0">
+            <a:spAutoFit/>
+          </a:bodyPr>
+          <a:lstStyle/>
+          <a:p>
+            <a:r>
+              <a:rPr lang="en-SG" sz="1200" dirty="0" smtClean="0"/>
+              <a:t>no</a:t>
+            </a:r>
+            <a:endParaRPr lang="en-SG" sz="1200" dirty="0"/>
+          </a:p>
+        </p:txBody>
+      </p:sp>
+    </p:spTree>
+    <p:extLst>
+      <p:ext uri="{BB962C8B-B14F-4D97-AF65-F5344CB8AC3E}">
+        <p14:creationId xmlns:p14="http://schemas.microsoft.com/office/powerpoint/2010/main" val="1135343806"/>
+      </p:ext>
+    </p:extLst>
+  </p:cSld>
+  <p:clrMapOvr>
+    <a:masterClrMapping/>
+  </p:clrMapOvr>
+</p:sld>
+</file>
+
+<file path=ppt/slides/slide9.xml><?xml version="1.0" encoding="utf-8"?>
+<p:sld xmlns:a="http://schemas.openxmlformats.org/drawingml/2006/main" xmlns:r="http://schemas.openxmlformats.org/officeDocument/2006/relationships" xmlns:p="http://schemas.openxmlformats.org/presentationml/2006/main">
+  <p:cSld>
+    <p:spTree>
+      <p:nvGrpSpPr>
+        <p:cNvPr id="1" name=""/>
+        <p:cNvGrpSpPr/>
+        <p:nvPr/>
+      </p:nvGrpSpPr>
+      <p:grpSpPr>
+        <a:xfrm>
+          <a:off x="0" y="0"/>
+          <a:ext cx="0" cy="0"/>
+          <a:chOff x="0" y="0"/>
+          <a:chExt cx="0" cy="0"/>
+        </a:xfrm>
+      </p:grpSpPr>
+      <p:sp>
+        <p:nvSpPr>
+          <p:cNvPr id="4" name="Rectangle 3"/>
+          <p:cNvSpPr/>
+          <p:nvPr/>
+        </p:nvSpPr>
+        <p:spPr>
+          <a:xfrm>
+            <a:off x="71785" y="60329"/>
+            <a:ext cx="2671875" cy="388146"/>
+          </a:xfrm>
+          <a:prstGeom prst="rect">
+            <a:avLst/>
+          </a:prstGeom>
+        </p:spPr>
+        <p:txBody>
+          <a:bodyPr wrap="none" lIns="140552" tIns="70276" rIns="140552" bIns="70276">
+            <a:spAutoFit/>
+          </a:bodyPr>
+          <a:lstStyle/>
+          <a:p>
+            <a:r>
+              <a:rPr lang="en-SG" sz="1600" b="1" dirty="0" err="1"/>
+              <a:t>MapFinishedOverlayControl</a:t>
+            </a:r>
+            <a:endParaRPr lang="en-SG" sz="1600" b="1" dirty="0"/>
+          </a:p>
+        </p:txBody>
+      </p:sp>
+      <p:sp>
+        <p:nvSpPr>
+          <p:cNvPr id="5" name="Rectangle 4"/>
+          <p:cNvSpPr/>
+          <p:nvPr/>
+        </p:nvSpPr>
+        <p:spPr>
+          <a:xfrm>
+            <a:off x="431825" y="899840"/>
+            <a:ext cx="12025336" cy="6408712"/>
+          </a:xfrm>
+          <a:prstGeom prst="rect">
+            <a:avLst/>
+          </a:prstGeom>
+        </p:spPr>
+        <p:style>
+          <a:lnRef idx="1">
+            <a:schemeClr val="dk1"/>
+          </a:lnRef>
+          <a:fillRef idx="2">
+            <a:schemeClr val="dk1"/>
+          </a:fillRef>
+          <a:effectRef idx="1">
+            <a:schemeClr val="dk1"/>
+          </a:effectRef>
+          <a:fontRef idx="minor">
+            <a:schemeClr val="dk1"/>
+          </a:fontRef>
+        </p:style>
+        <p:txBody>
+          <a:bodyPr rtlCol="0" anchor="t"/>
+          <a:lstStyle/>
+          <a:p>
+            <a:r>
+              <a:rPr lang="en-SG" sz="1200" dirty="0" err="1" smtClean="0"/>
+              <a:t>MapFinishedOverlayControl</a:t>
+            </a:r>
+            <a:r>
+              <a:rPr lang="en-SG" sz="1200" dirty="0" smtClean="0"/>
+              <a:t>: Canvas</a:t>
+            </a:r>
+            <a:endParaRPr lang="en-SG" sz="1200" dirty="0"/>
+          </a:p>
+        </p:txBody>
+      </p:sp>
+      <p:sp>
+        <p:nvSpPr>
+          <p:cNvPr id="7" name="Oval 6"/>
+          <p:cNvSpPr/>
+          <p:nvPr/>
+        </p:nvSpPr>
+        <p:spPr>
+          <a:xfrm>
+            <a:off x="4464273" y="2195984"/>
+            <a:ext cx="3960440" cy="4104456"/>
+          </a:xfrm>
+          <a:prstGeom prst="ellipse">
+            <a:avLst/>
+          </a:prstGeom>
+          <a:solidFill>
+            <a:schemeClr val="bg1">
+              <a:lumMod val="95000"/>
+            </a:schemeClr>
+          </a:solidFill>
+        </p:spPr>
+        <p:style>
+          <a:lnRef idx="2">
+            <a:schemeClr val="accent1">
+              <a:shade val="50000"/>
+            </a:schemeClr>
+          </a:lnRef>
+          <a:fillRef idx="1">
+            <a:schemeClr val="accent1"/>
+          </a:fillRef>
+          <a:effectRef idx="0">
+            <a:schemeClr val="accent1"/>
+          </a:effectRef>
+          <a:fontRef idx="minor">
+            <a:schemeClr val="lt1"/>
+          </a:fontRef>
+        </p:style>
+        <p:txBody>
+          <a:bodyPr rtlCol="0" anchor="t"/>
+          <a:lstStyle/>
+          <a:p>
+            <a:pPr algn="ctr"/>
+            <a:r>
+              <a:rPr lang="en-SG" sz="1200" dirty="0" smtClean="0">
+                <a:solidFill>
+                  <a:schemeClr val="tx1"/>
+                </a:solidFill>
+              </a:rPr>
+              <a:t>Circle</a:t>
+            </a:r>
+            <a:endParaRPr lang="en-SG" sz="1200" dirty="0">
+              <a:solidFill>
+                <a:schemeClr val="tx1"/>
+              </a:solidFill>
+            </a:endParaRPr>
+          </a:p>
+        </p:txBody>
+      </p:sp>
+      <p:sp>
+        <p:nvSpPr>
+          <p:cNvPr id="6" name="Rectangle 5"/>
+          <p:cNvSpPr/>
+          <p:nvPr/>
+        </p:nvSpPr>
+        <p:spPr>
+          <a:xfrm>
+            <a:off x="4752305" y="2772048"/>
+            <a:ext cx="3215137" cy="1584176"/>
+          </a:xfrm>
+          <a:prstGeom prst="rect">
+            <a:avLst/>
+          </a:prstGeom>
+          <a:gradFill>
+            <a:gsLst>
+              <a:gs pos="0">
+                <a:schemeClr val="accent1">
+                  <a:tint val="50000"/>
+                  <a:satMod val="300000"/>
+                  <a:alpha val="43000"/>
+                </a:schemeClr>
+              </a:gs>
+              <a:gs pos="35000">
+                <a:schemeClr val="accent1">
+                  <a:tint val="37000"/>
+                  <a:satMod val="300000"/>
+                  <a:alpha val="50000"/>
+                </a:schemeClr>
+              </a:gs>
+              <a:gs pos="100000">
+                <a:schemeClr val="accent1">
+                  <a:tint val="15000"/>
+                  <a:satMod val="350000"/>
+                  <a:alpha val="51000"/>
+                </a:schemeClr>
+              </a:gs>
+            </a:gsLst>
+          </a:gradFill>
+        </p:spPr>
+        <p:style>
+          <a:lnRef idx="1">
+            <a:schemeClr val="accent1"/>
+          </a:lnRef>
+          <a:fillRef idx="2">
+            <a:schemeClr val="accent1"/>
+          </a:fillRef>
+          <a:effectRef idx="1">
+            <a:schemeClr val="accent1"/>
+          </a:effectRef>
+          <a:fontRef idx="minor">
+            <a:schemeClr val="dk1"/>
+          </a:fontRef>
+        </p:style>
+        <p:txBody>
+          <a:bodyPr rtlCol="0" anchor="t"/>
+          <a:lstStyle/>
+          <a:p>
+            <a:r>
+              <a:rPr lang="en-SG" sz="1200" dirty="0" err="1" smtClean="0"/>
+              <a:t>mainStackPanel</a:t>
+            </a:r>
+            <a:r>
+              <a:rPr lang="en-SG" sz="1200" dirty="0" smtClean="0"/>
+              <a:t>{Orientation=</a:t>
+            </a:r>
+            <a:r>
+              <a:rPr lang="en-SG" sz="1200" dirty="0" err="1" smtClean="0"/>
+              <a:t>Orientation.Horizontal</a:t>
+            </a:r>
+            <a:r>
+              <a:rPr lang="en-SG" sz="1200" dirty="0" smtClean="0"/>
+              <a:t>}</a:t>
+            </a:r>
+            <a:endParaRPr lang="en-SG" sz="1200" dirty="0"/>
+          </a:p>
+        </p:txBody>
+      </p:sp>
+      <p:sp>
+        <p:nvSpPr>
+          <p:cNvPr id="8" name="TextBox 7"/>
+          <p:cNvSpPr txBox="1"/>
+          <p:nvPr/>
+        </p:nvSpPr>
+        <p:spPr>
+          <a:xfrm>
+            <a:off x="4800920" y="3276104"/>
+            <a:ext cx="875048" cy="523220"/>
+          </a:xfrm>
+          <a:prstGeom prst="rect">
+            <a:avLst/>
+          </a:prstGeom>
+        </p:spPr>
+        <p:style>
+          <a:lnRef idx="1">
+            <a:schemeClr val="accent3"/>
+          </a:lnRef>
+          <a:fillRef idx="2">
+            <a:schemeClr val="accent3"/>
+          </a:fillRef>
+          <a:effectRef idx="1">
+            <a:schemeClr val="accent3"/>
+          </a:effectRef>
+          <a:fontRef idx="minor">
+            <a:schemeClr val="dk1"/>
+          </a:fontRef>
+        </p:style>
+        <p:txBody>
+          <a:bodyPr wrap="none" rtlCol="0">
+            <a:spAutoFit/>
+          </a:bodyPr>
+          <a:lstStyle/>
+          <a:p>
+            <a:r>
+              <a:rPr lang="en-SG" sz="1400" dirty="0" smtClean="0"/>
+              <a:t>You</a:t>
+            </a:r>
+          </a:p>
+          <a:p>
+            <a:r>
+              <a:rPr lang="en-SG" sz="1400" dirty="0" err="1" smtClean="0"/>
+              <a:t>TextBlock</a:t>
+            </a:r>
+            <a:endParaRPr lang="en-SG" sz="1400" dirty="0"/>
+          </a:p>
+        </p:txBody>
+      </p:sp>
+      <p:sp>
+        <p:nvSpPr>
+          <p:cNvPr id="9" name="TextBox 8"/>
+          <p:cNvSpPr txBox="1"/>
+          <p:nvPr/>
+        </p:nvSpPr>
+        <p:spPr>
+          <a:xfrm>
+            <a:off x="6359873" y="3276104"/>
+            <a:ext cx="875048" cy="523220"/>
+          </a:xfrm>
+          <a:prstGeom prst="rect">
+            <a:avLst/>
+          </a:prstGeom>
+        </p:spPr>
+        <p:style>
+          <a:lnRef idx="1">
+            <a:schemeClr val="accent3"/>
+          </a:lnRef>
+          <a:fillRef idx="2">
+            <a:schemeClr val="accent3"/>
+          </a:fillRef>
+          <a:effectRef idx="1">
+            <a:schemeClr val="accent3"/>
+          </a:effectRef>
+          <a:fontRef idx="minor">
+            <a:schemeClr val="dk1"/>
+          </a:fontRef>
+        </p:style>
+        <p:txBody>
+          <a:bodyPr wrap="none" rtlCol="0">
+            <a:spAutoFit/>
+          </a:bodyPr>
+          <a:lstStyle/>
+          <a:p>
+            <a:r>
+              <a:rPr lang="en-SG" sz="1400" dirty="0" smtClean="0"/>
+              <a:t>Result</a:t>
+            </a:r>
+          </a:p>
+          <a:p>
+            <a:r>
+              <a:rPr lang="en-SG" sz="1400" dirty="0" err="1" smtClean="0"/>
+              <a:t>TextBlock</a:t>
+            </a:r>
+            <a:endParaRPr lang="en-SG" sz="1400" dirty="0"/>
+          </a:p>
+        </p:txBody>
+      </p:sp>
+    </p:spTree>
+    <p:extLst>
+      <p:ext uri="{BB962C8B-B14F-4D97-AF65-F5344CB8AC3E}">
+        <p14:creationId xmlns:p14="http://schemas.microsoft.com/office/powerpoint/2010/main" val="2703045150"/>
+      </p:ext>
+    </p:extLst>
+  </p:cSld>
+  <p:clrMapOvr>
+    <a:masterClrMapping/>
+  </p:clrMapOvr>
 </p:sld>
 </file>
 

--- a/Design.pptx
+++ b/Design.pptx
@@ -6,14 +6,13 @@
   </p:sldMasterIdLst>
   <p:sldIdLst>
     <p:sldId id="256" r:id="rId2"/>
-    <p:sldId id="259" r:id="rId3"/>
-    <p:sldId id="264" r:id="rId4"/>
-    <p:sldId id="261" r:id="rId5"/>
-    <p:sldId id="260" r:id="rId6"/>
+    <p:sldId id="264" r:id="rId3"/>
+    <p:sldId id="261" r:id="rId4"/>
+    <p:sldId id="260" r:id="rId5"/>
+    <p:sldId id="263" r:id="rId6"/>
     <p:sldId id="257" r:id="rId7"/>
     <p:sldId id="258" r:id="rId8"/>
-    <p:sldId id="263" r:id="rId9"/>
-    <p:sldId id="262" r:id="rId10"/>
+    <p:sldId id="262" r:id="rId9"/>
   </p:sldIdLst>
   <p:sldSz cx="13681075" cy="8280400"/>
   <p:notesSz cx="6858000" cy="9144000"/>
@@ -296,7 +295,7 @@
           <a:p>
             <a:fld id="{B1A6C896-786E-40CB-ABF2-E7ECB1B703CB}" type="datetimeFigureOut">
               <a:rPr lang="en-SG" smtClean="0"/>
-              <a:t>2/2/2022</a:t>
+              <a:t>4/2/2022</a:t>
             </a:fld>
             <a:endParaRPr lang="en-SG"/>
           </a:p>
@@ -466,7 +465,7 @@
           <a:p>
             <a:fld id="{B1A6C896-786E-40CB-ABF2-E7ECB1B703CB}" type="datetimeFigureOut">
               <a:rPr lang="en-SG" smtClean="0"/>
-              <a:t>2/2/2022</a:t>
+              <a:t>4/2/2022</a:t>
             </a:fld>
             <a:endParaRPr lang="en-SG"/>
           </a:p>
@@ -646,7 +645,7 @@
           <a:p>
             <a:fld id="{B1A6C896-786E-40CB-ABF2-E7ECB1B703CB}" type="datetimeFigureOut">
               <a:rPr lang="en-SG" smtClean="0"/>
-              <a:t>2/2/2022</a:t>
+              <a:t>4/2/2022</a:t>
             </a:fld>
             <a:endParaRPr lang="en-SG"/>
           </a:p>
@@ -816,7 +815,7 @@
           <a:p>
             <a:fld id="{B1A6C896-786E-40CB-ABF2-E7ECB1B703CB}" type="datetimeFigureOut">
               <a:rPr lang="en-SG" smtClean="0"/>
-              <a:t>2/2/2022</a:t>
+              <a:t>4/2/2022</a:t>
             </a:fld>
             <a:endParaRPr lang="en-SG"/>
           </a:p>
@@ -1062,7 +1061,7 @@
           <a:p>
             <a:fld id="{B1A6C896-786E-40CB-ABF2-E7ECB1B703CB}" type="datetimeFigureOut">
               <a:rPr lang="en-SG" smtClean="0"/>
-              <a:t>2/2/2022</a:t>
+              <a:t>4/2/2022</a:t>
             </a:fld>
             <a:endParaRPr lang="en-SG"/>
           </a:p>
@@ -1350,7 +1349,7 @@
           <a:p>
             <a:fld id="{B1A6C896-786E-40CB-ABF2-E7ECB1B703CB}" type="datetimeFigureOut">
               <a:rPr lang="en-SG" smtClean="0"/>
-              <a:t>2/2/2022</a:t>
+              <a:t>4/2/2022</a:t>
             </a:fld>
             <a:endParaRPr lang="en-SG"/>
           </a:p>
@@ -1777,7 +1776,7 @@
           <a:p>
             <a:fld id="{B1A6C896-786E-40CB-ABF2-E7ECB1B703CB}" type="datetimeFigureOut">
               <a:rPr lang="en-SG" smtClean="0"/>
-              <a:t>2/2/2022</a:t>
+              <a:t>4/2/2022</a:t>
             </a:fld>
             <a:endParaRPr lang="en-SG"/>
           </a:p>
@@ -1895,7 +1894,7 @@
           <a:p>
             <a:fld id="{B1A6C896-786E-40CB-ABF2-E7ECB1B703CB}" type="datetimeFigureOut">
               <a:rPr lang="en-SG" smtClean="0"/>
-              <a:t>2/2/2022</a:t>
+              <a:t>4/2/2022</a:t>
             </a:fld>
             <a:endParaRPr lang="en-SG"/>
           </a:p>
@@ -1990,7 +1989,7 @@
           <a:p>
             <a:fld id="{B1A6C896-786E-40CB-ABF2-E7ECB1B703CB}" type="datetimeFigureOut">
               <a:rPr lang="en-SG" smtClean="0"/>
-              <a:t>2/2/2022</a:t>
+              <a:t>4/2/2022</a:t>
             </a:fld>
             <a:endParaRPr lang="en-SG"/>
           </a:p>
@@ -2267,7 +2266,7 @@
           <a:p>
             <a:fld id="{B1A6C896-786E-40CB-ABF2-E7ECB1B703CB}" type="datetimeFigureOut">
               <a:rPr lang="en-SG" smtClean="0"/>
-              <a:t>2/2/2022</a:t>
+              <a:t>4/2/2022</a:t>
             </a:fld>
             <a:endParaRPr lang="en-SG"/>
           </a:p>
@@ -2520,7 +2519,7 @@
           <a:p>
             <a:fld id="{B1A6C896-786E-40CB-ABF2-E7ECB1B703CB}" type="datetimeFigureOut">
               <a:rPr lang="en-SG" smtClean="0"/>
-              <a:t>2/2/2022</a:t>
+              <a:t>4/2/2022</a:t>
             </a:fld>
             <a:endParaRPr lang="en-SG"/>
           </a:p>
@@ -2733,7 +2732,7 @@
           <a:p>
             <a:fld id="{B1A6C896-786E-40CB-ABF2-E7ECB1B703CB}" type="datetimeFigureOut">
               <a:rPr lang="en-SG" smtClean="0"/>
-              <a:t>2/2/2022</a:t>
+              <a:t>4/2/2022</a:t>
             </a:fld>
             <a:endParaRPr lang="en-SG"/>
           </a:p>
@@ -3160,7 +3159,7 @@
         <p:spPr>
           <a:xfrm>
             <a:off x="512217" y="683816"/>
-            <a:ext cx="12737032" cy="7344816"/>
+            <a:ext cx="12232976" cy="7128792"/>
           </a:xfrm>
           <a:prstGeom prst="rect">
             <a:avLst/>
@@ -3168,13 +3167,13 @@
         </p:spPr>
         <p:style>
           <a:lnRef idx="1">
-            <a:schemeClr val="dk1"/>
+            <a:schemeClr val="accent5"/>
           </a:lnRef>
           <a:fillRef idx="2">
-            <a:schemeClr val="dk1"/>
+            <a:schemeClr val="accent5"/>
           </a:fillRef>
           <a:effectRef idx="1">
-            <a:schemeClr val="dk1"/>
+            <a:schemeClr val="accent5"/>
           </a:effectRef>
           <a:fontRef idx="minor">
             <a:schemeClr val="dk1"/>
@@ -3191,6 +3190,148 @@
               <a:t>MapControl</a:t>
             </a:r>
             <a:endParaRPr lang="en-SG" sz="1200" dirty="0"/>
+          </a:p>
+        </p:txBody>
+      </p:sp>
+      <p:sp>
+        <p:nvSpPr>
+          <p:cNvPr id="4" name="TextBox 3"/>
+          <p:cNvSpPr txBox="1"/>
+          <p:nvPr/>
+        </p:nvSpPr>
+        <p:spPr>
+          <a:xfrm>
+            <a:off x="944043" y="1115864"/>
+            <a:ext cx="11585126" cy="6480720"/>
+          </a:xfrm>
+          <a:prstGeom prst="rect">
+            <a:avLst/>
+          </a:prstGeom>
+        </p:spPr>
+        <p:style>
+          <a:lnRef idx="1">
+            <a:schemeClr val="accent3"/>
+          </a:lnRef>
+          <a:fillRef idx="2">
+            <a:schemeClr val="accent3"/>
+          </a:fillRef>
+          <a:effectRef idx="1">
+            <a:schemeClr val="accent3"/>
+          </a:effectRef>
+          <a:fontRef idx="minor">
+            <a:schemeClr val="dk1"/>
+          </a:fontRef>
+        </p:style>
+        <p:txBody>
+          <a:bodyPr wrap="square" rtlCol="0">
+            <a:noAutofit/>
+          </a:bodyPr>
+          <a:lstStyle/>
+          <a:p>
+            <a:r>
+              <a:rPr lang="en-SG" sz="1200" dirty="0" err="1"/>
+              <a:t>MapOverlayControl</a:t>
+            </a:r>
+            <a:r>
+              <a:rPr lang="en-SG" sz="1200" dirty="0"/>
+              <a:t> </a:t>
+            </a:r>
+          </a:p>
+        </p:txBody>
+      </p:sp>
+      <p:sp>
+        <p:nvSpPr>
+          <p:cNvPr id="6" name="TextBox 5"/>
+          <p:cNvSpPr txBox="1"/>
+          <p:nvPr/>
+        </p:nvSpPr>
+        <p:spPr>
+          <a:xfrm>
+            <a:off x="1349070" y="1551746"/>
+            <a:ext cx="10937276" cy="5760640"/>
+          </a:xfrm>
+          <a:prstGeom prst="rect">
+            <a:avLst/>
+          </a:prstGeom>
+        </p:spPr>
+        <p:style>
+          <a:lnRef idx="1">
+            <a:schemeClr val="accent1"/>
+          </a:lnRef>
+          <a:fillRef idx="2">
+            <a:schemeClr val="accent1"/>
+          </a:fillRef>
+          <a:effectRef idx="1">
+            <a:schemeClr val="accent1"/>
+          </a:effectRef>
+          <a:fontRef idx="minor">
+            <a:schemeClr val="dk1"/>
+          </a:fontRef>
+        </p:style>
+        <p:txBody>
+          <a:bodyPr wrap="square" rtlCol="0">
+            <a:noAutofit/>
+          </a:bodyPr>
+          <a:lstStyle/>
+          <a:p>
+            <a:r>
+              <a:rPr lang="en-SG" sz="1200" dirty="0" err="1"/>
+              <a:t>MapInfoWindow</a:t>
+            </a:r>
+            <a:r>
+              <a:rPr lang="en-SG" sz="1200" dirty="0"/>
+              <a:t> </a:t>
+            </a:r>
+          </a:p>
+        </p:txBody>
+      </p:sp>
+      <p:sp>
+        <p:nvSpPr>
+          <p:cNvPr id="7" name="TextBox 6"/>
+          <p:cNvSpPr txBox="1"/>
+          <p:nvPr/>
+        </p:nvSpPr>
+        <p:spPr>
+          <a:xfrm>
+            <a:off x="1655962" y="1907952"/>
+            <a:ext cx="10369152" cy="5184576"/>
+          </a:xfrm>
+          <a:prstGeom prst="rect">
+            <a:avLst/>
+          </a:prstGeom>
+        </p:spPr>
+        <p:style>
+          <a:lnRef idx="1">
+            <a:schemeClr val="accent6"/>
+          </a:lnRef>
+          <a:fillRef idx="2">
+            <a:schemeClr val="accent6"/>
+          </a:fillRef>
+          <a:effectRef idx="1">
+            <a:schemeClr val="accent6"/>
+          </a:effectRef>
+          <a:fontRef idx="minor">
+            <a:schemeClr val="dk1"/>
+          </a:fontRef>
+        </p:style>
+        <p:txBody>
+          <a:bodyPr wrap="square" rtlCol="0">
+            <a:noAutofit/>
+          </a:bodyPr>
+          <a:lstStyle/>
+          <a:p>
+            <a:r>
+              <a:rPr lang="en-SG" sz="1200" dirty="0" err="1"/>
+              <a:t>M</a:t>
+            </a:r>
+            <a:r>
+              <a:rPr lang="en-SG" sz="1200" dirty="0" err="1" smtClean="0"/>
+              <a:t>apFinishedOverlayControl</a:t>
+            </a:r>
+            <a:r>
+              <a:rPr lang="en-SG" sz="1200" dirty="0"/>
+              <a:t> </a:t>
+            </a:r>
           </a:p>
         </p:txBody>
       </p:sp>
@@ -3217,6 +3358,16 @@
 <file path=ppt/slides/slide2.xml><?xml version="1.0" encoding="utf-8"?>
 <p:sld xmlns:a="http://schemas.openxmlformats.org/drawingml/2006/main" xmlns:r="http://schemas.openxmlformats.org/officeDocument/2006/relationships" xmlns:p="http://schemas.openxmlformats.org/presentationml/2006/main">
   <p:cSld>
+    <p:bg>
+      <p:bgPr>
+        <a:solidFill>
+          <a:schemeClr val="bg1">
+            <a:lumMod val="95000"/>
+          </a:schemeClr>
+        </a:solidFill>
+        <a:effectLst/>
+      </p:bgPr>
+    </p:bg>
     <p:spTree>
       <p:nvGrpSpPr>
         <p:cNvPr id="1" name=""/>
@@ -3231,376 +3382,369 @@
           <a:chExt cx="0" cy="0"/>
         </a:xfrm>
       </p:grpSpPr>
-      <p:sp>
-        <p:nvSpPr>
-          <p:cNvPr id="4" name="Rectangle 3"/>
-          <p:cNvSpPr/>
-          <p:nvPr/>
-        </p:nvSpPr>
-        <p:spPr>
-          <a:xfrm>
-            <a:off x="503833" y="107752"/>
-            <a:ext cx="12457384" cy="2520280"/>
+      <p:pic>
+        <p:nvPicPr>
+          <p:cNvPr id="8" name="Picture 7"/>
+          <p:cNvPicPr>
+            <a:picLocks noChangeAspect="1"/>
+          </p:cNvPicPr>
+          <p:nvPr/>
+        </p:nvPicPr>
+        <p:blipFill>
+          <a:blip r:embed="rId2">
+            <a:extLst>
+              <a:ext uri="{28A0092B-C50C-407E-A947-70E740481C1C}">
+                <a14:useLocalDpi xmlns:a14="http://schemas.microsoft.com/office/drawing/2010/main" val="0"/>
+              </a:ext>
+            </a:extLst>
+          </a:blip>
+          <a:stretch>
+            <a:fillRect/>
+          </a:stretch>
+        </p:blipFill>
+        <p:spPr>
+          <a:xfrm>
+            <a:off x="5328369" y="4473074"/>
+            <a:ext cx="7621064" cy="5715798"/>
           </a:xfrm>
           <a:prstGeom prst="rect">
             <a:avLst/>
           </a:prstGeom>
-        </p:spPr>
-        <p:txBody>
-          <a:bodyPr wrap="square">
-            <a:noAutofit/>
+          <a:ln>
+            <a:solidFill>
+              <a:schemeClr val="tx1"/>
+            </a:solidFill>
+          </a:ln>
+          <a:scene3d>
+            <a:camera prst="orthographicFront">
+              <a:rot lat="4327226" lon="19542333" rev="19673622"/>
+            </a:camera>
+            <a:lightRig rig="threePt" dir="t"/>
+          </a:scene3d>
+        </p:spPr>
+      </p:pic>
+      <p:pic>
+        <p:nvPicPr>
+          <p:cNvPr id="6" name="Picture 5"/>
+          <p:cNvPicPr>
+            <a:picLocks noChangeAspect="1"/>
+          </p:cNvPicPr>
+          <p:nvPr/>
+        </p:nvPicPr>
+        <p:blipFill>
+          <a:blip r:embed="rId3">
+            <a:extLst>
+              <a:ext uri="{28A0092B-C50C-407E-A947-70E740481C1C}">
+                <a14:useLocalDpi xmlns:a14="http://schemas.microsoft.com/office/drawing/2010/main" val="0"/>
+              </a:ext>
+            </a:extLst>
+          </a:blip>
+          <a:stretch>
+            <a:fillRect/>
+          </a:stretch>
+        </p:blipFill>
+        <p:spPr>
+          <a:xfrm>
+            <a:off x="5328369" y="2852894"/>
+            <a:ext cx="7621064" cy="5715798"/>
+          </a:xfrm>
+          <a:prstGeom prst="rect">
+            <a:avLst/>
+          </a:prstGeom>
+          <a:ln>
+            <a:solidFill>
+              <a:schemeClr val="tx1"/>
+            </a:solidFill>
+          </a:ln>
+          <a:scene3d>
+            <a:camera prst="orthographicFront">
+              <a:rot lat="4134554" lon="18840405" rev="18959506"/>
+            </a:camera>
+            <a:lightRig rig="threePt" dir="t"/>
+          </a:scene3d>
+        </p:spPr>
+      </p:pic>
+      <p:pic>
+        <p:nvPicPr>
+          <p:cNvPr id="10" name="Picture 9"/>
+          <p:cNvPicPr>
+            <a:picLocks noChangeAspect="1"/>
+          </p:cNvPicPr>
+          <p:nvPr/>
+        </p:nvPicPr>
+        <p:blipFill>
+          <a:blip r:embed="rId4">
+            <a:extLst>
+              <a:ext uri="{28A0092B-C50C-407E-A947-70E740481C1C}">
+                <a14:useLocalDpi xmlns:a14="http://schemas.microsoft.com/office/drawing/2010/main" val="0"/>
+              </a:ext>
+            </a:extLst>
+          </a:blip>
+          <a:stretch>
+            <a:fillRect/>
+          </a:stretch>
+        </p:blipFill>
+        <p:spPr>
+          <a:xfrm>
+            <a:off x="5328369" y="1232714"/>
+            <a:ext cx="7621064" cy="5715798"/>
+          </a:xfrm>
+          <a:prstGeom prst="rect">
+            <a:avLst/>
+          </a:prstGeom>
+          <a:ln>
+            <a:solidFill>
+              <a:schemeClr val="tx1"/>
+            </a:solidFill>
+          </a:ln>
+          <a:scene3d>
+            <a:camera prst="orthographicFront">
+              <a:rot lat="4134565" lon="18840424" rev="18959575"/>
+            </a:camera>
+            <a:lightRig rig="threePt" dir="t"/>
+          </a:scene3d>
+        </p:spPr>
+      </p:pic>
+      <p:pic>
+        <p:nvPicPr>
+          <p:cNvPr id="9" name="Picture 8"/>
+          <p:cNvPicPr>
+            <a:picLocks noChangeAspect="1"/>
+          </p:cNvPicPr>
+          <p:nvPr/>
+        </p:nvPicPr>
+        <p:blipFill>
+          <a:blip r:embed="rId5">
+            <a:extLst>
+              <a:ext uri="{28A0092B-C50C-407E-A947-70E740481C1C}">
+                <a14:useLocalDpi xmlns:a14="http://schemas.microsoft.com/office/drawing/2010/main" val="0"/>
+              </a:ext>
+            </a:extLst>
+          </a:blip>
+          <a:stretch>
+            <a:fillRect/>
+          </a:stretch>
+        </p:blipFill>
+        <p:spPr>
+          <a:xfrm>
+            <a:off x="5328369" y="-387466"/>
+            <a:ext cx="7621064" cy="5715798"/>
+          </a:xfrm>
+          <a:prstGeom prst="rect">
+            <a:avLst/>
+          </a:prstGeom>
+          <a:ln>
+            <a:solidFill>
+              <a:schemeClr val="tx1"/>
+            </a:solidFill>
+          </a:ln>
+          <a:scene3d>
+            <a:camera prst="orthographicFront">
+              <a:rot lat="4134565" lon="18840424" rev="18959575"/>
+            </a:camera>
+            <a:lightRig rig="threePt" dir="t"/>
+          </a:scene3d>
+        </p:spPr>
+      </p:pic>
+      <p:pic>
+        <p:nvPicPr>
+          <p:cNvPr id="11" name="Picture 10"/>
+          <p:cNvPicPr>
+            <a:picLocks noChangeAspect="1"/>
+          </p:cNvPicPr>
+          <p:nvPr/>
+        </p:nvPicPr>
+        <p:blipFill>
+          <a:blip r:embed="rId6">
+            <a:extLst>
+              <a:ext uri="{28A0092B-C50C-407E-A947-70E740481C1C}">
+                <a14:useLocalDpi xmlns:a14="http://schemas.microsoft.com/office/drawing/2010/main" val="0"/>
+              </a:ext>
+            </a:extLst>
+          </a:blip>
+          <a:stretch>
+            <a:fillRect/>
+          </a:stretch>
+        </p:blipFill>
+        <p:spPr>
+          <a:xfrm>
+            <a:off x="5328369" y="-2007646"/>
+            <a:ext cx="7621064" cy="5715798"/>
+          </a:xfrm>
+          <a:prstGeom prst="rect">
+            <a:avLst/>
+          </a:prstGeom>
+          <a:ln>
+            <a:solidFill>
+              <a:schemeClr val="tx1"/>
+            </a:solidFill>
+          </a:ln>
+          <a:scene3d>
+            <a:camera prst="orthographicFront">
+              <a:rot lat="4134565" lon="18840424" rev="18959575"/>
+            </a:camera>
+            <a:lightRig rig="threePt" dir="t"/>
+          </a:scene3d>
+        </p:spPr>
+      </p:pic>
+      <p:sp>
+        <p:nvSpPr>
+          <p:cNvPr id="12" name="TextBox 11"/>
+          <p:cNvSpPr txBox="1"/>
+          <p:nvPr/>
+        </p:nvSpPr>
+        <p:spPr>
+          <a:xfrm>
+            <a:off x="3430495" y="7834094"/>
+            <a:ext cx="1310743" cy="338554"/>
+          </a:xfrm>
+          <a:prstGeom prst="rect">
+            <a:avLst/>
+          </a:prstGeom>
+          <a:noFill/>
+        </p:spPr>
+        <p:txBody>
+          <a:bodyPr wrap="none" rtlCol="0">
+            <a:spAutoFit/>
           </a:bodyPr>
           <a:lstStyle/>
           <a:p>
             <a:r>
-              <a:rPr lang="en-SG" sz="1200" b="1" dirty="0" err="1" smtClean="0">
-                <a:latin typeface="Consolas" panose="020B0609020204030204" pitchFamily="49" charset="0"/>
-              </a:rPr>
-              <a:t>GameController</a:t>
-            </a:r>
-            <a:r>
-              <a:rPr lang="en-SG" sz="1200" dirty="0" err="1" smtClean="0">
-                <a:latin typeface="Consolas" panose="020B0609020204030204" pitchFamily="49" charset="0"/>
-              </a:rPr>
-              <a:t>.controllerMethod</a:t>
-            </a:r>
-            <a:r>
-              <a:rPr lang="en-SG" sz="1200" dirty="0">
-                <a:latin typeface="Consolas" panose="020B0609020204030204" pitchFamily="49" charset="0"/>
-              </a:rPr>
-              <a:t>()</a:t>
-            </a:r>
-            <a:endParaRPr lang="en-SG" sz="1200" dirty="0" smtClean="0">
-              <a:latin typeface="Consolas" panose="020B0609020204030204" pitchFamily="49" charset="0"/>
-            </a:endParaRPr>
-          </a:p>
-          <a:p>
-            <a:r>
-              <a:rPr lang="en-SG" sz="1200" dirty="0" smtClean="0">
-                <a:latin typeface="Consolas" panose="020B0609020204030204" pitchFamily="49" charset="0"/>
-              </a:rPr>
-              <a:t>  </a:t>
-            </a:r>
-            <a:r>
-              <a:rPr lang="en-SG" sz="1200" b="1" dirty="0" err="1" smtClean="0">
-                <a:latin typeface="Consolas" panose="020B0609020204030204" pitchFamily="49" charset="0"/>
-              </a:rPr>
-              <a:t>GameController</a:t>
-            </a:r>
-            <a:r>
-              <a:rPr lang="en-SG" sz="1200" dirty="0" err="1" smtClean="0">
-                <a:latin typeface="Consolas" panose="020B0609020204030204" pitchFamily="49" charset="0"/>
-              </a:rPr>
-              <a:t>.startNewGame</a:t>
-            </a:r>
-            <a:r>
-              <a:rPr lang="en-SG" sz="1200" dirty="0" smtClean="0">
-                <a:latin typeface="Consolas" panose="020B0609020204030204" pitchFamily="49" charset="0"/>
-              </a:rPr>
-              <a:t>()</a:t>
-            </a:r>
-          </a:p>
-          <a:p>
-            <a:r>
-              <a:rPr lang="en-SG" sz="1200" dirty="0" smtClean="0">
-                <a:latin typeface="Consolas" panose="020B0609020204030204" pitchFamily="49" charset="0"/>
-              </a:rPr>
-              <a:t>    fill robots</a:t>
-            </a:r>
-          </a:p>
-          <a:p>
-            <a:r>
-              <a:rPr lang="en-SG" sz="1200" dirty="0">
-                <a:latin typeface="Consolas" panose="020B0609020204030204" pitchFamily="49" charset="0"/>
-              </a:rPr>
-              <a:t>    new </a:t>
-            </a:r>
-            <a:r>
-              <a:rPr lang="en-SG" sz="1200" b="1" dirty="0" err="1" smtClean="0">
-                <a:latin typeface="Consolas" panose="020B0609020204030204" pitchFamily="49" charset="0"/>
-              </a:rPr>
-              <a:t>GameFix</a:t>
-            </a:r>
-            <a:r>
-              <a:rPr lang="en-SG" sz="1200" dirty="0" smtClean="0">
-                <a:latin typeface="Consolas" panose="020B0609020204030204" pitchFamily="49" charset="0"/>
-              </a:rPr>
-              <a:t>(options)</a:t>
-            </a:r>
-          </a:p>
-          <a:p>
-            <a:r>
-              <a:rPr lang="en-SG" sz="1200" dirty="0">
-                <a:latin typeface="Consolas" panose="020B0609020204030204" pitchFamily="49" charset="0"/>
-              </a:rPr>
-              <a:t> </a:t>
-            </a:r>
-            <a:r>
-              <a:rPr lang="en-SG" sz="1200" dirty="0" smtClean="0">
-                <a:latin typeface="Consolas" panose="020B0609020204030204" pitchFamily="49" charset="0"/>
-              </a:rPr>
-              <a:t>     </a:t>
-            </a:r>
-            <a:r>
-              <a:rPr lang="en-SG" sz="1200" dirty="0">
-                <a:latin typeface="Consolas" panose="020B0609020204030204" pitchFamily="49" charset="0"/>
-              </a:rPr>
-              <a:t>new </a:t>
-            </a:r>
-            <a:r>
-              <a:rPr lang="en-SG" sz="1200" dirty="0" err="1">
-                <a:latin typeface="Consolas" panose="020B0609020204030204" pitchFamily="49" charset="0"/>
-              </a:rPr>
-              <a:t>PixelMap</a:t>
-            </a:r>
-            <a:r>
-              <a:rPr lang="en-SG" sz="1200" dirty="0" smtClean="0">
-                <a:latin typeface="Consolas" panose="020B0609020204030204" pitchFamily="49" charset="0"/>
-              </a:rPr>
-              <a:t>()</a:t>
-            </a:r>
-          </a:p>
-          <a:p>
-            <a:r>
-              <a:rPr lang="en-SG" sz="1200" dirty="0">
-                <a:latin typeface="Consolas" panose="020B0609020204030204" pitchFamily="49" charset="0"/>
-              </a:rPr>
-              <a:t> </a:t>
-            </a:r>
-            <a:r>
-              <a:rPr lang="en-SG" sz="1200" dirty="0" smtClean="0">
-                <a:latin typeface="Consolas" panose="020B0609020204030204" pitchFamily="49" charset="0"/>
-              </a:rPr>
-              <a:t>       create </a:t>
-            </a:r>
-            <a:r>
-              <a:rPr lang="en-SG" sz="1200" dirty="0" err="1" smtClean="0">
-                <a:latin typeface="Consolas" panose="020B0609020204030204" pitchFamily="49" charset="0"/>
-              </a:rPr>
-              <a:t>CountryFix</a:t>
-            </a:r>
-            <a:endParaRPr lang="en-SG" sz="1200" dirty="0" smtClean="0">
-              <a:latin typeface="Consolas" panose="020B0609020204030204" pitchFamily="49" charset="0"/>
-            </a:endParaRPr>
-          </a:p>
-          <a:p>
-            <a:r>
-              <a:rPr lang="en-SG" sz="1200" dirty="0">
-                <a:latin typeface="Consolas" panose="020B0609020204030204" pitchFamily="49" charset="0"/>
-              </a:rPr>
-              <a:t> </a:t>
-            </a:r>
-            <a:r>
-              <a:rPr lang="en-SG" sz="1200" dirty="0" smtClean="0">
-                <a:latin typeface="Consolas" panose="020B0609020204030204" pitchFamily="49" charset="0"/>
-              </a:rPr>
-              <a:t>     </a:t>
-            </a:r>
-            <a:r>
-              <a:rPr lang="en-US" sz="1200" dirty="0" err="1">
-                <a:latin typeface="Consolas" panose="020B0609020204030204" pitchFamily="49" charset="0"/>
-              </a:rPr>
-              <a:t>masterGame</a:t>
-            </a:r>
-            <a:r>
-              <a:rPr lang="en-US" sz="1200" dirty="0">
-                <a:latin typeface="Consolas" panose="020B0609020204030204" pitchFamily="49" charset="0"/>
-              </a:rPr>
-              <a:t> = new </a:t>
-            </a:r>
-            <a:r>
-              <a:rPr lang="en-US" sz="1200" b="1" dirty="0">
-                <a:latin typeface="Consolas" panose="020B0609020204030204" pitchFamily="49" charset="0"/>
-              </a:rPr>
-              <a:t>Game</a:t>
-            </a:r>
-            <a:r>
-              <a:rPr lang="en-US" sz="1200" dirty="0">
-                <a:latin typeface="Consolas" panose="020B0609020204030204" pitchFamily="49" charset="0"/>
-              </a:rPr>
-              <a:t>(Options, </a:t>
-            </a:r>
-            <a:r>
-              <a:rPr lang="en-US" sz="1200" dirty="0" err="1">
-                <a:latin typeface="Consolas" panose="020B0609020204030204" pitchFamily="49" charset="0"/>
-              </a:rPr>
-              <a:t>CountryFixArray</a:t>
-            </a:r>
-            <a:r>
-              <a:rPr lang="en-US" sz="1200" dirty="0">
-                <a:latin typeface="Consolas" panose="020B0609020204030204" pitchFamily="49" charset="0"/>
-              </a:rPr>
-              <a:t>, </a:t>
-            </a:r>
-            <a:r>
-              <a:rPr lang="en-US" sz="1200" dirty="0" err="1">
-                <a:latin typeface="Consolas" panose="020B0609020204030204" pitchFamily="49" charset="0"/>
-              </a:rPr>
-              <a:t>MountainsCount</a:t>
-            </a:r>
-            <a:r>
-              <a:rPr lang="en-US" sz="1200" dirty="0">
-                <a:latin typeface="Consolas" panose="020B0609020204030204" pitchFamily="49" charset="0"/>
-              </a:rPr>
-              <a:t>, </a:t>
-            </a:r>
-            <a:r>
-              <a:rPr lang="en-US" sz="1200" dirty="0" err="1">
-                <a:latin typeface="Consolas" panose="020B0609020204030204" pitchFamily="49" charset="0"/>
-              </a:rPr>
-              <a:t>GuiPlayerId</a:t>
-            </a:r>
-            <a:r>
-              <a:rPr lang="en-US" sz="1200" dirty="0" smtClean="0">
-                <a:latin typeface="Consolas" panose="020B0609020204030204" pitchFamily="49" charset="0"/>
-              </a:rPr>
-              <a:t>);</a:t>
-            </a:r>
-          </a:p>
-          <a:p>
-            <a:r>
-              <a:rPr lang="en-US" sz="1200" dirty="0">
-                <a:latin typeface="Consolas" panose="020B0609020204030204" pitchFamily="49" charset="0"/>
-              </a:rPr>
-              <a:t> </a:t>
-            </a:r>
-            <a:r>
-              <a:rPr lang="en-US" sz="1200" dirty="0" smtClean="0">
-                <a:latin typeface="Consolas" panose="020B0609020204030204" pitchFamily="49" charset="0"/>
-              </a:rPr>
-              <a:t>       </a:t>
-            </a:r>
-            <a:r>
-              <a:rPr lang="en-SG" sz="1200" dirty="0">
-                <a:latin typeface="Consolas" panose="020B0609020204030204" pitchFamily="49" charset="0"/>
-              </a:rPr>
-              <a:t>players = new Player[</a:t>
-            </a:r>
-            <a:r>
-              <a:rPr lang="en-SG" sz="1200" dirty="0" err="1">
-                <a:latin typeface="Consolas" panose="020B0609020204030204" pitchFamily="49" charset="0"/>
-              </a:rPr>
-              <a:t>Options.RobotTypes.Count</a:t>
-            </a:r>
-            <a:r>
-              <a:rPr lang="en-SG" sz="1200" dirty="0">
-                <a:latin typeface="Consolas" panose="020B0609020204030204" pitchFamily="49" charset="0"/>
-              </a:rPr>
-              <a:t> + 1</a:t>
-            </a:r>
-            <a:r>
-              <a:rPr lang="en-SG" sz="1200" dirty="0" smtClean="0">
-                <a:latin typeface="Consolas" panose="020B0609020204030204" pitchFamily="49" charset="0"/>
-              </a:rPr>
-              <a:t>];</a:t>
-            </a:r>
-          </a:p>
-          <a:p>
-            <a:r>
-              <a:rPr lang="en-SG" sz="1200" dirty="0">
-                <a:latin typeface="Consolas" panose="020B0609020204030204" pitchFamily="49" charset="0"/>
-              </a:rPr>
-              <a:t> </a:t>
-            </a:r>
-            <a:r>
-              <a:rPr lang="en-SG" sz="1200" dirty="0" smtClean="0">
-                <a:latin typeface="Consolas" panose="020B0609020204030204" pitchFamily="49" charset="0"/>
-              </a:rPr>
-              <a:t>                  </a:t>
-            </a:r>
-            <a:r>
-              <a:rPr lang="en-SG" sz="1200" dirty="0">
-                <a:latin typeface="Consolas" panose="020B0609020204030204" pitchFamily="49" charset="0"/>
-              </a:rPr>
-              <a:t>new </a:t>
-            </a:r>
-            <a:r>
-              <a:rPr lang="en-SG" sz="1200" b="1" dirty="0" smtClean="0">
-                <a:latin typeface="Consolas" panose="020B0609020204030204" pitchFamily="49" charset="0"/>
-              </a:rPr>
-              <a:t>Map</a:t>
-            </a:r>
-            <a:r>
-              <a:rPr lang="en-SG" sz="1200" dirty="0" smtClean="0">
-                <a:latin typeface="Consolas" panose="020B0609020204030204" pitchFamily="49" charset="0"/>
-              </a:rPr>
-              <a:t>()</a:t>
-            </a:r>
-          </a:p>
-          <a:p>
-            <a:r>
-              <a:rPr lang="en-SG" sz="1200" dirty="0" smtClean="0">
-                <a:latin typeface="Consolas" panose="020B0609020204030204" pitchFamily="49" charset="0"/>
-              </a:rPr>
-              <a:t>          assign </a:t>
-            </a:r>
-            <a:r>
-              <a:rPr lang="en-SG" sz="1200" dirty="0" err="1" smtClean="0">
-                <a:latin typeface="Consolas" panose="020B0609020204030204" pitchFamily="49" charset="0"/>
-              </a:rPr>
-              <a:t>countrIds</a:t>
-            </a:r>
-            <a:r>
-              <a:rPr lang="en-SG" sz="1200" dirty="0" smtClean="0">
-                <a:latin typeface="Consolas" panose="020B0609020204030204" pitchFamily="49" charset="0"/>
-              </a:rPr>
-              <a:t> to players</a:t>
-            </a:r>
-          </a:p>
-          <a:p>
-            <a:r>
-              <a:rPr lang="en-SG" sz="1200" dirty="0" smtClean="0">
-                <a:latin typeface="Consolas" panose="020B0609020204030204" pitchFamily="49" charset="0"/>
-              </a:rPr>
-              <a:t>          create countries</a:t>
-            </a:r>
-          </a:p>
-          <a:p>
-            <a:r>
-              <a:rPr lang="en-SG" sz="1200" dirty="0">
-                <a:latin typeface="Consolas" panose="020B0609020204030204" pitchFamily="49" charset="0"/>
-              </a:rPr>
-              <a:t> </a:t>
-            </a:r>
-            <a:r>
-              <a:rPr lang="en-SG" sz="1200" dirty="0" smtClean="0">
-                <a:latin typeface="Consolas" panose="020B0609020204030204" pitchFamily="49" charset="0"/>
-              </a:rPr>
-              <a:t>   </a:t>
-            </a:r>
-            <a:r>
-              <a:rPr lang="en-SG" sz="1200" dirty="0" err="1" smtClean="0">
-                <a:latin typeface="Consolas" panose="020B0609020204030204" pitchFamily="49" charset="0"/>
-              </a:rPr>
-              <a:t>mapChanged</a:t>
-            </a:r>
-            <a:r>
-              <a:rPr lang="en-SG" sz="1200" dirty="0">
-                <a:latin typeface="Consolas" panose="020B0609020204030204" pitchFamily="49" charset="0"/>
-              </a:rPr>
-              <a:t>()</a:t>
-            </a:r>
-            <a:r>
-              <a:rPr lang="en-SG" sz="1200" dirty="0" smtClean="0">
-                <a:latin typeface="Consolas" panose="020B0609020204030204" pitchFamily="49" charset="0"/>
-              </a:rPr>
-              <a:t>  </a:t>
-            </a:r>
-            <a:endParaRPr lang="en-SG" sz="1200" dirty="0">
-              <a:latin typeface="Consolas" panose="020B0609020204030204" pitchFamily="49" charset="0"/>
-            </a:endParaRPr>
-          </a:p>
-          <a:p>
-            <a:endParaRPr lang="en-SG" sz="1200" dirty="0">
-              <a:latin typeface="Consolas" panose="020B0609020204030204" pitchFamily="49" charset="0"/>
-            </a:endParaRPr>
+              <a:rPr lang="en-SG" sz="1600" dirty="0" err="1" smtClean="0"/>
+              <a:t>MainWindow</a:t>
+            </a:r>
+            <a:endParaRPr lang="en-SG" sz="1600" dirty="0"/>
+          </a:p>
+        </p:txBody>
+      </p:sp>
+      <p:sp>
+        <p:nvSpPr>
+          <p:cNvPr id="13" name="TextBox 12"/>
+          <p:cNvSpPr txBox="1"/>
+          <p:nvPr/>
+        </p:nvSpPr>
+        <p:spPr>
+          <a:xfrm>
+            <a:off x="3559953" y="6190542"/>
+            <a:ext cx="1181285" cy="338554"/>
+          </a:xfrm>
+          <a:prstGeom prst="rect">
+            <a:avLst/>
+          </a:prstGeom>
+          <a:noFill/>
+        </p:spPr>
+        <p:txBody>
+          <a:bodyPr wrap="none" rtlCol="0">
+            <a:spAutoFit/>
+          </a:bodyPr>
+          <a:lstStyle/>
+          <a:p>
+            <a:r>
+              <a:rPr lang="en-SG" sz="1600" dirty="0" err="1"/>
+              <a:t>MapControl</a:t>
+            </a:r>
+            <a:endParaRPr lang="en-SG" sz="1600" dirty="0"/>
+          </a:p>
+        </p:txBody>
+      </p:sp>
+      <p:sp>
+        <p:nvSpPr>
+          <p:cNvPr id="14" name="TextBox 13"/>
+          <p:cNvSpPr txBox="1"/>
+          <p:nvPr/>
+        </p:nvSpPr>
+        <p:spPr>
+          <a:xfrm>
+            <a:off x="2924522" y="4546988"/>
+            <a:ext cx="1816716" cy="338554"/>
+          </a:xfrm>
+          <a:prstGeom prst="rect">
+            <a:avLst/>
+          </a:prstGeom>
+          <a:noFill/>
+        </p:spPr>
+        <p:txBody>
+          <a:bodyPr wrap="none" rtlCol="0">
+            <a:spAutoFit/>
+          </a:bodyPr>
+          <a:lstStyle/>
+          <a:p>
+            <a:r>
+              <a:rPr lang="en-SG" sz="1600" dirty="0" err="1"/>
+              <a:t>MapOverlayControl</a:t>
+            </a:r>
+            <a:endParaRPr lang="en-SG" sz="1600" dirty="0"/>
+          </a:p>
+        </p:txBody>
+      </p:sp>
+      <p:sp>
+        <p:nvSpPr>
+          <p:cNvPr id="15" name="TextBox 14"/>
+          <p:cNvSpPr txBox="1"/>
+          <p:nvPr/>
+        </p:nvSpPr>
+        <p:spPr>
+          <a:xfrm>
+            <a:off x="3152277" y="2903434"/>
+            <a:ext cx="1588961" cy="338554"/>
+          </a:xfrm>
+          <a:prstGeom prst="rect">
+            <a:avLst/>
+          </a:prstGeom>
+          <a:noFill/>
+        </p:spPr>
+        <p:txBody>
+          <a:bodyPr wrap="none" rtlCol="0">
+            <a:spAutoFit/>
+          </a:bodyPr>
+          <a:lstStyle/>
+          <a:p>
+            <a:r>
+              <a:rPr lang="en-SG" sz="1600" dirty="0" err="1"/>
+              <a:t>M</a:t>
+            </a:r>
+            <a:r>
+              <a:rPr lang="en-SG" sz="1600" dirty="0" err="1" smtClean="0"/>
+              <a:t>apInfoWindow</a:t>
+            </a:r>
+            <a:endParaRPr lang="en-SG" sz="1600" dirty="0"/>
+          </a:p>
+        </p:txBody>
+      </p:sp>
+      <p:sp>
+        <p:nvSpPr>
+          <p:cNvPr id="16" name="TextBox 15"/>
+          <p:cNvSpPr txBox="1"/>
+          <p:nvPr/>
+        </p:nvSpPr>
+        <p:spPr>
+          <a:xfrm>
+            <a:off x="2232025" y="1259880"/>
+            <a:ext cx="2509213" cy="338554"/>
+          </a:xfrm>
+          <a:prstGeom prst="rect">
+            <a:avLst/>
+          </a:prstGeom>
+          <a:noFill/>
+        </p:spPr>
+        <p:txBody>
+          <a:bodyPr wrap="none" rtlCol="0">
+            <a:spAutoFit/>
+          </a:bodyPr>
+          <a:lstStyle/>
+          <a:p>
+            <a:r>
+              <a:rPr lang="en-SG" sz="1600" dirty="0" err="1"/>
+              <a:t>MapFinishedOverlayControl</a:t>
+            </a:r>
+            <a:endParaRPr lang="en-SG" sz="1600" dirty="0"/>
           </a:p>
         </p:txBody>
       </p:sp>
     </p:spTree>
     <p:extLst>
       <p:ext uri="{BB962C8B-B14F-4D97-AF65-F5344CB8AC3E}">
-        <p14:creationId xmlns:p14="http://schemas.microsoft.com/office/powerpoint/2010/main" val="3126117374"/>
+        <p14:creationId xmlns:p14="http://schemas.microsoft.com/office/powerpoint/2010/main" val="733128048"/>
       </p:ext>
     </p:extLst>
   </p:cSld>
@@ -3618,43 +3762,6 @@
 </file>
 
 <file path=ppt/slides/slide3.xml><?xml version="1.0" encoding="utf-8"?>
-<p:sld xmlns:a="http://schemas.openxmlformats.org/drawingml/2006/main" xmlns:r="http://schemas.openxmlformats.org/officeDocument/2006/relationships" xmlns:p="http://schemas.openxmlformats.org/presentationml/2006/main">
-  <p:cSld>
-    <p:spTree>
-      <p:nvGrpSpPr>
-        <p:cNvPr id="1" name=""/>
-        <p:cNvGrpSpPr/>
-        <p:nvPr/>
-      </p:nvGrpSpPr>
-      <p:grpSpPr>
-        <a:xfrm>
-          <a:off x="0" y="0"/>
-          <a:ext cx="0" cy="0"/>
-          <a:chOff x="0" y="0"/>
-          <a:chExt cx="0" cy="0"/>
-        </a:xfrm>
-      </p:grpSpPr>
-    </p:spTree>
-    <p:extLst>
-      <p:ext uri="{BB962C8B-B14F-4D97-AF65-F5344CB8AC3E}">
-        <p14:creationId xmlns:p14="http://schemas.microsoft.com/office/powerpoint/2010/main" val="3813371465"/>
-      </p:ext>
-    </p:extLst>
-  </p:cSld>
-  <p:clrMapOvr>
-    <a:masterClrMapping/>
-  </p:clrMapOvr>
-  <p:timing>
-    <p:tnLst>
-      <p:par>
-        <p:cTn id="1" dur="indefinite" restart="never" nodeType="tmRoot"/>
-      </p:par>
-    </p:tnLst>
-  </p:timing>
-</p:sld>
-</file>
-
-<file path=ppt/slides/slide4.xml><?xml version="1.0" encoding="utf-8"?>
 <p:sld xmlns:a="http://schemas.openxmlformats.org/drawingml/2006/main" xmlns:r="http://schemas.openxmlformats.org/officeDocument/2006/relationships" xmlns:p="http://schemas.openxmlformats.org/presentationml/2006/main">
   <p:cSld>
     <p:spTree>
@@ -4940,19 +5047,11 @@
                     <a:p>
                       <a:r>
                         <a:rPr lang="en-SG" sz="1200" dirty="0" smtClean="0"/>
-                        <a:t>These values get copied </a:t>
-                      </a:r>
-                      <a:r>
-                        <a:rPr lang="en-SG" sz="1200" dirty="0" smtClean="0"/>
-                        <a:t>only</a:t>
+                        <a:t>These values get copied only</a:t>
                       </a:r>
                       <a:r>
                         <a:rPr lang="en-SG" sz="1200" baseline="0" dirty="0" smtClean="0"/>
-                        <a:t> </a:t>
-                      </a:r>
-                      <a:r>
-                        <a:rPr lang="en-SG" sz="1200" baseline="0" dirty="0" smtClean="0"/>
-                        <a:t>once, when a new Game starts</a:t>
+                        <a:t> once, when a new Game starts</a:t>
                       </a:r>
                       <a:endParaRPr lang="en-SG" sz="1200" dirty="0"/>
                     </a:p>
@@ -5521,6 +5620,286 @@
 </p:sld>
 </file>
 
+<file path=ppt/slides/slide4.xml><?xml version="1.0" encoding="utf-8"?>
+<p:sld xmlns:a="http://schemas.openxmlformats.org/drawingml/2006/main" xmlns:r="http://schemas.openxmlformats.org/officeDocument/2006/relationships" xmlns:p="http://schemas.openxmlformats.org/presentationml/2006/main">
+  <p:cSld>
+    <p:spTree>
+      <p:nvGrpSpPr>
+        <p:cNvPr id="1" name=""/>
+        <p:cNvGrpSpPr/>
+        <p:nvPr/>
+      </p:nvGrpSpPr>
+      <p:grpSpPr>
+        <a:xfrm>
+          <a:off x="0" y="0"/>
+          <a:ext cx="0" cy="0"/>
+          <a:chOff x="0" y="0"/>
+          <a:chExt cx="0" cy="0"/>
+        </a:xfrm>
+      </p:grpSpPr>
+      <p:sp>
+        <p:nvSpPr>
+          <p:cNvPr id="4" name="Rectangle 3"/>
+          <p:cNvSpPr/>
+          <p:nvPr/>
+        </p:nvSpPr>
+        <p:spPr>
+          <a:xfrm>
+            <a:off x="503833" y="107752"/>
+            <a:ext cx="12457384" cy="6912768"/>
+          </a:xfrm>
+          <a:prstGeom prst="rect">
+            <a:avLst/>
+          </a:prstGeom>
+        </p:spPr>
+        <p:txBody>
+          <a:bodyPr wrap="square">
+            <a:noAutofit/>
+          </a:bodyPr>
+          <a:lstStyle/>
+          <a:p>
+            <a:r>
+              <a:rPr lang="en-SG" sz="1200" b="1" dirty="0" err="1" smtClean="0">
+                <a:latin typeface="Consolas" panose="020B0609020204030204" pitchFamily="49" charset="0"/>
+              </a:rPr>
+              <a:t>GameController</a:t>
+            </a:r>
+            <a:r>
+              <a:rPr lang="en-SG" sz="1200" dirty="0" err="1" smtClean="0">
+                <a:latin typeface="Consolas" panose="020B0609020204030204" pitchFamily="49" charset="0"/>
+              </a:rPr>
+              <a:t>.controllerMethod</a:t>
+            </a:r>
+            <a:r>
+              <a:rPr lang="en-SG" sz="1200" dirty="0" smtClean="0">
+                <a:latin typeface="Consolas" panose="020B0609020204030204" pitchFamily="49" charset="0"/>
+              </a:rPr>
+              <a:t>()</a:t>
+            </a:r>
+            <a:endParaRPr lang="en-SG" sz="1200" dirty="0">
+              <a:latin typeface="Consolas" panose="020B0609020204030204" pitchFamily="49" charset="0"/>
+            </a:endParaRPr>
+          </a:p>
+          <a:p>
+            <a:r>
+              <a:rPr lang="en-SG" sz="1200" dirty="0">
+                <a:latin typeface="Consolas" panose="020B0609020204030204" pitchFamily="49" charset="0"/>
+              </a:rPr>
+              <a:t>  </a:t>
+            </a:r>
+            <a:r>
+              <a:rPr lang="en-SG" sz="1200" dirty="0" err="1" smtClean="0">
+                <a:latin typeface="Consolas" panose="020B0609020204030204" pitchFamily="49" charset="0"/>
+              </a:rPr>
+              <a:t>executeMove</a:t>
+            </a:r>
+            <a:r>
+              <a:rPr lang="en-SG" sz="1200" dirty="0" smtClean="0">
+                <a:latin typeface="Consolas" panose="020B0609020204030204" pitchFamily="49" charset="0"/>
+              </a:rPr>
+              <a:t>(</a:t>
+            </a:r>
+            <a:r>
+              <a:rPr lang="en-SG" sz="1200" dirty="0" err="1" smtClean="0">
+                <a:latin typeface="Consolas" panose="020B0609020204030204" pitchFamily="49" charset="0"/>
+              </a:rPr>
+              <a:t>GameFix.GuiPlayerId</a:t>
+            </a:r>
+            <a:r>
+              <a:rPr lang="en-SG" sz="1200" dirty="0" smtClean="0">
+                <a:latin typeface="Consolas" panose="020B0609020204030204" pitchFamily="49" charset="0"/>
+              </a:rPr>
+              <a:t>) =&gt; </a:t>
+            </a:r>
+            <a:r>
+              <a:rPr lang="en-SG" sz="1200" b="1" dirty="0" err="1" smtClean="0">
+                <a:latin typeface="Consolas" panose="020B0609020204030204" pitchFamily="49" charset="0"/>
+              </a:rPr>
+              <a:t>GameFix</a:t>
+            </a:r>
+            <a:r>
+              <a:rPr lang="en-SG" sz="1200" dirty="0" err="1" smtClean="0">
+                <a:latin typeface="Consolas" panose="020B0609020204030204" pitchFamily="49" charset="0"/>
+              </a:rPr>
+              <a:t>.executeMove</a:t>
+            </a:r>
+            <a:r>
+              <a:rPr lang="en-SG" sz="1200" dirty="0" smtClean="0">
+                <a:latin typeface="Consolas" panose="020B0609020204030204" pitchFamily="49" charset="0"/>
+              </a:rPr>
+              <a:t>()</a:t>
+            </a:r>
+          </a:p>
+          <a:p>
+            <a:r>
+              <a:rPr lang="en-SG" sz="1200" dirty="0">
+                <a:latin typeface="Consolas" panose="020B0609020204030204" pitchFamily="49" charset="0"/>
+              </a:rPr>
+              <a:t> </a:t>
+            </a:r>
+            <a:r>
+              <a:rPr lang="en-SG" sz="1200" dirty="0" smtClean="0">
+                <a:latin typeface="Consolas" panose="020B0609020204030204" pitchFamily="49" charset="0"/>
+              </a:rPr>
+              <a:t> for each robot in Robots</a:t>
+            </a:r>
+          </a:p>
+          <a:p>
+            <a:r>
+              <a:rPr lang="en-SG" sz="1200" dirty="0">
+                <a:latin typeface="Consolas" panose="020B0609020204030204" pitchFamily="49" charset="0"/>
+              </a:rPr>
+              <a:t>    </a:t>
+            </a:r>
+            <a:r>
+              <a:rPr lang="en-SG" sz="1200" dirty="0" err="1" smtClean="0">
+                <a:latin typeface="Consolas" panose="020B0609020204030204" pitchFamily="49" charset="0"/>
+              </a:rPr>
+              <a:t>robotMove</a:t>
+            </a:r>
+            <a:r>
+              <a:rPr lang="en-SG" sz="1200" dirty="0" smtClean="0">
+                <a:latin typeface="Consolas" panose="020B0609020204030204" pitchFamily="49" charset="0"/>
+              </a:rPr>
+              <a:t> = </a:t>
+            </a:r>
+            <a:r>
+              <a:rPr lang="en-SG" sz="1200" dirty="0" err="1" smtClean="0">
+                <a:latin typeface="Consolas" panose="020B0609020204030204" pitchFamily="49" charset="0"/>
+              </a:rPr>
+              <a:t>robot.PlanMove</a:t>
+            </a:r>
+            <a:r>
+              <a:rPr lang="en-SG" sz="1200" dirty="0" smtClean="0">
+                <a:latin typeface="Consolas" panose="020B0609020204030204" pitchFamily="49" charset="0"/>
+              </a:rPr>
+              <a:t>()</a:t>
+            </a:r>
+          </a:p>
+          <a:p>
+            <a:r>
+              <a:rPr lang="en-SG" sz="1200" dirty="0">
+                <a:latin typeface="Consolas" panose="020B0609020204030204" pitchFamily="49" charset="0"/>
+              </a:rPr>
+              <a:t>      </a:t>
+            </a:r>
+            <a:r>
+              <a:rPr lang="en-SG" sz="1200" dirty="0" err="1">
+                <a:latin typeface="Consolas" panose="020B0609020204030204" pitchFamily="49" charset="0"/>
+              </a:rPr>
+              <a:t>DoPlanMove</a:t>
+            </a:r>
+            <a:r>
+              <a:rPr lang="en-SG" sz="1200" dirty="0">
+                <a:latin typeface="Consolas" panose="020B0609020204030204" pitchFamily="49" charset="0"/>
+              </a:rPr>
+              <a:t>() =&gt; </a:t>
+            </a:r>
+            <a:r>
+              <a:rPr lang="en-SG" sz="1200" dirty="0" err="1" smtClean="0">
+                <a:latin typeface="Consolas" panose="020B0609020204030204" pitchFamily="49" charset="0"/>
+              </a:rPr>
+              <a:t>BasicRobot.DoPlanMove</a:t>
+            </a:r>
+            <a:r>
+              <a:rPr lang="en-SG" sz="1200" dirty="0">
+                <a:latin typeface="Consolas" panose="020B0609020204030204" pitchFamily="49" charset="0"/>
+              </a:rPr>
+              <a:t>() </a:t>
+            </a:r>
+            <a:endParaRPr lang="en-SG" sz="1200" dirty="0" smtClean="0">
+              <a:latin typeface="Consolas" panose="020B0609020204030204" pitchFamily="49" charset="0"/>
+            </a:endParaRPr>
+          </a:p>
+          <a:p>
+            <a:r>
+              <a:rPr lang="en-SG" sz="1200" dirty="0">
+                <a:latin typeface="Consolas" panose="020B0609020204030204" pitchFamily="49" charset="0"/>
+              </a:rPr>
+              <a:t> </a:t>
+            </a:r>
+            <a:r>
+              <a:rPr lang="en-SG" sz="1200" dirty="0" smtClean="0">
+                <a:latin typeface="Consolas" panose="020B0609020204030204" pitchFamily="49" charset="0"/>
+              </a:rPr>
+              <a:t>   </a:t>
+            </a:r>
+            <a:r>
+              <a:rPr lang="en-SG" sz="1200" dirty="0" err="1" smtClean="0">
+                <a:latin typeface="Consolas" panose="020B0609020204030204" pitchFamily="49" charset="0"/>
+              </a:rPr>
+              <a:t>executeMove</a:t>
+            </a:r>
+            <a:r>
+              <a:rPr lang="en-SG" sz="1200" dirty="0" smtClean="0">
+                <a:latin typeface="Consolas" panose="020B0609020204030204" pitchFamily="49" charset="0"/>
+              </a:rPr>
+              <a:t>(</a:t>
+            </a:r>
+            <a:r>
+              <a:rPr lang="en-SG" sz="1200" dirty="0" err="1" smtClean="0">
+                <a:latin typeface="Consolas" panose="020B0609020204030204" pitchFamily="49" charset="0"/>
+              </a:rPr>
+              <a:t>robotMove</a:t>
+            </a:r>
+            <a:r>
+              <a:rPr lang="en-SG" sz="1200" dirty="0" smtClean="0">
+                <a:latin typeface="Consolas" panose="020B0609020204030204" pitchFamily="49" charset="0"/>
+              </a:rPr>
+              <a:t>) </a:t>
+            </a:r>
+            <a:r>
+              <a:rPr lang="en-SG" sz="1200" dirty="0">
+                <a:latin typeface="Consolas" panose="020B0609020204030204" pitchFamily="49" charset="0"/>
+              </a:rPr>
+              <a:t>=&gt; </a:t>
+            </a:r>
+            <a:r>
+              <a:rPr lang="en-SG" sz="1200" b="1" dirty="0" err="1">
+                <a:latin typeface="Consolas" panose="020B0609020204030204" pitchFamily="49" charset="0"/>
+              </a:rPr>
+              <a:t>GameFix</a:t>
+            </a:r>
+            <a:r>
+              <a:rPr lang="en-SG" sz="1200" dirty="0" err="1">
+                <a:latin typeface="Consolas" panose="020B0609020204030204" pitchFamily="49" charset="0"/>
+              </a:rPr>
+              <a:t>.executeMove</a:t>
+            </a:r>
+            <a:r>
+              <a:rPr lang="en-SG" sz="1200" dirty="0">
+                <a:latin typeface="Consolas" panose="020B0609020204030204" pitchFamily="49" charset="0"/>
+              </a:rPr>
+              <a:t>()</a:t>
+            </a:r>
+          </a:p>
+          <a:p>
+            <a:endParaRPr lang="en-SG" sz="1200" dirty="0" smtClean="0">
+              <a:latin typeface="Consolas" panose="020B0609020204030204" pitchFamily="49" charset="0"/>
+            </a:endParaRPr>
+          </a:p>
+        </p:txBody>
+      </p:sp>
+    </p:spTree>
+    <p:extLst>
+      <p:ext uri="{BB962C8B-B14F-4D97-AF65-F5344CB8AC3E}">
+        <p14:creationId xmlns:p14="http://schemas.microsoft.com/office/powerpoint/2010/main" val="2184324705"/>
+      </p:ext>
+    </p:extLst>
+  </p:cSld>
+  <p:clrMapOvr>
+    <a:masterClrMapping/>
+  </p:clrMapOvr>
+  <p:timing>
+    <p:tnLst>
+      <p:par>
+        <p:cTn id="1" dur="indefinite" restart="never" nodeType="tmRoot"/>
+      </p:par>
+    </p:tnLst>
+  </p:timing>
+</p:sld>
+</file>
+
 <file path=ppt/slides/slide5.xml><?xml version="1.0" encoding="utf-8"?>
 <p:sld xmlns:a="http://schemas.openxmlformats.org/drawingml/2006/main" xmlns:r="http://schemas.openxmlformats.org/officeDocument/2006/relationships" xmlns:p="http://schemas.openxmlformats.org/presentationml/2006/main">
   <p:cSld>
@@ -5546,245 +5925,2242 @@
         </p:nvSpPr>
         <p:spPr>
           <a:xfrm>
-            <a:off x="503833" y="107752"/>
-            <a:ext cx="12457384" cy="6912768"/>
+            <a:off x="71785" y="60329"/>
+            <a:ext cx="1053996" cy="388146"/>
           </a:xfrm>
           <a:prstGeom prst="rect">
             <a:avLst/>
           </a:prstGeom>
         </p:spPr>
         <p:txBody>
-          <a:bodyPr wrap="square">
-            <a:noAutofit/>
+          <a:bodyPr wrap="none" lIns="140552" tIns="70276" rIns="140552" bIns="70276">
+            <a:spAutoFit/>
           </a:bodyPr>
           <a:lstStyle/>
           <a:p>
             <a:r>
-              <a:rPr lang="en-SG" sz="1200" b="1" dirty="0" err="1" smtClean="0">
-                <a:latin typeface="Consolas" panose="020B0609020204030204" pitchFamily="49" charset="0"/>
-              </a:rPr>
+              <a:rPr lang="en-SG" sz="1600" b="1" dirty="0" err="1" smtClean="0"/>
+              <a:t>Autoplay</a:t>
+            </a:r>
+            <a:endParaRPr lang="en-SG" sz="1600" b="1" dirty="0"/>
+          </a:p>
+        </p:txBody>
+      </p:sp>
+      <p:sp>
+        <p:nvSpPr>
+          <p:cNvPr id="5" name="Oval 4"/>
+          <p:cNvSpPr/>
+          <p:nvPr/>
+        </p:nvSpPr>
+        <p:spPr>
+          <a:xfrm>
+            <a:off x="5547021" y="3545858"/>
+            <a:ext cx="1224136" cy="1224136"/>
+          </a:xfrm>
+          <a:prstGeom prst="ellipse">
+            <a:avLst/>
+          </a:prstGeom>
+        </p:spPr>
+        <p:style>
+          <a:lnRef idx="1">
+            <a:schemeClr val="dk1"/>
+          </a:lnRef>
+          <a:fillRef idx="2">
+            <a:schemeClr val="dk1"/>
+          </a:fillRef>
+          <a:effectRef idx="1">
+            <a:schemeClr val="dk1"/>
+          </a:effectRef>
+          <a:fontRef idx="minor">
+            <a:schemeClr val="dk1"/>
+          </a:fontRef>
+        </p:style>
+        <p:txBody>
+          <a:bodyPr rtlCol="0" anchor="ctr"/>
+          <a:lstStyle/>
+          <a:p>
+            <a:pPr algn="ctr"/>
+            <a:r>
+              <a:rPr lang="en-SG" sz="1200" b="1" dirty="0" smtClean="0"/>
+              <a:t>Controller is waiting </a:t>
+            </a:r>
+            <a:r>
+              <a:rPr lang="en-SG" sz="1200" dirty="0" smtClean="0"/>
+              <a:t>for GUI move</a:t>
+            </a:r>
+            <a:endParaRPr lang="en-SG" sz="1200" dirty="0"/>
+          </a:p>
+        </p:txBody>
+      </p:sp>
+      <p:sp>
+        <p:nvSpPr>
+          <p:cNvPr id="6" name="Oval 5"/>
+          <p:cNvSpPr/>
+          <p:nvPr/>
+        </p:nvSpPr>
+        <p:spPr>
+          <a:xfrm>
+            <a:off x="5547021" y="2033690"/>
+            <a:ext cx="1224136" cy="1224136"/>
+          </a:xfrm>
+          <a:prstGeom prst="ellipse">
+            <a:avLst/>
+          </a:prstGeom>
+        </p:spPr>
+        <p:style>
+          <a:lnRef idx="1">
+            <a:schemeClr val="dk1"/>
+          </a:lnRef>
+          <a:fillRef idx="2">
+            <a:schemeClr val="dk1"/>
+          </a:fillRef>
+          <a:effectRef idx="1">
+            <a:schemeClr val="dk1"/>
+          </a:effectRef>
+          <a:fontRef idx="minor">
+            <a:schemeClr val="dk1"/>
+          </a:fontRef>
+        </p:style>
+        <p:txBody>
+          <a:bodyPr rtlCol="0" anchor="ctr"/>
+          <a:lstStyle/>
+          <a:p>
+            <a:pPr algn="ctr"/>
+            <a:r>
+              <a:rPr lang="en-SG" sz="1200" dirty="0" smtClean="0"/>
+              <a:t>Controller is busy processing GUI move</a:t>
+            </a:r>
+            <a:endParaRPr lang="en-SG" sz="1200" dirty="0"/>
+          </a:p>
+        </p:txBody>
+      </p:sp>
+      <p:cxnSp>
+        <p:nvCxnSpPr>
+          <p:cNvPr id="13" name="Elbow Connector 12"/>
+          <p:cNvCxnSpPr>
+            <a:stCxn id="5" idx="2"/>
+            <a:endCxn id="6" idx="2"/>
+          </p:cNvCxnSpPr>
+          <p:nvPr/>
+        </p:nvCxnSpPr>
+        <p:spPr>
+          <a:xfrm rot="10800000">
+            <a:off x="5547021" y="2645758"/>
+            <a:ext cx="12700" cy="1512168"/>
+          </a:xfrm>
+          <a:prstGeom prst="bentConnector3">
+            <a:avLst>
+              <a:gd name="adj1" fmla="val 1800000"/>
+            </a:avLst>
+          </a:prstGeom>
+          <a:ln>
+            <a:solidFill>
+              <a:schemeClr val="tx1"/>
+            </a:solidFill>
+            <a:tailEnd type="arrow"/>
+          </a:ln>
+        </p:spPr>
+        <p:style>
+          <a:lnRef idx="1">
+            <a:schemeClr val="accent1"/>
+          </a:lnRef>
+          <a:fillRef idx="0">
+            <a:schemeClr val="accent1"/>
+          </a:fillRef>
+          <a:effectRef idx="0">
+            <a:schemeClr val="accent1"/>
+          </a:effectRef>
+          <a:fontRef idx="minor">
+            <a:schemeClr val="tx1"/>
+          </a:fontRef>
+        </p:style>
+      </p:cxnSp>
+      <p:cxnSp>
+        <p:nvCxnSpPr>
+          <p:cNvPr id="15" name="Elbow Connector 14"/>
+          <p:cNvCxnSpPr>
+            <a:stCxn id="6" idx="6"/>
+            <a:endCxn id="5" idx="6"/>
+          </p:cNvCxnSpPr>
+          <p:nvPr/>
+        </p:nvCxnSpPr>
+        <p:spPr>
+          <a:xfrm>
+            <a:off x="6771157" y="2645758"/>
+            <a:ext cx="12700" cy="1512168"/>
+          </a:xfrm>
+          <a:prstGeom prst="bentConnector3">
+            <a:avLst>
+              <a:gd name="adj1" fmla="val 1800000"/>
+            </a:avLst>
+          </a:prstGeom>
+          <a:ln>
+            <a:solidFill>
+              <a:schemeClr val="tx1"/>
+            </a:solidFill>
+            <a:tailEnd type="arrow"/>
+          </a:ln>
+        </p:spPr>
+        <p:style>
+          <a:lnRef idx="1">
+            <a:schemeClr val="accent1"/>
+          </a:lnRef>
+          <a:fillRef idx="0">
+            <a:schemeClr val="accent1"/>
+          </a:fillRef>
+          <a:effectRef idx="0">
+            <a:schemeClr val="accent1"/>
+          </a:effectRef>
+          <a:fontRef idx="minor">
+            <a:schemeClr val="tx1"/>
+          </a:fontRef>
+        </p:style>
+      </p:cxnSp>
+      <p:sp>
+        <p:nvSpPr>
+          <p:cNvPr id="16" name="TextBox 15"/>
+          <p:cNvSpPr txBox="1"/>
+          <p:nvPr/>
+        </p:nvSpPr>
+        <p:spPr>
+          <a:xfrm>
+            <a:off x="4106861" y="2691114"/>
+            <a:ext cx="1182631" cy="646331"/>
+          </a:xfrm>
+          <a:prstGeom prst="rect">
+            <a:avLst/>
+          </a:prstGeom>
+          <a:noFill/>
+        </p:spPr>
+        <p:txBody>
+          <a:bodyPr wrap="none" rtlCol="0">
+            <a:spAutoFit/>
+          </a:bodyPr>
+          <a:lstStyle/>
+          <a:p>
+            <a:pPr algn="r"/>
+            <a:r>
+              <a:rPr lang="en-SG" sz="1200" dirty="0" err="1" smtClean="0"/>
+              <a:t>Gui</a:t>
+            </a:r>
+            <a:r>
+              <a:rPr lang="en-SG" sz="1200" dirty="0" smtClean="0"/>
+              <a:t> sends</a:t>
+            </a:r>
+          </a:p>
+          <a:p>
+            <a:pPr algn="r"/>
+            <a:r>
+              <a:rPr lang="en-SG" sz="1200" dirty="0" smtClean="0"/>
+              <a:t>Move to </a:t>
+            </a:r>
+          </a:p>
+          <a:p>
+            <a:pPr algn="r"/>
+            <a:r>
+              <a:rPr lang="en-SG" sz="1200" dirty="0" err="1" smtClean="0"/>
               <a:t>GameController</a:t>
             </a:r>
-            <a:r>
-              <a:rPr lang="en-SG" sz="1200" dirty="0" err="1" smtClean="0">
-                <a:latin typeface="Consolas" panose="020B0609020204030204" pitchFamily="49" charset="0"/>
-              </a:rPr>
-              <a:t>.controllerMethod</a:t>
-            </a:r>
-            <a:r>
-              <a:rPr lang="en-SG" sz="1200" dirty="0" smtClean="0">
-                <a:latin typeface="Consolas" panose="020B0609020204030204" pitchFamily="49" charset="0"/>
-              </a:rPr>
-              <a:t>()</a:t>
-            </a:r>
-            <a:endParaRPr lang="en-SG" sz="1200" dirty="0">
-              <a:latin typeface="Consolas" panose="020B0609020204030204" pitchFamily="49" charset="0"/>
-            </a:endParaRPr>
-          </a:p>
-          <a:p>
-            <a:r>
-              <a:rPr lang="en-SG" sz="1200" dirty="0">
-                <a:latin typeface="Consolas" panose="020B0609020204030204" pitchFamily="49" charset="0"/>
-              </a:rPr>
-              <a:t>  </a:t>
-            </a:r>
-            <a:r>
-              <a:rPr lang="en-SG" sz="1200" dirty="0" err="1" smtClean="0">
-                <a:latin typeface="Consolas" panose="020B0609020204030204" pitchFamily="49" charset="0"/>
-              </a:rPr>
-              <a:t>executeMove</a:t>
-            </a:r>
-            <a:r>
-              <a:rPr lang="en-SG" sz="1200" dirty="0" smtClean="0">
-                <a:latin typeface="Consolas" panose="020B0609020204030204" pitchFamily="49" charset="0"/>
-              </a:rPr>
-              <a:t>(</a:t>
-            </a:r>
-            <a:r>
-              <a:rPr lang="en-SG" sz="1200" dirty="0" err="1" smtClean="0">
-                <a:latin typeface="Consolas" panose="020B0609020204030204" pitchFamily="49" charset="0"/>
-              </a:rPr>
-              <a:t>GameFix.GuiPlayerId</a:t>
-            </a:r>
-            <a:r>
-              <a:rPr lang="en-SG" sz="1200" dirty="0" smtClean="0">
-                <a:latin typeface="Consolas" panose="020B0609020204030204" pitchFamily="49" charset="0"/>
-              </a:rPr>
-              <a:t>) =&gt; </a:t>
-            </a:r>
-            <a:r>
-              <a:rPr lang="en-SG" sz="1200" b="1" dirty="0" err="1" smtClean="0">
-                <a:latin typeface="Consolas" panose="020B0609020204030204" pitchFamily="49" charset="0"/>
-              </a:rPr>
-              <a:t>GameFix</a:t>
-            </a:r>
-            <a:r>
-              <a:rPr lang="en-SG" sz="1200" dirty="0" err="1" smtClean="0">
-                <a:latin typeface="Consolas" panose="020B0609020204030204" pitchFamily="49" charset="0"/>
-              </a:rPr>
-              <a:t>.executeMove</a:t>
-            </a:r>
-            <a:r>
-              <a:rPr lang="en-SG" sz="1200" dirty="0" smtClean="0">
-                <a:latin typeface="Consolas" panose="020B0609020204030204" pitchFamily="49" charset="0"/>
-              </a:rPr>
-              <a:t>()</a:t>
-            </a:r>
-          </a:p>
-          <a:p>
-            <a:r>
-              <a:rPr lang="en-SG" sz="1200" dirty="0">
-                <a:latin typeface="Consolas" panose="020B0609020204030204" pitchFamily="49" charset="0"/>
-              </a:rPr>
-              <a:t> </a:t>
-            </a:r>
-            <a:r>
-              <a:rPr lang="en-SG" sz="1200" dirty="0" smtClean="0">
-                <a:latin typeface="Consolas" panose="020B0609020204030204" pitchFamily="49" charset="0"/>
-              </a:rPr>
-              <a:t> for each robot in Robots</a:t>
-            </a:r>
-          </a:p>
-          <a:p>
-            <a:r>
-              <a:rPr lang="en-SG" sz="1200" dirty="0">
-                <a:latin typeface="Consolas" panose="020B0609020204030204" pitchFamily="49" charset="0"/>
-              </a:rPr>
-              <a:t>    </a:t>
-            </a:r>
-            <a:r>
-              <a:rPr lang="en-SG" sz="1200" dirty="0" err="1" smtClean="0">
-                <a:latin typeface="Consolas" panose="020B0609020204030204" pitchFamily="49" charset="0"/>
-              </a:rPr>
-              <a:t>robotMove</a:t>
-            </a:r>
-            <a:r>
-              <a:rPr lang="en-SG" sz="1200" dirty="0" smtClean="0">
-                <a:latin typeface="Consolas" panose="020B0609020204030204" pitchFamily="49" charset="0"/>
-              </a:rPr>
-              <a:t> = </a:t>
-            </a:r>
-            <a:r>
-              <a:rPr lang="en-SG" sz="1200" dirty="0" err="1" smtClean="0">
-                <a:latin typeface="Consolas" panose="020B0609020204030204" pitchFamily="49" charset="0"/>
-              </a:rPr>
-              <a:t>robot.PlanMove</a:t>
-            </a:r>
-            <a:r>
-              <a:rPr lang="en-SG" sz="1200" dirty="0" smtClean="0">
-                <a:latin typeface="Consolas" panose="020B0609020204030204" pitchFamily="49" charset="0"/>
-              </a:rPr>
-              <a:t>()</a:t>
-            </a:r>
-          </a:p>
-          <a:p>
-            <a:r>
-              <a:rPr lang="en-SG" sz="1200" dirty="0">
-                <a:latin typeface="Consolas" panose="020B0609020204030204" pitchFamily="49" charset="0"/>
-              </a:rPr>
-              <a:t>      </a:t>
-            </a:r>
-            <a:r>
-              <a:rPr lang="en-SG" sz="1200" dirty="0" err="1">
-                <a:latin typeface="Consolas" panose="020B0609020204030204" pitchFamily="49" charset="0"/>
-              </a:rPr>
-              <a:t>DoPlanMove</a:t>
-            </a:r>
-            <a:r>
-              <a:rPr lang="en-SG" sz="1200" dirty="0">
-                <a:latin typeface="Consolas" panose="020B0609020204030204" pitchFamily="49" charset="0"/>
-              </a:rPr>
-              <a:t>() =&gt; </a:t>
-            </a:r>
-            <a:r>
-              <a:rPr lang="en-SG" sz="1200" dirty="0" err="1" smtClean="0">
-                <a:latin typeface="Consolas" panose="020B0609020204030204" pitchFamily="49" charset="0"/>
-              </a:rPr>
-              <a:t>BasicRobot.DoPlanMove</a:t>
-            </a:r>
-            <a:r>
-              <a:rPr lang="en-SG" sz="1200" dirty="0">
-                <a:latin typeface="Consolas" panose="020B0609020204030204" pitchFamily="49" charset="0"/>
-              </a:rPr>
-              <a:t>() </a:t>
-            </a:r>
-            <a:endParaRPr lang="en-SG" sz="1200" dirty="0" smtClean="0">
-              <a:latin typeface="Consolas" panose="020B0609020204030204" pitchFamily="49" charset="0"/>
-            </a:endParaRPr>
-          </a:p>
-          <a:p>
-            <a:r>
-              <a:rPr lang="en-SG" sz="1200" dirty="0">
-                <a:latin typeface="Consolas" panose="020B0609020204030204" pitchFamily="49" charset="0"/>
-              </a:rPr>
-              <a:t> </a:t>
-            </a:r>
-            <a:r>
-              <a:rPr lang="en-SG" sz="1200" dirty="0" smtClean="0">
-                <a:latin typeface="Consolas" panose="020B0609020204030204" pitchFamily="49" charset="0"/>
-              </a:rPr>
-              <a:t>   </a:t>
-            </a:r>
-            <a:r>
-              <a:rPr lang="en-SG" sz="1200" dirty="0" err="1" smtClean="0">
-                <a:latin typeface="Consolas" panose="020B0609020204030204" pitchFamily="49" charset="0"/>
-              </a:rPr>
-              <a:t>executeMove</a:t>
-            </a:r>
-            <a:r>
-              <a:rPr lang="en-SG" sz="1200" dirty="0" smtClean="0">
-                <a:latin typeface="Consolas" panose="020B0609020204030204" pitchFamily="49" charset="0"/>
-              </a:rPr>
-              <a:t>(</a:t>
-            </a:r>
-            <a:r>
-              <a:rPr lang="en-SG" sz="1200" dirty="0" err="1" smtClean="0">
-                <a:latin typeface="Consolas" panose="020B0609020204030204" pitchFamily="49" charset="0"/>
-              </a:rPr>
-              <a:t>robotMove</a:t>
-            </a:r>
-            <a:r>
-              <a:rPr lang="en-SG" sz="1200" dirty="0" smtClean="0">
-                <a:latin typeface="Consolas" panose="020B0609020204030204" pitchFamily="49" charset="0"/>
-              </a:rPr>
-              <a:t>) </a:t>
-            </a:r>
-            <a:r>
-              <a:rPr lang="en-SG" sz="1200" dirty="0">
-                <a:latin typeface="Consolas" panose="020B0609020204030204" pitchFamily="49" charset="0"/>
-              </a:rPr>
-              <a:t>=&gt; </a:t>
-            </a:r>
-            <a:r>
-              <a:rPr lang="en-SG" sz="1200" b="1" dirty="0" err="1">
-                <a:latin typeface="Consolas" panose="020B0609020204030204" pitchFamily="49" charset="0"/>
-              </a:rPr>
-              <a:t>GameFix</a:t>
-            </a:r>
-            <a:r>
-              <a:rPr lang="en-SG" sz="1200" dirty="0" err="1">
-                <a:latin typeface="Consolas" panose="020B0609020204030204" pitchFamily="49" charset="0"/>
-              </a:rPr>
-              <a:t>.executeMove</a:t>
-            </a:r>
-            <a:r>
-              <a:rPr lang="en-SG" sz="1200" dirty="0">
-                <a:latin typeface="Consolas" panose="020B0609020204030204" pitchFamily="49" charset="0"/>
-              </a:rPr>
-              <a:t>()</a:t>
-            </a:r>
-          </a:p>
-          <a:p>
-            <a:endParaRPr lang="en-SG" sz="1200" dirty="0" smtClean="0">
-              <a:latin typeface="Consolas" panose="020B0609020204030204" pitchFamily="49" charset="0"/>
-            </a:endParaRPr>
+            <a:endParaRPr lang="en-SG" sz="1200" dirty="0"/>
+          </a:p>
+        </p:txBody>
+      </p:sp>
+      <p:sp>
+        <p:nvSpPr>
+          <p:cNvPr id="17" name="TextBox 16"/>
+          <p:cNvSpPr txBox="1"/>
+          <p:nvPr/>
+        </p:nvSpPr>
+        <p:spPr>
+          <a:xfrm>
+            <a:off x="6987181" y="3804273"/>
+            <a:ext cx="1569532" cy="461665"/>
+          </a:xfrm>
+          <a:prstGeom prst="rect">
+            <a:avLst/>
+          </a:prstGeom>
+          <a:noFill/>
+        </p:spPr>
+        <p:txBody>
+          <a:bodyPr wrap="none" rtlCol="0">
+            <a:spAutoFit/>
+          </a:bodyPr>
+          <a:lstStyle/>
+          <a:p>
+            <a:r>
+              <a:rPr lang="en-SG" sz="1200" dirty="0" err="1" smtClean="0"/>
+              <a:t>MapChanged</a:t>
+            </a:r>
+            <a:r>
+              <a:rPr lang="en-SG" sz="1200" dirty="0" smtClean="0"/>
+              <a:t> event or</a:t>
+            </a:r>
+          </a:p>
+          <a:p>
+            <a:r>
+              <a:rPr lang="en-SG" sz="1200" dirty="0" err="1" smtClean="0"/>
+              <a:t>GameChangedEvent</a:t>
+            </a:r>
+            <a:endParaRPr lang="en-SG" sz="1200" dirty="0"/>
+          </a:p>
+        </p:txBody>
+      </p:sp>
+      <p:sp>
+        <p:nvSpPr>
+          <p:cNvPr id="18" name="Rectangle 17"/>
+          <p:cNvSpPr/>
+          <p:nvPr/>
+        </p:nvSpPr>
+        <p:spPr>
+          <a:xfrm>
+            <a:off x="1981151" y="1259418"/>
+            <a:ext cx="1008112" cy="504056"/>
+          </a:xfrm>
+          <a:prstGeom prst="rect">
+            <a:avLst/>
+          </a:prstGeom>
+          <a:ln w="28575"/>
+        </p:spPr>
+        <p:style>
+          <a:lnRef idx="1">
+            <a:schemeClr val="accent5"/>
+          </a:lnRef>
+          <a:fillRef idx="2">
+            <a:schemeClr val="accent5"/>
+          </a:fillRef>
+          <a:effectRef idx="1">
+            <a:schemeClr val="accent5"/>
+          </a:effectRef>
+          <a:fontRef idx="minor">
+            <a:schemeClr val="dk1"/>
+          </a:fontRef>
+        </p:style>
+        <p:txBody>
+          <a:bodyPr rtlCol="0" anchor="ctr"/>
+          <a:lstStyle/>
+          <a:p>
+            <a:pPr algn="ctr"/>
+            <a:r>
+              <a:rPr lang="en-SG" sz="1200" dirty="0" err="1" smtClean="0"/>
+              <a:t>Autoplay</a:t>
+            </a:r>
+            <a:endParaRPr lang="en-SG" sz="1200" dirty="0" smtClean="0"/>
+          </a:p>
+          <a:p>
+            <a:pPr algn="ctr"/>
+            <a:r>
+              <a:rPr lang="en-SG" sz="1200" dirty="0" smtClean="0"/>
+              <a:t>Timer</a:t>
+            </a:r>
+            <a:endParaRPr lang="en-SG" sz="1200" dirty="0"/>
+          </a:p>
+        </p:txBody>
+      </p:sp>
+      <p:sp>
+        <p:nvSpPr>
+          <p:cNvPr id="19" name="Hexagon 18"/>
+          <p:cNvSpPr/>
+          <p:nvPr/>
+        </p:nvSpPr>
+        <p:spPr>
+          <a:xfrm>
+            <a:off x="1871985" y="2105698"/>
+            <a:ext cx="1224136" cy="432048"/>
+          </a:xfrm>
+          <a:prstGeom prst="hexagon">
+            <a:avLst/>
+          </a:prstGeom>
+        </p:spPr>
+        <p:style>
+          <a:lnRef idx="1">
+            <a:schemeClr val="accent1"/>
+          </a:lnRef>
+          <a:fillRef idx="2">
+            <a:schemeClr val="accent1"/>
+          </a:fillRef>
+          <a:effectRef idx="1">
+            <a:schemeClr val="accent1"/>
+          </a:effectRef>
+          <a:fontRef idx="minor">
+            <a:schemeClr val="dk1"/>
+          </a:fontRef>
+        </p:style>
+        <p:txBody>
+          <a:bodyPr rtlCol="0" anchor="ctr"/>
+          <a:lstStyle/>
+          <a:p>
+            <a:pPr algn="ctr"/>
+            <a:r>
+              <a:rPr lang="en-SG" sz="1200" dirty="0" smtClean="0"/>
+              <a:t>Is controller waiting ?</a:t>
+            </a:r>
+            <a:endParaRPr lang="en-SG" sz="1200" dirty="0"/>
+          </a:p>
+        </p:txBody>
+      </p:sp>
+      <p:cxnSp>
+        <p:nvCxnSpPr>
+          <p:cNvPr id="21" name="Straight Arrow Connector 20"/>
+          <p:cNvCxnSpPr>
+            <a:stCxn id="18" idx="2"/>
+          </p:cNvCxnSpPr>
+          <p:nvPr/>
+        </p:nvCxnSpPr>
+        <p:spPr>
+          <a:xfrm>
+            <a:off x="2485207" y="1763474"/>
+            <a:ext cx="0" cy="342224"/>
+          </a:xfrm>
+          <a:prstGeom prst="straightConnector1">
+            <a:avLst/>
+          </a:prstGeom>
+          <a:ln>
+            <a:solidFill>
+              <a:schemeClr val="tx1"/>
+            </a:solidFill>
+            <a:tailEnd type="arrow"/>
+          </a:ln>
+        </p:spPr>
+        <p:style>
+          <a:lnRef idx="1">
+            <a:schemeClr val="accent1"/>
+          </a:lnRef>
+          <a:fillRef idx="0">
+            <a:schemeClr val="accent1"/>
+          </a:fillRef>
+          <a:effectRef idx="0">
+            <a:schemeClr val="accent1"/>
+          </a:effectRef>
+          <a:fontRef idx="minor">
+            <a:schemeClr val="tx1"/>
+          </a:fontRef>
+        </p:style>
+      </p:cxnSp>
+      <p:sp>
+        <p:nvSpPr>
+          <p:cNvPr id="25" name="TextBox 24"/>
+          <p:cNvSpPr txBox="1"/>
+          <p:nvPr/>
+        </p:nvSpPr>
+        <p:spPr>
+          <a:xfrm>
+            <a:off x="2485727" y="1745658"/>
+            <a:ext cx="431528" cy="276999"/>
+          </a:xfrm>
+          <a:prstGeom prst="rect">
+            <a:avLst/>
+          </a:prstGeom>
+          <a:noFill/>
+          <a:ln>
+            <a:solidFill>
+              <a:schemeClr val="tx1"/>
+            </a:solidFill>
+          </a:ln>
+        </p:spPr>
+        <p:txBody>
+          <a:bodyPr wrap="none" rtlCol="0">
+            <a:spAutoFit/>
+          </a:bodyPr>
+          <a:lstStyle/>
+          <a:p>
+            <a:r>
+              <a:rPr lang="en-SG" sz="1200" dirty="0" smtClean="0"/>
+              <a:t>Tick</a:t>
+            </a:r>
+            <a:endParaRPr lang="en-SG" sz="1200" dirty="0"/>
+          </a:p>
+        </p:txBody>
+      </p:sp>
+      <p:sp>
+        <p:nvSpPr>
+          <p:cNvPr id="30" name="Hexagon 29"/>
+          <p:cNvSpPr/>
+          <p:nvPr/>
+        </p:nvSpPr>
+        <p:spPr>
+          <a:xfrm>
+            <a:off x="7008783" y="4697986"/>
+            <a:ext cx="1346550" cy="432048"/>
+          </a:xfrm>
+          <a:prstGeom prst="hexagon">
+            <a:avLst/>
+          </a:prstGeom>
+        </p:spPr>
+        <p:style>
+          <a:lnRef idx="1">
+            <a:schemeClr val="dk1"/>
+          </a:lnRef>
+          <a:fillRef idx="2">
+            <a:schemeClr val="dk1"/>
+          </a:fillRef>
+          <a:effectRef idx="1">
+            <a:schemeClr val="dk1"/>
+          </a:effectRef>
+          <a:fontRef idx="minor">
+            <a:schemeClr val="dk1"/>
+          </a:fontRef>
+        </p:style>
+        <p:txBody>
+          <a:bodyPr rtlCol="0" anchor="ctr"/>
+          <a:lstStyle/>
+          <a:p>
+            <a:pPr algn="ctr"/>
+            <a:r>
+              <a:rPr lang="en-SG" sz="1200" dirty="0" smtClean="0"/>
+              <a:t>Is GUI Player active ?</a:t>
+            </a:r>
+            <a:endParaRPr lang="en-SG" sz="1200" dirty="0"/>
+          </a:p>
+        </p:txBody>
+      </p:sp>
+      <p:cxnSp>
+        <p:nvCxnSpPr>
+          <p:cNvPr id="35" name="Straight Arrow Connector 34"/>
+          <p:cNvCxnSpPr/>
+          <p:nvPr/>
+        </p:nvCxnSpPr>
+        <p:spPr>
+          <a:xfrm>
+            <a:off x="7631652" y="4193930"/>
+            <a:ext cx="50406" cy="504056"/>
+          </a:xfrm>
+          <a:prstGeom prst="straightConnector1">
+            <a:avLst/>
+          </a:prstGeom>
+          <a:ln>
+            <a:solidFill>
+              <a:schemeClr val="tx1"/>
+            </a:solidFill>
+            <a:tailEnd type="arrow"/>
+          </a:ln>
+        </p:spPr>
+        <p:style>
+          <a:lnRef idx="1">
+            <a:schemeClr val="accent1"/>
+          </a:lnRef>
+          <a:fillRef idx="0">
+            <a:schemeClr val="accent1"/>
+          </a:fillRef>
+          <a:effectRef idx="0">
+            <a:schemeClr val="accent1"/>
+          </a:effectRef>
+          <a:fontRef idx="minor">
+            <a:schemeClr val="tx1"/>
+          </a:fontRef>
+        </p:style>
+      </p:cxnSp>
+      <p:sp>
+        <p:nvSpPr>
+          <p:cNvPr id="37" name="Hexagon 36"/>
+          <p:cNvSpPr/>
+          <p:nvPr/>
+        </p:nvSpPr>
+        <p:spPr>
+          <a:xfrm>
+            <a:off x="7008783" y="5490074"/>
+            <a:ext cx="1346550" cy="432048"/>
+          </a:xfrm>
+          <a:prstGeom prst="hexagon">
+            <a:avLst/>
+          </a:prstGeom>
+        </p:spPr>
+        <p:style>
+          <a:lnRef idx="1">
+            <a:schemeClr val="dk1"/>
+          </a:lnRef>
+          <a:fillRef idx="2">
+            <a:schemeClr val="dk1"/>
+          </a:fillRef>
+          <a:effectRef idx="1">
+            <a:schemeClr val="dk1"/>
+          </a:effectRef>
+          <a:fontRef idx="minor">
+            <a:schemeClr val="dk1"/>
+          </a:fontRef>
+        </p:style>
+        <p:txBody>
+          <a:bodyPr rtlCol="0" anchor="ctr"/>
+          <a:lstStyle/>
+          <a:p>
+            <a:pPr algn="ctr"/>
+            <a:r>
+              <a:rPr lang="en-SG" sz="1200" dirty="0" smtClean="0"/>
+              <a:t>Is </a:t>
+            </a:r>
+            <a:r>
+              <a:rPr lang="en-SG" sz="1200" dirty="0" err="1" smtClean="0"/>
+              <a:t>autoplay</a:t>
+            </a:r>
+            <a:r>
+              <a:rPr lang="en-SG" sz="1200" dirty="0" smtClean="0"/>
+              <a:t> selected ?</a:t>
+            </a:r>
+            <a:endParaRPr lang="en-SG" sz="1200" dirty="0"/>
+          </a:p>
+        </p:txBody>
+      </p:sp>
+      <p:cxnSp>
+        <p:nvCxnSpPr>
+          <p:cNvPr id="39" name="Straight Arrow Connector 38"/>
+          <p:cNvCxnSpPr/>
+          <p:nvPr/>
+        </p:nvCxnSpPr>
+        <p:spPr>
+          <a:xfrm>
+            <a:off x="7682058" y="5130034"/>
+            <a:ext cx="0" cy="360040"/>
+          </a:xfrm>
+          <a:prstGeom prst="straightConnector1">
+            <a:avLst/>
+          </a:prstGeom>
+          <a:ln>
+            <a:solidFill>
+              <a:schemeClr val="tx1"/>
+            </a:solidFill>
+            <a:tailEnd type="arrow"/>
+          </a:ln>
+        </p:spPr>
+        <p:style>
+          <a:lnRef idx="1">
+            <a:schemeClr val="dk1"/>
+          </a:lnRef>
+          <a:fillRef idx="2">
+            <a:schemeClr val="dk1"/>
+          </a:fillRef>
+          <a:effectRef idx="1">
+            <a:schemeClr val="dk1"/>
+          </a:effectRef>
+          <a:fontRef idx="minor">
+            <a:schemeClr val="dk1"/>
+          </a:fontRef>
+        </p:style>
+      </p:cxnSp>
+      <p:sp>
+        <p:nvSpPr>
+          <p:cNvPr id="40" name="Rectangle 39"/>
+          <p:cNvSpPr/>
+          <p:nvPr/>
+        </p:nvSpPr>
+        <p:spPr>
+          <a:xfrm>
+            <a:off x="7131197" y="6210154"/>
+            <a:ext cx="1008112" cy="360040"/>
+          </a:xfrm>
+          <a:prstGeom prst="rect">
+            <a:avLst/>
+          </a:prstGeom>
+        </p:spPr>
+        <p:style>
+          <a:lnRef idx="1">
+            <a:schemeClr val="dk1"/>
+          </a:lnRef>
+          <a:fillRef idx="2">
+            <a:schemeClr val="dk1"/>
+          </a:fillRef>
+          <a:effectRef idx="1">
+            <a:schemeClr val="dk1"/>
+          </a:effectRef>
+          <a:fontRef idx="minor">
+            <a:schemeClr val="dk1"/>
+          </a:fontRef>
+        </p:style>
+        <p:txBody>
+          <a:bodyPr rtlCol="0" anchor="ctr"/>
+          <a:lstStyle/>
+          <a:p>
+            <a:pPr algn="ctr"/>
+            <a:r>
+              <a:rPr lang="en-SG" sz="1200" dirty="0" smtClean="0"/>
+              <a:t>Start Timer</a:t>
+            </a:r>
+            <a:endParaRPr lang="en-SG" sz="1200" dirty="0"/>
+          </a:p>
+        </p:txBody>
+      </p:sp>
+      <p:cxnSp>
+        <p:nvCxnSpPr>
+          <p:cNvPr id="44" name="Straight Arrow Connector 43"/>
+          <p:cNvCxnSpPr>
+            <a:endCxn id="40" idx="0"/>
+          </p:cNvCxnSpPr>
+          <p:nvPr/>
+        </p:nvCxnSpPr>
+        <p:spPr>
+          <a:xfrm>
+            <a:off x="7635253" y="5922122"/>
+            <a:ext cx="0" cy="288032"/>
+          </a:xfrm>
+          <a:prstGeom prst="straightConnector1">
+            <a:avLst/>
+          </a:prstGeom>
+          <a:ln>
+            <a:solidFill>
+              <a:schemeClr val="tx1"/>
+            </a:solidFill>
+            <a:tailEnd type="arrow"/>
+          </a:ln>
+        </p:spPr>
+        <p:style>
+          <a:lnRef idx="1">
+            <a:schemeClr val="dk1"/>
+          </a:lnRef>
+          <a:fillRef idx="2">
+            <a:schemeClr val="dk1"/>
+          </a:fillRef>
+          <a:effectRef idx="1">
+            <a:schemeClr val="dk1"/>
+          </a:effectRef>
+          <a:fontRef idx="minor">
+            <a:schemeClr val="dk1"/>
+          </a:fontRef>
+        </p:style>
+      </p:cxnSp>
+      <p:sp>
+        <p:nvSpPr>
+          <p:cNvPr id="51" name="Hexagon 50"/>
+          <p:cNvSpPr/>
+          <p:nvPr/>
+        </p:nvSpPr>
+        <p:spPr>
+          <a:xfrm>
+            <a:off x="8664967" y="4697986"/>
+            <a:ext cx="1346550" cy="432048"/>
+          </a:xfrm>
+          <a:prstGeom prst="hexagon">
+            <a:avLst/>
+          </a:prstGeom>
+        </p:spPr>
+        <p:style>
+          <a:lnRef idx="1">
+            <a:schemeClr val="dk1"/>
+          </a:lnRef>
+          <a:fillRef idx="2">
+            <a:schemeClr val="dk1"/>
+          </a:fillRef>
+          <a:effectRef idx="1">
+            <a:schemeClr val="dk1"/>
+          </a:effectRef>
+          <a:fontRef idx="minor">
+            <a:schemeClr val="dk1"/>
+          </a:fontRef>
+        </p:style>
+        <p:txBody>
+          <a:bodyPr rtlCol="0" anchor="ctr"/>
+          <a:lstStyle/>
+          <a:p>
+            <a:pPr algn="ctr"/>
+            <a:r>
+              <a:rPr lang="en-SG" sz="1200" dirty="0" smtClean="0"/>
+              <a:t>Is game over?</a:t>
+            </a:r>
+            <a:endParaRPr lang="en-SG" sz="1200" dirty="0"/>
+          </a:p>
+        </p:txBody>
+      </p:sp>
+      <p:sp>
+        <p:nvSpPr>
+          <p:cNvPr id="52" name="Hexagon 51"/>
+          <p:cNvSpPr/>
+          <p:nvPr/>
+        </p:nvSpPr>
+        <p:spPr>
+          <a:xfrm>
+            <a:off x="8664967" y="5490074"/>
+            <a:ext cx="1346550" cy="432048"/>
+          </a:xfrm>
+          <a:prstGeom prst="hexagon">
+            <a:avLst/>
+          </a:prstGeom>
+        </p:spPr>
+        <p:style>
+          <a:lnRef idx="1">
+            <a:schemeClr val="dk1"/>
+          </a:lnRef>
+          <a:fillRef idx="2">
+            <a:schemeClr val="dk1"/>
+          </a:fillRef>
+          <a:effectRef idx="1">
+            <a:schemeClr val="dk1"/>
+          </a:effectRef>
+          <a:fontRef idx="minor">
+            <a:schemeClr val="dk1"/>
+          </a:fontRef>
+        </p:style>
+        <p:txBody>
+          <a:bodyPr rtlCol="0" anchor="ctr"/>
+          <a:lstStyle/>
+          <a:p>
+            <a:pPr algn="ctr"/>
+            <a:r>
+              <a:rPr lang="en-SG" sz="1200" dirty="0" smtClean="0"/>
+              <a:t>Is </a:t>
+            </a:r>
+            <a:r>
+              <a:rPr lang="en-SG" sz="1200" dirty="0" err="1" smtClean="0"/>
+              <a:t>autoplay</a:t>
+            </a:r>
+            <a:r>
+              <a:rPr lang="en-SG" sz="1200" dirty="0" smtClean="0"/>
+              <a:t> selected?</a:t>
+            </a:r>
+            <a:endParaRPr lang="en-SG" sz="1200" dirty="0"/>
+          </a:p>
+        </p:txBody>
+      </p:sp>
+      <p:cxnSp>
+        <p:nvCxnSpPr>
+          <p:cNvPr id="53" name="Straight Arrow Connector 52"/>
+          <p:cNvCxnSpPr/>
+          <p:nvPr/>
+        </p:nvCxnSpPr>
+        <p:spPr>
+          <a:xfrm>
+            <a:off x="9338242" y="5130034"/>
+            <a:ext cx="0" cy="360040"/>
+          </a:xfrm>
+          <a:prstGeom prst="straightConnector1">
+            <a:avLst/>
+          </a:prstGeom>
+          <a:ln>
+            <a:tailEnd type="arrow"/>
+          </a:ln>
+        </p:spPr>
+        <p:style>
+          <a:lnRef idx="1">
+            <a:schemeClr val="dk1"/>
+          </a:lnRef>
+          <a:fillRef idx="2">
+            <a:schemeClr val="dk1"/>
+          </a:fillRef>
+          <a:effectRef idx="1">
+            <a:schemeClr val="dk1"/>
+          </a:effectRef>
+          <a:fontRef idx="minor">
+            <a:schemeClr val="dk1"/>
+          </a:fontRef>
+        </p:style>
+      </p:cxnSp>
+      <p:sp>
+        <p:nvSpPr>
+          <p:cNvPr id="54" name="Rectangle 53"/>
+          <p:cNvSpPr/>
+          <p:nvPr/>
+        </p:nvSpPr>
+        <p:spPr>
+          <a:xfrm>
+            <a:off x="8787381" y="6210154"/>
+            <a:ext cx="1008112" cy="360040"/>
+          </a:xfrm>
+          <a:prstGeom prst="rect">
+            <a:avLst/>
+          </a:prstGeom>
+        </p:spPr>
+        <p:style>
+          <a:lnRef idx="1">
+            <a:schemeClr val="dk1"/>
+          </a:lnRef>
+          <a:fillRef idx="2">
+            <a:schemeClr val="dk1"/>
+          </a:fillRef>
+          <a:effectRef idx="1">
+            <a:schemeClr val="dk1"/>
+          </a:effectRef>
+          <a:fontRef idx="minor">
+            <a:schemeClr val="dk1"/>
+          </a:fontRef>
+        </p:style>
+        <p:txBody>
+          <a:bodyPr rtlCol="0" anchor="ctr"/>
+          <a:lstStyle/>
+          <a:p>
+            <a:pPr algn="ctr"/>
+            <a:r>
+              <a:rPr lang="en-SG" sz="1200" dirty="0" err="1" smtClean="0"/>
+              <a:t>StopTimer</a:t>
+            </a:r>
+            <a:endParaRPr lang="en-SG" sz="1200" dirty="0"/>
+          </a:p>
+        </p:txBody>
+      </p:sp>
+      <p:cxnSp>
+        <p:nvCxnSpPr>
+          <p:cNvPr id="55" name="Straight Arrow Connector 54"/>
+          <p:cNvCxnSpPr>
+            <a:endCxn id="54" idx="0"/>
+          </p:cNvCxnSpPr>
+          <p:nvPr/>
+        </p:nvCxnSpPr>
+        <p:spPr>
+          <a:xfrm>
+            <a:off x="9291437" y="5922122"/>
+            <a:ext cx="0" cy="288032"/>
+          </a:xfrm>
+          <a:prstGeom prst="straightConnector1">
+            <a:avLst/>
+          </a:prstGeom>
+          <a:ln>
+            <a:tailEnd type="arrow"/>
+          </a:ln>
+        </p:spPr>
+        <p:style>
+          <a:lnRef idx="1">
+            <a:schemeClr val="dk1"/>
+          </a:lnRef>
+          <a:fillRef idx="2">
+            <a:schemeClr val="dk1"/>
+          </a:fillRef>
+          <a:effectRef idx="1">
+            <a:schemeClr val="dk1"/>
+          </a:effectRef>
+          <a:fontRef idx="minor">
+            <a:schemeClr val="dk1"/>
+          </a:fontRef>
+        </p:style>
+      </p:cxnSp>
+      <p:cxnSp>
+        <p:nvCxnSpPr>
+          <p:cNvPr id="57" name="Straight Arrow Connector 56"/>
+          <p:cNvCxnSpPr/>
+          <p:nvPr/>
+        </p:nvCxnSpPr>
+        <p:spPr>
+          <a:xfrm>
+            <a:off x="8499349" y="3905898"/>
+            <a:ext cx="792088" cy="720080"/>
+          </a:xfrm>
+          <a:prstGeom prst="straightConnector1">
+            <a:avLst/>
+          </a:prstGeom>
+          <a:ln>
+            <a:solidFill>
+              <a:schemeClr val="tx1"/>
+            </a:solidFill>
+            <a:tailEnd type="arrow"/>
+          </a:ln>
+        </p:spPr>
+        <p:style>
+          <a:lnRef idx="1">
+            <a:schemeClr val="accent1"/>
+          </a:lnRef>
+          <a:fillRef idx="0">
+            <a:schemeClr val="accent1"/>
+          </a:fillRef>
+          <a:effectRef idx="0">
+            <a:schemeClr val="accent1"/>
+          </a:effectRef>
+          <a:fontRef idx="minor">
+            <a:schemeClr val="tx1"/>
+          </a:fontRef>
+        </p:style>
+      </p:cxnSp>
+      <p:sp>
+        <p:nvSpPr>
+          <p:cNvPr id="58" name="Rectangle 57"/>
+          <p:cNvSpPr/>
+          <p:nvPr/>
+        </p:nvSpPr>
+        <p:spPr>
+          <a:xfrm>
+            <a:off x="1981151" y="2825778"/>
+            <a:ext cx="1008112" cy="360040"/>
+          </a:xfrm>
+          <a:prstGeom prst="rect">
+            <a:avLst/>
+          </a:prstGeom>
+        </p:spPr>
+        <p:style>
+          <a:lnRef idx="1">
+            <a:schemeClr val="accent1"/>
+          </a:lnRef>
+          <a:fillRef idx="2">
+            <a:schemeClr val="accent1"/>
+          </a:fillRef>
+          <a:effectRef idx="1">
+            <a:schemeClr val="accent1"/>
+          </a:effectRef>
+          <a:fontRef idx="minor">
+            <a:schemeClr val="dk1"/>
+          </a:fontRef>
+        </p:style>
+        <p:txBody>
+          <a:bodyPr rtlCol="0" anchor="ctr"/>
+          <a:lstStyle/>
+          <a:p>
+            <a:pPr algn="ctr"/>
+            <a:r>
+              <a:rPr lang="en-SG" sz="1200" dirty="0" smtClean="0"/>
+              <a:t>Send move to controller</a:t>
+            </a:r>
+            <a:endParaRPr lang="en-SG" sz="1200" dirty="0"/>
+          </a:p>
+        </p:txBody>
+      </p:sp>
+      <p:cxnSp>
+        <p:nvCxnSpPr>
+          <p:cNvPr id="59" name="Straight Arrow Connector 58"/>
+          <p:cNvCxnSpPr>
+            <a:endCxn id="58" idx="0"/>
+          </p:cNvCxnSpPr>
+          <p:nvPr/>
+        </p:nvCxnSpPr>
+        <p:spPr>
+          <a:xfrm flipH="1">
+            <a:off x="2485207" y="2537746"/>
+            <a:ext cx="520" cy="288032"/>
+          </a:xfrm>
+          <a:prstGeom prst="straightConnector1">
+            <a:avLst/>
+          </a:prstGeom>
+          <a:ln>
+            <a:solidFill>
+              <a:schemeClr val="tx1"/>
+            </a:solidFill>
+            <a:tailEnd type="arrow"/>
+          </a:ln>
+        </p:spPr>
+        <p:style>
+          <a:lnRef idx="1">
+            <a:schemeClr val="accent1"/>
+          </a:lnRef>
+          <a:fillRef idx="2">
+            <a:schemeClr val="accent1"/>
+          </a:fillRef>
+          <a:effectRef idx="1">
+            <a:schemeClr val="accent1"/>
+          </a:effectRef>
+          <a:fontRef idx="minor">
+            <a:schemeClr val="dk1"/>
+          </a:fontRef>
+        </p:style>
+      </p:cxnSp>
+      <p:sp>
+        <p:nvSpPr>
+          <p:cNvPr id="60" name="Rectangle 59"/>
+          <p:cNvSpPr/>
+          <p:nvPr/>
+        </p:nvSpPr>
+        <p:spPr>
+          <a:xfrm>
+            <a:off x="430819" y="2825778"/>
+            <a:ext cx="1219815" cy="360040"/>
+          </a:xfrm>
+          <a:prstGeom prst="rect">
+            <a:avLst/>
+          </a:prstGeom>
+        </p:spPr>
+        <p:style>
+          <a:lnRef idx="1">
+            <a:schemeClr val="accent1"/>
+          </a:lnRef>
+          <a:fillRef idx="2">
+            <a:schemeClr val="accent1"/>
+          </a:fillRef>
+          <a:effectRef idx="1">
+            <a:schemeClr val="accent1"/>
+          </a:effectRef>
+          <a:fontRef idx="minor">
+            <a:schemeClr val="dk1"/>
+          </a:fontRef>
+        </p:style>
+        <p:txBody>
+          <a:bodyPr rtlCol="0" anchor="ctr"/>
+          <a:lstStyle/>
+          <a:p>
+            <a:pPr algn="ctr"/>
+            <a:r>
+              <a:rPr lang="en-SG" sz="1200" dirty="0" err="1" smtClean="0"/>
+              <a:t>IsTimerWaiting</a:t>
+            </a:r>
+            <a:r>
+              <a:rPr lang="en-SG" sz="1200" dirty="0" smtClean="0"/>
+              <a:t> = true</a:t>
+            </a:r>
+            <a:endParaRPr lang="en-SG" sz="1200" dirty="0"/>
+          </a:p>
+        </p:txBody>
+      </p:sp>
+      <p:cxnSp>
+        <p:nvCxnSpPr>
+          <p:cNvPr id="62" name="Elbow Connector 61"/>
+          <p:cNvCxnSpPr>
+            <a:stCxn id="19" idx="3"/>
+            <a:endCxn id="60" idx="0"/>
+          </p:cNvCxnSpPr>
+          <p:nvPr/>
+        </p:nvCxnSpPr>
+        <p:spPr>
+          <a:xfrm rot="10800000" flipV="1">
+            <a:off x="1040727" y="2321722"/>
+            <a:ext cx="831258" cy="504056"/>
+          </a:xfrm>
+          <a:prstGeom prst="bentConnector2">
+            <a:avLst/>
+          </a:prstGeom>
+          <a:ln>
+            <a:solidFill>
+              <a:schemeClr val="tx1"/>
+            </a:solidFill>
+            <a:tailEnd type="arrow"/>
+          </a:ln>
+        </p:spPr>
+        <p:style>
+          <a:lnRef idx="1">
+            <a:schemeClr val="accent1"/>
+          </a:lnRef>
+          <a:fillRef idx="0">
+            <a:schemeClr val="accent1"/>
+          </a:fillRef>
+          <a:effectRef idx="0">
+            <a:schemeClr val="accent1"/>
+          </a:effectRef>
+          <a:fontRef idx="minor">
+            <a:schemeClr val="tx1"/>
+          </a:fontRef>
+        </p:style>
+      </p:cxnSp>
+      <p:sp>
+        <p:nvSpPr>
+          <p:cNvPr id="64" name="TextBox 63"/>
+          <p:cNvSpPr txBox="1"/>
+          <p:nvPr/>
+        </p:nvSpPr>
+        <p:spPr>
+          <a:xfrm>
+            <a:off x="2413199" y="2476771"/>
+            <a:ext cx="389594" cy="276999"/>
+          </a:xfrm>
+          <a:prstGeom prst="rect">
+            <a:avLst/>
+          </a:prstGeom>
+          <a:noFill/>
+        </p:spPr>
+        <p:txBody>
+          <a:bodyPr wrap="none" rtlCol="0">
+            <a:spAutoFit/>
+          </a:bodyPr>
+          <a:lstStyle/>
+          <a:p>
+            <a:r>
+              <a:rPr lang="en-SG" sz="1200" dirty="0" smtClean="0"/>
+              <a:t>yes</a:t>
+            </a:r>
+            <a:endParaRPr lang="en-SG" sz="1200" dirty="0"/>
+          </a:p>
+        </p:txBody>
+      </p:sp>
+      <p:sp>
+        <p:nvSpPr>
+          <p:cNvPr id="65" name="TextBox 64"/>
+          <p:cNvSpPr txBox="1"/>
+          <p:nvPr/>
+        </p:nvSpPr>
+        <p:spPr>
+          <a:xfrm>
+            <a:off x="1578087" y="2105698"/>
+            <a:ext cx="346570" cy="276999"/>
+          </a:xfrm>
+          <a:prstGeom prst="rect">
+            <a:avLst/>
+          </a:prstGeom>
+          <a:noFill/>
+        </p:spPr>
+        <p:txBody>
+          <a:bodyPr wrap="none" rtlCol="0">
+            <a:spAutoFit/>
+          </a:bodyPr>
+          <a:lstStyle/>
+          <a:p>
+            <a:r>
+              <a:rPr lang="en-SG" sz="1200" dirty="0" smtClean="0"/>
+              <a:t>no</a:t>
+            </a:r>
+            <a:endParaRPr lang="en-SG" sz="1200" dirty="0"/>
+          </a:p>
+        </p:txBody>
+      </p:sp>
+      <p:sp>
+        <p:nvSpPr>
+          <p:cNvPr id="68" name="Hexagon 67"/>
+          <p:cNvSpPr/>
+          <p:nvPr/>
+        </p:nvSpPr>
+        <p:spPr>
+          <a:xfrm>
+            <a:off x="10179763" y="5490074"/>
+            <a:ext cx="1629326" cy="432048"/>
+          </a:xfrm>
+          <a:prstGeom prst="hexagon">
+            <a:avLst/>
+          </a:prstGeom>
+        </p:spPr>
+        <p:style>
+          <a:lnRef idx="1">
+            <a:schemeClr val="dk1"/>
+          </a:lnRef>
+          <a:fillRef idx="2">
+            <a:schemeClr val="dk1"/>
+          </a:fillRef>
+          <a:effectRef idx="1">
+            <a:schemeClr val="dk1"/>
+          </a:effectRef>
+          <a:fontRef idx="minor">
+            <a:schemeClr val="dk1"/>
+          </a:fontRef>
+        </p:style>
+        <p:txBody>
+          <a:bodyPr rtlCol="0" anchor="ctr"/>
+          <a:lstStyle/>
+          <a:p>
+            <a:pPr algn="ctr"/>
+            <a:r>
+              <a:rPr lang="en-SG" sz="1200" dirty="0" err="1" smtClean="0"/>
+              <a:t>IsTimerWaiting</a:t>
+            </a:r>
+            <a:r>
+              <a:rPr lang="en-SG" sz="1200" dirty="0" smtClean="0"/>
+              <a:t> ?</a:t>
+            </a:r>
+            <a:endParaRPr lang="en-SG" sz="1200" dirty="0"/>
+          </a:p>
+        </p:txBody>
+      </p:sp>
+      <p:sp>
+        <p:nvSpPr>
+          <p:cNvPr id="69" name="Rectangle 68"/>
+          <p:cNvSpPr/>
+          <p:nvPr/>
+        </p:nvSpPr>
+        <p:spPr>
+          <a:xfrm>
+            <a:off x="10135834" y="6210154"/>
+            <a:ext cx="1623575" cy="360040"/>
+          </a:xfrm>
+          <a:prstGeom prst="rect">
+            <a:avLst/>
+          </a:prstGeom>
+        </p:spPr>
+        <p:style>
+          <a:lnRef idx="1">
+            <a:schemeClr val="dk1"/>
+          </a:lnRef>
+          <a:fillRef idx="2">
+            <a:schemeClr val="dk1"/>
+          </a:fillRef>
+          <a:effectRef idx="1">
+            <a:schemeClr val="dk1"/>
+          </a:effectRef>
+          <a:fontRef idx="minor">
+            <a:schemeClr val="dk1"/>
+          </a:fontRef>
+        </p:style>
+        <p:txBody>
+          <a:bodyPr rtlCol="0" anchor="ctr"/>
+          <a:lstStyle/>
+          <a:p>
+            <a:pPr algn="ctr"/>
+            <a:r>
+              <a:rPr lang="en-SG" sz="1200" dirty="0" err="1" smtClean="0"/>
+              <a:t>IsTimerWaiting</a:t>
+            </a:r>
+            <a:r>
+              <a:rPr lang="en-SG" sz="1200" dirty="0" smtClean="0"/>
+              <a:t> = false</a:t>
+            </a:r>
+          </a:p>
+          <a:p>
+            <a:pPr algn="ctr"/>
+            <a:r>
+              <a:rPr lang="en-SG" sz="1200" dirty="0" smtClean="0"/>
+              <a:t>Send move to </a:t>
+            </a:r>
+            <a:r>
+              <a:rPr lang="en-SG" sz="1200" dirty="0" err="1" smtClean="0"/>
+              <a:t>cotroller</a:t>
+            </a:r>
+            <a:endParaRPr lang="en-SG" sz="1200" dirty="0"/>
+          </a:p>
+        </p:txBody>
+      </p:sp>
+      <p:cxnSp>
+        <p:nvCxnSpPr>
+          <p:cNvPr id="70" name="Straight Arrow Connector 69"/>
+          <p:cNvCxnSpPr>
+            <a:endCxn id="69" idx="0"/>
+          </p:cNvCxnSpPr>
+          <p:nvPr/>
+        </p:nvCxnSpPr>
+        <p:spPr>
+          <a:xfrm>
+            <a:off x="10947621" y="5922122"/>
+            <a:ext cx="1" cy="288032"/>
+          </a:xfrm>
+          <a:prstGeom prst="straightConnector1">
+            <a:avLst/>
+          </a:prstGeom>
+          <a:ln>
+            <a:tailEnd type="arrow"/>
+          </a:ln>
+        </p:spPr>
+        <p:style>
+          <a:lnRef idx="1">
+            <a:schemeClr val="dk1"/>
+          </a:lnRef>
+          <a:fillRef idx="2">
+            <a:schemeClr val="dk1"/>
+          </a:fillRef>
+          <a:effectRef idx="1">
+            <a:schemeClr val="dk1"/>
+          </a:effectRef>
+          <a:fontRef idx="minor">
+            <a:schemeClr val="dk1"/>
+          </a:fontRef>
+        </p:style>
+      </p:cxnSp>
+      <p:cxnSp>
+        <p:nvCxnSpPr>
+          <p:cNvPr id="72" name="Elbow Connector 71"/>
+          <p:cNvCxnSpPr>
+            <a:stCxn id="51" idx="0"/>
+          </p:cNvCxnSpPr>
+          <p:nvPr/>
+        </p:nvCxnSpPr>
+        <p:spPr>
+          <a:xfrm>
+            <a:off x="10011517" y="4914010"/>
+            <a:ext cx="982909" cy="576064"/>
+          </a:xfrm>
+          <a:prstGeom prst="bentConnector3">
+            <a:avLst>
+              <a:gd name="adj1" fmla="val 100032"/>
+            </a:avLst>
+          </a:prstGeom>
+          <a:ln>
+            <a:solidFill>
+              <a:schemeClr val="tx1"/>
+            </a:solidFill>
+            <a:tailEnd type="arrow"/>
+          </a:ln>
+        </p:spPr>
+        <p:style>
+          <a:lnRef idx="1">
+            <a:schemeClr val="accent1"/>
+          </a:lnRef>
+          <a:fillRef idx="0">
+            <a:schemeClr val="accent1"/>
+          </a:fillRef>
+          <a:effectRef idx="0">
+            <a:schemeClr val="accent1"/>
+          </a:effectRef>
+          <a:fontRef idx="minor">
+            <a:schemeClr val="tx1"/>
+          </a:fontRef>
+        </p:style>
+      </p:cxnSp>
+      <p:sp>
+        <p:nvSpPr>
+          <p:cNvPr id="76" name="Freeform 75"/>
+          <p:cNvSpPr/>
+          <p:nvPr/>
+        </p:nvSpPr>
+        <p:spPr>
+          <a:xfrm>
+            <a:off x="4506103" y="3369174"/>
+            <a:ext cx="6428014" cy="3646714"/>
+          </a:xfrm>
+          <a:custGeom>
+            <a:avLst/>
+            <a:gdLst>
+              <a:gd name="connsiteX0" fmla="*/ 6428014 w 6428014"/>
+              <a:gd name="connsiteY0" fmla="*/ 3211286 h 4011386"/>
+              <a:gd name="connsiteX1" fmla="*/ 5910943 w 6428014"/>
+              <a:gd name="connsiteY1" fmla="*/ 4011386 h 4011386"/>
+              <a:gd name="connsiteX2" fmla="*/ 1415143 w 6428014"/>
+              <a:gd name="connsiteY2" fmla="*/ 3989614 h 4011386"/>
+              <a:gd name="connsiteX3" fmla="*/ 0 w 6428014"/>
+              <a:gd name="connsiteY3" fmla="*/ 0 h 4011386"/>
+              <a:gd name="connsiteX0" fmla="*/ 6428014 w 6428014"/>
+              <a:gd name="connsiteY0" fmla="*/ 3211286 h 3989614"/>
+              <a:gd name="connsiteX1" fmla="*/ 5180116 w 6428014"/>
+              <a:gd name="connsiteY1" fmla="*/ 3623459 h 3989614"/>
+              <a:gd name="connsiteX2" fmla="*/ 1415143 w 6428014"/>
+              <a:gd name="connsiteY2" fmla="*/ 3989614 h 3989614"/>
+              <a:gd name="connsiteX3" fmla="*/ 0 w 6428014"/>
+              <a:gd name="connsiteY3" fmla="*/ 0 h 3989614"/>
+              <a:gd name="connsiteX0" fmla="*/ 6428014 w 6428014"/>
+              <a:gd name="connsiteY0" fmla="*/ 3211286 h 3646714"/>
+              <a:gd name="connsiteX1" fmla="*/ 5180116 w 6428014"/>
+              <a:gd name="connsiteY1" fmla="*/ 3623459 h 3646714"/>
+              <a:gd name="connsiteX2" fmla="*/ 1803070 w 6428014"/>
+              <a:gd name="connsiteY2" fmla="*/ 3646714 h 3646714"/>
+              <a:gd name="connsiteX3" fmla="*/ 0 w 6428014"/>
+              <a:gd name="connsiteY3" fmla="*/ 0 h 3646714"/>
+            </a:gdLst>
+            <a:ahLst/>
+            <a:cxnLst>
+              <a:cxn ang="0">
+                <a:pos x="connsiteX0" y="connsiteY0"/>
+              </a:cxn>
+              <a:cxn ang="0">
+                <a:pos x="connsiteX1" y="connsiteY1"/>
+              </a:cxn>
+              <a:cxn ang="0">
+                <a:pos x="connsiteX2" y="connsiteY2"/>
+              </a:cxn>
+              <a:cxn ang="0">
+                <a:pos x="connsiteX3" y="connsiteY3"/>
+              </a:cxn>
+            </a:cxnLst>
+            <a:rect l="l" t="t" r="r" b="b"/>
+            <a:pathLst>
+              <a:path w="6428014" h="3646714">
+                <a:moveTo>
+                  <a:pt x="6428014" y="3211286"/>
+                </a:moveTo>
+                <a:lnTo>
+                  <a:pt x="5180116" y="3623459"/>
+                </a:lnTo>
+                <a:lnTo>
+                  <a:pt x="1803070" y="3646714"/>
+                </a:lnTo>
+                <a:lnTo>
+                  <a:pt x="0" y="0"/>
+                </a:lnTo>
+              </a:path>
+            </a:pathLst>
+          </a:custGeom>
+          <a:noFill/>
+          <a:ln w="9525">
+            <a:prstDash val="dash"/>
+            <a:headEnd type="none" w="med" len="med"/>
+            <a:tailEnd type="arrow" w="med" len="med"/>
+          </a:ln>
+        </p:spPr>
+        <p:style>
+          <a:lnRef idx="2">
+            <a:schemeClr val="accent1">
+              <a:shade val="50000"/>
+            </a:schemeClr>
+          </a:lnRef>
+          <a:fillRef idx="1">
+            <a:schemeClr val="accent1"/>
+          </a:fillRef>
+          <a:effectRef idx="0">
+            <a:schemeClr val="accent1"/>
+          </a:effectRef>
+          <a:fontRef idx="minor">
+            <a:schemeClr val="lt1"/>
+          </a:fontRef>
+        </p:style>
+        <p:txBody>
+          <a:bodyPr rtlCol="0" anchor="ctr"/>
+          <a:lstStyle/>
+          <a:p>
+            <a:pPr algn="ctr"/>
+            <a:endParaRPr lang="en-SG"/>
+          </a:p>
+        </p:txBody>
+      </p:sp>
+      <p:cxnSp>
+        <p:nvCxnSpPr>
+          <p:cNvPr id="79" name="Straight Arrow Connector 78"/>
+          <p:cNvCxnSpPr>
+            <a:stCxn id="58" idx="3"/>
+            <a:endCxn id="16" idx="1"/>
+          </p:cNvCxnSpPr>
+          <p:nvPr/>
+        </p:nvCxnSpPr>
+        <p:spPr>
+          <a:xfrm>
+            <a:off x="2989263" y="3005798"/>
+            <a:ext cx="1117598" cy="8482"/>
+          </a:xfrm>
+          <a:prstGeom prst="straightConnector1">
+            <a:avLst/>
+          </a:prstGeom>
+          <a:ln>
+            <a:solidFill>
+              <a:schemeClr val="tx1"/>
+            </a:solidFill>
+            <a:prstDash val="dash"/>
+            <a:tailEnd type="arrow"/>
+          </a:ln>
+        </p:spPr>
+        <p:style>
+          <a:lnRef idx="1">
+            <a:schemeClr val="accent1"/>
+          </a:lnRef>
+          <a:fillRef idx="0">
+            <a:schemeClr val="accent1"/>
+          </a:fillRef>
+          <a:effectRef idx="0">
+            <a:schemeClr val="accent1"/>
+          </a:effectRef>
+          <a:fontRef idx="minor">
+            <a:schemeClr val="tx1"/>
+          </a:fontRef>
+        </p:style>
+      </p:cxnSp>
+      <p:sp>
+        <p:nvSpPr>
+          <p:cNvPr id="80" name="TextBox 79"/>
+          <p:cNvSpPr txBox="1"/>
+          <p:nvPr/>
+        </p:nvSpPr>
+        <p:spPr>
+          <a:xfrm>
+            <a:off x="10022359" y="4697986"/>
+            <a:ext cx="346570" cy="276999"/>
+          </a:xfrm>
+          <a:prstGeom prst="rect">
+            <a:avLst/>
+          </a:prstGeom>
+          <a:noFill/>
+        </p:spPr>
+        <p:txBody>
+          <a:bodyPr wrap="none" rtlCol="0">
+            <a:spAutoFit/>
+          </a:bodyPr>
+          <a:lstStyle/>
+          <a:p>
+            <a:r>
+              <a:rPr lang="en-SG" sz="1200" dirty="0" smtClean="0"/>
+              <a:t>no</a:t>
+            </a:r>
+            <a:endParaRPr lang="en-SG" sz="1200" dirty="0"/>
+          </a:p>
+        </p:txBody>
+      </p:sp>
+      <p:sp>
+        <p:nvSpPr>
+          <p:cNvPr id="82" name="TextBox 81"/>
+          <p:cNvSpPr txBox="1"/>
+          <p:nvPr/>
+        </p:nvSpPr>
+        <p:spPr>
+          <a:xfrm>
+            <a:off x="9331263" y="5141067"/>
+            <a:ext cx="389594" cy="276999"/>
+          </a:xfrm>
+          <a:prstGeom prst="rect">
+            <a:avLst/>
+          </a:prstGeom>
+          <a:noFill/>
+        </p:spPr>
+        <p:txBody>
+          <a:bodyPr wrap="none" rtlCol="0">
+            <a:spAutoFit/>
+          </a:bodyPr>
+          <a:lstStyle/>
+          <a:p>
+            <a:r>
+              <a:rPr lang="en-SG" sz="1200" dirty="0" smtClean="0"/>
+              <a:t>yes</a:t>
+            </a:r>
+            <a:endParaRPr lang="en-SG" sz="1200" dirty="0"/>
+          </a:p>
+        </p:txBody>
+      </p:sp>
+      <p:sp>
+        <p:nvSpPr>
+          <p:cNvPr id="83" name="TextBox 82"/>
+          <p:cNvSpPr txBox="1"/>
+          <p:nvPr/>
+        </p:nvSpPr>
+        <p:spPr>
+          <a:xfrm>
+            <a:off x="7675079" y="5933155"/>
+            <a:ext cx="389594" cy="276999"/>
+          </a:xfrm>
+          <a:prstGeom prst="rect">
+            <a:avLst/>
+          </a:prstGeom>
+          <a:noFill/>
+        </p:spPr>
+        <p:txBody>
+          <a:bodyPr wrap="none" rtlCol="0">
+            <a:spAutoFit/>
+          </a:bodyPr>
+          <a:lstStyle/>
+          <a:p>
+            <a:r>
+              <a:rPr lang="en-SG" sz="1200" dirty="0" smtClean="0"/>
+              <a:t>yes</a:t>
+            </a:r>
+            <a:endParaRPr lang="en-SG" sz="1200" dirty="0"/>
+          </a:p>
+        </p:txBody>
+      </p:sp>
+      <p:sp>
+        <p:nvSpPr>
+          <p:cNvPr id="84" name="TextBox 83"/>
+          <p:cNvSpPr txBox="1"/>
+          <p:nvPr/>
+        </p:nvSpPr>
+        <p:spPr>
+          <a:xfrm>
+            <a:off x="9360817" y="5933155"/>
+            <a:ext cx="389594" cy="276999"/>
+          </a:xfrm>
+          <a:prstGeom prst="rect">
+            <a:avLst/>
+          </a:prstGeom>
+          <a:noFill/>
+        </p:spPr>
+        <p:txBody>
+          <a:bodyPr wrap="none" rtlCol="0">
+            <a:spAutoFit/>
+          </a:bodyPr>
+          <a:lstStyle/>
+          <a:p>
+            <a:r>
+              <a:rPr lang="en-SG" sz="1200" dirty="0" smtClean="0"/>
+              <a:t>yes</a:t>
+            </a:r>
+            <a:endParaRPr lang="en-SG" sz="1200" dirty="0"/>
+          </a:p>
+        </p:txBody>
+      </p:sp>
+      <p:sp>
+        <p:nvSpPr>
+          <p:cNvPr id="85" name="TextBox 84"/>
+          <p:cNvSpPr txBox="1"/>
+          <p:nvPr/>
+        </p:nvSpPr>
+        <p:spPr>
+          <a:xfrm>
+            <a:off x="7646095" y="5141067"/>
+            <a:ext cx="346570" cy="276999"/>
+          </a:xfrm>
+          <a:prstGeom prst="rect">
+            <a:avLst/>
+          </a:prstGeom>
+          <a:noFill/>
+        </p:spPr>
+        <p:txBody>
+          <a:bodyPr wrap="none" rtlCol="0">
+            <a:spAutoFit/>
+          </a:bodyPr>
+          <a:lstStyle/>
+          <a:p>
+            <a:r>
+              <a:rPr lang="en-SG" sz="1200" dirty="0" smtClean="0"/>
+              <a:t>no</a:t>
+            </a:r>
+            <a:endParaRPr lang="en-SG" sz="1200" dirty="0"/>
+          </a:p>
+        </p:txBody>
+      </p:sp>
+      <p:sp>
+        <p:nvSpPr>
+          <p:cNvPr id="2" name="TextBox 1"/>
+          <p:cNvSpPr txBox="1"/>
+          <p:nvPr/>
+        </p:nvSpPr>
+        <p:spPr>
+          <a:xfrm>
+            <a:off x="5400377" y="469533"/>
+            <a:ext cx="1553054" cy="646331"/>
+          </a:xfrm>
+          <a:prstGeom prst="rect">
+            <a:avLst/>
+          </a:prstGeom>
+          <a:noFill/>
+        </p:spPr>
+        <p:txBody>
+          <a:bodyPr wrap="none" rtlCol="0">
+            <a:spAutoFit/>
+          </a:bodyPr>
+          <a:lstStyle/>
+          <a:p>
+            <a:r>
+              <a:rPr lang="en-SG" sz="1200" dirty="0" err="1" smtClean="0"/>
+              <a:t>StartButton_Click</a:t>
+            </a:r>
+            <a:endParaRPr lang="en-SG" sz="1200" dirty="0" smtClean="0"/>
+          </a:p>
+          <a:p>
+            <a:r>
+              <a:rPr lang="en-SG" sz="1200" dirty="0" err="1"/>
+              <a:t>OptionsButton_Click</a:t>
+            </a:r>
+            <a:endParaRPr lang="en-SG" sz="1200" dirty="0" smtClean="0"/>
+          </a:p>
+          <a:p>
+            <a:r>
+              <a:rPr lang="en-SG" sz="1200" dirty="0" err="1" smtClean="0"/>
+              <a:t>MainWindow_Closing</a:t>
+            </a:r>
+            <a:endParaRPr lang="en-SG" sz="1200" dirty="0"/>
+          </a:p>
+        </p:txBody>
+      </p:sp>
+      <p:cxnSp>
+        <p:nvCxnSpPr>
+          <p:cNvPr id="7" name="Straight Arrow Connector 6"/>
+          <p:cNvCxnSpPr>
+            <a:stCxn id="22" idx="2"/>
+            <a:endCxn id="6" idx="0"/>
+          </p:cNvCxnSpPr>
+          <p:nvPr/>
+        </p:nvCxnSpPr>
+        <p:spPr>
+          <a:xfrm flipH="1">
+            <a:off x="6159089" y="1752903"/>
+            <a:ext cx="17337" cy="280787"/>
+          </a:xfrm>
+          <a:prstGeom prst="straightConnector1">
+            <a:avLst/>
+          </a:prstGeom>
+          <a:ln>
+            <a:solidFill>
+              <a:schemeClr val="tx1"/>
+            </a:solidFill>
+            <a:prstDash val="dash"/>
+            <a:tailEnd type="arrow"/>
+          </a:ln>
+        </p:spPr>
+        <p:style>
+          <a:lnRef idx="1">
+            <a:schemeClr val="accent1"/>
+          </a:lnRef>
+          <a:fillRef idx="0">
+            <a:schemeClr val="accent1"/>
+          </a:fillRef>
+          <a:effectRef idx="0">
+            <a:schemeClr val="accent1"/>
+          </a:effectRef>
+          <a:fontRef idx="minor">
+            <a:schemeClr val="tx1"/>
+          </a:fontRef>
+        </p:style>
+      </p:cxnSp>
+      <p:sp>
+        <p:nvSpPr>
+          <p:cNvPr id="47" name="TextBox 46"/>
+          <p:cNvSpPr txBox="1"/>
+          <p:nvPr/>
+        </p:nvSpPr>
+        <p:spPr>
+          <a:xfrm>
+            <a:off x="3240137" y="1302271"/>
+            <a:ext cx="2272482" cy="461665"/>
+          </a:xfrm>
+          <a:prstGeom prst="rect">
+            <a:avLst/>
+          </a:prstGeom>
+          <a:noFill/>
+        </p:spPr>
+        <p:txBody>
+          <a:bodyPr wrap="none" rtlCol="0">
+            <a:spAutoFit/>
+          </a:bodyPr>
+          <a:lstStyle/>
+          <a:p>
+            <a:r>
+              <a:rPr lang="en-SG" sz="1200" dirty="0" err="1" smtClean="0"/>
+              <a:t>NextStepButton_Click</a:t>
+            </a:r>
+            <a:endParaRPr lang="en-SG" sz="1200" dirty="0" smtClean="0"/>
+          </a:p>
+          <a:p>
+            <a:r>
+              <a:rPr lang="en-SG" sz="1200" dirty="0" err="1"/>
+              <a:t>mapControl_MouseLeftButtonUp</a:t>
+            </a:r>
+            <a:endParaRPr lang="en-SG" sz="1200" dirty="0"/>
+          </a:p>
+        </p:txBody>
+      </p:sp>
+      <p:cxnSp>
+        <p:nvCxnSpPr>
+          <p:cNvPr id="48" name="Straight Arrow Connector 47"/>
+          <p:cNvCxnSpPr>
+            <a:stCxn id="47" idx="2"/>
+          </p:cNvCxnSpPr>
+          <p:nvPr/>
+        </p:nvCxnSpPr>
+        <p:spPr>
+          <a:xfrm>
+            <a:off x="4376378" y="1763936"/>
+            <a:ext cx="117573" cy="917826"/>
+          </a:xfrm>
+          <a:prstGeom prst="straightConnector1">
+            <a:avLst/>
+          </a:prstGeom>
+          <a:ln>
+            <a:solidFill>
+              <a:schemeClr val="tx1"/>
+            </a:solidFill>
+            <a:prstDash val="dash"/>
+            <a:tailEnd type="arrow"/>
+          </a:ln>
+        </p:spPr>
+        <p:style>
+          <a:lnRef idx="1">
+            <a:schemeClr val="accent1"/>
+          </a:lnRef>
+          <a:fillRef idx="0">
+            <a:schemeClr val="accent1"/>
+          </a:fillRef>
+          <a:effectRef idx="0">
+            <a:schemeClr val="accent1"/>
+          </a:effectRef>
+          <a:fontRef idx="minor">
+            <a:schemeClr val="tx1"/>
+          </a:fontRef>
+        </p:style>
+      </p:cxnSp>
+      <p:sp>
+        <p:nvSpPr>
+          <p:cNvPr id="22" name="TextBox 21"/>
+          <p:cNvSpPr txBox="1"/>
+          <p:nvPr/>
+        </p:nvSpPr>
+        <p:spPr>
+          <a:xfrm>
+            <a:off x="5745692" y="1475904"/>
+            <a:ext cx="861468" cy="276999"/>
+          </a:xfrm>
+          <a:prstGeom prst="rect">
+            <a:avLst/>
+          </a:prstGeom>
+          <a:noFill/>
+          <a:ln>
+            <a:solidFill>
+              <a:schemeClr val="tx1"/>
+            </a:solidFill>
+          </a:ln>
+        </p:spPr>
+        <p:txBody>
+          <a:bodyPr wrap="square" rtlCol="0">
+            <a:spAutoFit/>
+          </a:bodyPr>
+          <a:lstStyle/>
+          <a:p>
+            <a:r>
+              <a:rPr lang="en-SG" sz="1200" dirty="0" smtClean="0"/>
+              <a:t>Stop Timer</a:t>
+            </a:r>
+            <a:endParaRPr lang="en-SG" sz="1200" dirty="0"/>
+          </a:p>
+        </p:txBody>
+      </p:sp>
+      <p:cxnSp>
+        <p:nvCxnSpPr>
+          <p:cNvPr id="26" name="Straight Arrow Connector 25"/>
+          <p:cNvCxnSpPr>
+            <a:stCxn id="2" idx="2"/>
+            <a:endCxn id="22" idx="0"/>
+          </p:cNvCxnSpPr>
+          <p:nvPr/>
+        </p:nvCxnSpPr>
+        <p:spPr>
+          <a:xfrm flipH="1">
+            <a:off x="6176426" y="1115864"/>
+            <a:ext cx="478" cy="360040"/>
+          </a:xfrm>
+          <a:prstGeom prst="straightConnector1">
+            <a:avLst/>
+          </a:prstGeom>
+          <a:ln>
+            <a:solidFill>
+              <a:schemeClr val="tx1"/>
+            </a:solidFill>
+            <a:tailEnd type="arrow"/>
+          </a:ln>
+        </p:spPr>
+        <p:style>
+          <a:lnRef idx="1">
+            <a:schemeClr val="accent1"/>
+          </a:lnRef>
+          <a:fillRef idx="0">
+            <a:schemeClr val="accent1"/>
+          </a:fillRef>
+          <a:effectRef idx="0">
+            <a:schemeClr val="accent1"/>
+          </a:effectRef>
+          <a:fontRef idx="minor">
+            <a:schemeClr val="tx1"/>
+          </a:fontRef>
+        </p:style>
+      </p:cxnSp>
+      <p:sp>
+        <p:nvSpPr>
+          <p:cNvPr id="61" name="TextBox 60"/>
+          <p:cNvSpPr txBox="1"/>
+          <p:nvPr/>
+        </p:nvSpPr>
+        <p:spPr>
+          <a:xfrm>
+            <a:off x="7493834" y="179760"/>
+            <a:ext cx="1387303" cy="276999"/>
+          </a:xfrm>
+          <a:prstGeom prst="rect">
+            <a:avLst/>
+          </a:prstGeom>
+          <a:noFill/>
+        </p:spPr>
+        <p:txBody>
+          <a:bodyPr wrap="none" rtlCol="0">
+            <a:spAutoFit/>
+          </a:bodyPr>
+          <a:lstStyle/>
+          <a:p>
+            <a:r>
+              <a:rPr lang="en-SG" sz="1200" dirty="0" err="1" smtClean="0"/>
+              <a:t>ReplayButton_Click</a:t>
+            </a:r>
+            <a:endParaRPr lang="en-SG" sz="1200" dirty="0" smtClean="0"/>
+          </a:p>
+        </p:txBody>
+      </p:sp>
+      <p:cxnSp>
+        <p:nvCxnSpPr>
+          <p:cNvPr id="63" name="Straight Arrow Connector 62"/>
+          <p:cNvCxnSpPr>
+            <a:stCxn id="75" idx="1"/>
+          </p:cNvCxnSpPr>
+          <p:nvPr/>
+        </p:nvCxnSpPr>
+        <p:spPr>
+          <a:xfrm flipH="1">
+            <a:off x="6696521" y="2391550"/>
+            <a:ext cx="914502" cy="0"/>
+          </a:xfrm>
+          <a:prstGeom prst="straightConnector1">
+            <a:avLst/>
+          </a:prstGeom>
+          <a:ln>
+            <a:solidFill>
+              <a:schemeClr val="tx1"/>
+            </a:solidFill>
+            <a:prstDash val="dash"/>
+            <a:tailEnd type="arrow"/>
+          </a:ln>
+        </p:spPr>
+        <p:style>
+          <a:lnRef idx="1">
+            <a:schemeClr val="accent1"/>
+          </a:lnRef>
+          <a:fillRef idx="0">
+            <a:schemeClr val="accent1"/>
+          </a:fillRef>
+          <a:effectRef idx="0">
+            <a:schemeClr val="accent1"/>
+          </a:effectRef>
+          <a:fontRef idx="minor">
+            <a:schemeClr val="tx1"/>
+          </a:fontRef>
+        </p:style>
+      </p:cxnSp>
+      <p:cxnSp>
+        <p:nvCxnSpPr>
+          <p:cNvPr id="67" name="Straight Arrow Connector 66"/>
+          <p:cNvCxnSpPr/>
+          <p:nvPr/>
+        </p:nvCxnSpPr>
+        <p:spPr>
+          <a:xfrm flipH="1">
+            <a:off x="8206909" y="456759"/>
+            <a:ext cx="5225" cy="242603"/>
+          </a:xfrm>
+          <a:prstGeom prst="straightConnector1">
+            <a:avLst/>
+          </a:prstGeom>
+          <a:ln>
+            <a:solidFill>
+              <a:schemeClr val="tx1"/>
+            </a:solidFill>
+            <a:tailEnd type="arrow"/>
+          </a:ln>
+        </p:spPr>
+        <p:style>
+          <a:lnRef idx="1">
+            <a:schemeClr val="accent1"/>
+          </a:lnRef>
+          <a:fillRef idx="0">
+            <a:schemeClr val="accent1"/>
+          </a:fillRef>
+          <a:effectRef idx="0">
+            <a:schemeClr val="accent1"/>
+          </a:effectRef>
+          <a:fontRef idx="minor">
+            <a:schemeClr val="tx1"/>
+          </a:fontRef>
+        </p:style>
+      </p:cxnSp>
+      <p:sp>
+        <p:nvSpPr>
+          <p:cNvPr id="71" name="Hexagon 70"/>
+          <p:cNvSpPr/>
+          <p:nvPr/>
+        </p:nvSpPr>
+        <p:spPr>
+          <a:xfrm>
+            <a:off x="7488609" y="699362"/>
+            <a:ext cx="1346550" cy="432048"/>
+          </a:xfrm>
+          <a:prstGeom prst="hexagon">
+            <a:avLst/>
+          </a:prstGeom>
+        </p:spPr>
+        <p:style>
+          <a:lnRef idx="1">
+            <a:schemeClr val="dk1"/>
+          </a:lnRef>
+          <a:fillRef idx="2">
+            <a:schemeClr val="dk1"/>
+          </a:fillRef>
+          <a:effectRef idx="1">
+            <a:schemeClr val="dk1"/>
+          </a:effectRef>
+          <a:fontRef idx="minor">
+            <a:schemeClr val="dk1"/>
+          </a:fontRef>
+        </p:style>
+        <p:txBody>
+          <a:bodyPr rtlCol="0" anchor="ctr"/>
+          <a:lstStyle/>
+          <a:p>
+            <a:pPr algn="ctr"/>
+            <a:r>
+              <a:rPr lang="en-SG" sz="1200" dirty="0" smtClean="0"/>
+              <a:t>Is GUI Player active ?</a:t>
+            </a:r>
+            <a:endParaRPr lang="en-SG" sz="1200" dirty="0"/>
+          </a:p>
+        </p:txBody>
+      </p:sp>
+      <p:sp>
+        <p:nvSpPr>
+          <p:cNvPr id="73" name="Hexagon 72"/>
+          <p:cNvSpPr/>
+          <p:nvPr/>
+        </p:nvSpPr>
+        <p:spPr>
+          <a:xfrm>
+            <a:off x="7488609" y="1491450"/>
+            <a:ext cx="1346550" cy="432048"/>
+          </a:xfrm>
+          <a:prstGeom prst="hexagon">
+            <a:avLst/>
+          </a:prstGeom>
+        </p:spPr>
+        <p:style>
+          <a:lnRef idx="1">
+            <a:schemeClr val="dk1"/>
+          </a:lnRef>
+          <a:fillRef idx="2">
+            <a:schemeClr val="dk1"/>
+          </a:fillRef>
+          <a:effectRef idx="1">
+            <a:schemeClr val="dk1"/>
+          </a:effectRef>
+          <a:fontRef idx="minor">
+            <a:schemeClr val="dk1"/>
+          </a:fontRef>
+        </p:style>
+        <p:txBody>
+          <a:bodyPr rtlCol="0" anchor="ctr"/>
+          <a:lstStyle/>
+          <a:p>
+            <a:pPr algn="ctr"/>
+            <a:r>
+              <a:rPr lang="en-SG" sz="1200" dirty="0" smtClean="0"/>
+              <a:t>Is </a:t>
+            </a:r>
+            <a:r>
+              <a:rPr lang="en-SG" sz="1200" dirty="0" err="1" smtClean="0"/>
+              <a:t>autoplay</a:t>
+            </a:r>
+            <a:r>
+              <a:rPr lang="en-SG" sz="1200" dirty="0" smtClean="0"/>
+              <a:t> selected ?</a:t>
+            </a:r>
+            <a:endParaRPr lang="en-SG" sz="1200" dirty="0"/>
+          </a:p>
+        </p:txBody>
+      </p:sp>
+      <p:cxnSp>
+        <p:nvCxnSpPr>
+          <p:cNvPr id="74" name="Straight Arrow Connector 73"/>
+          <p:cNvCxnSpPr/>
+          <p:nvPr/>
+        </p:nvCxnSpPr>
+        <p:spPr>
+          <a:xfrm>
+            <a:off x="8161884" y="1131410"/>
+            <a:ext cx="0" cy="360040"/>
+          </a:xfrm>
+          <a:prstGeom prst="straightConnector1">
+            <a:avLst/>
+          </a:prstGeom>
+          <a:ln>
+            <a:solidFill>
+              <a:schemeClr val="tx1"/>
+            </a:solidFill>
+            <a:tailEnd type="arrow"/>
+          </a:ln>
+        </p:spPr>
+        <p:style>
+          <a:lnRef idx="1">
+            <a:schemeClr val="dk1"/>
+          </a:lnRef>
+          <a:fillRef idx="2">
+            <a:schemeClr val="dk1"/>
+          </a:fillRef>
+          <a:effectRef idx="1">
+            <a:schemeClr val="dk1"/>
+          </a:effectRef>
+          <a:fontRef idx="minor">
+            <a:schemeClr val="dk1"/>
+          </a:fontRef>
+        </p:style>
+      </p:cxnSp>
+      <p:sp>
+        <p:nvSpPr>
+          <p:cNvPr id="75" name="Rectangle 74"/>
+          <p:cNvSpPr/>
+          <p:nvPr/>
+        </p:nvSpPr>
+        <p:spPr>
+          <a:xfrm>
+            <a:off x="7611023" y="2211530"/>
+            <a:ext cx="1008112" cy="360040"/>
+          </a:xfrm>
+          <a:prstGeom prst="rect">
+            <a:avLst/>
+          </a:prstGeom>
+        </p:spPr>
+        <p:style>
+          <a:lnRef idx="1">
+            <a:schemeClr val="dk1"/>
+          </a:lnRef>
+          <a:fillRef idx="2">
+            <a:schemeClr val="dk1"/>
+          </a:fillRef>
+          <a:effectRef idx="1">
+            <a:schemeClr val="dk1"/>
+          </a:effectRef>
+          <a:fontRef idx="minor">
+            <a:schemeClr val="dk1"/>
+          </a:fontRef>
+        </p:style>
+        <p:txBody>
+          <a:bodyPr rtlCol="0" anchor="ctr"/>
+          <a:lstStyle/>
+          <a:p>
+            <a:pPr algn="ctr"/>
+            <a:r>
+              <a:rPr lang="en-SG" sz="1200" dirty="0" smtClean="0"/>
+              <a:t>Start Timer</a:t>
+            </a:r>
+            <a:endParaRPr lang="en-SG" sz="1200" dirty="0"/>
+          </a:p>
+        </p:txBody>
+      </p:sp>
+      <p:cxnSp>
+        <p:nvCxnSpPr>
+          <p:cNvPr id="77" name="Straight Arrow Connector 76"/>
+          <p:cNvCxnSpPr>
+            <a:endCxn id="75" idx="0"/>
+          </p:cNvCxnSpPr>
+          <p:nvPr/>
+        </p:nvCxnSpPr>
+        <p:spPr>
+          <a:xfrm>
+            <a:off x="8115079" y="1923498"/>
+            <a:ext cx="0" cy="288032"/>
+          </a:xfrm>
+          <a:prstGeom prst="straightConnector1">
+            <a:avLst/>
+          </a:prstGeom>
+          <a:ln>
+            <a:solidFill>
+              <a:schemeClr val="tx1"/>
+            </a:solidFill>
+            <a:tailEnd type="arrow"/>
+          </a:ln>
+        </p:spPr>
+        <p:style>
+          <a:lnRef idx="1">
+            <a:schemeClr val="dk1"/>
+          </a:lnRef>
+          <a:fillRef idx="2">
+            <a:schemeClr val="dk1"/>
+          </a:fillRef>
+          <a:effectRef idx="1">
+            <a:schemeClr val="dk1"/>
+          </a:effectRef>
+          <a:fontRef idx="minor">
+            <a:schemeClr val="dk1"/>
+          </a:fontRef>
+        </p:style>
+      </p:cxnSp>
+      <p:sp>
+        <p:nvSpPr>
+          <p:cNvPr id="78" name="TextBox 77"/>
+          <p:cNvSpPr txBox="1"/>
+          <p:nvPr/>
+        </p:nvSpPr>
+        <p:spPr>
+          <a:xfrm>
+            <a:off x="8154905" y="1934531"/>
+            <a:ext cx="389594" cy="276999"/>
+          </a:xfrm>
+          <a:prstGeom prst="rect">
+            <a:avLst/>
+          </a:prstGeom>
+          <a:noFill/>
+        </p:spPr>
+        <p:txBody>
+          <a:bodyPr wrap="none" rtlCol="0">
+            <a:spAutoFit/>
+          </a:bodyPr>
+          <a:lstStyle/>
+          <a:p>
+            <a:r>
+              <a:rPr lang="en-SG" sz="1200" dirty="0" smtClean="0"/>
+              <a:t>yes</a:t>
+            </a:r>
+            <a:endParaRPr lang="en-SG" sz="1200" dirty="0"/>
+          </a:p>
+        </p:txBody>
+      </p:sp>
+      <p:sp>
+        <p:nvSpPr>
+          <p:cNvPr id="81" name="TextBox 80"/>
+          <p:cNvSpPr txBox="1"/>
+          <p:nvPr/>
+        </p:nvSpPr>
+        <p:spPr>
+          <a:xfrm>
+            <a:off x="8125921" y="1142443"/>
+            <a:ext cx="346570" cy="276999"/>
+          </a:xfrm>
+          <a:prstGeom prst="rect">
+            <a:avLst/>
+          </a:prstGeom>
+          <a:noFill/>
+        </p:spPr>
+        <p:txBody>
+          <a:bodyPr wrap="none" rtlCol="0">
+            <a:spAutoFit/>
+          </a:bodyPr>
+          <a:lstStyle/>
+          <a:p>
+            <a:r>
+              <a:rPr lang="en-SG" sz="1200" dirty="0" smtClean="0"/>
+              <a:t>no</a:t>
+            </a:r>
+            <a:endParaRPr lang="en-SG" sz="1200" dirty="0"/>
           </a:p>
         </p:txBody>
       </p:sp>
     </p:spTree>
     <p:extLst>
       <p:ext uri="{BB962C8B-B14F-4D97-AF65-F5344CB8AC3E}">
-        <p14:creationId xmlns:p14="http://schemas.microsoft.com/office/powerpoint/2010/main" val="2184324705"/>
+        <p14:creationId xmlns:p14="http://schemas.microsoft.com/office/powerpoint/2010/main" val="1135343806"/>
       </p:ext>
     </p:extLst>
   </p:cSld>
@@ -8033,7 +10409,7 @@
         <p:spPr>
           <a:xfrm>
             <a:off x="71785" y="60329"/>
-            <a:ext cx="1053996" cy="388146"/>
+            <a:ext cx="2671875" cy="388146"/>
           </a:xfrm>
           <a:prstGeom prst="rect">
             <a:avLst/>
@@ -8046,8 +10422,8 @@
           <a:lstStyle/>
           <a:p>
             <a:r>
-              <a:rPr lang="en-SG" sz="1600" b="1" dirty="0" err="1" smtClean="0"/>
-              <a:t>Autoplay</a:t>
+              <a:rPr lang="en-SG" sz="1600" b="1" dirty="0" err="1"/>
+              <a:t>MapFinishedOverlayControl</a:t>
             </a:r>
             <a:endParaRPr lang="en-SG" sz="1600" b="1" dirty="0"/>
           </a:p>
@@ -8055,16 +10431,16 @@
       </p:sp>
       <p:sp>
         <p:nvSpPr>
-          <p:cNvPr id="5" name="Oval 4"/>
+          <p:cNvPr id="5" name="Rectangle 4"/>
           <p:cNvSpPr/>
           <p:nvPr/>
         </p:nvSpPr>
         <p:spPr>
           <a:xfrm>
-            <a:off x="5547021" y="3545858"/>
-            <a:ext cx="1224136" cy="1224136"/>
-          </a:xfrm>
-          <a:prstGeom prst="ellipse">
+            <a:off x="431825" y="899840"/>
+            <a:ext cx="12025336" cy="6408712"/>
+          </a:xfrm>
+          <a:prstGeom prst="rect">
             <a:avLst/>
           </a:prstGeom>
         </p:spPr>
@@ -8083,17 +10459,16 @@
           </a:fontRef>
         </p:style>
         <p:txBody>
-          <a:bodyPr rtlCol="0" anchor="ctr"/>
-          <a:lstStyle/>
-          <a:p>
-            <a:pPr algn="ctr"/>
-            <a:r>
-              <a:rPr lang="en-SG" sz="1200" b="1" dirty="0" smtClean="0"/>
-              <a:t>Controller is waiting </a:t>
+          <a:bodyPr rtlCol="0" anchor="t"/>
+          <a:lstStyle/>
+          <a:p>
+            <a:r>
+              <a:rPr lang="en-SG" sz="1200" dirty="0" err="1" smtClean="0"/>
+              <a:t>MapFinishedOverlayControl</a:t>
             </a:r>
             <a:r>
               <a:rPr lang="en-SG" sz="1200" dirty="0" smtClean="0"/>
-              <a:t>for GUI move</a:t>
+              <a:t>: Canvas</a:t>
             </a:r>
             <a:endParaRPr lang="en-SG" sz="1200" dirty="0"/>
           </a:p>
@@ -8101,1346 +10476,23 @@
       </p:sp>
       <p:sp>
         <p:nvSpPr>
-          <p:cNvPr id="6" name="Oval 5"/>
+          <p:cNvPr id="7" name="Oval 6"/>
           <p:cNvSpPr/>
           <p:nvPr/>
         </p:nvSpPr>
         <p:spPr>
           <a:xfrm>
-            <a:off x="5547021" y="2033690"/>
-            <a:ext cx="1224136" cy="1224136"/>
+            <a:off x="4464273" y="2195984"/>
+            <a:ext cx="3960440" cy="4104456"/>
           </a:xfrm>
           <a:prstGeom prst="ellipse">
             <a:avLst/>
           </a:prstGeom>
-        </p:spPr>
-        <p:style>
-          <a:lnRef idx="1">
-            <a:schemeClr val="dk1"/>
-          </a:lnRef>
-          <a:fillRef idx="2">
-            <a:schemeClr val="dk1"/>
-          </a:fillRef>
-          <a:effectRef idx="1">
-            <a:schemeClr val="dk1"/>
-          </a:effectRef>
-          <a:fontRef idx="minor">
-            <a:schemeClr val="dk1"/>
-          </a:fontRef>
-        </p:style>
-        <p:txBody>
-          <a:bodyPr rtlCol="0" anchor="ctr"/>
-          <a:lstStyle/>
-          <a:p>
-            <a:pPr algn="ctr"/>
-            <a:r>
-              <a:rPr lang="en-SG" sz="1200" dirty="0" smtClean="0"/>
-              <a:t>Controller is busy processing GUI move</a:t>
-            </a:r>
-            <a:endParaRPr lang="en-SG" sz="1200" dirty="0"/>
-          </a:p>
-        </p:txBody>
-      </p:sp>
-      <p:cxnSp>
-        <p:nvCxnSpPr>
-          <p:cNvPr id="13" name="Elbow Connector 12"/>
-          <p:cNvCxnSpPr>
-            <a:stCxn id="5" idx="2"/>
-            <a:endCxn id="6" idx="2"/>
-          </p:cNvCxnSpPr>
-          <p:nvPr/>
-        </p:nvCxnSpPr>
-        <p:spPr>
-          <a:xfrm rot="10800000">
-            <a:off x="5547021" y="2645758"/>
-            <a:ext cx="12700" cy="1512168"/>
-          </a:xfrm>
-          <a:prstGeom prst="bentConnector3">
-            <a:avLst>
-              <a:gd name="adj1" fmla="val 1800000"/>
-            </a:avLst>
-          </a:prstGeom>
-          <a:ln>
-            <a:solidFill>
-              <a:schemeClr val="tx1"/>
-            </a:solidFill>
-            <a:tailEnd type="arrow"/>
-          </a:ln>
-        </p:spPr>
-        <p:style>
-          <a:lnRef idx="1">
-            <a:schemeClr val="accent1"/>
-          </a:lnRef>
-          <a:fillRef idx="0">
-            <a:schemeClr val="accent1"/>
-          </a:fillRef>
-          <a:effectRef idx="0">
-            <a:schemeClr val="accent1"/>
-          </a:effectRef>
-          <a:fontRef idx="minor">
-            <a:schemeClr val="tx1"/>
-          </a:fontRef>
-        </p:style>
-      </p:cxnSp>
-      <p:cxnSp>
-        <p:nvCxnSpPr>
-          <p:cNvPr id="15" name="Elbow Connector 14"/>
-          <p:cNvCxnSpPr>
-            <a:stCxn id="6" idx="6"/>
-            <a:endCxn id="5" idx="6"/>
-          </p:cNvCxnSpPr>
-          <p:nvPr/>
-        </p:nvCxnSpPr>
-        <p:spPr>
-          <a:xfrm>
-            <a:off x="6771157" y="2645758"/>
-            <a:ext cx="12700" cy="1512168"/>
-          </a:xfrm>
-          <a:prstGeom prst="bentConnector3">
-            <a:avLst>
-              <a:gd name="adj1" fmla="val 1800000"/>
-            </a:avLst>
-          </a:prstGeom>
-          <a:ln>
-            <a:solidFill>
-              <a:schemeClr val="tx1"/>
-            </a:solidFill>
-            <a:tailEnd type="arrow"/>
-          </a:ln>
-        </p:spPr>
-        <p:style>
-          <a:lnRef idx="1">
-            <a:schemeClr val="accent1"/>
-          </a:lnRef>
-          <a:fillRef idx="0">
-            <a:schemeClr val="accent1"/>
-          </a:fillRef>
-          <a:effectRef idx="0">
-            <a:schemeClr val="accent1"/>
-          </a:effectRef>
-          <a:fontRef idx="minor">
-            <a:schemeClr val="tx1"/>
-          </a:fontRef>
-        </p:style>
-      </p:cxnSp>
-      <p:sp>
-        <p:nvSpPr>
-          <p:cNvPr id="16" name="TextBox 15"/>
-          <p:cNvSpPr txBox="1"/>
-          <p:nvPr/>
-        </p:nvSpPr>
-        <p:spPr>
-          <a:xfrm>
-            <a:off x="4106861" y="2691114"/>
-            <a:ext cx="1182631" cy="646331"/>
-          </a:xfrm>
-          <a:prstGeom prst="rect">
-            <a:avLst/>
-          </a:prstGeom>
-          <a:noFill/>
-        </p:spPr>
-        <p:txBody>
-          <a:bodyPr wrap="none" rtlCol="0">
-            <a:spAutoFit/>
-          </a:bodyPr>
-          <a:lstStyle/>
-          <a:p>
-            <a:pPr algn="r"/>
-            <a:r>
-              <a:rPr lang="en-SG" sz="1200" dirty="0" err="1" smtClean="0"/>
-              <a:t>Gui</a:t>
-            </a:r>
-            <a:r>
-              <a:rPr lang="en-SG" sz="1200" dirty="0" smtClean="0"/>
-              <a:t> sends</a:t>
-            </a:r>
-          </a:p>
-          <a:p>
-            <a:pPr algn="r"/>
-            <a:r>
-              <a:rPr lang="en-SG" sz="1200" dirty="0" smtClean="0"/>
-              <a:t>Move to </a:t>
-            </a:r>
-          </a:p>
-          <a:p>
-            <a:pPr algn="r"/>
-            <a:r>
-              <a:rPr lang="en-SG" sz="1200" dirty="0" err="1" smtClean="0"/>
-              <a:t>GameController</a:t>
-            </a:r>
-            <a:endParaRPr lang="en-SG" sz="1200" dirty="0"/>
-          </a:p>
-        </p:txBody>
-      </p:sp>
-      <p:sp>
-        <p:nvSpPr>
-          <p:cNvPr id="17" name="TextBox 16"/>
-          <p:cNvSpPr txBox="1"/>
-          <p:nvPr/>
-        </p:nvSpPr>
-        <p:spPr>
-          <a:xfrm>
-            <a:off x="6987181" y="3804273"/>
-            <a:ext cx="1569532" cy="461665"/>
-          </a:xfrm>
-          <a:prstGeom prst="rect">
-            <a:avLst/>
-          </a:prstGeom>
-          <a:noFill/>
-        </p:spPr>
-        <p:txBody>
-          <a:bodyPr wrap="none" rtlCol="0">
-            <a:spAutoFit/>
-          </a:bodyPr>
-          <a:lstStyle/>
-          <a:p>
-            <a:r>
-              <a:rPr lang="en-SG" sz="1200" dirty="0" err="1" smtClean="0"/>
-              <a:t>MapChanged</a:t>
-            </a:r>
-            <a:r>
-              <a:rPr lang="en-SG" sz="1200" dirty="0" smtClean="0"/>
-              <a:t> event or</a:t>
-            </a:r>
-          </a:p>
-          <a:p>
-            <a:r>
-              <a:rPr lang="en-SG" sz="1200" dirty="0" err="1" smtClean="0"/>
-              <a:t>GameChangedEvent</a:t>
-            </a:r>
-            <a:endParaRPr lang="en-SG" sz="1200" dirty="0"/>
-          </a:p>
-        </p:txBody>
-      </p:sp>
-      <p:sp>
-        <p:nvSpPr>
-          <p:cNvPr id="18" name="Rectangle 17"/>
-          <p:cNvSpPr/>
-          <p:nvPr/>
-        </p:nvSpPr>
-        <p:spPr>
-          <a:xfrm>
-            <a:off x="1981151" y="1259418"/>
-            <a:ext cx="1008112" cy="504056"/>
-          </a:xfrm>
-          <a:prstGeom prst="rect">
-            <a:avLst/>
-          </a:prstGeom>
-          <a:ln w="28575"/>
-        </p:spPr>
-        <p:style>
-          <a:lnRef idx="1">
-            <a:schemeClr val="accent5"/>
-          </a:lnRef>
-          <a:fillRef idx="2">
-            <a:schemeClr val="accent5"/>
-          </a:fillRef>
-          <a:effectRef idx="1">
-            <a:schemeClr val="accent5"/>
-          </a:effectRef>
-          <a:fontRef idx="minor">
-            <a:schemeClr val="dk1"/>
-          </a:fontRef>
-        </p:style>
-        <p:txBody>
-          <a:bodyPr rtlCol="0" anchor="ctr"/>
-          <a:lstStyle/>
-          <a:p>
-            <a:pPr algn="ctr"/>
-            <a:r>
-              <a:rPr lang="en-SG" sz="1200" dirty="0" err="1" smtClean="0"/>
-              <a:t>Autoplay</a:t>
-            </a:r>
-            <a:endParaRPr lang="en-SG" sz="1200" dirty="0" smtClean="0"/>
-          </a:p>
-          <a:p>
-            <a:pPr algn="ctr"/>
-            <a:r>
-              <a:rPr lang="en-SG" sz="1200" dirty="0" smtClean="0"/>
-              <a:t>Timer</a:t>
-            </a:r>
-            <a:endParaRPr lang="en-SG" sz="1200" dirty="0"/>
-          </a:p>
-        </p:txBody>
-      </p:sp>
-      <p:sp>
-        <p:nvSpPr>
-          <p:cNvPr id="19" name="Hexagon 18"/>
-          <p:cNvSpPr/>
-          <p:nvPr/>
-        </p:nvSpPr>
-        <p:spPr>
-          <a:xfrm>
-            <a:off x="1871985" y="2105698"/>
-            <a:ext cx="1224136" cy="432048"/>
-          </a:xfrm>
-          <a:prstGeom prst="hexagon">
-            <a:avLst/>
-          </a:prstGeom>
-        </p:spPr>
-        <p:style>
-          <a:lnRef idx="1">
-            <a:schemeClr val="accent1"/>
-          </a:lnRef>
-          <a:fillRef idx="2">
-            <a:schemeClr val="accent1"/>
-          </a:fillRef>
-          <a:effectRef idx="1">
-            <a:schemeClr val="accent1"/>
-          </a:effectRef>
-          <a:fontRef idx="minor">
-            <a:schemeClr val="dk1"/>
-          </a:fontRef>
-        </p:style>
-        <p:txBody>
-          <a:bodyPr rtlCol="0" anchor="ctr"/>
-          <a:lstStyle/>
-          <a:p>
-            <a:pPr algn="ctr"/>
-            <a:r>
-              <a:rPr lang="en-SG" sz="1200" dirty="0" smtClean="0"/>
-              <a:t>Is controller waiting ?</a:t>
-            </a:r>
-            <a:endParaRPr lang="en-SG" sz="1200" dirty="0"/>
-          </a:p>
-        </p:txBody>
-      </p:sp>
-      <p:cxnSp>
-        <p:nvCxnSpPr>
-          <p:cNvPr id="21" name="Straight Arrow Connector 20"/>
-          <p:cNvCxnSpPr>
-            <a:stCxn id="18" idx="2"/>
-          </p:cNvCxnSpPr>
-          <p:nvPr/>
-        </p:nvCxnSpPr>
-        <p:spPr>
-          <a:xfrm>
-            <a:off x="2485207" y="1763474"/>
-            <a:ext cx="0" cy="342224"/>
-          </a:xfrm>
-          <a:prstGeom prst="straightConnector1">
-            <a:avLst/>
-          </a:prstGeom>
-          <a:ln>
-            <a:solidFill>
-              <a:schemeClr val="tx1"/>
-            </a:solidFill>
-            <a:tailEnd type="arrow"/>
-          </a:ln>
-        </p:spPr>
-        <p:style>
-          <a:lnRef idx="1">
-            <a:schemeClr val="accent1"/>
-          </a:lnRef>
-          <a:fillRef idx="0">
-            <a:schemeClr val="accent1"/>
-          </a:fillRef>
-          <a:effectRef idx="0">
-            <a:schemeClr val="accent1"/>
-          </a:effectRef>
-          <a:fontRef idx="minor">
-            <a:schemeClr val="tx1"/>
-          </a:fontRef>
-        </p:style>
-      </p:cxnSp>
-      <p:sp>
-        <p:nvSpPr>
-          <p:cNvPr id="25" name="TextBox 24"/>
-          <p:cNvSpPr txBox="1"/>
-          <p:nvPr/>
-        </p:nvSpPr>
-        <p:spPr>
-          <a:xfrm>
-            <a:off x="2485727" y="1745658"/>
-            <a:ext cx="431528" cy="276999"/>
-          </a:xfrm>
-          <a:prstGeom prst="rect">
-            <a:avLst/>
-          </a:prstGeom>
-          <a:noFill/>
-          <a:ln>
-            <a:solidFill>
-              <a:schemeClr val="tx1"/>
-            </a:solidFill>
-          </a:ln>
-        </p:spPr>
-        <p:txBody>
-          <a:bodyPr wrap="none" rtlCol="0">
-            <a:spAutoFit/>
-          </a:bodyPr>
-          <a:lstStyle/>
-          <a:p>
-            <a:r>
-              <a:rPr lang="en-SG" sz="1200" dirty="0" smtClean="0"/>
-              <a:t>Tick</a:t>
-            </a:r>
-            <a:endParaRPr lang="en-SG" sz="1200" dirty="0"/>
-          </a:p>
-        </p:txBody>
-      </p:sp>
-      <p:sp>
-        <p:nvSpPr>
-          <p:cNvPr id="30" name="Hexagon 29"/>
-          <p:cNvSpPr/>
-          <p:nvPr/>
-        </p:nvSpPr>
-        <p:spPr>
-          <a:xfrm>
-            <a:off x="7008783" y="4697986"/>
-            <a:ext cx="1346550" cy="432048"/>
-          </a:xfrm>
-          <a:prstGeom prst="hexagon">
-            <a:avLst/>
-          </a:prstGeom>
-        </p:spPr>
-        <p:style>
-          <a:lnRef idx="1">
-            <a:schemeClr val="dk1"/>
-          </a:lnRef>
-          <a:fillRef idx="2">
-            <a:schemeClr val="dk1"/>
-          </a:fillRef>
-          <a:effectRef idx="1">
-            <a:schemeClr val="dk1"/>
-          </a:effectRef>
-          <a:fontRef idx="minor">
-            <a:schemeClr val="dk1"/>
-          </a:fontRef>
-        </p:style>
-        <p:txBody>
-          <a:bodyPr rtlCol="0" anchor="ctr"/>
-          <a:lstStyle/>
-          <a:p>
-            <a:pPr algn="ctr"/>
-            <a:r>
-              <a:rPr lang="en-SG" sz="1200" dirty="0" smtClean="0"/>
-              <a:t>Is GUI Player active ?</a:t>
-            </a:r>
-            <a:endParaRPr lang="en-SG" sz="1200" dirty="0"/>
-          </a:p>
-        </p:txBody>
-      </p:sp>
-      <p:cxnSp>
-        <p:nvCxnSpPr>
-          <p:cNvPr id="35" name="Straight Arrow Connector 34"/>
-          <p:cNvCxnSpPr/>
-          <p:nvPr/>
-        </p:nvCxnSpPr>
-        <p:spPr>
-          <a:xfrm>
-            <a:off x="7631652" y="4193930"/>
-            <a:ext cx="50406" cy="504056"/>
-          </a:xfrm>
-          <a:prstGeom prst="straightConnector1">
-            <a:avLst/>
-          </a:prstGeom>
-          <a:ln>
-            <a:solidFill>
-              <a:schemeClr val="tx1"/>
-            </a:solidFill>
-            <a:tailEnd type="arrow"/>
-          </a:ln>
-        </p:spPr>
-        <p:style>
-          <a:lnRef idx="1">
-            <a:schemeClr val="accent1"/>
-          </a:lnRef>
-          <a:fillRef idx="0">
-            <a:schemeClr val="accent1"/>
-          </a:fillRef>
-          <a:effectRef idx="0">
-            <a:schemeClr val="accent1"/>
-          </a:effectRef>
-          <a:fontRef idx="minor">
-            <a:schemeClr val="tx1"/>
-          </a:fontRef>
-        </p:style>
-      </p:cxnSp>
-      <p:sp>
-        <p:nvSpPr>
-          <p:cNvPr id="37" name="Hexagon 36"/>
-          <p:cNvSpPr/>
-          <p:nvPr/>
-        </p:nvSpPr>
-        <p:spPr>
-          <a:xfrm>
-            <a:off x="7008783" y="5490074"/>
-            <a:ext cx="1346550" cy="432048"/>
-          </a:xfrm>
-          <a:prstGeom prst="hexagon">
-            <a:avLst/>
-          </a:prstGeom>
-        </p:spPr>
-        <p:style>
-          <a:lnRef idx="1">
-            <a:schemeClr val="dk1"/>
-          </a:lnRef>
-          <a:fillRef idx="2">
-            <a:schemeClr val="dk1"/>
-          </a:fillRef>
-          <a:effectRef idx="1">
-            <a:schemeClr val="dk1"/>
-          </a:effectRef>
-          <a:fontRef idx="minor">
-            <a:schemeClr val="dk1"/>
-          </a:fontRef>
-        </p:style>
-        <p:txBody>
-          <a:bodyPr rtlCol="0" anchor="ctr"/>
-          <a:lstStyle/>
-          <a:p>
-            <a:pPr algn="ctr"/>
-            <a:r>
-              <a:rPr lang="en-SG" sz="1200" dirty="0" smtClean="0"/>
-              <a:t>Is </a:t>
-            </a:r>
-            <a:r>
-              <a:rPr lang="en-SG" sz="1200" dirty="0" err="1" smtClean="0"/>
-              <a:t>autoplay</a:t>
-            </a:r>
-            <a:r>
-              <a:rPr lang="en-SG" sz="1200" dirty="0" smtClean="0"/>
-              <a:t> selected ?</a:t>
-            </a:r>
-            <a:endParaRPr lang="en-SG" sz="1200" dirty="0"/>
-          </a:p>
-        </p:txBody>
-      </p:sp>
-      <p:cxnSp>
-        <p:nvCxnSpPr>
-          <p:cNvPr id="39" name="Straight Arrow Connector 38"/>
-          <p:cNvCxnSpPr/>
-          <p:nvPr/>
-        </p:nvCxnSpPr>
-        <p:spPr>
-          <a:xfrm>
-            <a:off x="7682058" y="5130034"/>
-            <a:ext cx="0" cy="360040"/>
-          </a:xfrm>
-          <a:prstGeom prst="straightConnector1">
-            <a:avLst/>
-          </a:prstGeom>
-          <a:ln>
-            <a:solidFill>
-              <a:schemeClr val="tx1"/>
-            </a:solidFill>
-            <a:tailEnd type="arrow"/>
-          </a:ln>
-        </p:spPr>
-        <p:style>
-          <a:lnRef idx="1">
-            <a:schemeClr val="dk1"/>
-          </a:lnRef>
-          <a:fillRef idx="2">
-            <a:schemeClr val="dk1"/>
-          </a:fillRef>
-          <a:effectRef idx="1">
-            <a:schemeClr val="dk1"/>
-          </a:effectRef>
-          <a:fontRef idx="minor">
-            <a:schemeClr val="dk1"/>
-          </a:fontRef>
-        </p:style>
-      </p:cxnSp>
-      <p:sp>
-        <p:nvSpPr>
-          <p:cNvPr id="40" name="Rectangle 39"/>
-          <p:cNvSpPr/>
-          <p:nvPr/>
-        </p:nvSpPr>
-        <p:spPr>
-          <a:xfrm>
-            <a:off x="7131197" y="6210154"/>
-            <a:ext cx="1008112" cy="360040"/>
-          </a:xfrm>
-          <a:prstGeom prst="rect">
-            <a:avLst/>
-          </a:prstGeom>
-        </p:spPr>
-        <p:style>
-          <a:lnRef idx="1">
-            <a:schemeClr val="dk1"/>
-          </a:lnRef>
-          <a:fillRef idx="2">
-            <a:schemeClr val="dk1"/>
-          </a:fillRef>
-          <a:effectRef idx="1">
-            <a:schemeClr val="dk1"/>
-          </a:effectRef>
-          <a:fontRef idx="minor">
-            <a:schemeClr val="dk1"/>
-          </a:fontRef>
-        </p:style>
-        <p:txBody>
-          <a:bodyPr rtlCol="0" anchor="ctr"/>
-          <a:lstStyle/>
-          <a:p>
-            <a:pPr algn="ctr"/>
-            <a:r>
-              <a:rPr lang="en-SG" sz="1200" dirty="0" smtClean="0"/>
-              <a:t>Start Timer</a:t>
-            </a:r>
-            <a:endParaRPr lang="en-SG" sz="1200" dirty="0"/>
-          </a:p>
-        </p:txBody>
-      </p:sp>
-      <p:cxnSp>
-        <p:nvCxnSpPr>
-          <p:cNvPr id="44" name="Straight Arrow Connector 43"/>
-          <p:cNvCxnSpPr>
-            <a:endCxn id="40" idx="0"/>
-          </p:cNvCxnSpPr>
-          <p:nvPr/>
-        </p:nvCxnSpPr>
-        <p:spPr>
-          <a:xfrm>
-            <a:off x="7635253" y="5922122"/>
-            <a:ext cx="0" cy="288032"/>
-          </a:xfrm>
-          <a:prstGeom prst="straightConnector1">
-            <a:avLst/>
-          </a:prstGeom>
-          <a:ln>
-            <a:solidFill>
-              <a:schemeClr val="tx1"/>
-            </a:solidFill>
-            <a:tailEnd type="arrow"/>
-          </a:ln>
-        </p:spPr>
-        <p:style>
-          <a:lnRef idx="1">
-            <a:schemeClr val="dk1"/>
-          </a:lnRef>
-          <a:fillRef idx="2">
-            <a:schemeClr val="dk1"/>
-          </a:fillRef>
-          <a:effectRef idx="1">
-            <a:schemeClr val="dk1"/>
-          </a:effectRef>
-          <a:fontRef idx="minor">
-            <a:schemeClr val="dk1"/>
-          </a:fontRef>
-        </p:style>
-      </p:cxnSp>
-      <p:sp>
-        <p:nvSpPr>
-          <p:cNvPr id="51" name="Hexagon 50"/>
-          <p:cNvSpPr/>
-          <p:nvPr/>
-        </p:nvSpPr>
-        <p:spPr>
-          <a:xfrm>
-            <a:off x="8664967" y="4697986"/>
-            <a:ext cx="1346550" cy="432048"/>
-          </a:xfrm>
-          <a:prstGeom prst="hexagon">
-            <a:avLst/>
-          </a:prstGeom>
-        </p:spPr>
-        <p:style>
-          <a:lnRef idx="1">
-            <a:schemeClr val="dk1"/>
-          </a:lnRef>
-          <a:fillRef idx="2">
-            <a:schemeClr val="dk1"/>
-          </a:fillRef>
-          <a:effectRef idx="1">
-            <a:schemeClr val="dk1"/>
-          </a:effectRef>
-          <a:fontRef idx="minor">
-            <a:schemeClr val="dk1"/>
-          </a:fontRef>
-        </p:style>
-        <p:txBody>
-          <a:bodyPr rtlCol="0" anchor="ctr"/>
-          <a:lstStyle/>
-          <a:p>
-            <a:pPr algn="ctr"/>
-            <a:r>
-              <a:rPr lang="en-SG" sz="1200" dirty="0" smtClean="0"/>
-              <a:t>Is game over?</a:t>
-            </a:r>
-            <a:endParaRPr lang="en-SG" sz="1200" dirty="0"/>
-          </a:p>
-        </p:txBody>
-      </p:sp>
-      <p:sp>
-        <p:nvSpPr>
-          <p:cNvPr id="52" name="Hexagon 51"/>
-          <p:cNvSpPr/>
-          <p:nvPr/>
-        </p:nvSpPr>
-        <p:spPr>
-          <a:xfrm>
-            <a:off x="8664967" y="5490074"/>
-            <a:ext cx="1346550" cy="432048"/>
-          </a:xfrm>
-          <a:prstGeom prst="hexagon">
-            <a:avLst/>
-          </a:prstGeom>
-        </p:spPr>
-        <p:style>
-          <a:lnRef idx="1">
-            <a:schemeClr val="dk1"/>
-          </a:lnRef>
-          <a:fillRef idx="2">
-            <a:schemeClr val="dk1"/>
-          </a:fillRef>
-          <a:effectRef idx="1">
-            <a:schemeClr val="dk1"/>
-          </a:effectRef>
-          <a:fontRef idx="minor">
-            <a:schemeClr val="dk1"/>
-          </a:fontRef>
-        </p:style>
-        <p:txBody>
-          <a:bodyPr rtlCol="0" anchor="ctr"/>
-          <a:lstStyle/>
-          <a:p>
-            <a:pPr algn="ctr"/>
-            <a:r>
-              <a:rPr lang="en-SG" sz="1200" dirty="0" smtClean="0"/>
-              <a:t>Is </a:t>
-            </a:r>
-            <a:r>
-              <a:rPr lang="en-SG" sz="1200" dirty="0" err="1" smtClean="0"/>
-              <a:t>autoplay</a:t>
-            </a:r>
-            <a:r>
-              <a:rPr lang="en-SG" sz="1200" dirty="0" smtClean="0"/>
-              <a:t> selected?</a:t>
-            </a:r>
-            <a:endParaRPr lang="en-SG" sz="1200" dirty="0"/>
-          </a:p>
-        </p:txBody>
-      </p:sp>
-      <p:cxnSp>
-        <p:nvCxnSpPr>
-          <p:cNvPr id="53" name="Straight Arrow Connector 52"/>
-          <p:cNvCxnSpPr/>
-          <p:nvPr/>
-        </p:nvCxnSpPr>
-        <p:spPr>
-          <a:xfrm>
-            <a:off x="9338242" y="5130034"/>
-            <a:ext cx="0" cy="360040"/>
-          </a:xfrm>
-          <a:prstGeom prst="straightConnector1">
-            <a:avLst/>
-          </a:prstGeom>
-          <a:ln>
-            <a:tailEnd type="arrow"/>
-          </a:ln>
-        </p:spPr>
-        <p:style>
-          <a:lnRef idx="1">
-            <a:schemeClr val="dk1"/>
-          </a:lnRef>
-          <a:fillRef idx="2">
-            <a:schemeClr val="dk1"/>
-          </a:fillRef>
-          <a:effectRef idx="1">
-            <a:schemeClr val="dk1"/>
-          </a:effectRef>
-          <a:fontRef idx="minor">
-            <a:schemeClr val="dk1"/>
-          </a:fontRef>
-        </p:style>
-      </p:cxnSp>
-      <p:sp>
-        <p:nvSpPr>
-          <p:cNvPr id="54" name="Rectangle 53"/>
-          <p:cNvSpPr/>
-          <p:nvPr/>
-        </p:nvSpPr>
-        <p:spPr>
-          <a:xfrm>
-            <a:off x="8787381" y="6210154"/>
-            <a:ext cx="1008112" cy="360040"/>
-          </a:xfrm>
-          <a:prstGeom prst="rect">
-            <a:avLst/>
-          </a:prstGeom>
-        </p:spPr>
-        <p:style>
-          <a:lnRef idx="1">
-            <a:schemeClr val="dk1"/>
-          </a:lnRef>
-          <a:fillRef idx="2">
-            <a:schemeClr val="dk1"/>
-          </a:fillRef>
-          <a:effectRef idx="1">
-            <a:schemeClr val="dk1"/>
-          </a:effectRef>
-          <a:fontRef idx="minor">
-            <a:schemeClr val="dk1"/>
-          </a:fontRef>
-        </p:style>
-        <p:txBody>
-          <a:bodyPr rtlCol="0" anchor="ctr"/>
-          <a:lstStyle/>
-          <a:p>
-            <a:pPr algn="ctr"/>
-            <a:r>
-              <a:rPr lang="en-SG" sz="1200" dirty="0" err="1" smtClean="0"/>
-              <a:t>StopTimer</a:t>
-            </a:r>
-            <a:endParaRPr lang="en-SG" sz="1200" dirty="0"/>
-          </a:p>
-        </p:txBody>
-      </p:sp>
-      <p:cxnSp>
-        <p:nvCxnSpPr>
-          <p:cNvPr id="55" name="Straight Arrow Connector 54"/>
-          <p:cNvCxnSpPr>
-            <a:endCxn id="54" idx="0"/>
-          </p:cNvCxnSpPr>
-          <p:nvPr/>
-        </p:nvCxnSpPr>
-        <p:spPr>
-          <a:xfrm>
-            <a:off x="9291437" y="5922122"/>
-            <a:ext cx="0" cy="288032"/>
-          </a:xfrm>
-          <a:prstGeom prst="straightConnector1">
-            <a:avLst/>
-          </a:prstGeom>
-          <a:ln>
-            <a:tailEnd type="arrow"/>
-          </a:ln>
-        </p:spPr>
-        <p:style>
-          <a:lnRef idx="1">
-            <a:schemeClr val="dk1"/>
-          </a:lnRef>
-          <a:fillRef idx="2">
-            <a:schemeClr val="dk1"/>
-          </a:fillRef>
-          <a:effectRef idx="1">
-            <a:schemeClr val="dk1"/>
-          </a:effectRef>
-          <a:fontRef idx="minor">
-            <a:schemeClr val="dk1"/>
-          </a:fontRef>
-        </p:style>
-      </p:cxnSp>
-      <p:cxnSp>
-        <p:nvCxnSpPr>
-          <p:cNvPr id="57" name="Straight Arrow Connector 56"/>
-          <p:cNvCxnSpPr/>
-          <p:nvPr/>
-        </p:nvCxnSpPr>
-        <p:spPr>
-          <a:xfrm>
-            <a:off x="8499349" y="3905898"/>
-            <a:ext cx="792088" cy="720080"/>
-          </a:xfrm>
-          <a:prstGeom prst="straightConnector1">
-            <a:avLst/>
-          </a:prstGeom>
-          <a:ln>
-            <a:solidFill>
-              <a:schemeClr val="tx1"/>
-            </a:solidFill>
-            <a:tailEnd type="arrow"/>
-          </a:ln>
-        </p:spPr>
-        <p:style>
-          <a:lnRef idx="1">
-            <a:schemeClr val="accent1"/>
-          </a:lnRef>
-          <a:fillRef idx="0">
-            <a:schemeClr val="accent1"/>
-          </a:fillRef>
-          <a:effectRef idx="0">
-            <a:schemeClr val="accent1"/>
-          </a:effectRef>
-          <a:fontRef idx="minor">
-            <a:schemeClr val="tx1"/>
-          </a:fontRef>
-        </p:style>
-      </p:cxnSp>
-      <p:sp>
-        <p:nvSpPr>
-          <p:cNvPr id="58" name="Rectangle 57"/>
-          <p:cNvSpPr/>
-          <p:nvPr/>
-        </p:nvSpPr>
-        <p:spPr>
-          <a:xfrm>
-            <a:off x="1981151" y="2825778"/>
-            <a:ext cx="1008112" cy="360040"/>
-          </a:xfrm>
-          <a:prstGeom prst="rect">
-            <a:avLst/>
-          </a:prstGeom>
-        </p:spPr>
-        <p:style>
-          <a:lnRef idx="1">
-            <a:schemeClr val="accent1"/>
-          </a:lnRef>
-          <a:fillRef idx="2">
-            <a:schemeClr val="accent1"/>
-          </a:fillRef>
-          <a:effectRef idx="1">
-            <a:schemeClr val="accent1"/>
-          </a:effectRef>
-          <a:fontRef idx="minor">
-            <a:schemeClr val="dk1"/>
-          </a:fontRef>
-        </p:style>
-        <p:txBody>
-          <a:bodyPr rtlCol="0" anchor="ctr"/>
-          <a:lstStyle/>
-          <a:p>
-            <a:pPr algn="ctr"/>
-            <a:r>
-              <a:rPr lang="en-SG" sz="1200" dirty="0" smtClean="0"/>
-              <a:t>Send move to controller</a:t>
-            </a:r>
-            <a:endParaRPr lang="en-SG" sz="1200" dirty="0"/>
-          </a:p>
-        </p:txBody>
-      </p:sp>
-      <p:cxnSp>
-        <p:nvCxnSpPr>
-          <p:cNvPr id="59" name="Straight Arrow Connector 58"/>
-          <p:cNvCxnSpPr>
-            <a:endCxn id="58" idx="0"/>
-          </p:cNvCxnSpPr>
-          <p:nvPr/>
-        </p:nvCxnSpPr>
-        <p:spPr>
-          <a:xfrm flipH="1">
-            <a:off x="2485207" y="2537746"/>
-            <a:ext cx="520" cy="288032"/>
-          </a:xfrm>
-          <a:prstGeom prst="straightConnector1">
-            <a:avLst/>
-          </a:prstGeom>
-          <a:ln>
-            <a:solidFill>
-              <a:schemeClr val="tx1"/>
-            </a:solidFill>
-            <a:tailEnd type="arrow"/>
-          </a:ln>
-        </p:spPr>
-        <p:style>
-          <a:lnRef idx="1">
-            <a:schemeClr val="accent1"/>
-          </a:lnRef>
-          <a:fillRef idx="2">
-            <a:schemeClr val="accent1"/>
-          </a:fillRef>
-          <a:effectRef idx="1">
-            <a:schemeClr val="accent1"/>
-          </a:effectRef>
-          <a:fontRef idx="minor">
-            <a:schemeClr val="dk1"/>
-          </a:fontRef>
-        </p:style>
-      </p:cxnSp>
-      <p:sp>
-        <p:nvSpPr>
-          <p:cNvPr id="60" name="Rectangle 59"/>
-          <p:cNvSpPr/>
-          <p:nvPr/>
-        </p:nvSpPr>
-        <p:spPr>
-          <a:xfrm>
-            <a:off x="430819" y="2825778"/>
-            <a:ext cx="1219815" cy="360040"/>
-          </a:xfrm>
-          <a:prstGeom prst="rect">
-            <a:avLst/>
-          </a:prstGeom>
-        </p:spPr>
-        <p:style>
-          <a:lnRef idx="1">
-            <a:schemeClr val="accent1"/>
-          </a:lnRef>
-          <a:fillRef idx="2">
-            <a:schemeClr val="accent1"/>
-          </a:fillRef>
-          <a:effectRef idx="1">
-            <a:schemeClr val="accent1"/>
-          </a:effectRef>
-          <a:fontRef idx="minor">
-            <a:schemeClr val="dk1"/>
-          </a:fontRef>
-        </p:style>
-        <p:txBody>
-          <a:bodyPr rtlCol="0" anchor="ctr"/>
-          <a:lstStyle/>
-          <a:p>
-            <a:pPr algn="ctr"/>
-            <a:r>
-              <a:rPr lang="en-SG" sz="1200" dirty="0" err="1" smtClean="0"/>
-              <a:t>IsTimerWaiting</a:t>
-            </a:r>
-            <a:r>
-              <a:rPr lang="en-SG" sz="1200" dirty="0" smtClean="0"/>
-              <a:t> = true</a:t>
-            </a:r>
-            <a:endParaRPr lang="en-SG" sz="1200" dirty="0"/>
-          </a:p>
-        </p:txBody>
-      </p:sp>
-      <p:cxnSp>
-        <p:nvCxnSpPr>
-          <p:cNvPr id="62" name="Elbow Connector 61"/>
-          <p:cNvCxnSpPr>
-            <a:stCxn id="19" idx="3"/>
-            <a:endCxn id="60" idx="0"/>
-          </p:cNvCxnSpPr>
-          <p:nvPr/>
-        </p:nvCxnSpPr>
-        <p:spPr>
-          <a:xfrm rot="10800000" flipV="1">
-            <a:off x="1040727" y="2321722"/>
-            <a:ext cx="831258" cy="504056"/>
-          </a:xfrm>
-          <a:prstGeom prst="bentConnector2">
-            <a:avLst/>
-          </a:prstGeom>
-          <a:ln>
-            <a:solidFill>
-              <a:schemeClr val="tx1"/>
-            </a:solidFill>
-            <a:tailEnd type="arrow"/>
-          </a:ln>
-        </p:spPr>
-        <p:style>
-          <a:lnRef idx="1">
-            <a:schemeClr val="accent1"/>
-          </a:lnRef>
-          <a:fillRef idx="0">
-            <a:schemeClr val="accent1"/>
-          </a:fillRef>
-          <a:effectRef idx="0">
-            <a:schemeClr val="accent1"/>
-          </a:effectRef>
-          <a:fontRef idx="minor">
-            <a:schemeClr val="tx1"/>
-          </a:fontRef>
-        </p:style>
-      </p:cxnSp>
-      <p:sp>
-        <p:nvSpPr>
-          <p:cNvPr id="64" name="TextBox 63"/>
-          <p:cNvSpPr txBox="1"/>
-          <p:nvPr/>
-        </p:nvSpPr>
-        <p:spPr>
-          <a:xfrm>
-            <a:off x="2413199" y="2476771"/>
-            <a:ext cx="389594" cy="276999"/>
-          </a:xfrm>
-          <a:prstGeom prst="rect">
-            <a:avLst/>
-          </a:prstGeom>
-          <a:noFill/>
-        </p:spPr>
-        <p:txBody>
-          <a:bodyPr wrap="none" rtlCol="0">
-            <a:spAutoFit/>
-          </a:bodyPr>
-          <a:lstStyle/>
-          <a:p>
-            <a:r>
-              <a:rPr lang="en-SG" sz="1200" dirty="0" smtClean="0"/>
-              <a:t>yes</a:t>
-            </a:r>
-            <a:endParaRPr lang="en-SG" sz="1200" dirty="0"/>
-          </a:p>
-        </p:txBody>
-      </p:sp>
-      <p:sp>
-        <p:nvSpPr>
-          <p:cNvPr id="65" name="TextBox 64"/>
-          <p:cNvSpPr txBox="1"/>
-          <p:nvPr/>
-        </p:nvSpPr>
-        <p:spPr>
-          <a:xfrm>
-            <a:off x="1578087" y="2105698"/>
-            <a:ext cx="346570" cy="276999"/>
-          </a:xfrm>
-          <a:prstGeom prst="rect">
-            <a:avLst/>
-          </a:prstGeom>
-          <a:noFill/>
-        </p:spPr>
-        <p:txBody>
-          <a:bodyPr wrap="none" rtlCol="0">
-            <a:spAutoFit/>
-          </a:bodyPr>
-          <a:lstStyle/>
-          <a:p>
-            <a:r>
-              <a:rPr lang="en-SG" sz="1200" dirty="0" smtClean="0"/>
-              <a:t>no</a:t>
-            </a:r>
-            <a:endParaRPr lang="en-SG" sz="1200" dirty="0"/>
-          </a:p>
-        </p:txBody>
-      </p:sp>
-      <p:sp>
-        <p:nvSpPr>
-          <p:cNvPr id="68" name="Hexagon 67"/>
-          <p:cNvSpPr/>
-          <p:nvPr/>
-        </p:nvSpPr>
-        <p:spPr>
-          <a:xfrm>
-            <a:off x="10179763" y="5490074"/>
-            <a:ext cx="1629326" cy="432048"/>
-          </a:xfrm>
-          <a:prstGeom prst="hexagon">
-            <a:avLst/>
-          </a:prstGeom>
-        </p:spPr>
-        <p:style>
-          <a:lnRef idx="1">
-            <a:schemeClr val="dk1"/>
-          </a:lnRef>
-          <a:fillRef idx="2">
-            <a:schemeClr val="dk1"/>
-          </a:fillRef>
-          <a:effectRef idx="1">
-            <a:schemeClr val="dk1"/>
-          </a:effectRef>
-          <a:fontRef idx="minor">
-            <a:schemeClr val="dk1"/>
-          </a:fontRef>
-        </p:style>
-        <p:txBody>
-          <a:bodyPr rtlCol="0" anchor="ctr"/>
-          <a:lstStyle/>
-          <a:p>
-            <a:pPr algn="ctr"/>
-            <a:r>
-              <a:rPr lang="en-SG" sz="1200" dirty="0" err="1" smtClean="0"/>
-              <a:t>IsTimerWaiting</a:t>
-            </a:r>
-            <a:r>
-              <a:rPr lang="en-SG" sz="1200" dirty="0" smtClean="0"/>
-              <a:t> ?</a:t>
-            </a:r>
-            <a:endParaRPr lang="en-SG" sz="1200" dirty="0"/>
-          </a:p>
-        </p:txBody>
-      </p:sp>
-      <p:sp>
-        <p:nvSpPr>
-          <p:cNvPr id="69" name="Rectangle 68"/>
-          <p:cNvSpPr/>
-          <p:nvPr/>
-        </p:nvSpPr>
-        <p:spPr>
-          <a:xfrm>
-            <a:off x="10135834" y="6210154"/>
-            <a:ext cx="1623575" cy="360040"/>
-          </a:xfrm>
-          <a:prstGeom prst="rect">
-            <a:avLst/>
-          </a:prstGeom>
-        </p:spPr>
-        <p:style>
-          <a:lnRef idx="1">
-            <a:schemeClr val="dk1"/>
-          </a:lnRef>
-          <a:fillRef idx="2">
-            <a:schemeClr val="dk1"/>
-          </a:fillRef>
-          <a:effectRef idx="1">
-            <a:schemeClr val="dk1"/>
-          </a:effectRef>
-          <a:fontRef idx="minor">
-            <a:schemeClr val="dk1"/>
-          </a:fontRef>
-        </p:style>
-        <p:txBody>
-          <a:bodyPr rtlCol="0" anchor="ctr"/>
-          <a:lstStyle/>
-          <a:p>
-            <a:pPr algn="ctr"/>
-            <a:r>
-              <a:rPr lang="en-SG" sz="1200" dirty="0" err="1" smtClean="0"/>
-              <a:t>IsTimerWaiting</a:t>
-            </a:r>
-            <a:r>
-              <a:rPr lang="en-SG" sz="1200" dirty="0" smtClean="0"/>
-              <a:t> = false</a:t>
-            </a:r>
-          </a:p>
-          <a:p>
-            <a:pPr algn="ctr"/>
-            <a:r>
-              <a:rPr lang="en-SG" sz="1200" dirty="0" smtClean="0"/>
-              <a:t>Send move to </a:t>
-            </a:r>
-            <a:r>
-              <a:rPr lang="en-SG" sz="1200" dirty="0" err="1" smtClean="0"/>
-              <a:t>cotroller</a:t>
-            </a:r>
-            <a:endParaRPr lang="en-SG" sz="1200" dirty="0"/>
-          </a:p>
-        </p:txBody>
-      </p:sp>
-      <p:cxnSp>
-        <p:nvCxnSpPr>
-          <p:cNvPr id="70" name="Straight Arrow Connector 69"/>
-          <p:cNvCxnSpPr>
-            <a:endCxn id="69" idx="0"/>
-          </p:cNvCxnSpPr>
-          <p:nvPr/>
-        </p:nvCxnSpPr>
-        <p:spPr>
-          <a:xfrm>
-            <a:off x="10947621" y="5922122"/>
-            <a:ext cx="1" cy="288032"/>
-          </a:xfrm>
-          <a:prstGeom prst="straightConnector1">
-            <a:avLst/>
-          </a:prstGeom>
-          <a:ln>
-            <a:tailEnd type="arrow"/>
-          </a:ln>
-        </p:spPr>
-        <p:style>
-          <a:lnRef idx="1">
-            <a:schemeClr val="dk1"/>
-          </a:lnRef>
-          <a:fillRef idx="2">
-            <a:schemeClr val="dk1"/>
-          </a:fillRef>
-          <a:effectRef idx="1">
-            <a:schemeClr val="dk1"/>
-          </a:effectRef>
-          <a:fontRef idx="minor">
-            <a:schemeClr val="dk1"/>
-          </a:fontRef>
-        </p:style>
-      </p:cxnSp>
-      <p:cxnSp>
-        <p:nvCxnSpPr>
-          <p:cNvPr id="72" name="Elbow Connector 71"/>
-          <p:cNvCxnSpPr>
-            <a:stCxn id="51" idx="0"/>
-          </p:cNvCxnSpPr>
-          <p:nvPr/>
-        </p:nvCxnSpPr>
-        <p:spPr>
-          <a:xfrm>
-            <a:off x="10011517" y="4914010"/>
-            <a:ext cx="982909" cy="576064"/>
-          </a:xfrm>
-          <a:prstGeom prst="bentConnector3">
-            <a:avLst>
-              <a:gd name="adj1" fmla="val 100032"/>
-            </a:avLst>
-          </a:prstGeom>
-          <a:ln>
-            <a:solidFill>
-              <a:schemeClr val="tx1"/>
-            </a:solidFill>
-            <a:tailEnd type="arrow"/>
-          </a:ln>
-        </p:spPr>
-        <p:style>
-          <a:lnRef idx="1">
-            <a:schemeClr val="accent1"/>
-          </a:lnRef>
-          <a:fillRef idx="0">
-            <a:schemeClr val="accent1"/>
-          </a:fillRef>
-          <a:effectRef idx="0">
-            <a:schemeClr val="accent1"/>
-          </a:effectRef>
-          <a:fontRef idx="minor">
-            <a:schemeClr val="tx1"/>
-          </a:fontRef>
-        </p:style>
-      </p:cxnSp>
-      <p:sp>
-        <p:nvSpPr>
-          <p:cNvPr id="76" name="Freeform 75"/>
-          <p:cNvSpPr/>
-          <p:nvPr/>
-        </p:nvSpPr>
-        <p:spPr>
-          <a:xfrm>
-            <a:off x="4506103" y="3369174"/>
-            <a:ext cx="6428014" cy="3646714"/>
-          </a:xfrm>
-          <a:custGeom>
-            <a:avLst/>
-            <a:gdLst>
-              <a:gd name="connsiteX0" fmla="*/ 6428014 w 6428014"/>
-              <a:gd name="connsiteY0" fmla="*/ 3211286 h 4011386"/>
-              <a:gd name="connsiteX1" fmla="*/ 5910943 w 6428014"/>
-              <a:gd name="connsiteY1" fmla="*/ 4011386 h 4011386"/>
-              <a:gd name="connsiteX2" fmla="*/ 1415143 w 6428014"/>
-              <a:gd name="connsiteY2" fmla="*/ 3989614 h 4011386"/>
-              <a:gd name="connsiteX3" fmla="*/ 0 w 6428014"/>
-              <a:gd name="connsiteY3" fmla="*/ 0 h 4011386"/>
-              <a:gd name="connsiteX0" fmla="*/ 6428014 w 6428014"/>
-              <a:gd name="connsiteY0" fmla="*/ 3211286 h 3989614"/>
-              <a:gd name="connsiteX1" fmla="*/ 5180116 w 6428014"/>
-              <a:gd name="connsiteY1" fmla="*/ 3623459 h 3989614"/>
-              <a:gd name="connsiteX2" fmla="*/ 1415143 w 6428014"/>
-              <a:gd name="connsiteY2" fmla="*/ 3989614 h 3989614"/>
-              <a:gd name="connsiteX3" fmla="*/ 0 w 6428014"/>
-              <a:gd name="connsiteY3" fmla="*/ 0 h 3989614"/>
-              <a:gd name="connsiteX0" fmla="*/ 6428014 w 6428014"/>
-              <a:gd name="connsiteY0" fmla="*/ 3211286 h 3646714"/>
-              <a:gd name="connsiteX1" fmla="*/ 5180116 w 6428014"/>
-              <a:gd name="connsiteY1" fmla="*/ 3623459 h 3646714"/>
-              <a:gd name="connsiteX2" fmla="*/ 1803070 w 6428014"/>
-              <a:gd name="connsiteY2" fmla="*/ 3646714 h 3646714"/>
-              <a:gd name="connsiteX3" fmla="*/ 0 w 6428014"/>
-              <a:gd name="connsiteY3" fmla="*/ 0 h 3646714"/>
-            </a:gdLst>
-            <a:ahLst/>
-            <a:cxnLst>
-              <a:cxn ang="0">
-                <a:pos x="connsiteX0" y="connsiteY0"/>
-              </a:cxn>
-              <a:cxn ang="0">
-                <a:pos x="connsiteX1" y="connsiteY1"/>
-              </a:cxn>
-              <a:cxn ang="0">
-                <a:pos x="connsiteX2" y="connsiteY2"/>
-              </a:cxn>
-              <a:cxn ang="0">
-                <a:pos x="connsiteX3" y="connsiteY3"/>
-              </a:cxn>
-            </a:cxnLst>
-            <a:rect l="l" t="t" r="r" b="b"/>
-            <a:pathLst>
-              <a:path w="6428014" h="3646714">
-                <a:moveTo>
-                  <a:pt x="6428014" y="3211286"/>
-                </a:moveTo>
-                <a:lnTo>
-                  <a:pt x="5180116" y="3623459"/>
-                </a:lnTo>
-                <a:lnTo>
-                  <a:pt x="1803070" y="3646714"/>
-                </a:lnTo>
-                <a:lnTo>
-                  <a:pt x="0" y="0"/>
-                </a:lnTo>
-              </a:path>
-            </a:pathLst>
-          </a:custGeom>
-          <a:noFill/>
-          <a:ln w="9525">
-            <a:prstDash val="dash"/>
-            <a:headEnd type="none" w="med" len="med"/>
-            <a:tailEnd type="arrow" w="med" len="med"/>
-          </a:ln>
+          <a:solidFill>
+            <a:schemeClr val="bg1">
+              <a:lumMod val="95000"/>
+            </a:schemeClr>
+          </a:solidFill>
         </p:spPr>
         <p:style>
           <a:lnRef idx="2">
@@ -9459,953 +10511,7 @@
           </a:fontRef>
         </p:style>
         <p:txBody>
-          <a:bodyPr rtlCol="0" anchor="ctr"/>
-          <a:lstStyle/>
-          <a:p>
-            <a:pPr algn="ctr"/>
-            <a:endParaRPr lang="en-SG"/>
-          </a:p>
-        </p:txBody>
-      </p:sp>
-      <p:cxnSp>
-        <p:nvCxnSpPr>
-          <p:cNvPr id="79" name="Straight Arrow Connector 78"/>
-          <p:cNvCxnSpPr>
-            <a:stCxn id="58" idx="3"/>
-            <a:endCxn id="16" idx="1"/>
-          </p:cNvCxnSpPr>
-          <p:nvPr/>
-        </p:nvCxnSpPr>
-        <p:spPr>
-          <a:xfrm>
-            <a:off x="2989263" y="3005798"/>
-            <a:ext cx="1117598" cy="8482"/>
-          </a:xfrm>
-          <a:prstGeom prst="straightConnector1">
-            <a:avLst/>
-          </a:prstGeom>
-          <a:ln>
-            <a:solidFill>
-              <a:schemeClr val="tx1"/>
-            </a:solidFill>
-            <a:prstDash val="dash"/>
-            <a:tailEnd type="arrow"/>
-          </a:ln>
-        </p:spPr>
-        <p:style>
-          <a:lnRef idx="1">
-            <a:schemeClr val="accent1"/>
-          </a:lnRef>
-          <a:fillRef idx="0">
-            <a:schemeClr val="accent1"/>
-          </a:fillRef>
-          <a:effectRef idx="0">
-            <a:schemeClr val="accent1"/>
-          </a:effectRef>
-          <a:fontRef idx="minor">
-            <a:schemeClr val="tx1"/>
-          </a:fontRef>
-        </p:style>
-      </p:cxnSp>
-      <p:sp>
-        <p:nvSpPr>
-          <p:cNvPr id="80" name="TextBox 79"/>
-          <p:cNvSpPr txBox="1"/>
-          <p:nvPr/>
-        </p:nvSpPr>
-        <p:spPr>
-          <a:xfrm>
-            <a:off x="10022359" y="4697986"/>
-            <a:ext cx="346570" cy="276999"/>
-          </a:xfrm>
-          <a:prstGeom prst="rect">
-            <a:avLst/>
-          </a:prstGeom>
-          <a:noFill/>
-        </p:spPr>
-        <p:txBody>
-          <a:bodyPr wrap="none" rtlCol="0">
-            <a:spAutoFit/>
-          </a:bodyPr>
-          <a:lstStyle/>
-          <a:p>
-            <a:r>
-              <a:rPr lang="en-SG" sz="1200" dirty="0" smtClean="0"/>
-              <a:t>no</a:t>
-            </a:r>
-            <a:endParaRPr lang="en-SG" sz="1200" dirty="0"/>
-          </a:p>
-        </p:txBody>
-      </p:sp>
-      <p:sp>
-        <p:nvSpPr>
-          <p:cNvPr id="82" name="TextBox 81"/>
-          <p:cNvSpPr txBox="1"/>
-          <p:nvPr/>
-        </p:nvSpPr>
-        <p:spPr>
-          <a:xfrm>
-            <a:off x="9331263" y="5141067"/>
-            <a:ext cx="389594" cy="276999"/>
-          </a:xfrm>
-          <a:prstGeom prst="rect">
-            <a:avLst/>
-          </a:prstGeom>
-          <a:noFill/>
-        </p:spPr>
-        <p:txBody>
-          <a:bodyPr wrap="none" rtlCol="0">
-            <a:spAutoFit/>
-          </a:bodyPr>
-          <a:lstStyle/>
-          <a:p>
-            <a:r>
-              <a:rPr lang="en-SG" sz="1200" dirty="0" smtClean="0"/>
-              <a:t>yes</a:t>
-            </a:r>
-            <a:endParaRPr lang="en-SG" sz="1200" dirty="0"/>
-          </a:p>
-        </p:txBody>
-      </p:sp>
-      <p:sp>
-        <p:nvSpPr>
-          <p:cNvPr id="83" name="TextBox 82"/>
-          <p:cNvSpPr txBox="1"/>
-          <p:nvPr/>
-        </p:nvSpPr>
-        <p:spPr>
-          <a:xfrm>
-            <a:off x="7675079" y="5933155"/>
-            <a:ext cx="389594" cy="276999"/>
-          </a:xfrm>
-          <a:prstGeom prst="rect">
-            <a:avLst/>
-          </a:prstGeom>
-          <a:noFill/>
-        </p:spPr>
-        <p:txBody>
-          <a:bodyPr wrap="none" rtlCol="0">
-            <a:spAutoFit/>
-          </a:bodyPr>
-          <a:lstStyle/>
-          <a:p>
-            <a:r>
-              <a:rPr lang="en-SG" sz="1200" dirty="0" smtClean="0"/>
-              <a:t>yes</a:t>
-            </a:r>
-            <a:endParaRPr lang="en-SG" sz="1200" dirty="0"/>
-          </a:p>
-        </p:txBody>
-      </p:sp>
-      <p:sp>
-        <p:nvSpPr>
-          <p:cNvPr id="84" name="TextBox 83"/>
-          <p:cNvSpPr txBox="1"/>
-          <p:nvPr/>
-        </p:nvSpPr>
-        <p:spPr>
-          <a:xfrm>
-            <a:off x="9360817" y="5933155"/>
-            <a:ext cx="389594" cy="276999"/>
-          </a:xfrm>
-          <a:prstGeom prst="rect">
-            <a:avLst/>
-          </a:prstGeom>
-          <a:noFill/>
-        </p:spPr>
-        <p:txBody>
-          <a:bodyPr wrap="none" rtlCol="0">
-            <a:spAutoFit/>
-          </a:bodyPr>
-          <a:lstStyle/>
-          <a:p>
-            <a:r>
-              <a:rPr lang="en-SG" sz="1200" dirty="0" smtClean="0"/>
-              <a:t>yes</a:t>
-            </a:r>
-            <a:endParaRPr lang="en-SG" sz="1200" dirty="0"/>
-          </a:p>
-        </p:txBody>
-      </p:sp>
-      <p:sp>
-        <p:nvSpPr>
-          <p:cNvPr id="85" name="TextBox 84"/>
-          <p:cNvSpPr txBox="1"/>
-          <p:nvPr/>
-        </p:nvSpPr>
-        <p:spPr>
-          <a:xfrm>
-            <a:off x="7646095" y="5141067"/>
-            <a:ext cx="346570" cy="276999"/>
-          </a:xfrm>
-          <a:prstGeom prst="rect">
-            <a:avLst/>
-          </a:prstGeom>
-          <a:noFill/>
-        </p:spPr>
-        <p:txBody>
-          <a:bodyPr wrap="none" rtlCol="0">
-            <a:spAutoFit/>
-          </a:bodyPr>
-          <a:lstStyle/>
-          <a:p>
-            <a:r>
-              <a:rPr lang="en-SG" sz="1200" dirty="0" smtClean="0"/>
-              <a:t>no</a:t>
-            </a:r>
-            <a:endParaRPr lang="en-SG" sz="1200" dirty="0"/>
-          </a:p>
-        </p:txBody>
-      </p:sp>
-      <p:sp>
-        <p:nvSpPr>
-          <p:cNvPr id="2" name="TextBox 1"/>
-          <p:cNvSpPr txBox="1"/>
-          <p:nvPr/>
-        </p:nvSpPr>
-        <p:spPr>
-          <a:xfrm>
-            <a:off x="5400377" y="469533"/>
-            <a:ext cx="1553054" cy="646331"/>
-          </a:xfrm>
-          <a:prstGeom prst="rect">
-            <a:avLst/>
-          </a:prstGeom>
-          <a:noFill/>
-        </p:spPr>
-        <p:txBody>
-          <a:bodyPr wrap="none" rtlCol="0">
-            <a:spAutoFit/>
-          </a:bodyPr>
-          <a:lstStyle/>
-          <a:p>
-            <a:r>
-              <a:rPr lang="en-SG" sz="1200" dirty="0" err="1" smtClean="0"/>
-              <a:t>StartButton_Click</a:t>
-            </a:r>
-            <a:endParaRPr lang="en-SG" sz="1200" dirty="0" smtClean="0"/>
-          </a:p>
-          <a:p>
-            <a:r>
-              <a:rPr lang="en-SG" sz="1200" dirty="0" err="1"/>
-              <a:t>OptionsButton_Click</a:t>
-            </a:r>
-            <a:endParaRPr lang="en-SG" sz="1200" dirty="0" smtClean="0"/>
-          </a:p>
-          <a:p>
-            <a:r>
-              <a:rPr lang="en-SG" sz="1200" dirty="0" err="1" smtClean="0"/>
-              <a:t>MainWindow_Closing</a:t>
-            </a:r>
-            <a:endParaRPr lang="en-SG" sz="1200" dirty="0"/>
-          </a:p>
-        </p:txBody>
-      </p:sp>
-      <p:cxnSp>
-        <p:nvCxnSpPr>
-          <p:cNvPr id="7" name="Straight Arrow Connector 6"/>
-          <p:cNvCxnSpPr>
-            <a:stCxn id="22" idx="2"/>
-            <a:endCxn id="6" idx="0"/>
-          </p:cNvCxnSpPr>
-          <p:nvPr/>
-        </p:nvCxnSpPr>
-        <p:spPr>
-          <a:xfrm flipH="1">
-            <a:off x="6159089" y="1752903"/>
-            <a:ext cx="17337" cy="280787"/>
-          </a:xfrm>
-          <a:prstGeom prst="straightConnector1">
-            <a:avLst/>
-          </a:prstGeom>
-          <a:ln>
-            <a:solidFill>
-              <a:schemeClr val="tx1"/>
-            </a:solidFill>
-            <a:prstDash val="dash"/>
-            <a:tailEnd type="arrow"/>
-          </a:ln>
-        </p:spPr>
-        <p:style>
-          <a:lnRef idx="1">
-            <a:schemeClr val="accent1"/>
-          </a:lnRef>
-          <a:fillRef idx="0">
-            <a:schemeClr val="accent1"/>
-          </a:fillRef>
-          <a:effectRef idx="0">
-            <a:schemeClr val="accent1"/>
-          </a:effectRef>
-          <a:fontRef idx="minor">
-            <a:schemeClr val="tx1"/>
-          </a:fontRef>
-        </p:style>
-      </p:cxnSp>
-      <p:sp>
-        <p:nvSpPr>
-          <p:cNvPr id="47" name="TextBox 46"/>
-          <p:cNvSpPr txBox="1"/>
-          <p:nvPr/>
-        </p:nvSpPr>
-        <p:spPr>
-          <a:xfrm>
-            <a:off x="3240137" y="1302271"/>
-            <a:ext cx="2272482" cy="461665"/>
-          </a:xfrm>
-          <a:prstGeom prst="rect">
-            <a:avLst/>
-          </a:prstGeom>
-          <a:noFill/>
-        </p:spPr>
-        <p:txBody>
-          <a:bodyPr wrap="none" rtlCol="0">
-            <a:spAutoFit/>
-          </a:bodyPr>
-          <a:lstStyle/>
-          <a:p>
-            <a:r>
-              <a:rPr lang="en-SG" sz="1200" dirty="0" err="1" smtClean="0"/>
-              <a:t>NextStepButton_Click</a:t>
-            </a:r>
-            <a:endParaRPr lang="en-SG" sz="1200" dirty="0" smtClean="0"/>
-          </a:p>
-          <a:p>
-            <a:r>
-              <a:rPr lang="en-SG" sz="1200" dirty="0" err="1"/>
-              <a:t>mapControl_MouseLeftButtonUp</a:t>
-            </a:r>
-            <a:endParaRPr lang="en-SG" sz="1200" dirty="0"/>
-          </a:p>
-        </p:txBody>
-      </p:sp>
-      <p:cxnSp>
-        <p:nvCxnSpPr>
-          <p:cNvPr id="48" name="Straight Arrow Connector 47"/>
-          <p:cNvCxnSpPr>
-            <a:stCxn id="47" idx="2"/>
-          </p:cNvCxnSpPr>
-          <p:nvPr/>
-        </p:nvCxnSpPr>
-        <p:spPr>
-          <a:xfrm>
-            <a:off x="4376378" y="1763936"/>
-            <a:ext cx="117573" cy="917826"/>
-          </a:xfrm>
-          <a:prstGeom prst="straightConnector1">
-            <a:avLst/>
-          </a:prstGeom>
-          <a:ln>
-            <a:solidFill>
-              <a:schemeClr val="tx1"/>
-            </a:solidFill>
-            <a:prstDash val="dash"/>
-            <a:tailEnd type="arrow"/>
-          </a:ln>
-        </p:spPr>
-        <p:style>
-          <a:lnRef idx="1">
-            <a:schemeClr val="accent1"/>
-          </a:lnRef>
-          <a:fillRef idx="0">
-            <a:schemeClr val="accent1"/>
-          </a:fillRef>
-          <a:effectRef idx="0">
-            <a:schemeClr val="accent1"/>
-          </a:effectRef>
-          <a:fontRef idx="minor">
-            <a:schemeClr val="tx1"/>
-          </a:fontRef>
-        </p:style>
-      </p:cxnSp>
-      <p:sp>
-        <p:nvSpPr>
-          <p:cNvPr id="22" name="TextBox 21"/>
-          <p:cNvSpPr txBox="1"/>
-          <p:nvPr/>
-        </p:nvSpPr>
-        <p:spPr>
-          <a:xfrm>
-            <a:off x="5745692" y="1475904"/>
-            <a:ext cx="861468" cy="276999"/>
-          </a:xfrm>
-          <a:prstGeom prst="rect">
-            <a:avLst/>
-          </a:prstGeom>
-          <a:noFill/>
-          <a:ln>
-            <a:solidFill>
-              <a:schemeClr val="tx1"/>
-            </a:solidFill>
-          </a:ln>
-        </p:spPr>
-        <p:txBody>
-          <a:bodyPr wrap="square" rtlCol="0">
-            <a:spAutoFit/>
-          </a:bodyPr>
-          <a:lstStyle/>
-          <a:p>
-            <a:r>
-              <a:rPr lang="en-SG" sz="1200" dirty="0" smtClean="0"/>
-              <a:t>Stop Timer</a:t>
-            </a:r>
-            <a:endParaRPr lang="en-SG" sz="1200" dirty="0"/>
-          </a:p>
-        </p:txBody>
-      </p:sp>
-      <p:cxnSp>
-        <p:nvCxnSpPr>
-          <p:cNvPr id="26" name="Straight Arrow Connector 25"/>
-          <p:cNvCxnSpPr>
-            <a:stCxn id="2" idx="2"/>
-            <a:endCxn id="22" idx="0"/>
-          </p:cNvCxnSpPr>
-          <p:nvPr/>
-        </p:nvCxnSpPr>
-        <p:spPr>
-          <a:xfrm flipH="1">
-            <a:off x="6176426" y="1115864"/>
-            <a:ext cx="478" cy="360040"/>
-          </a:xfrm>
-          <a:prstGeom prst="straightConnector1">
-            <a:avLst/>
-          </a:prstGeom>
-          <a:ln>
-            <a:solidFill>
-              <a:schemeClr val="tx1"/>
-            </a:solidFill>
-            <a:tailEnd type="arrow"/>
-          </a:ln>
-        </p:spPr>
-        <p:style>
-          <a:lnRef idx="1">
-            <a:schemeClr val="accent1"/>
-          </a:lnRef>
-          <a:fillRef idx="0">
-            <a:schemeClr val="accent1"/>
-          </a:fillRef>
-          <a:effectRef idx="0">
-            <a:schemeClr val="accent1"/>
-          </a:effectRef>
-          <a:fontRef idx="minor">
-            <a:schemeClr val="tx1"/>
-          </a:fontRef>
-        </p:style>
-      </p:cxnSp>
-      <p:sp>
-        <p:nvSpPr>
-          <p:cNvPr id="61" name="TextBox 60"/>
-          <p:cNvSpPr txBox="1"/>
-          <p:nvPr/>
-        </p:nvSpPr>
-        <p:spPr>
-          <a:xfrm>
-            <a:off x="7493834" y="179760"/>
-            <a:ext cx="1387303" cy="276999"/>
-          </a:xfrm>
-          <a:prstGeom prst="rect">
-            <a:avLst/>
-          </a:prstGeom>
-          <a:noFill/>
-        </p:spPr>
-        <p:txBody>
-          <a:bodyPr wrap="none" rtlCol="0">
-            <a:spAutoFit/>
-          </a:bodyPr>
-          <a:lstStyle/>
-          <a:p>
-            <a:r>
-              <a:rPr lang="en-SG" sz="1200" dirty="0" err="1" smtClean="0"/>
-              <a:t>ReplayButton_Click</a:t>
-            </a:r>
-            <a:endParaRPr lang="en-SG" sz="1200" dirty="0" smtClean="0"/>
-          </a:p>
-        </p:txBody>
-      </p:sp>
-      <p:cxnSp>
-        <p:nvCxnSpPr>
-          <p:cNvPr id="63" name="Straight Arrow Connector 62"/>
-          <p:cNvCxnSpPr>
-            <a:stCxn id="75" idx="1"/>
-          </p:cNvCxnSpPr>
-          <p:nvPr/>
-        </p:nvCxnSpPr>
-        <p:spPr>
-          <a:xfrm flipH="1">
-            <a:off x="6696521" y="2391550"/>
-            <a:ext cx="914502" cy="0"/>
-          </a:xfrm>
-          <a:prstGeom prst="straightConnector1">
-            <a:avLst/>
-          </a:prstGeom>
-          <a:ln>
-            <a:solidFill>
-              <a:schemeClr val="tx1"/>
-            </a:solidFill>
-            <a:prstDash val="dash"/>
-            <a:tailEnd type="arrow"/>
-          </a:ln>
-        </p:spPr>
-        <p:style>
-          <a:lnRef idx="1">
-            <a:schemeClr val="accent1"/>
-          </a:lnRef>
-          <a:fillRef idx="0">
-            <a:schemeClr val="accent1"/>
-          </a:fillRef>
-          <a:effectRef idx="0">
-            <a:schemeClr val="accent1"/>
-          </a:effectRef>
-          <a:fontRef idx="minor">
-            <a:schemeClr val="tx1"/>
-          </a:fontRef>
-        </p:style>
-      </p:cxnSp>
-      <p:cxnSp>
-        <p:nvCxnSpPr>
-          <p:cNvPr id="67" name="Straight Arrow Connector 66"/>
-          <p:cNvCxnSpPr/>
-          <p:nvPr/>
-        </p:nvCxnSpPr>
-        <p:spPr>
-          <a:xfrm flipH="1">
-            <a:off x="8206909" y="456759"/>
-            <a:ext cx="5225" cy="242603"/>
-          </a:xfrm>
-          <a:prstGeom prst="straightConnector1">
-            <a:avLst/>
-          </a:prstGeom>
-          <a:ln>
-            <a:solidFill>
-              <a:schemeClr val="tx1"/>
-            </a:solidFill>
-            <a:tailEnd type="arrow"/>
-          </a:ln>
-        </p:spPr>
-        <p:style>
-          <a:lnRef idx="1">
-            <a:schemeClr val="accent1"/>
-          </a:lnRef>
-          <a:fillRef idx="0">
-            <a:schemeClr val="accent1"/>
-          </a:fillRef>
-          <a:effectRef idx="0">
-            <a:schemeClr val="accent1"/>
-          </a:effectRef>
-          <a:fontRef idx="minor">
-            <a:schemeClr val="tx1"/>
-          </a:fontRef>
-        </p:style>
-      </p:cxnSp>
-      <p:sp>
-        <p:nvSpPr>
-          <p:cNvPr id="71" name="Hexagon 70"/>
-          <p:cNvSpPr/>
-          <p:nvPr/>
-        </p:nvSpPr>
-        <p:spPr>
-          <a:xfrm>
-            <a:off x="7488609" y="699362"/>
-            <a:ext cx="1346550" cy="432048"/>
-          </a:xfrm>
-          <a:prstGeom prst="hexagon">
-            <a:avLst/>
-          </a:prstGeom>
-        </p:spPr>
-        <p:style>
-          <a:lnRef idx="1">
-            <a:schemeClr val="dk1"/>
-          </a:lnRef>
-          <a:fillRef idx="2">
-            <a:schemeClr val="dk1"/>
-          </a:fillRef>
-          <a:effectRef idx="1">
-            <a:schemeClr val="dk1"/>
-          </a:effectRef>
-          <a:fontRef idx="minor">
-            <a:schemeClr val="dk1"/>
-          </a:fontRef>
-        </p:style>
-        <p:txBody>
-          <a:bodyPr rtlCol="0" anchor="ctr"/>
-          <a:lstStyle/>
-          <a:p>
-            <a:pPr algn="ctr"/>
-            <a:r>
-              <a:rPr lang="en-SG" sz="1200" dirty="0" smtClean="0"/>
-              <a:t>Is GUI Player active ?</a:t>
-            </a:r>
-            <a:endParaRPr lang="en-SG" sz="1200" dirty="0"/>
-          </a:p>
-        </p:txBody>
-      </p:sp>
-      <p:sp>
-        <p:nvSpPr>
-          <p:cNvPr id="73" name="Hexagon 72"/>
-          <p:cNvSpPr/>
-          <p:nvPr/>
-        </p:nvSpPr>
-        <p:spPr>
-          <a:xfrm>
-            <a:off x="7488609" y="1491450"/>
-            <a:ext cx="1346550" cy="432048"/>
-          </a:xfrm>
-          <a:prstGeom prst="hexagon">
-            <a:avLst/>
-          </a:prstGeom>
-        </p:spPr>
-        <p:style>
-          <a:lnRef idx="1">
-            <a:schemeClr val="dk1"/>
-          </a:lnRef>
-          <a:fillRef idx="2">
-            <a:schemeClr val="dk1"/>
-          </a:fillRef>
-          <a:effectRef idx="1">
-            <a:schemeClr val="dk1"/>
-          </a:effectRef>
-          <a:fontRef idx="minor">
-            <a:schemeClr val="dk1"/>
-          </a:fontRef>
-        </p:style>
-        <p:txBody>
-          <a:bodyPr rtlCol="0" anchor="ctr"/>
-          <a:lstStyle/>
-          <a:p>
-            <a:pPr algn="ctr"/>
-            <a:r>
-              <a:rPr lang="en-SG" sz="1200" dirty="0" smtClean="0"/>
-              <a:t>Is </a:t>
-            </a:r>
-            <a:r>
-              <a:rPr lang="en-SG" sz="1200" dirty="0" err="1" smtClean="0"/>
-              <a:t>autoplay</a:t>
-            </a:r>
-            <a:r>
-              <a:rPr lang="en-SG" sz="1200" dirty="0" smtClean="0"/>
-              <a:t> selected ?</a:t>
-            </a:r>
-            <a:endParaRPr lang="en-SG" sz="1200" dirty="0"/>
-          </a:p>
-        </p:txBody>
-      </p:sp>
-      <p:cxnSp>
-        <p:nvCxnSpPr>
-          <p:cNvPr id="74" name="Straight Arrow Connector 73"/>
-          <p:cNvCxnSpPr/>
-          <p:nvPr/>
-        </p:nvCxnSpPr>
-        <p:spPr>
-          <a:xfrm>
-            <a:off x="8161884" y="1131410"/>
-            <a:ext cx="0" cy="360040"/>
-          </a:xfrm>
-          <a:prstGeom prst="straightConnector1">
-            <a:avLst/>
-          </a:prstGeom>
-          <a:ln>
-            <a:solidFill>
-              <a:schemeClr val="tx1"/>
-            </a:solidFill>
-            <a:tailEnd type="arrow"/>
-          </a:ln>
-        </p:spPr>
-        <p:style>
-          <a:lnRef idx="1">
-            <a:schemeClr val="dk1"/>
-          </a:lnRef>
-          <a:fillRef idx="2">
-            <a:schemeClr val="dk1"/>
-          </a:fillRef>
-          <a:effectRef idx="1">
-            <a:schemeClr val="dk1"/>
-          </a:effectRef>
-          <a:fontRef idx="minor">
-            <a:schemeClr val="dk1"/>
-          </a:fontRef>
-        </p:style>
-      </p:cxnSp>
-      <p:sp>
-        <p:nvSpPr>
-          <p:cNvPr id="75" name="Rectangle 74"/>
-          <p:cNvSpPr/>
-          <p:nvPr/>
-        </p:nvSpPr>
-        <p:spPr>
-          <a:xfrm>
-            <a:off x="7611023" y="2211530"/>
-            <a:ext cx="1008112" cy="360040"/>
-          </a:xfrm>
-          <a:prstGeom prst="rect">
-            <a:avLst/>
-          </a:prstGeom>
-        </p:spPr>
-        <p:style>
-          <a:lnRef idx="1">
-            <a:schemeClr val="dk1"/>
-          </a:lnRef>
-          <a:fillRef idx="2">
-            <a:schemeClr val="dk1"/>
-          </a:fillRef>
-          <a:effectRef idx="1">
-            <a:schemeClr val="dk1"/>
-          </a:effectRef>
-          <a:fontRef idx="minor">
-            <a:schemeClr val="dk1"/>
-          </a:fontRef>
-        </p:style>
-        <p:txBody>
-          <a:bodyPr rtlCol="0" anchor="ctr"/>
-          <a:lstStyle/>
-          <a:p>
-            <a:pPr algn="ctr"/>
-            <a:r>
-              <a:rPr lang="en-SG" sz="1200" dirty="0" smtClean="0"/>
-              <a:t>Start Timer</a:t>
-            </a:r>
-            <a:endParaRPr lang="en-SG" sz="1200" dirty="0"/>
-          </a:p>
-        </p:txBody>
-      </p:sp>
-      <p:cxnSp>
-        <p:nvCxnSpPr>
-          <p:cNvPr id="77" name="Straight Arrow Connector 76"/>
-          <p:cNvCxnSpPr>
-            <a:endCxn id="75" idx="0"/>
-          </p:cNvCxnSpPr>
-          <p:nvPr/>
-        </p:nvCxnSpPr>
-        <p:spPr>
-          <a:xfrm>
-            <a:off x="8115079" y="1923498"/>
-            <a:ext cx="0" cy="288032"/>
-          </a:xfrm>
-          <a:prstGeom prst="straightConnector1">
-            <a:avLst/>
-          </a:prstGeom>
-          <a:ln>
-            <a:solidFill>
-              <a:schemeClr val="tx1"/>
-            </a:solidFill>
-            <a:tailEnd type="arrow"/>
-          </a:ln>
-        </p:spPr>
-        <p:style>
-          <a:lnRef idx="1">
-            <a:schemeClr val="dk1"/>
-          </a:lnRef>
-          <a:fillRef idx="2">
-            <a:schemeClr val="dk1"/>
-          </a:fillRef>
-          <a:effectRef idx="1">
-            <a:schemeClr val="dk1"/>
-          </a:effectRef>
-          <a:fontRef idx="minor">
-            <a:schemeClr val="dk1"/>
-          </a:fontRef>
-        </p:style>
-      </p:cxnSp>
-      <p:sp>
-        <p:nvSpPr>
-          <p:cNvPr id="78" name="TextBox 77"/>
-          <p:cNvSpPr txBox="1"/>
-          <p:nvPr/>
-        </p:nvSpPr>
-        <p:spPr>
-          <a:xfrm>
-            <a:off x="8154905" y="1934531"/>
-            <a:ext cx="389594" cy="276999"/>
-          </a:xfrm>
-          <a:prstGeom prst="rect">
-            <a:avLst/>
-          </a:prstGeom>
-          <a:noFill/>
-        </p:spPr>
-        <p:txBody>
-          <a:bodyPr wrap="none" rtlCol="0">
-            <a:spAutoFit/>
-          </a:bodyPr>
-          <a:lstStyle/>
-          <a:p>
-            <a:r>
-              <a:rPr lang="en-SG" sz="1200" dirty="0" smtClean="0"/>
-              <a:t>yes</a:t>
-            </a:r>
-            <a:endParaRPr lang="en-SG" sz="1200" dirty="0"/>
-          </a:p>
-        </p:txBody>
-      </p:sp>
-      <p:sp>
-        <p:nvSpPr>
-          <p:cNvPr id="81" name="TextBox 80"/>
-          <p:cNvSpPr txBox="1"/>
-          <p:nvPr/>
-        </p:nvSpPr>
-        <p:spPr>
-          <a:xfrm>
-            <a:off x="8125921" y="1142443"/>
-            <a:ext cx="346570" cy="276999"/>
-          </a:xfrm>
-          <a:prstGeom prst="rect">
-            <a:avLst/>
-          </a:prstGeom>
-          <a:noFill/>
-        </p:spPr>
-        <p:txBody>
-          <a:bodyPr wrap="none" rtlCol="0">
-            <a:spAutoFit/>
-          </a:bodyPr>
-          <a:lstStyle/>
-          <a:p>
-            <a:r>
-              <a:rPr lang="en-SG" sz="1200" dirty="0" smtClean="0"/>
-              <a:t>no</a:t>
-            </a:r>
-            <a:endParaRPr lang="en-SG" sz="1200" dirty="0"/>
-          </a:p>
-        </p:txBody>
-      </p:sp>
-    </p:spTree>
-    <p:extLst>
-      <p:ext uri="{BB962C8B-B14F-4D97-AF65-F5344CB8AC3E}">
-        <p14:creationId xmlns:p14="http://schemas.microsoft.com/office/powerpoint/2010/main" val="1135343806"/>
-      </p:ext>
-    </p:extLst>
-  </p:cSld>
-  <p:clrMapOvr>
-    <a:masterClrMapping/>
-  </p:clrMapOvr>
-</p:sld>
-</file>
-
-<file path=ppt/slides/slide9.xml><?xml version="1.0" encoding="utf-8"?>
-<p:sld xmlns:a="http://schemas.openxmlformats.org/drawingml/2006/main" xmlns:r="http://schemas.openxmlformats.org/officeDocument/2006/relationships" xmlns:p="http://schemas.openxmlformats.org/presentationml/2006/main">
-  <p:cSld>
-    <p:spTree>
-      <p:nvGrpSpPr>
-        <p:cNvPr id="1" name=""/>
-        <p:cNvGrpSpPr/>
-        <p:nvPr/>
-      </p:nvGrpSpPr>
-      <p:grpSpPr>
-        <a:xfrm>
-          <a:off x="0" y="0"/>
-          <a:ext cx="0" cy="0"/>
-          <a:chOff x="0" y="0"/>
-          <a:chExt cx="0" cy="0"/>
-        </a:xfrm>
-      </p:grpSpPr>
-      <p:sp>
-        <p:nvSpPr>
-          <p:cNvPr id="4" name="Rectangle 3"/>
-          <p:cNvSpPr/>
-          <p:nvPr/>
-        </p:nvSpPr>
-        <p:spPr>
-          <a:xfrm>
-            <a:off x="71785" y="60329"/>
-            <a:ext cx="2671875" cy="388146"/>
-          </a:xfrm>
-          <a:prstGeom prst="rect">
-            <a:avLst/>
-          </a:prstGeom>
-        </p:spPr>
-        <p:txBody>
-          <a:bodyPr wrap="none" lIns="140552" tIns="70276" rIns="140552" bIns="70276">
-            <a:spAutoFit/>
-          </a:bodyPr>
-          <a:lstStyle/>
-          <a:p>
-            <a:r>
-              <a:rPr lang="en-SG" sz="1600" b="1" dirty="0" err="1"/>
-              <a:t>MapFinishedOverlayControl</a:t>
-            </a:r>
-            <a:endParaRPr lang="en-SG" sz="1600" b="1" dirty="0"/>
-          </a:p>
-        </p:txBody>
-      </p:sp>
-      <p:sp>
-        <p:nvSpPr>
-          <p:cNvPr id="5" name="Rectangle 4"/>
-          <p:cNvSpPr/>
-          <p:nvPr/>
-        </p:nvSpPr>
-        <p:spPr>
-          <a:xfrm>
-            <a:off x="431825" y="899840"/>
-            <a:ext cx="12025336" cy="6408712"/>
-          </a:xfrm>
-          <a:prstGeom prst="rect">
-            <a:avLst/>
-          </a:prstGeom>
-        </p:spPr>
-        <p:style>
-          <a:lnRef idx="1">
-            <a:schemeClr val="dk1"/>
-          </a:lnRef>
-          <a:fillRef idx="2">
-            <a:schemeClr val="dk1"/>
-          </a:fillRef>
-          <a:effectRef idx="1">
-            <a:schemeClr val="dk1"/>
-          </a:effectRef>
-          <a:fontRef idx="minor">
-            <a:schemeClr val="dk1"/>
-          </a:fontRef>
-        </p:style>
-        <p:txBody>
-          <a:bodyPr rtlCol="0" anchor="t"/>
-          <a:lstStyle/>
-          <a:p>
-            <a:r>
-              <a:rPr lang="en-SG" sz="1200" dirty="0" err="1" smtClean="0"/>
-              <a:t>MapFinishedOverlayControl</a:t>
-            </a:r>
-            <a:r>
-              <a:rPr lang="en-SG" sz="1200" dirty="0" smtClean="0"/>
-              <a:t>: Canvas</a:t>
-            </a:r>
-            <a:endParaRPr lang="en-SG" sz="1200" dirty="0"/>
-          </a:p>
-        </p:txBody>
-      </p:sp>
-      <p:sp>
-        <p:nvSpPr>
-          <p:cNvPr id="7" name="Oval 6"/>
-          <p:cNvSpPr/>
-          <p:nvPr/>
-        </p:nvSpPr>
-        <p:spPr>
-          <a:xfrm>
-            <a:off x="4464273" y="2195984"/>
-            <a:ext cx="3960440" cy="4104456"/>
-          </a:xfrm>
-          <a:prstGeom prst="ellipse">
-            <a:avLst/>
-          </a:prstGeom>
-          <a:solidFill>
-            <a:schemeClr val="bg1">
-              <a:lumMod val="95000"/>
-            </a:schemeClr>
-          </a:solidFill>
-        </p:spPr>
-        <p:style>
-          <a:lnRef idx="2">
-            <a:schemeClr val="accent1">
-              <a:shade val="50000"/>
-            </a:schemeClr>
-          </a:lnRef>
-          <a:fillRef idx="1">
-            <a:schemeClr val="accent1"/>
-          </a:fillRef>
-          <a:effectRef idx="0">
-            <a:schemeClr val="accent1"/>
-          </a:effectRef>
-          <a:fontRef idx="minor">
-            <a:schemeClr val="lt1"/>
-          </a:fontRef>
-        </p:style>
-        <p:txBody>
-          <a:bodyPr rtlCol="0" anchor="t"/>
+          <a:bodyPr rtlCol="0" anchor="b"/>
           <a:lstStyle/>
           <a:p>
             <a:pPr algn="ctr"/>
@@ -10433,8 +10539,8 @@
         </p:nvSpPr>
         <p:spPr>
           <a:xfrm>
-            <a:off x="4752305" y="2772048"/>
-            <a:ext cx="3215137" cy="1584176"/>
+            <a:off x="4752305" y="2340000"/>
+            <a:ext cx="3215137" cy="1224136"/>
           </a:xfrm>
           <a:prstGeom prst="rect">
             <a:avLst/>
@@ -10511,7 +10617,7 @@
         </p:nvSpPr>
         <p:spPr>
           <a:xfrm>
-            <a:off x="4800920" y="3276104"/>
+            <a:off x="5427089" y="2772048"/>
             <a:ext cx="875048" cy="523220"/>
           </a:xfrm>
           <a:prstGeom prst="rect">
@@ -10545,10 +10651,10 @@
           </a:p>
           <a:p>
             <a:r>
-              <a:rPr lang="en-SG" sz="1400" dirty="0" err="1" smtClean="0"/>
+              <a:rPr lang="en-SG" sz="1400" i="1" dirty="0" err="1" smtClean="0"/>
               <a:t>TextBlock</a:t>
             </a:r>
-            <a:endParaRPr lang="en-SG" sz="1400" dirty="0"/>
+            <a:endParaRPr lang="en-SG" sz="1400" i="1" dirty="0"/>
           </a:p>
         </p:txBody>
       </p:sp>
@@ -10560,7 +10666,7 @@
         </p:nvSpPr>
         <p:spPr>
           <a:xfrm>
-            <a:off x="6359873" y="3276104"/>
+            <a:off x="6469545" y="2772048"/>
             <a:ext cx="875048" cy="523220"/>
           </a:xfrm>
           <a:prstGeom prst="rect">
@@ -10594,10 +10700,10 @@
           </a:p>
           <a:p>
             <a:r>
-              <a:rPr lang="en-SG" sz="1400" dirty="0" err="1" smtClean="0"/>
+              <a:rPr lang="en-SG" sz="1400" i="1" dirty="0" err="1" smtClean="0"/>
               <a:t>TextBlock</a:t>
             </a:r>
-            <a:endParaRPr lang="en-SG" sz="1400" dirty="0"/>
+            <a:endParaRPr lang="en-SG" sz="1400" i="1" dirty="0"/>
           </a:p>
         </p:txBody>
       </p:sp>
@@ -10611,6 +10717,13 @@
   <p:clrMapOvr>
     <a:masterClrMapping/>
   </p:clrMapOvr>
+  <p:timing>
+    <p:tnLst>
+      <p:par>
+        <p:cTn id="1" dur="indefinite" restart="never" nodeType="tmRoot"/>
+      </p:par>
+    </p:tnLst>
+  </p:timing>
 </p:sld>
 </file>
 

--- a/Design.pptx
+++ b/Design.pptx
@@ -11,8 +11,9 @@
     <p:sldId id="260" r:id="rId5"/>
     <p:sldId id="263" r:id="rId6"/>
     <p:sldId id="257" r:id="rId7"/>
-    <p:sldId id="258" r:id="rId8"/>
-    <p:sldId id="262" r:id="rId9"/>
+    <p:sldId id="265" r:id="rId8"/>
+    <p:sldId id="258" r:id="rId9"/>
+    <p:sldId id="262" r:id="rId10"/>
   </p:sldIdLst>
   <p:sldSz cx="13681075" cy="8280400"/>
   <p:notesSz cx="6858000" cy="9144000"/>
@@ -295,7 +296,7 @@
           <a:p>
             <a:fld id="{B1A6C896-786E-40CB-ABF2-E7ECB1B703CB}" type="datetimeFigureOut">
               <a:rPr lang="en-SG" smtClean="0"/>
-              <a:t>4/2/2022</a:t>
+              <a:t>14/6/2022</a:t>
             </a:fld>
             <a:endParaRPr lang="en-SG"/>
           </a:p>
@@ -465,7 +466,7 @@
           <a:p>
             <a:fld id="{B1A6C896-786E-40CB-ABF2-E7ECB1B703CB}" type="datetimeFigureOut">
               <a:rPr lang="en-SG" smtClean="0"/>
-              <a:t>4/2/2022</a:t>
+              <a:t>14/6/2022</a:t>
             </a:fld>
             <a:endParaRPr lang="en-SG"/>
           </a:p>
@@ -645,7 +646,7 @@
           <a:p>
             <a:fld id="{B1A6C896-786E-40CB-ABF2-E7ECB1B703CB}" type="datetimeFigureOut">
               <a:rPr lang="en-SG" smtClean="0"/>
-              <a:t>4/2/2022</a:t>
+              <a:t>14/6/2022</a:t>
             </a:fld>
             <a:endParaRPr lang="en-SG"/>
           </a:p>
@@ -815,7 +816,7 @@
           <a:p>
             <a:fld id="{B1A6C896-786E-40CB-ABF2-E7ECB1B703CB}" type="datetimeFigureOut">
               <a:rPr lang="en-SG" smtClean="0"/>
-              <a:t>4/2/2022</a:t>
+              <a:t>14/6/2022</a:t>
             </a:fld>
             <a:endParaRPr lang="en-SG"/>
           </a:p>
@@ -1061,7 +1062,7 @@
           <a:p>
             <a:fld id="{B1A6C896-786E-40CB-ABF2-E7ECB1B703CB}" type="datetimeFigureOut">
               <a:rPr lang="en-SG" smtClean="0"/>
-              <a:t>4/2/2022</a:t>
+              <a:t>14/6/2022</a:t>
             </a:fld>
             <a:endParaRPr lang="en-SG"/>
           </a:p>
@@ -1349,7 +1350,7 @@
           <a:p>
             <a:fld id="{B1A6C896-786E-40CB-ABF2-E7ECB1B703CB}" type="datetimeFigureOut">
               <a:rPr lang="en-SG" smtClean="0"/>
-              <a:t>4/2/2022</a:t>
+              <a:t>14/6/2022</a:t>
             </a:fld>
             <a:endParaRPr lang="en-SG"/>
           </a:p>
@@ -1776,7 +1777,7 @@
           <a:p>
             <a:fld id="{B1A6C896-786E-40CB-ABF2-E7ECB1B703CB}" type="datetimeFigureOut">
               <a:rPr lang="en-SG" smtClean="0"/>
-              <a:t>4/2/2022</a:t>
+              <a:t>14/6/2022</a:t>
             </a:fld>
             <a:endParaRPr lang="en-SG"/>
           </a:p>
@@ -1894,7 +1895,7 @@
           <a:p>
             <a:fld id="{B1A6C896-786E-40CB-ABF2-E7ECB1B703CB}" type="datetimeFigureOut">
               <a:rPr lang="en-SG" smtClean="0"/>
-              <a:t>4/2/2022</a:t>
+              <a:t>14/6/2022</a:t>
             </a:fld>
             <a:endParaRPr lang="en-SG"/>
           </a:p>
@@ -1989,7 +1990,7 @@
           <a:p>
             <a:fld id="{B1A6C896-786E-40CB-ABF2-E7ECB1B703CB}" type="datetimeFigureOut">
               <a:rPr lang="en-SG" smtClean="0"/>
-              <a:t>4/2/2022</a:t>
+              <a:t>14/6/2022</a:t>
             </a:fld>
             <a:endParaRPr lang="en-SG"/>
           </a:p>
@@ -2266,7 +2267,7 @@
           <a:p>
             <a:fld id="{B1A6C896-786E-40CB-ABF2-E7ECB1B703CB}" type="datetimeFigureOut">
               <a:rPr lang="en-SG" smtClean="0"/>
-              <a:t>4/2/2022</a:t>
+              <a:t>14/6/2022</a:t>
             </a:fld>
             <a:endParaRPr lang="en-SG"/>
           </a:p>
@@ -2519,7 +2520,7 @@
           <a:p>
             <a:fld id="{B1A6C896-786E-40CB-ABF2-E7ECB1B703CB}" type="datetimeFigureOut">
               <a:rPr lang="en-SG" smtClean="0"/>
-              <a:t>4/2/2022</a:t>
+              <a:t>14/6/2022</a:t>
             </a:fld>
             <a:endParaRPr lang="en-SG"/>
           </a:p>
@@ -2732,7 +2733,7 @@
           <a:p>
             <a:fld id="{B1A6C896-786E-40CB-ABF2-E7ECB1B703CB}" type="datetimeFigureOut">
               <a:rPr lang="en-SG" smtClean="0"/>
-              <a:t>4/2/2022</a:t>
+              <a:t>14/6/2022</a:t>
             </a:fld>
             <a:endParaRPr lang="en-SG"/>
           </a:p>
@@ -10309,6 +10310,2031 @@
           <a:chExt cx="0" cy="0"/>
         </a:xfrm>
       </p:grpSpPr>
+      <p:sp>
+        <p:nvSpPr>
+          <p:cNvPr id="4" name="Rectangle 3"/>
+          <p:cNvSpPr/>
+          <p:nvPr/>
+        </p:nvSpPr>
+        <p:spPr>
+          <a:xfrm>
+            <a:off x="71785" y="60329"/>
+            <a:ext cx="3061084" cy="572812"/>
+          </a:xfrm>
+          <a:prstGeom prst="rect">
+            <a:avLst/>
+          </a:prstGeom>
+        </p:spPr>
+        <p:txBody>
+          <a:bodyPr wrap="none" lIns="140552" tIns="70276" rIns="140552" bIns="70276">
+            <a:spAutoFit/>
+          </a:bodyPr>
+          <a:lstStyle/>
+          <a:p>
+            <a:r>
+              <a:rPr lang="en-SG" b="1" dirty="0" err="1" smtClean="0"/>
+              <a:t>Centers</a:t>
+            </a:r>
+            <a:r>
+              <a:rPr lang="en-SG" b="1" dirty="0" smtClean="0"/>
+              <a:t> of Clusters</a:t>
+            </a:r>
+            <a:endParaRPr lang="en-SG" b="1" dirty="0"/>
+          </a:p>
+        </p:txBody>
+      </p:sp>
+      <p:sp>
+        <p:nvSpPr>
+          <p:cNvPr id="16" name="Rectangle 15"/>
+          <p:cNvSpPr/>
+          <p:nvPr/>
+        </p:nvSpPr>
+        <p:spPr>
+          <a:xfrm>
+            <a:off x="1799837" y="1259800"/>
+            <a:ext cx="1440179" cy="720090"/>
+          </a:xfrm>
+          <a:prstGeom prst="rect">
+            <a:avLst/>
+          </a:prstGeom>
+          <a:solidFill>
+            <a:schemeClr val="bg1"/>
+          </a:solidFill>
+          <a:ln>
+            <a:solidFill>
+              <a:schemeClr val="bg1">
+                <a:lumMod val="50000"/>
+              </a:schemeClr>
+            </a:solidFill>
+          </a:ln>
+        </p:spPr>
+        <p:style>
+          <a:lnRef idx="2">
+            <a:schemeClr val="accent1">
+              <a:shade val="50000"/>
+            </a:schemeClr>
+          </a:lnRef>
+          <a:fillRef idx="1">
+            <a:schemeClr val="accent1"/>
+          </a:fillRef>
+          <a:effectRef idx="0">
+            <a:schemeClr val="accent1"/>
+          </a:effectRef>
+          <a:fontRef idx="minor">
+            <a:schemeClr val="lt1"/>
+          </a:fontRef>
+        </p:style>
+        <p:txBody>
+          <a:bodyPr rtlCol="0" anchor="ctr"/>
+          <a:lstStyle/>
+          <a:p>
+            <a:pPr algn="ctr"/>
+            <a:endParaRPr lang="en-SG"/>
+          </a:p>
+        </p:txBody>
+      </p:sp>
+      <p:grpSp>
+        <p:nvGrpSpPr>
+          <p:cNvPr id="17" name="Group 16"/>
+          <p:cNvGrpSpPr/>
+          <p:nvPr/>
+        </p:nvGrpSpPr>
+        <p:grpSpPr>
+          <a:xfrm>
+            <a:off x="2478299" y="1585450"/>
+            <a:ext cx="72010" cy="72010"/>
+            <a:chOff x="2478369" y="2305580"/>
+            <a:chExt cx="72010" cy="72010"/>
+          </a:xfrm>
+          <a:solidFill>
+            <a:schemeClr val="bg1"/>
+          </a:solidFill>
+        </p:grpSpPr>
+        <p:cxnSp>
+          <p:nvCxnSpPr>
+            <p:cNvPr id="18" name="Straight Connector 17"/>
+            <p:cNvCxnSpPr/>
+            <p:nvPr/>
+          </p:nvCxnSpPr>
+          <p:spPr>
+            <a:xfrm>
+              <a:off x="2516009" y="2305580"/>
+              <a:ext cx="1" cy="72010"/>
+            </a:xfrm>
+            <a:prstGeom prst="line">
+              <a:avLst/>
+            </a:prstGeom>
+            <a:grpFill/>
+            <a:ln w="19050"/>
+          </p:spPr>
+          <p:style>
+            <a:lnRef idx="1">
+              <a:schemeClr val="accent1"/>
+            </a:lnRef>
+            <a:fillRef idx="0">
+              <a:schemeClr val="accent1"/>
+            </a:fillRef>
+            <a:effectRef idx="0">
+              <a:schemeClr val="accent1"/>
+            </a:effectRef>
+            <a:fontRef idx="minor">
+              <a:schemeClr val="tx1"/>
+            </a:fontRef>
+          </p:style>
+        </p:cxnSp>
+        <p:cxnSp>
+          <p:nvCxnSpPr>
+            <p:cNvPr id="19" name="Straight Connector 18"/>
+            <p:cNvCxnSpPr/>
+            <p:nvPr/>
+          </p:nvCxnSpPr>
+          <p:spPr>
+            <a:xfrm>
+              <a:off x="2478369" y="2340932"/>
+              <a:ext cx="72010" cy="0"/>
+            </a:xfrm>
+            <a:prstGeom prst="line">
+              <a:avLst/>
+            </a:prstGeom>
+            <a:grpFill/>
+            <a:ln w="19050"/>
+          </p:spPr>
+          <p:style>
+            <a:lnRef idx="1">
+              <a:schemeClr val="accent1"/>
+            </a:lnRef>
+            <a:fillRef idx="0">
+              <a:schemeClr val="accent1"/>
+            </a:fillRef>
+            <a:effectRef idx="0">
+              <a:schemeClr val="accent1"/>
+            </a:effectRef>
+            <a:fontRef idx="minor">
+              <a:schemeClr val="tx1"/>
+            </a:fontRef>
+          </p:style>
+        </p:cxnSp>
+      </p:grpSp>
+      <p:sp>
+        <p:nvSpPr>
+          <p:cNvPr id="20" name="Rectangle 19"/>
+          <p:cNvSpPr/>
+          <p:nvPr/>
+        </p:nvSpPr>
+        <p:spPr>
+          <a:xfrm>
+            <a:off x="1799767" y="2700010"/>
+            <a:ext cx="1440179" cy="720090"/>
+          </a:xfrm>
+          <a:prstGeom prst="rect">
+            <a:avLst/>
+          </a:prstGeom>
+          <a:solidFill>
+            <a:schemeClr val="bg1"/>
+          </a:solidFill>
+          <a:ln>
+            <a:solidFill>
+              <a:schemeClr val="bg1">
+                <a:lumMod val="50000"/>
+              </a:schemeClr>
+            </a:solidFill>
+          </a:ln>
+        </p:spPr>
+        <p:style>
+          <a:lnRef idx="2">
+            <a:schemeClr val="accent1">
+              <a:shade val="50000"/>
+            </a:schemeClr>
+          </a:lnRef>
+          <a:fillRef idx="1">
+            <a:schemeClr val="accent1"/>
+          </a:fillRef>
+          <a:effectRef idx="0">
+            <a:schemeClr val="accent1"/>
+          </a:effectRef>
+          <a:fontRef idx="minor">
+            <a:schemeClr val="lt1"/>
+          </a:fontRef>
+        </p:style>
+        <p:txBody>
+          <a:bodyPr rtlCol="0" anchor="ctr"/>
+          <a:lstStyle/>
+          <a:p>
+            <a:pPr algn="ctr"/>
+            <a:endParaRPr lang="en-SG"/>
+          </a:p>
+        </p:txBody>
+      </p:sp>
+      <p:grpSp>
+        <p:nvGrpSpPr>
+          <p:cNvPr id="21" name="Group 20"/>
+          <p:cNvGrpSpPr/>
+          <p:nvPr/>
+        </p:nvGrpSpPr>
+        <p:grpSpPr>
+          <a:xfrm>
+            <a:off x="2478229" y="3025660"/>
+            <a:ext cx="72010" cy="72010"/>
+            <a:chOff x="2478369" y="2305580"/>
+            <a:chExt cx="72010" cy="72010"/>
+          </a:xfrm>
+          <a:solidFill>
+            <a:schemeClr val="bg1"/>
+          </a:solidFill>
+        </p:grpSpPr>
+        <p:cxnSp>
+          <p:nvCxnSpPr>
+            <p:cNvPr id="22" name="Straight Connector 21"/>
+            <p:cNvCxnSpPr/>
+            <p:nvPr/>
+          </p:nvCxnSpPr>
+          <p:spPr>
+            <a:xfrm>
+              <a:off x="2516009" y="2305580"/>
+              <a:ext cx="1" cy="72010"/>
+            </a:xfrm>
+            <a:prstGeom prst="line">
+              <a:avLst/>
+            </a:prstGeom>
+            <a:grpFill/>
+            <a:ln w="19050"/>
+          </p:spPr>
+          <p:style>
+            <a:lnRef idx="1">
+              <a:schemeClr val="accent1"/>
+            </a:lnRef>
+            <a:fillRef idx="0">
+              <a:schemeClr val="accent1"/>
+            </a:fillRef>
+            <a:effectRef idx="0">
+              <a:schemeClr val="accent1"/>
+            </a:effectRef>
+            <a:fontRef idx="minor">
+              <a:schemeClr val="tx1"/>
+            </a:fontRef>
+          </p:style>
+        </p:cxnSp>
+        <p:cxnSp>
+          <p:nvCxnSpPr>
+            <p:cNvPr id="23" name="Straight Connector 22"/>
+            <p:cNvCxnSpPr/>
+            <p:nvPr/>
+          </p:nvCxnSpPr>
+          <p:spPr>
+            <a:xfrm>
+              <a:off x="2478369" y="2340932"/>
+              <a:ext cx="72010" cy="0"/>
+            </a:xfrm>
+            <a:prstGeom prst="line">
+              <a:avLst/>
+            </a:prstGeom>
+            <a:grpFill/>
+            <a:ln w="19050"/>
+          </p:spPr>
+          <p:style>
+            <a:lnRef idx="1">
+              <a:schemeClr val="accent1"/>
+            </a:lnRef>
+            <a:fillRef idx="0">
+              <a:schemeClr val="accent1"/>
+            </a:fillRef>
+            <a:effectRef idx="0">
+              <a:schemeClr val="accent1"/>
+            </a:effectRef>
+            <a:fontRef idx="minor">
+              <a:schemeClr val="tx1"/>
+            </a:fontRef>
+          </p:style>
+        </p:cxnSp>
+      </p:grpSp>
+      <p:sp>
+        <p:nvSpPr>
+          <p:cNvPr id="24" name="Rectangle 23"/>
+          <p:cNvSpPr/>
+          <p:nvPr/>
+        </p:nvSpPr>
+        <p:spPr>
+          <a:xfrm>
+            <a:off x="3240058" y="1979900"/>
+            <a:ext cx="1440179" cy="720090"/>
+          </a:xfrm>
+          <a:prstGeom prst="rect">
+            <a:avLst/>
+          </a:prstGeom>
+          <a:solidFill>
+            <a:schemeClr val="bg1"/>
+          </a:solidFill>
+          <a:ln>
+            <a:solidFill>
+              <a:schemeClr val="bg1">
+                <a:lumMod val="50000"/>
+              </a:schemeClr>
+            </a:solidFill>
+          </a:ln>
+        </p:spPr>
+        <p:style>
+          <a:lnRef idx="2">
+            <a:schemeClr val="accent1">
+              <a:shade val="50000"/>
+            </a:schemeClr>
+          </a:lnRef>
+          <a:fillRef idx="1">
+            <a:schemeClr val="accent1"/>
+          </a:fillRef>
+          <a:effectRef idx="0">
+            <a:schemeClr val="accent1"/>
+          </a:effectRef>
+          <a:fontRef idx="minor">
+            <a:schemeClr val="lt1"/>
+          </a:fontRef>
+        </p:style>
+        <p:txBody>
+          <a:bodyPr rtlCol="0" anchor="ctr"/>
+          <a:lstStyle/>
+          <a:p>
+            <a:pPr algn="ctr"/>
+            <a:endParaRPr lang="en-SG"/>
+          </a:p>
+        </p:txBody>
+      </p:sp>
+      <p:grpSp>
+        <p:nvGrpSpPr>
+          <p:cNvPr id="25" name="Group 24"/>
+          <p:cNvGrpSpPr/>
+          <p:nvPr/>
+        </p:nvGrpSpPr>
+        <p:grpSpPr>
+          <a:xfrm>
+            <a:off x="3918520" y="2305550"/>
+            <a:ext cx="72010" cy="72010"/>
+            <a:chOff x="2478369" y="2305580"/>
+            <a:chExt cx="72010" cy="72010"/>
+          </a:xfrm>
+          <a:solidFill>
+            <a:schemeClr val="bg1"/>
+          </a:solidFill>
+        </p:grpSpPr>
+        <p:cxnSp>
+          <p:nvCxnSpPr>
+            <p:cNvPr id="26" name="Straight Connector 25"/>
+            <p:cNvCxnSpPr/>
+            <p:nvPr/>
+          </p:nvCxnSpPr>
+          <p:spPr>
+            <a:xfrm>
+              <a:off x="2516009" y="2305580"/>
+              <a:ext cx="1" cy="72010"/>
+            </a:xfrm>
+            <a:prstGeom prst="line">
+              <a:avLst/>
+            </a:prstGeom>
+            <a:grpFill/>
+            <a:ln w="19050"/>
+          </p:spPr>
+          <p:style>
+            <a:lnRef idx="1">
+              <a:schemeClr val="accent1"/>
+            </a:lnRef>
+            <a:fillRef idx="0">
+              <a:schemeClr val="accent1"/>
+            </a:fillRef>
+            <a:effectRef idx="0">
+              <a:schemeClr val="accent1"/>
+            </a:effectRef>
+            <a:fontRef idx="minor">
+              <a:schemeClr val="tx1"/>
+            </a:fontRef>
+          </p:style>
+        </p:cxnSp>
+        <p:cxnSp>
+          <p:nvCxnSpPr>
+            <p:cNvPr id="27" name="Straight Connector 26"/>
+            <p:cNvCxnSpPr/>
+            <p:nvPr/>
+          </p:nvCxnSpPr>
+          <p:spPr>
+            <a:xfrm>
+              <a:off x="2478369" y="2340932"/>
+              <a:ext cx="72010" cy="0"/>
+            </a:xfrm>
+            <a:prstGeom prst="line">
+              <a:avLst/>
+            </a:prstGeom>
+            <a:grpFill/>
+            <a:ln w="19050"/>
+          </p:spPr>
+          <p:style>
+            <a:lnRef idx="1">
+              <a:schemeClr val="accent1"/>
+            </a:lnRef>
+            <a:fillRef idx="0">
+              <a:schemeClr val="accent1"/>
+            </a:fillRef>
+            <a:effectRef idx="0">
+              <a:schemeClr val="accent1"/>
+            </a:effectRef>
+            <a:fontRef idx="minor">
+              <a:schemeClr val="tx1"/>
+            </a:fontRef>
+          </p:style>
+        </p:cxnSp>
+      </p:grpSp>
+      <p:sp>
+        <p:nvSpPr>
+          <p:cNvPr id="28" name="Rectangle 27"/>
+          <p:cNvSpPr/>
+          <p:nvPr/>
+        </p:nvSpPr>
+        <p:spPr>
+          <a:xfrm>
+            <a:off x="359637" y="1979910"/>
+            <a:ext cx="1440179" cy="720090"/>
+          </a:xfrm>
+          <a:prstGeom prst="rect">
+            <a:avLst/>
+          </a:prstGeom>
+          <a:solidFill>
+            <a:schemeClr val="bg1"/>
+          </a:solidFill>
+          <a:ln>
+            <a:solidFill>
+              <a:schemeClr val="bg1">
+                <a:lumMod val="50000"/>
+              </a:schemeClr>
+            </a:solidFill>
+          </a:ln>
+        </p:spPr>
+        <p:style>
+          <a:lnRef idx="2">
+            <a:schemeClr val="accent1">
+              <a:shade val="50000"/>
+            </a:schemeClr>
+          </a:lnRef>
+          <a:fillRef idx="1">
+            <a:schemeClr val="accent1"/>
+          </a:fillRef>
+          <a:effectRef idx="0">
+            <a:schemeClr val="accent1"/>
+          </a:effectRef>
+          <a:fontRef idx="minor">
+            <a:schemeClr val="lt1"/>
+          </a:fontRef>
+        </p:style>
+        <p:txBody>
+          <a:bodyPr rtlCol="0" anchor="ctr"/>
+          <a:lstStyle/>
+          <a:p>
+            <a:pPr algn="ctr"/>
+            <a:endParaRPr lang="en-SG"/>
+          </a:p>
+        </p:txBody>
+      </p:sp>
+      <p:grpSp>
+        <p:nvGrpSpPr>
+          <p:cNvPr id="29" name="Group 28"/>
+          <p:cNvGrpSpPr/>
+          <p:nvPr/>
+        </p:nvGrpSpPr>
+        <p:grpSpPr>
+          <a:xfrm>
+            <a:off x="1038099" y="2305560"/>
+            <a:ext cx="72010" cy="72010"/>
+            <a:chOff x="2478369" y="2305580"/>
+            <a:chExt cx="72010" cy="72010"/>
+          </a:xfrm>
+          <a:solidFill>
+            <a:schemeClr val="bg1"/>
+          </a:solidFill>
+        </p:grpSpPr>
+        <p:cxnSp>
+          <p:nvCxnSpPr>
+            <p:cNvPr id="30" name="Straight Connector 29"/>
+            <p:cNvCxnSpPr/>
+            <p:nvPr/>
+          </p:nvCxnSpPr>
+          <p:spPr>
+            <a:xfrm>
+              <a:off x="2516009" y="2305580"/>
+              <a:ext cx="1" cy="72010"/>
+            </a:xfrm>
+            <a:prstGeom prst="line">
+              <a:avLst/>
+            </a:prstGeom>
+            <a:grpFill/>
+            <a:ln w="19050"/>
+          </p:spPr>
+          <p:style>
+            <a:lnRef idx="1">
+              <a:schemeClr val="accent1"/>
+            </a:lnRef>
+            <a:fillRef idx="0">
+              <a:schemeClr val="accent1"/>
+            </a:fillRef>
+            <a:effectRef idx="0">
+              <a:schemeClr val="accent1"/>
+            </a:effectRef>
+            <a:fontRef idx="minor">
+              <a:schemeClr val="tx1"/>
+            </a:fontRef>
+          </p:style>
+        </p:cxnSp>
+        <p:cxnSp>
+          <p:nvCxnSpPr>
+            <p:cNvPr id="31" name="Straight Connector 30"/>
+            <p:cNvCxnSpPr/>
+            <p:nvPr/>
+          </p:nvCxnSpPr>
+          <p:spPr>
+            <a:xfrm>
+              <a:off x="2478369" y="2340932"/>
+              <a:ext cx="72010" cy="0"/>
+            </a:xfrm>
+            <a:prstGeom prst="line">
+              <a:avLst/>
+            </a:prstGeom>
+            <a:grpFill/>
+            <a:ln w="19050"/>
+          </p:spPr>
+          <p:style>
+            <a:lnRef idx="1">
+              <a:schemeClr val="accent1"/>
+            </a:lnRef>
+            <a:fillRef idx="0">
+              <a:schemeClr val="accent1"/>
+            </a:fillRef>
+            <a:effectRef idx="0">
+              <a:schemeClr val="accent1"/>
+            </a:effectRef>
+            <a:fontRef idx="minor">
+              <a:schemeClr val="tx1"/>
+            </a:fontRef>
+          </p:style>
+        </p:cxnSp>
+      </p:grpSp>
+      <p:sp>
+        <p:nvSpPr>
+          <p:cNvPr id="5" name="Rectangle 4"/>
+          <p:cNvSpPr/>
+          <p:nvPr/>
+        </p:nvSpPr>
+        <p:spPr>
+          <a:xfrm>
+            <a:off x="1799907" y="1979930"/>
+            <a:ext cx="1440179" cy="720090"/>
+          </a:xfrm>
+          <a:prstGeom prst="rect">
+            <a:avLst/>
+          </a:prstGeom>
+          <a:solidFill>
+            <a:schemeClr val="bg1"/>
+          </a:solidFill>
+          <a:ln>
+            <a:solidFill>
+              <a:schemeClr val="tx1"/>
+            </a:solidFill>
+          </a:ln>
+        </p:spPr>
+        <p:style>
+          <a:lnRef idx="2">
+            <a:schemeClr val="accent1">
+              <a:shade val="50000"/>
+            </a:schemeClr>
+          </a:lnRef>
+          <a:fillRef idx="1">
+            <a:schemeClr val="accent1"/>
+          </a:fillRef>
+          <a:effectRef idx="0">
+            <a:schemeClr val="accent1"/>
+          </a:effectRef>
+          <a:fontRef idx="minor">
+            <a:schemeClr val="lt1"/>
+          </a:fontRef>
+        </p:style>
+        <p:txBody>
+          <a:bodyPr rtlCol="0" anchor="ctr"/>
+          <a:lstStyle/>
+          <a:p>
+            <a:pPr algn="ctr"/>
+            <a:endParaRPr lang="en-SG"/>
+          </a:p>
+        </p:txBody>
+      </p:sp>
+      <p:grpSp>
+        <p:nvGrpSpPr>
+          <p:cNvPr id="15" name="Group 14"/>
+          <p:cNvGrpSpPr/>
+          <p:nvPr/>
+        </p:nvGrpSpPr>
+        <p:grpSpPr>
+          <a:xfrm>
+            <a:off x="2478369" y="2305580"/>
+            <a:ext cx="72010" cy="72010"/>
+            <a:chOff x="2478369" y="2305580"/>
+            <a:chExt cx="72010" cy="72010"/>
+          </a:xfrm>
+          <a:solidFill>
+            <a:schemeClr val="bg1"/>
+          </a:solidFill>
+        </p:grpSpPr>
+        <p:cxnSp>
+          <p:nvCxnSpPr>
+            <p:cNvPr id="11" name="Straight Connector 10"/>
+            <p:cNvCxnSpPr/>
+            <p:nvPr/>
+          </p:nvCxnSpPr>
+          <p:spPr>
+            <a:xfrm>
+              <a:off x="2516009" y="2305580"/>
+              <a:ext cx="1" cy="72010"/>
+            </a:xfrm>
+            <a:prstGeom prst="line">
+              <a:avLst/>
+            </a:prstGeom>
+            <a:grpFill/>
+            <a:ln w="19050"/>
+          </p:spPr>
+          <p:style>
+            <a:lnRef idx="1">
+              <a:schemeClr val="accent1"/>
+            </a:lnRef>
+            <a:fillRef idx="0">
+              <a:schemeClr val="accent1"/>
+            </a:fillRef>
+            <a:effectRef idx="0">
+              <a:schemeClr val="accent1"/>
+            </a:effectRef>
+            <a:fontRef idx="minor">
+              <a:schemeClr val="tx1"/>
+            </a:fontRef>
+          </p:style>
+        </p:cxnSp>
+        <p:cxnSp>
+          <p:nvCxnSpPr>
+            <p:cNvPr id="13" name="Straight Connector 12"/>
+            <p:cNvCxnSpPr/>
+            <p:nvPr/>
+          </p:nvCxnSpPr>
+          <p:spPr>
+            <a:xfrm>
+              <a:off x="2478369" y="2340932"/>
+              <a:ext cx="72010" cy="0"/>
+            </a:xfrm>
+            <a:prstGeom prst="line">
+              <a:avLst/>
+            </a:prstGeom>
+            <a:grpFill/>
+            <a:ln w="19050"/>
+          </p:spPr>
+          <p:style>
+            <a:lnRef idx="1">
+              <a:schemeClr val="accent1"/>
+            </a:lnRef>
+            <a:fillRef idx="0">
+              <a:schemeClr val="accent1"/>
+            </a:fillRef>
+            <a:effectRef idx="0">
+              <a:schemeClr val="accent1"/>
+            </a:effectRef>
+            <a:fontRef idx="minor">
+              <a:schemeClr val="tx1"/>
+            </a:fontRef>
+          </p:style>
+        </p:cxnSp>
+      </p:grpSp>
+      <p:grpSp>
+        <p:nvGrpSpPr>
+          <p:cNvPr id="32" name="Group 31"/>
+          <p:cNvGrpSpPr/>
+          <p:nvPr/>
+        </p:nvGrpSpPr>
+        <p:grpSpPr>
+          <a:xfrm>
+            <a:off x="3191883" y="2660240"/>
+            <a:ext cx="72010" cy="72010"/>
+            <a:chOff x="2478369" y="2305580"/>
+            <a:chExt cx="72010" cy="72010"/>
+          </a:xfrm>
+          <a:solidFill>
+            <a:schemeClr val="bg1"/>
+          </a:solidFill>
+        </p:grpSpPr>
+        <p:cxnSp>
+          <p:nvCxnSpPr>
+            <p:cNvPr id="33" name="Straight Connector 32"/>
+            <p:cNvCxnSpPr/>
+            <p:nvPr/>
+          </p:nvCxnSpPr>
+          <p:spPr>
+            <a:xfrm>
+              <a:off x="2516009" y="2305580"/>
+              <a:ext cx="1" cy="72010"/>
+            </a:xfrm>
+            <a:prstGeom prst="line">
+              <a:avLst/>
+            </a:prstGeom>
+            <a:grpFill/>
+            <a:ln w="19050">
+              <a:solidFill>
+                <a:srgbClr val="FF0000"/>
+              </a:solidFill>
+            </a:ln>
+          </p:spPr>
+          <p:style>
+            <a:lnRef idx="1">
+              <a:schemeClr val="accent1"/>
+            </a:lnRef>
+            <a:fillRef idx="0">
+              <a:schemeClr val="accent1"/>
+            </a:fillRef>
+            <a:effectRef idx="0">
+              <a:schemeClr val="accent1"/>
+            </a:effectRef>
+            <a:fontRef idx="minor">
+              <a:schemeClr val="tx1"/>
+            </a:fontRef>
+          </p:style>
+        </p:cxnSp>
+        <p:cxnSp>
+          <p:nvCxnSpPr>
+            <p:cNvPr id="34" name="Straight Connector 33"/>
+            <p:cNvCxnSpPr/>
+            <p:nvPr/>
+          </p:nvCxnSpPr>
+          <p:spPr>
+            <a:xfrm>
+              <a:off x="2478369" y="2340932"/>
+              <a:ext cx="72010" cy="0"/>
+            </a:xfrm>
+            <a:prstGeom prst="line">
+              <a:avLst/>
+            </a:prstGeom>
+            <a:grpFill/>
+            <a:ln w="19050">
+              <a:solidFill>
+                <a:srgbClr val="FF0000"/>
+              </a:solidFill>
+            </a:ln>
+          </p:spPr>
+          <p:style>
+            <a:lnRef idx="1">
+              <a:schemeClr val="accent1"/>
+            </a:lnRef>
+            <a:fillRef idx="0">
+              <a:schemeClr val="accent1"/>
+            </a:fillRef>
+            <a:effectRef idx="0">
+              <a:schemeClr val="accent1"/>
+            </a:effectRef>
+            <a:fontRef idx="minor">
+              <a:schemeClr val="tx1"/>
+            </a:fontRef>
+          </p:style>
+        </p:cxnSp>
+      </p:grpSp>
+      <p:grpSp>
+        <p:nvGrpSpPr>
+          <p:cNvPr id="35" name="Group 34"/>
+          <p:cNvGrpSpPr/>
+          <p:nvPr/>
+        </p:nvGrpSpPr>
+        <p:grpSpPr>
+          <a:xfrm>
+            <a:off x="1764053" y="2655822"/>
+            <a:ext cx="72010" cy="72010"/>
+            <a:chOff x="2478369" y="2305580"/>
+            <a:chExt cx="72010" cy="72010"/>
+          </a:xfrm>
+          <a:solidFill>
+            <a:schemeClr val="bg1"/>
+          </a:solidFill>
+        </p:grpSpPr>
+        <p:cxnSp>
+          <p:nvCxnSpPr>
+            <p:cNvPr id="36" name="Straight Connector 35"/>
+            <p:cNvCxnSpPr/>
+            <p:nvPr/>
+          </p:nvCxnSpPr>
+          <p:spPr>
+            <a:xfrm>
+              <a:off x="2516009" y="2305580"/>
+              <a:ext cx="1" cy="72010"/>
+            </a:xfrm>
+            <a:prstGeom prst="line">
+              <a:avLst/>
+            </a:prstGeom>
+            <a:grpFill/>
+            <a:ln w="19050">
+              <a:solidFill>
+                <a:srgbClr val="FF0000"/>
+              </a:solidFill>
+            </a:ln>
+          </p:spPr>
+          <p:style>
+            <a:lnRef idx="1">
+              <a:schemeClr val="accent1"/>
+            </a:lnRef>
+            <a:fillRef idx="0">
+              <a:schemeClr val="accent1"/>
+            </a:fillRef>
+            <a:effectRef idx="0">
+              <a:schemeClr val="accent1"/>
+            </a:effectRef>
+            <a:fontRef idx="minor">
+              <a:schemeClr val="tx1"/>
+            </a:fontRef>
+          </p:style>
+        </p:cxnSp>
+        <p:cxnSp>
+          <p:nvCxnSpPr>
+            <p:cNvPr id="37" name="Straight Connector 36"/>
+            <p:cNvCxnSpPr/>
+            <p:nvPr/>
+          </p:nvCxnSpPr>
+          <p:spPr>
+            <a:xfrm>
+              <a:off x="2478369" y="2340932"/>
+              <a:ext cx="72010" cy="0"/>
+            </a:xfrm>
+            <a:prstGeom prst="line">
+              <a:avLst/>
+            </a:prstGeom>
+            <a:grpFill/>
+            <a:ln w="19050">
+              <a:solidFill>
+                <a:srgbClr val="FF0000"/>
+              </a:solidFill>
+            </a:ln>
+          </p:spPr>
+          <p:style>
+            <a:lnRef idx="1">
+              <a:schemeClr val="accent1"/>
+            </a:lnRef>
+            <a:fillRef idx="0">
+              <a:schemeClr val="accent1"/>
+            </a:fillRef>
+            <a:effectRef idx="0">
+              <a:schemeClr val="accent1"/>
+            </a:effectRef>
+            <a:fontRef idx="minor">
+              <a:schemeClr val="tx1"/>
+            </a:fontRef>
+          </p:style>
+        </p:cxnSp>
+      </p:grpSp>
+      <p:grpSp>
+        <p:nvGrpSpPr>
+          <p:cNvPr id="38" name="Group 37"/>
+          <p:cNvGrpSpPr/>
+          <p:nvPr/>
+        </p:nvGrpSpPr>
+        <p:grpSpPr>
+          <a:xfrm>
+            <a:off x="1751683" y="1948092"/>
+            <a:ext cx="72010" cy="72010"/>
+            <a:chOff x="2478369" y="2305580"/>
+            <a:chExt cx="72010" cy="72010"/>
+          </a:xfrm>
+          <a:solidFill>
+            <a:schemeClr val="bg1"/>
+          </a:solidFill>
+        </p:grpSpPr>
+        <p:cxnSp>
+          <p:nvCxnSpPr>
+            <p:cNvPr id="39" name="Straight Connector 38"/>
+            <p:cNvCxnSpPr/>
+            <p:nvPr/>
+          </p:nvCxnSpPr>
+          <p:spPr>
+            <a:xfrm>
+              <a:off x="2516009" y="2305580"/>
+              <a:ext cx="1" cy="72010"/>
+            </a:xfrm>
+            <a:prstGeom prst="line">
+              <a:avLst/>
+            </a:prstGeom>
+            <a:grpFill/>
+            <a:ln w="19050">
+              <a:solidFill>
+                <a:srgbClr val="FF0000"/>
+              </a:solidFill>
+            </a:ln>
+          </p:spPr>
+          <p:style>
+            <a:lnRef idx="1">
+              <a:schemeClr val="accent1"/>
+            </a:lnRef>
+            <a:fillRef idx="0">
+              <a:schemeClr val="accent1"/>
+            </a:fillRef>
+            <a:effectRef idx="0">
+              <a:schemeClr val="accent1"/>
+            </a:effectRef>
+            <a:fontRef idx="minor">
+              <a:schemeClr val="tx1"/>
+            </a:fontRef>
+          </p:style>
+        </p:cxnSp>
+        <p:cxnSp>
+          <p:nvCxnSpPr>
+            <p:cNvPr id="40" name="Straight Connector 39"/>
+            <p:cNvCxnSpPr/>
+            <p:nvPr/>
+          </p:nvCxnSpPr>
+          <p:spPr>
+            <a:xfrm>
+              <a:off x="2478369" y="2340932"/>
+              <a:ext cx="72010" cy="0"/>
+            </a:xfrm>
+            <a:prstGeom prst="line">
+              <a:avLst/>
+            </a:prstGeom>
+            <a:grpFill/>
+            <a:ln w="19050">
+              <a:solidFill>
+                <a:srgbClr val="FF0000"/>
+              </a:solidFill>
+            </a:ln>
+          </p:spPr>
+          <p:style>
+            <a:lnRef idx="1">
+              <a:schemeClr val="accent1"/>
+            </a:lnRef>
+            <a:fillRef idx="0">
+              <a:schemeClr val="accent1"/>
+            </a:fillRef>
+            <a:effectRef idx="0">
+              <a:schemeClr val="accent1"/>
+            </a:effectRef>
+            <a:fontRef idx="minor">
+              <a:schemeClr val="tx1"/>
+            </a:fontRef>
+          </p:style>
+        </p:cxnSp>
+      </p:grpSp>
+      <p:grpSp>
+        <p:nvGrpSpPr>
+          <p:cNvPr id="41" name="Group 40"/>
+          <p:cNvGrpSpPr/>
+          <p:nvPr/>
+        </p:nvGrpSpPr>
+        <p:grpSpPr>
+          <a:xfrm>
+            <a:off x="3196301" y="1948092"/>
+            <a:ext cx="72010" cy="72010"/>
+            <a:chOff x="2478369" y="2305580"/>
+            <a:chExt cx="72010" cy="72010"/>
+          </a:xfrm>
+          <a:solidFill>
+            <a:schemeClr val="bg1"/>
+          </a:solidFill>
+        </p:grpSpPr>
+        <p:cxnSp>
+          <p:nvCxnSpPr>
+            <p:cNvPr id="42" name="Straight Connector 41"/>
+            <p:cNvCxnSpPr/>
+            <p:nvPr/>
+          </p:nvCxnSpPr>
+          <p:spPr>
+            <a:xfrm>
+              <a:off x="2516009" y="2305580"/>
+              <a:ext cx="1" cy="72010"/>
+            </a:xfrm>
+            <a:prstGeom prst="line">
+              <a:avLst/>
+            </a:prstGeom>
+            <a:grpFill/>
+            <a:ln w="19050">
+              <a:solidFill>
+                <a:srgbClr val="FF0000"/>
+              </a:solidFill>
+            </a:ln>
+          </p:spPr>
+          <p:style>
+            <a:lnRef idx="1">
+              <a:schemeClr val="accent1"/>
+            </a:lnRef>
+            <a:fillRef idx="0">
+              <a:schemeClr val="accent1"/>
+            </a:fillRef>
+            <a:effectRef idx="0">
+              <a:schemeClr val="accent1"/>
+            </a:effectRef>
+            <a:fontRef idx="minor">
+              <a:schemeClr val="tx1"/>
+            </a:fontRef>
+          </p:style>
+        </p:cxnSp>
+        <p:cxnSp>
+          <p:nvCxnSpPr>
+            <p:cNvPr id="43" name="Straight Connector 42"/>
+            <p:cNvCxnSpPr/>
+            <p:nvPr/>
+          </p:nvCxnSpPr>
+          <p:spPr>
+            <a:xfrm>
+              <a:off x="2478369" y="2340932"/>
+              <a:ext cx="72010" cy="0"/>
+            </a:xfrm>
+            <a:prstGeom prst="line">
+              <a:avLst/>
+            </a:prstGeom>
+            <a:grpFill/>
+            <a:ln w="19050">
+              <a:solidFill>
+                <a:srgbClr val="FF0000"/>
+              </a:solidFill>
+            </a:ln>
+          </p:spPr>
+          <p:style>
+            <a:lnRef idx="1">
+              <a:schemeClr val="accent1"/>
+            </a:lnRef>
+            <a:fillRef idx="0">
+              <a:schemeClr val="accent1"/>
+            </a:fillRef>
+            <a:effectRef idx="0">
+              <a:schemeClr val="accent1"/>
+            </a:effectRef>
+            <a:fontRef idx="minor">
+              <a:schemeClr val="tx1"/>
+            </a:fontRef>
+          </p:style>
+        </p:cxnSp>
+      </p:grpSp>
+      <p:sp>
+        <p:nvSpPr>
+          <p:cNvPr id="44" name="Hexagon 43"/>
+          <p:cNvSpPr/>
+          <p:nvPr/>
+        </p:nvSpPr>
+        <p:spPr>
+          <a:xfrm>
+            <a:off x="6984557" y="1763870"/>
+            <a:ext cx="1075673" cy="927304"/>
+          </a:xfrm>
+          <a:prstGeom prst="hexagon">
+            <a:avLst/>
+          </a:prstGeom>
+        </p:spPr>
+        <p:style>
+          <a:lnRef idx="2">
+            <a:schemeClr val="accent1">
+              <a:shade val="50000"/>
+            </a:schemeClr>
+          </a:lnRef>
+          <a:fillRef idx="1">
+            <a:schemeClr val="accent1"/>
+          </a:fillRef>
+          <a:effectRef idx="0">
+            <a:schemeClr val="accent1"/>
+          </a:effectRef>
+          <a:fontRef idx="minor">
+            <a:schemeClr val="lt1"/>
+          </a:fontRef>
+        </p:style>
+        <p:txBody>
+          <a:bodyPr rtlCol="0" anchor="ctr"/>
+          <a:lstStyle/>
+          <a:p>
+            <a:pPr algn="ctr"/>
+            <a:endParaRPr lang="en-SG"/>
+          </a:p>
+        </p:txBody>
+      </p:sp>
+      <p:sp>
+        <p:nvSpPr>
+          <p:cNvPr id="45" name="Hexagon 44"/>
+          <p:cNvSpPr/>
+          <p:nvPr/>
+        </p:nvSpPr>
+        <p:spPr>
+          <a:xfrm>
+            <a:off x="7848677" y="1308828"/>
+            <a:ext cx="1075673" cy="927304"/>
+          </a:xfrm>
+          <a:prstGeom prst="hexagon">
+            <a:avLst/>
+          </a:prstGeom>
+          <a:solidFill>
+            <a:srgbClr val="FF0000"/>
+          </a:solidFill>
+        </p:spPr>
+        <p:style>
+          <a:lnRef idx="2">
+            <a:schemeClr val="accent1">
+              <a:shade val="50000"/>
+            </a:schemeClr>
+          </a:lnRef>
+          <a:fillRef idx="1">
+            <a:schemeClr val="accent1"/>
+          </a:fillRef>
+          <a:effectRef idx="0">
+            <a:schemeClr val="accent1"/>
+          </a:effectRef>
+          <a:fontRef idx="minor">
+            <a:schemeClr val="lt1"/>
+          </a:fontRef>
+        </p:style>
+        <p:txBody>
+          <a:bodyPr rtlCol="0" anchor="ctr"/>
+          <a:lstStyle/>
+          <a:p>
+            <a:pPr algn="ctr"/>
+            <a:endParaRPr lang="en-SG"/>
+          </a:p>
+        </p:txBody>
+      </p:sp>
+      <p:sp>
+        <p:nvSpPr>
+          <p:cNvPr id="46" name="Hexagon 45"/>
+          <p:cNvSpPr/>
+          <p:nvPr/>
+        </p:nvSpPr>
+        <p:spPr>
+          <a:xfrm>
+            <a:off x="7832331" y="2240108"/>
+            <a:ext cx="1075673" cy="927304"/>
+          </a:xfrm>
+          <a:prstGeom prst="hexagon">
+            <a:avLst/>
+          </a:prstGeom>
+          <a:solidFill>
+            <a:srgbClr val="FFFF00"/>
+          </a:solidFill>
+        </p:spPr>
+        <p:style>
+          <a:lnRef idx="2">
+            <a:schemeClr val="accent1">
+              <a:shade val="50000"/>
+            </a:schemeClr>
+          </a:lnRef>
+          <a:fillRef idx="1">
+            <a:schemeClr val="accent1"/>
+          </a:fillRef>
+          <a:effectRef idx="0">
+            <a:schemeClr val="accent1"/>
+          </a:effectRef>
+          <a:fontRef idx="minor">
+            <a:schemeClr val="lt1"/>
+          </a:fontRef>
+        </p:style>
+        <p:txBody>
+          <a:bodyPr rtlCol="0" anchor="ctr"/>
+          <a:lstStyle/>
+          <a:p>
+            <a:pPr algn="ctr"/>
+            <a:endParaRPr lang="en-SG"/>
+          </a:p>
+        </p:txBody>
+      </p:sp>
+      <p:sp>
+        <p:nvSpPr>
+          <p:cNvPr id="47" name="Hexagon 46"/>
+          <p:cNvSpPr/>
+          <p:nvPr/>
+        </p:nvSpPr>
+        <p:spPr>
+          <a:xfrm>
+            <a:off x="6989034" y="2708826"/>
+            <a:ext cx="1075673" cy="927304"/>
+          </a:xfrm>
+          <a:prstGeom prst="hexagon">
+            <a:avLst/>
+          </a:prstGeom>
+        </p:spPr>
+        <p:style>
+          <a:lnRef idx="1">
+            <a:schemeClr val="accent1"/>
+          </a:lnRef>
+          <a:fillRef idx="2">
+            <a:schemeClr val="accent1"/>
+          </a:fillRef>
+          <a:effectRef idx="1">
+            <a:schemeClr val="accent1"/>
+          </a:effectRef>
+          <a:fontRef idx="minor">
+            <a:schemeClr val="dk1"/>
+          </a:fontRef>
+        </p:style>
+        <p:txBody>
+          <a:bodyPr rtlCol="0" anchor="ctr"/>
+          <a:lstStyle/>
+          <a:p>
+            <a:pPr algn="ctr"/>
+            <a:endParaRPr lang="en-SG"/>
+          </a:p>
+        </p:txBody>
+      </p:sp>
+      <p:sp>
+        <p:nvSpPr>
+          <p:cNvPr id="48" name="Hexagon 47"/>
+          <p:cNvSpPr/>
+          <p:nvPr/>
+        </p:nvSpPr>
+        <p:spPr>
+          <a:xfrm>
+            <a:off x="6144293" y="1305726"/>
+            <a:ext cx="1075673" cy="927304"/>
+          </a:xfrm>
+          <a:prstGeom prst="hexagon">
+            <a:avLst/>
+          </a:prstGeom>
+          <a:solidFill>
+            <a:srgbClr val="FF0000"/>
+          </a:solidFill>
+        </p:spPr>
+        <p:style>
+          <a:lnRef idx="2">
+            <a:schemeClr val="accent1">
+              <a:shade val="50000"/>
+            </a:schemeClr>
+          </a:lnRef>
+          <a:fillRef idx="1">
+            <a:schemeClr val="accent1"/>
+          </a:fillRef>
+          <a:effectRef idx="0">
+            <a:schemeClr val="accent1"/>
+          </a:effectRef>
+          <a:fontRef idx="minor">
+            <a:schemeClr val="lt1"/>
+          </a:fontRef>
+        </p:style>
+        <p:txBody>
+          <a:bodyPr rtlCol="0" anchor="ctr"/>
+          <a:lstStyle/>
+          <a:p>
+            <a:pPr algn="ctr"/>
+            <a:endParaRPr lang="en-SG"/>
+          </a:p>
+        </p:txBody>
+      </p:sp>
+      <p:sp>
+        <p:nvSpPr>
+          <p:cNvPr id="49" name="Hexagon 48"/>
+          <p:cNvSpPr/>
+          <p:nvPr/>
+        </p:nvSpPr>
+        <p:spPr>
+          <a:xfrm>
+            <a:off x="6127947" y="2237006"/>
+            <a:ext cx="1075673" cy="927304"/>
+          </a:xfrm>
+          <a:prstGeom prst="hexagon">
+            <a:avLst/>
+          </a:prstGeom>
+          <a:solidFill>
+            <a:srgbClr val="FFFF00"/>
+          </a:solidFill>
+        </p:spPr>
+        <p:style>
+          <a:lnRef idx="2">
+            <a:schemeClr val="accent1">
+              <a:shade val="50000"/>
+            </a:schemeClr>
+          </a:lnRef>
+          <a:fillRef idx="1">
+            <a:schemeClr val="accent1"/>
+          </a:fillRef>
+          <a:effectRef idx="0">
+            <a:schemeClr val="accent1"/>
+          </a:effectRef>
+          <a:fontRef idx="minor">
+            <a:schemeClr val="lt1"/>
+          </a:fontRef>
+        </p:style>
+        <p:txBody>
+          <a:bodyPr rtlCol="0" anchor="ctr"/>
+          <a:lstStyle/>
+          <a:p>
+            <a:pPr algn="ctr"/>
+            <a:endParaRPr lang="en-SG"/>
+          </a:p>
+        </p:txBody>
+      </p:sp>
+      <p:sp>
+        <p:nvSpPr>
+          <p:cNvPr id="50" name="Hexagon 49"/>
+          <p:cNvSpPr/>
+          <p:nvPr/>
+        </p:nvSpPr>
+        <p:spPr>
+          <a:xfrm>
+            <a:off x="6988533" y="827740"/>
+            <a:ext cx="1075673" cy="927304"/>
+          </a:xfrm>
+          <a:prstGeom prst="hexagon">
+            <a:avLst/>
+          </a:prstGeom>
+        </p:spPr>
+        <p:style>
+          <a:lnRef idx="1">
+            <a:schemeClr val="accent1"/>
+          </a:lnRef>
+          <a:fillRef idx="2">
+            <a:schemeClr val="accent1"/>
+          </a:fillRef>
+          <a:effectRef idx="1">
+            <a:schemeClr val="accent1"/>
+          </a:effectRef>
+          <a:fontRef idx="minor">
+            <a:schemeClr val="dk1"/>
+          </a:fontRef>
+        </p:style>
+        <p:txBody>
+          <a:bodyPr rtlCol="0" anchor="ctr"/>
+          <a:lstStyle/>
+          <a:p>
+            <a:pPr algn="ctr"/>
+            <a:endParaRPr lang="en-SG"/>
+          </a:p>
+        </p:txBody>
+      </p:sp>
+      <p:sp>
+        <p:nvSpPr>
+          <p:cNvPr id="51" name="Rectangle 50"/>
+          <p:cNvSpPr/>
+          <p:nvPr/>
+        </p:nvSpPr>
+        <p:spPr>
+          <a:xfrm>
+            <a:off x="5760387" y="683720"/>
+            <a:ext cx="648090" cy="2808390"/>
+          </a:xfrm>
+          <a:prstGeom prst="rect">
+            <a:avLst/>
+          </a:prstGeom>
+          <a:solidFill>
+            <a:schemeClr val="bg1"/>
+          </a:solidFill>
+          <a:ln>
+            <a:noFill/>
+          </a:ln>
+        </p:spPr>
+        <p:style>
+          <a:lnRef idx="2">
+            <a:schemeClr val="accent1">
+              <a:shade val="50000"/>
+            </a:schemeClr>
+          </a:lnRef>
+          <a:fillRef idx="1">
+            <a:schemeClr val="accent1"/>
+          </a:fillRef>
+          <a:effectRef idx="0">
+            <a:schemeClr val="accent1"/>
+          </a:effectRef>
+          <a:fontRef idx="minor">
+            <a:schemeClr val="lt1"/>
+          </a:fontRef>
+        </p:style>
+        <p:txBody>
+          <a:bodyPr rtlCol="0" anchor="ctr"/>
+          <a:lstStyle/>
+          <a:p>
+            <a:pPr algn="ctr"/>
+            <a:endParaRPr lang="en-SG"/>
+          </a:p>
+        </p:txBody>
+      </p:sp>
+      <p:sp>
+        <p:nvSpPr>
+          <p:cNvPr id="52" name="Rectangle 51"/>
+          <p:cNvSpPr/>
+          <p:nvPr/>
+        </p:nvSpPr>
+        <p:spPr>
+          <a:xfrm>
+            <a:off x="8640787" y="827740"/>
+            <a:ext cx="648090" cy="2808390"/>
+          </a:xfrm>
+          <a:prstGeom prst="rect">
+            <a:avLst/>
+          </a:prstGeom>
+          <a:solidFill>
+            <a:schemeClr val="bg1"/>
+          </a:solidFill>
+          <a:ln>
+            <a:noFill/>
+          </a:ln>
+        </p:spPr>
+        <p:style>
+          <a:lnRef idx="2">
+            <a:schemeClr val="accent1">
+              <a:shade val="50000"/>
+            </a:schemeClr>
+          </a:lnRef>
+          <a:fillRef idx="1">
+            <a:schemeClr val="accent1"/>
+          </a:fillRef>
+          <a:effectRef idx="0">
+            <a:schemeClr val="accent1"/>
+          </a:effectRef>
+          <a:fontRef idx="minor">
+            <a:schemeClr val="lt1"/>
+          </a:fontRef>
+        </p:style>
+        <p:txBody>
+          <a:bodyPr rtlCol="0" anchor="ctr"/>
+          <a:lstStyle/>
+          <a:p>
+            <a:pPr algn="ctr"/>
+            <a:endParaRPr lang="en-SG"/>
+          </a:p>
+        </p:txBody>
+      </p:sp>
+      <p:sp>
+        <p:nvSpPr>
+          <p:cNvPr id="53" name="Hexagon 52"/>
+          <p:cNvSpPr/>
+          <p:nvPr/>
+        </p:nvSpPr>
+        <p:spPr>
+          <a:xfrm>
+            <a:off x="10008977" y="1763870"/>
+            <a:ext cx="1075673" cy="927304"/>
+          </a:xfrm>
+          <a:prstGeom prst="hexagon">
+            <a:avLst/>
+          </a:prstGeom>
+        </p:spPr>
+        <p:style>
+          <a:lnRef idx="2">
+            <a:schemeClr val="accent1">
+              <a:shade val="50000"/>
+            </a:schemeClr>
+          </a:lnRef>
+          <a:fillRef idx="1">
+            <a:schemeClr val="accent1"/>
+          </a:fillRef>
+          <a:effectRef idx="0">
+            <a:schemeClr val="accent1"/>
+          </a:effectRef>
+          <a:fontRef idx="minor">
+            <a:schemeClr val="lt1"/>
+          </a:fontRef>
+        </p:style>
+        <p:txBody>
+          <a:bodyPr rtlCol="0" anchor="ctr"/>
+          <a:lstStyle/>
+          <a:p>
+            <a:pPr algn="ctr"/>
+            <a:endParaRPr lang="en-SG"/>
+          </a:p>
+        </p:txBody>
+      </p:sp>
+      <p:sp>
+        <p:nvSpPr>
+          <p:cNvPr id="54" name="Hexagon 53"/>
+          <p:cNvSpPr/>
+          <p:nvPr/>
+        </p:nvSpPr>
+        <p:spPr>
+          <a:xfrm>
+            <a:off x="10873097" y="1308828"/>
+            <a:ext cx="1075673" cy="927304"/>
+          </a:xfrm>
+          <a:prstGeom prst="hexagon">
+            <a:avLst/>
+          </a:prstGeom>
+          <a:solidFill>
+            <a:srgbClr val="FF0000"/>
+          </a:solidFill>
+        </p:spPr>
+        <p:style>
+          <a:lnRef idx="2">
+            <a:schemeClr val="accent1">
+              <a:shade val="50000"/>
+            </a:schemeClr>
+          </a:lnRef>
+          <a:fillRef idx="1">
+            <a:schemeClr val="accent1"/>
+          </a:fillRef>
+          <a:effectRef idx="0">
+            <a:schemeClr val="accent1"/>
+          </a:effectRef>
+          <a:fontRef idx="minor">
+            <a:schemeClr val="lt1"/>
+          </a:fontRef>
+        </p:style>
+        <p:txBody>
+          <a:bodyPr rtlCol="0" anchor="ctr"/>
+          <a:lstStyle/>
+          <a:p>
+            <a:pPr algn="ctr"/>
+            <a:endParaRPr lang="en-SG"/>
+          </a:p>
+        </p:txBody>
+      </p:sp>
+      <p:sp>
+        <p:nvSpPr>
+          <p:cNvPr id="55" name="Hexagon 54"/>
+          <p:cNvSpPr/>
+          <p:nvPr/>
+        </p:nvSpPr>
+        <p:spPr>
+          <a:xfrm>
+            <a:off x="10856751" y="2240108"/>
+            <a:ext cx="1075673" cy="927304"/>
+          </a:xfrm>
+          <a:prstGeom prst="hexagon">
+            <a:avLst/>
+          </a:prstGeom>
+          <a:solidFill>
+            <a:srgbClr val="FFFF00"/>
+          </a:solidFill>
+        </p:spPr>
+        <p:style>
+          <a:lnRef idx="2">
+            <a:schemeClr val="accent1">
+              <a:shade val="50000"/>
+            </a:schemeClr>
+          </a:lnRef>
+          <a:fillRef idx="1">
+            <a:schemeClr val="accent1"/>
+          </a:fillRef>
+          <a:effectRef idx="0">
+            <a:schemeClr val="accent1"/>
+          </a:effectRef>
+          <a:fontRef idx="minor">
+            <a:schemeClr val="lt1"/>
+          </a:fontRef>
+        </p:style>
+        <p:txBody>
+          <a:bodyPr rtlCol="0" anchor="ctr"/>
+          <a:lstStyle/>
+          <a:p>
+            <a:pPr algn="ctr"/>
+            <a:endParaRPr lang="en-SG"/>
+          </a:p>
+        </p:txBody>
+      </p:sp>
+      <p:sp>
+        <p:nvSpPr>
+          <p:cNvPr id="56" name="Hexagon 55"/>
+          <p:cNvSpPr/>
+          <p:nvPr/>
+        </p:nvSpPr>
+        <p:spPr>
+          <a:xfrm>
+            <a:off x="10013454" y="2708826"/>
+            <a:ext cx="1075673" cy="927304"/>
+          </a:xfrm>
+          <a:prstGeom prst="hexagon">
+            <a:avLst/>
+          </a:prstGeom>
+        </p:spPr>
+        <p:style>
+          <a:lnRef idx="1">
+            <a:schemeClr val="accent1"/>
+          </a:lnRef>
+          <a:fillRef idx="2">
+            <a:schemeClr val="accent1"/>
+          </a:fillRef>
+          <a:effectRef idx="1">
+            <a:schemeClr val="accent1"/>
+          </a:effectRef>
+          <a:fontRef idx="minor">
+            <a:schemeClr val="dk1"/>
+          </a:fontRef>
+        </p:style>
+        <p:txBody>
+          <a:bodyPr rtlCol="0" anchor="ctr"/>
+          <a:lstStyle/>
+          <a:p>
+            <a:pPr algn="ctr"/>
+            <a:endParaRPr lang="en-SG"/>
+          </a:p>
+        </p:txBody>
+      </p:sp>
+      <p:sp>
+        <p:nvSpPr>
+          <p:cNvPr id="57" name="Hexagon 56"/>
+          <p:cNvSpPr/>
+          <p:nvPr/>
+        </p:nvSpPr>
+        <p:spPr>
+          <a:xfrm>
+            <a:off x="9168713" y="1305726"/>
+            <a:ext cx="1075673" cy="927304"/>
+          </a:xfrm>
+          <a:prstGeom prst="hexagon">
+            <a:avLst/>
+          </a:prstGeom>
+          <a:solidFill>
+            <a:srgbClr val="92D050"/>
+          </a:solidFill>
+        </p:spPr>
+        <p:style>
+          <a:lnRef idx="2">
+            <a:schemeClr val="accent1">
+              <a:shade val="50000"/>
+            </a:schemeClr>
+          </a:lnRef>
+          <a:fillRef idx="1">
+            <a:schemeClr val="accent1"/>
+          </a:fillRef>
+          <a:effectRef idx="0">
+            <a:schemeClr val="accent1"/>
+          </a:effectRef>
+          <a:fontRef idx="minor">
+            <a:schemeClr val="lt1"/>
+          </a:fontRef>
+        </p:style>
+        <p:txBody>
+          <a:bodyPr rtlCol="0" anchor="ctr"/>
+          <a:lstStyle/>
+          <a:p>
+            <a:pPr algn="ctr"/>
+            <a:endParaRPr lang="en-SG"/>
+          </a:p>
+        </p:txBody>
+      </p:sp>
+      <p:sp>
+        <p:nvSpPr>
+          <p:cNvPr id="58" name="Hexagon 57"/>
+          <p:cNvSpPr/>
+          <p:nvPr/>
+        </p:nvSpPr>
+        <p:spPr>
+          <a:xfrm>
+            <a:off x="9152367" y="2237006"/>
+            <a:ext cx="1075673" cy="927304"/>
+          </a:xfrm>
+          <a:prstGeom prst="hexagon">
+            <a:avLst/>
+          </a:prstGeom>
+          <a:solidFill>
+            <a:srgbClr val="FFC000"/>
+          </a:solidFill>
+        </p:spPr>
+        <p:style>
+          <a:lnRef idx="2">
+            <a:schemeClr val="accent1">
+              <a:shade val="50000"/>
+            </a:schemeClr>
+          </a:lnRef>
+          <a:fillRef idx="1">
+            <a:schemeClr val="accent1"/>
+          </a:fillRef>
+          <a:effectRef idx="0">
+            <a:schemeClr val="accent1"/>
+          </a:effectRef>
+          <a:fontRef idx="minor">
+            <a:schemeClr val="lt1"/>
+          </a:fontRef>
+        </p:style>
+        <p:txBody>
+          <a:bodyPr rtlCol="0" anchor="ctr"/>
+          <a:lstStyle/>
+          <a:p>
+            <a:pPr algn="ctr"/>
+            <a:endParaRPr lang="en-SG"/>
+          </a:p>
+        </p:txBody>
+      </p:sp>
+      <p:sp>
+        <p:nvSpPr>
+          <p:cNvPr id="59" name="Hexagon 58"/>
+          <p:cNvSpPr/>
+          <p:nvPr/>
+        </p:nvSpPr>
+        <p:spPr>
+          <a:xfrm>
+            <a:off x="10012953" y="827740"/>
+            <a:ext cx="1075673" cy="927304"/>
+          </a:xfrm>
+          <a:prstGeom prst="hexagon">
+            <a:avLst/>
+          </a:prstGeom>
+        </p:spPr>
+        <p:style>
+          <a:lnRef idx="1">
+            <a:schemeClr val="accent1"/>
+          </a:lnRef>
+          <a:fillRef idx="2">
+            <a:schemeClr val="accent1"/>
+          </a:fillRef>
+          <a:effectRef idx="1">
+            <a:schemeClr val="accent1"/>
+          </a:effectRef>
+          <a:fontRef idx="minor">
+            <a:schemeClr val="dk1"/>
+          </a:fontRef>
+        </p:style>
+        <p:txBody>
+          <a:bodyPr rtlCol="0" anchor="ctr"/>
+          <a:lstStyle/>
+          <a:p>
+            <a:pPr algn="ctr"/>
+            <a:endParaRPr lang="en-SG"/>
+          </a:p>
+        </p:txBody>
+      </p:sp>
+      <p:sp>
+        <p:nvSpPr>
+          <p:cNvPr id="60" name="Rectangle 59"/>
+          <p:cNvSpPr/>
+          <p:nvPr/>
+        </p:nvSpPr>
+        <p:spPr>
+          <a:xfrm>
+            <a:off x="8784807" y="683720"/>
+            <a:ext cx="648090" cy="2808390"/>
+          </a:xfrm>
+          <a:prstGeom prst="rect">
+            <a:avLst/>
+          </a:prstGeom>
+          <a:solidFill>
+            <a:schemeClr val="bg1"/>
+          </a:solidFill>
+          <a:ln>
+            <a:noFill/>
+          </a:ln>
+        </p:spPr>
+        <p:style>
+          <a:lnRef idx="2">
+            <a:schemeClr val="accent1">
+              <a:shade val="50000"/>
+            </a:schemeClr>
+          </a:lnRef>
+          <a:fillRef idx="1">
+            <a:schemeClr val="accent1"/>
+          </a:fillRef>
+          <a:effectRef idx="0">
+            <a:schemeClr val="accent1"/>
+          </a:effectRef>
+          <a:fontRef idx="minor">
+            <a:schemeClr val="lt1"/>
+          </a:fontRef>
+        </p:style>
+        <p:txBody>
+          <a:bodyPr rtlCol="0" anchor="ctr"/>
+          <a:lstStyle/>
+          <a:p>
+            <a:pPr algn="ctr"/>
+            <a:endParaRPr lang="en-SG"/>
+          </a:p>
+        </p:txBody>
+      </p:sp>
+      <p:sp>
+        <p:nvSpPr>
+          <p:cNvPr id="61" name="Rectangle 60"/>
+          <p:cNvSpPr/>
+          <p:nvPr/>
+        </p:nvSpPr>
+        <p:spPr>
+          <a:xfrm>
+            <a:off x="11665207" y="827740"/>
+            <a:ext cx="648090" cy="2808390"/>
+          </a:xfrm>
+          <a:prstGeom prst="rect">
+            <a:avLst/>
+          </a:prstGeom>
+          <a:solidFill>
+            <a:schemeClr val="bg1"/>
+          </a:solidFill>
+          <a:ln>
+            <a:noFill/>
+          </a:ln>
+        </p:spPr>
+        <p:style>
+          <a:lnRef idx="2">
+            <a:schemeClr val="accent1">
+              <a:shade val="50000"/>
+            </a:schemeClr>
+          </a:lnRef>
+          <a:fillRef idx="1">
+            <a:schemeClr val="accent1"/>
+          </a:fillRef>
+          <a:effectRef idx="0">
+            <a:schemeClr val="accent1"/>
+          </a:effectRef>
+          <a:fontRef idx="minor">
+            <a:schemeClr val="lt1"/>
+          </a:fontRef>
+        </p:style>
+        <p:txBody>
+          <a:bodyPr rtlCol="0" anchor="ctr"/>
+          <a:lstStyle/>
+          <a:p>
+            <a:pPr algn="ctr"/>
+            <a:endParaRPr lang="en-SG"/>
+          </a:p>
+        </p:txBody>
+      </p:sp>
+      <p:sp>
+        <p:nvSpPr>
+          <p:cNvPr id="62" name="Rectangle 61"/>
+          <p:cNvSpPr/>
+          <p:nvPr/>
+        </p:nvSpPr>
+        <p:spPr>
+          <a:xfrm>
+            <a:off x="5912787" y="683720"/>
+            <a:ext cx="2944030" cy="610078"/>
+          </a:xfrm>
+          <a:prstGeom prst="rect">
+            <a:avLst/>
+          </a:prstGeom>
+          <a:solidFill>
+            <a:schemeClr val="bg1"/>
+          </a:solidFill>
+          <a:ln>
+            <a:noFill/>
+          </a:ln>
+        </p:spPr>
+        <p:style>
+          <a:lnRef idx="2">
+            <a:schemeClr val="accent1">
+              <a:shade val="50000"/>
+            </a:schemeClr>
+          </a:lnRef>
+          <a:fillRef idx="1">
+            <a:schemeClr val="accent1"/>
+          </a:fillRef>
+          <a:effectRef idx="0">
+            <a:schemeClr val="accent1"/>
+          </a:effectRef>
+          <a:fontRef idx="minor">
+            <a:schemeClr val="lt1"/>
+          </a:fontRef>
+        </p:style>
+        <p:txBody>
+          <a:bodyPr rtlCol="0" anchor="ctr"/>
+          <a:lstStyle/>
+          <a:p>
+            <a:pPr algn="ctr"/>
+            <a:endParaRPr lang="en-SG"/>
+          </a:p>
+        </p:txBody>
+      </p:sp>
+      <p:sp>
+        <p:nvSpPr>
+          <p:cNvPr id="63" name="Rectangle 62"/>
+          <p:cNvSpPr/>
+          <p:nvPr/>
+        </p:nvSpPr>
+        <p:spPr>
+          <a:xfrm>
+            <a:off x="6065187" y="3182870"/>
+            <a:ext cx="2944030" cy="669290"/>
+          </a:xfrm>
+          <a:prstGeom prst="rect">
+            <a:avLst/>
+          </a:prstGeom>
+          <a:solidFill>
+            <a:schemeClr val="bg1"/>
+          </a:solidFill>
+          <a:ln>
+            <a:noFill/>
+          </a:ln>
+        </p:spPr>
+        <p:style>
+          <a:lnRef idx="2">
+            <a:schemeClr val="accent1">
+              <a:shade val="50000"/>
+            </a:schemeClr>
+          </a:lnRef>
+          <a:fillRef idx="1">
+            <a:schemeClr val="accent1"/>
+          </a:fillRef>
+          <a:effectRef idx="0">
+            <a:schemeClr val="accent1"/>
+          </a:effectRef>
+          <a:fontRef idx="minor">
+            <a:schemeClr val="lt1"/>
+          </a:fontRef>
+        </p:style>
+        <p:txBody>
+          <a:bodyPr rtlCol="0" anchor="ctr"/>
+          <a:lstStyle/>
+          <a:p>
+            <a:pPr algn="ctr"/>
+            <a:endParaRPr lang="en-SG"/>
+          </a:p>
+        </p:txBody>
+      </p:sp>
+      <p:sp>
+        <p:nvSpPr>
+          <p:cNvPr id="64" name="Rectangle 63"/>
+          <p:cNvSpPr/>
+          <p:nvPr/>
+        </p:nvSpPr>
+        <p:spPr>
+          <a:xfrm>
+            <a:off x="9009217" y="683720"/>
+            <a:ext cx="2944030" cy="610078"/>
+          </a:xfrm>
+          <a:prstGeom prst="rect">
+            <a:avLst/>
+          </a:prstGeom>
+          <a:solidFill>
+            <a:schemeClr val="bg1"/>
+          </a:solidFill>
+          <a:ln>
+            <a:noFill/>
+          </a:ln>
+        </p:spPr>
+        <p:style>
+          <a:lnRef idx="2">
+            <a:schemeClr val="accent1">
+              <a:shade val="50000"/>
+            </a:schemeClr>
+          </a:lnRef>
+          <a:fillRef idx="1">
+            <a:schemeClr val="accent1"/>
+          </a:fillRef>
+          <a:effectRef idx="0">
+            <a:schemeClr val="accent1"/>
+          </a:effectRef>
+          <a:fontRef idx="minor">
+            <a:schemeClr val="lt1"/>
+          </a:fontRef>
+        </p:style>
+        <p:txBody>
+          <a:bodyPr rtlCol="0" anchor="ctr"/>
+          <a:lstStyle/>
+          <a:p>
+            <a:pPr algn="ctr"/>
+            <a:endParaRPr lang="en-SG"/>
+          </a:p>
+        </p:txBody>
+      </p:sp>
+      <p:sp>
+        <p:nvSpPr>
+          <p:cNvPr id="65" name="Rectangle 64"/>
+          <p:cNvSpPr/>
+          <p:nvPr/>
+        </p:nvSpPr>
+        <p:spPr>
+          <a:xfrm>
+            <a:off x="9009217" y="3182870"/>
+            <a:ext cx="2944030" cy="669290"/>
+          </a:xfrm>
+          <a:prstGeom prst="rect">
+            <a:avLst/>
+          </a:prstGeom>
+          <a:solidFill>
+            <a:schemeClr val="bg1"/>
+          </a:solidFill>
+          <a:ln>
+            <a:noFill/>
+          </a:ln>
+        </p:spPr>
+        <p:style>
+          <a:lnRef idx="2">
+            <a:schemeClr val="accent1">
+              <a:shade val="50000"/>
+            </a:schemeClr>
+          </a:lnRef>
+          <a:fillRef idx="1">
+            <a:schemeClr val="accent1"/>
+          </a:fillRef>
+          <a:effectRef idx="0">
+            <a:schemeClr val="accent1"/>
+          </a:effectRef>
+          <a:fontRef idx="minor">
+            <a:schemeClr val="lt1"/>
+          </a:fontRef>
+        </p:style>
+        <p:txBody>
+          <a:bodyPr rtlCol="0" anchor="ctr"/>
+          <a:lstStyle/>
+          <a:p>
+            <a:pPr algn="ctr"/>
+            <a:endParaRPr lang="en-SG"/>
+          </a:p>
+        </p:txBody>
+      </p:sp>
+    </p:spTree>
+    <p:extLst>
+      <p:ext uri="{BB962C8B-B14F-4D97-AF65-F5344CB8AC3E}">
+        <p14:creationId xmlns:p14="http://schemas.microsoft.com/office/powerpoint/2010/main" val="2109072468"/>
+      </p:ext>
+    </p:extLst>
+  </p:cSld>
+  <p:clrMapOvr>
+    <a:masterClrMapping/>
+  </p:clrMapOvr>
+</p:sld>
+</file>
+
+<file path=ppt/slides/slide8.xml><?xml version="1.0" encoding="utf-8"?>
+<p:sld xmlns:a="http://schemas.openxmlformats.org/drawingml/2006/main" xmlns:r="http://schemas.openxmlformats.org/officeDocument/2006/relationships" xmlns:p="http://schemas.openxmlformats.org/presentationml/2006/main">
+  <p:cSld>
+    <p:spTree>
+      <p:nvGrpSpPr>
+        <p:cNvPr id="1" name=""/>
+        <p:cNvGrpSpPr/>
+        <p:nvPr/>
+      </p:nvGrpSpPr>
+      <p:grpSpPr>
+        <a:xfrm>
+          <a:off x="0" y="0"/>
+          <a:ext cx="0" cy="0"/>
+          <a:chOff x="0" y="0"/>
+          <a:chExt cx="0" cy="0"/>
+        </a:xfrm>
+      </p:grpSpPr>
       <p:pic>
         <p:nvPicPr>
           <p:cNvPr id="4" name="Picture 2"/>
@@ -10383,7 +12409,7 @@
 </p:sld>
 </file>
 
-<file path=ppt/slides/slide8.xml><?xml version="1.0" encoding="utf-8"?>
+<file path=ppt/slides/slide9.xml><?xml version="1.0" encoding="utf-8"?>
 <p:sld xmlns:a="http://schemas.openxmlformats.org/drawingml/2006/main" xmlns:r="http://schemas.openxmlformats.org/officeDocument/2006/relationships" xmlns:p="http://schemas.openxmlformats.org/presentationml/2006/main">
   <p:cSld>
     <p:spTree>

--- a/Design.pptx
+++ b/Design.pptx
@@ -296,7 +296,7 @@
           <a:p>
             <a:fld id="{B1A6C896-786E-40CB-ABF2-E7ECB1B703CB}" type="datetimeFigureOut">
               <a:rPr lang="en-SG" smtClean="0"/>
-              <a:t>14/6/2022</a:t>
+              <a:t>18/12/2023</a:t>
             </a:fld>
             <a:endParaRPr lang="en-SG"/>
           </a:p>
@@ -466,7 +466,7 @@
           <a:p>
             <a:fld id="{B1A6C896-786E-40CB-ABF2-E7ECB1B703CB}" type="datetimeFigureOut">
               <a:rPr lang="en-SG" smtClean="0"/>
-              <a:t>14/6/2022</a:t>
+              <a:t>18/12/2023</a:t>
             </a:fld>
             <a:endParaRPr lang="en-SG"/>
           </a:p>
@@ -646,7 +646,7 @@
           <a:p>
             <a:fld id="{B1A6C896-786E-40CB-ABF2-E7ECB1B703CB}" type="datetimeFigureOut">
               <a:rPr lang="en-SG" smtClean="0"/>
-              <a:t>14/6/2022</a:t>
+              <a:t>18/12/2023</a:t>
             </a:fld>
             <a:endParaRPr lang="en-SG"/>
           </a:p>
@@ -816,7 +816,7 @@
           <a:p>
             <a:fld id="{B1A6C896-786E-40CB-ABF2-E7ECB1B703CB}" type="datetimeFigureOut">
               <a:rPr lang="en-SG" smtClean="0"/>
-              <a:t>14/6/2022</a:t>
+              <a:t>18/12/2023</a:t>
             </a:fld>
             <a:endParaRPr lang="en-SG"/>
           </a:p>
@@ -1062,7 +1062,7 @@
           <a:p>
             <a:fld id="{B1A6C896-786E-40CB-ABF2-E7ECB1B703CB}" type="datetimeFigureOut">
               <a:rPr lang="en-SG" smtClean="0"/>
-              <a:t>14/6/2022</a:t>
+              <a:t>18/12/2023</a:t>
             </a:fld>
             <a:endParaRPr lang="en-SG"/>
           </a:p>
@@ -1350,7 +1350,7 @@
           <a:p>
             <a:fld id="{B1A6C896-786E-40CB-ABF2-E7ECB1B703CB}" type="datetimeFigureOut">
               <a:rPr lang="en-SG" smtClean="0"/>
-              <a:t>14/6/2022</a:t>
+              <a:t>18/12/2023</a:t>
             </a:fld>
             <a:endParaRPr lang="en-SG"/>
           </a:p>
@@ -1777,7 +1777,7 @@
           <a:p>
             <a:fld id="{B1A6C896-786E-40CB-ABF2-E7ECB1B703CB}" type="datetimeFigureOut">
               <a:rPr lang="en-SG" smtClean="0"/>
-              <a:t>14/6/2022</a:t>
+              <a:t>18/12/2023</a:t>
             </a:fld>
             <a:endParaRPr lang="en-SG"/>
           </a:p>
@@ -1895,7 +1895,7 @@
           <a:p>
             <a:fld id="{B1A6C896-786E-40CB-ABF2-E7ECB1B703CB}" type="datetimeFigureOut">
               <a:rPr lang="en-SG" smtClean="0"/>
-              <a:t>14/6/2022</a:t>
+              <a:t>18/12/2023</a:t>
             </a:fld>
             <a:endParaRPr lang="en-SG"/>
           </a:p>
@@ -1990,7 +1990,7 @@
           <a:p>
             <a:fld id="{B1A6C896-786E-40CB-ABF2-E7ECB1B703CB}" type="datetimeFigureOut">
               <a:rPr lang="en-SG" smtClean="0"/>
-              <a:t>14/6/2022</a:t>
+              <a:t>18/12/2023</a:t>
             </a:fld>
             <a:endParaRPr lang="en-SG"/>
           </a:p>
@@ -2267,7 +2267,7 @@
           <a:p>
             <a:fld id="{B1A6C896-786E-40CB-ABF2-E7ECB1B703CB}" type="datetimeFigureOut">
               <a:rPr lang="en-SG" smtClean="0"/>
-              <a:t>14/6/2022</a:t>
+              <a:t>18/12/2023</a:t>
             </a:fld>
             <a:endParaRPr lang="en-SG"/>
           </a:p>
@@ -2520,7 +2520,7 @@
           <a:p>
             <a:fld id="{B1A6C896-786E-40CB-ABF2-E7ECB1B703CB}" type="datetimeFigureOut">
               <a:rPr lang="en-SG" smtClean="0"/>
-              <a:t>14/6/2022</a:t>
+              <a:t>18/12/2023</a:t>
             </a:fld>
             <a:endParaRPr lang="en-SG"/>
           </a:p>
@@ -2733,7 +2733,7 @@
           <a:p>
             <a:fld id="{B1A6C896-786E-40CB-ABF2-E7ECB1B703CB}" type="datetimeFigureOut">
               <a:rPr lang="en-SG" smtClean="0"/>
-              <a:t>14/6/2022</a:t>
+              <a:t>18/12/2023</a:t>
             </a:fld>
             <a:endParaRPr lang="en-SG"/>
           </a:p>
@@ -3858,7 +3858,7 @@
         </p:nvSpPr>
         <p:spPr>
           <a:xfrm>
-            <a:off x="6336480" y="2484016"/>
+            <a:off x="6336480" y="2339950"/>
             <a:ext cx="1512168" cy="1080120"/>
           </a:xfrm>
           <a:prstGeom prst="rect">
@@ -3921,7 +3921,7 @@
         </p:nvSpPr>
         <p:spPr>
           <a:xfrm>
-            <a:off x="6336480" y="395784"/>
+            <a:off x="6336480" y="251660"/>
             <a:ext cx="1656184" cy="1728192"/>
           </a:xfrm>
           <a:prstGeom prst="rect">
@@ -4045,7 +4045,7 @@
         </p:nvSpPr>
         <p:spPr>
           <a:xfrm>
-            <a:off x="7488608" y="648923"/>
+            <a:off x="7488608" y="504799"/>
             <a:ext cx="144016" cy="1259029"/>
           </a:xfrm>
           <a:prstGeom prst="rightBrace">
@@ -4090,7 +4090,7 @@
         </p:nvSpPr>
         <p:spPr>
           <a:xfrm>
-            <a:off x="4368530" y="397901"/>
+            <a:off x="4368530" y="253777"/>
             <a:ext cx="1584176" cy="1080120"/>
           </a:xfrm>
           <a:prstGeom prst="rect">
@@ -4340,7 +4340,7 @@
           <a:prstGeom prst="straightConnector1">
             <a:avLst/>
           </a:prstGeom>
-          <a:ln>
+          <a:ln w="19050">
             <a:tailEnd type="arrow"/>
           </a:ln>
         </p:spPr>
@@ -4367,8 +4367,8 @@
         </p:nvCxnSpPr>
         <p:spPr>
           <a:xfrm flipV="1">
-            <a:off x="4860317" y="2629844"/>
-            <a:ext cx="1539336" cy="55540"/>
+            <a:off x="4860317" y="2481920"/>
+            <a:ext cx="1537698" cy="203464"/>
           </a:xfrm>
           <a:prstGeom prst="straightConnector1">
             <a:avLst/>
@@ -4400,7 +4400,7 @@
         </p:nvCxnSpPr>
         <p:spPr>
           <a:xfrm flipV="1">
-            <a:off x="5736682" y="553503"/>
+            <a:off x="5736682" y="409379"/>
             <a:ext cx="671806" cy="552547"/>
           </a:xfrm>
           <a:prstGeom prst="straightConnector1">
@@ -4434,7 +4434,7 @@
         <p:spPr>
           <a:xfrm flipH="1" flipV="1">
             <a:off x="4968329" y="2481920"/>
-            <a:ext cx="1429686" cy="337194"/>
+            <a:ext cx="1429686" cy="168597"/>
           </a:xfrm>
           <a:prstGeom prst="straightConnector1">
             <a:avLst/>
@@ -4668,13 +4668,13 @@
         </p:nvCxnSpPr>
         <p:spPr>
           <a:xfrm flipV="1">
-            <a:off x="7234773" y="2827339"/>
-            <a:ext cx="1261948" cy="160605"/>
+            <a:off x="7234773" y="2827340"/>
+            <a:ext cx="1261948" cy="52670"/>
           </a:xfrm>
           <a:prstGeom prst="straightConnector1">
             <a:avLst/>
           </a:prstGeom>
-          <a:ln>
+          <a:ln w="19050">
             <a:tailEnd type="arrow"/>
           </a:ln>
         </p:spPr>
@@ -4737,7 +4737,7 @@
         </p:nvCxnSpPr>
         <p:spPr>
           <a:xfrm flipH="1" flipV="1">
-            <a:off x="6831701" y="2629844"/>
+            <a:off x="6760823" y="2479882"/>
             <a:ext cx="1665020" cy="1677477"/>
           </a:xfrm>
           <a:prstGeom prst="straightConnector1">
@@ -4779,7 +4779,7 @@
           <a:prstGeom prst="straightConnector1">
             <a:avLst/>
           </a:prstGeom>
-          <a:ln>
+          <a:ln w="19050">
             <a:tailEnd type="arrow"/>
           </a:ln>
         </p:spPr>
@@ -4854,8 +4854,8 @@
         </p:nvCxnSpPr>
         <p:spPr>
           <a:xfrm>
-            <a:off x="7632624" y="1278438"/>
-            <a:ext cx="793219" cy="2282247"/>
+            <a:off x="7632624" y="1134314"/>
+            <a:ext cx="793219" cy="2426371"/>
           </a:xfrm>
           <a:prstGeom prst="straightConnector1">
             <a:avLst/>
@@ -4895,14 +4895,14 @@
           <p:nvPr>
             <p:extLst>
               <p:ext uri="{D42A27DB-BD31-4B8C-83A1-F6EECF244321}">
-                <p14:modId xmlns:p14="http://schemas.microsoft.com/office/powerpoint/2010/main" val="461668478"/>
+                <p14:modId xmlns:p14="http://schemas.microsoft.com/office/powerpoint/2010/main" val="382366790"/>
               </p:ext>
             </p:extLst>
           </p:nvPr>
         </p:nvGraphicFramePr>
         <p:xfrm>
           <a:off x="1512226" y="5436344"/>
-          <a:ext cx="8496663" cy="1920240"/>
+          <a:ext cx="8496663" cy="2103120"/>
         </p:xfrm>
         <a:graphic>
           <a:graphicData uri="http://schemas.openxmlformats.org/drawingml/2006/table">
@@ -4984,7 +4984,7 @@
                     <a:bodyPr/>
                     <a:lstStyle/>
                     <a:p>
-                      <a:endParaRPr lang="en-SG" sz="1200"/>
+                      <a:endParaRPr lang="en-SG" sz="1200" dirty="0"/>
                     </a:p>
                   </a:txBody>
                   <a:tcPr/>
@@ -4996,7 +4996,17 @@
                     <a:p>
                       <a:r>
                         <a:rPr lang="en-SG" sz="1200" dirty="0" smtClean="0"/>
-                        <a:t>Forward link from parent to child</a:t>
+                        <a:t>Forward link from parent to </a:t>
+                      </a:r>
+                      <a:r>
+                        <a:rPr lang="en-SG" sz="1200" dirty="0" smtClean="0"/>
+                        <a:t>1 child</a:t>
+                      </a:r>
+                    </a:p>
+                    <a:p>
+                      <a:r>
+                        <a:rPr lang="en-SG" sz="1200" dirty="0" smtClean="0"/>
+                        <a:t>Forward link from parent to many children</a:t>
                       </a:r>
                       <a:endParaRPr lang="en-SG" sz="1200" dirty="0"/>
                     </a:p>
@@ -5052,7 +5062,15 @@
                       </a:r>
                       <a:r>
                         <a:rPr lang="en-SG" sz="1200" baseline="0" dirty="0" smtClean="0"/>
-                        <a:t> once, when a new Game starts</a:t>
+                        <a:t> </a:t>
+                      </a:r>
+                      <a:r>
+                        <a:rPr lang="en-SG" sz="1200" baseline="0" dirty="0" smtClean="0"/>
+                        <a:t>once </a:t>
+                      </a:r>
+                      <a:r>
+                        <a:rPr lang="en-SG" sz="1200" baseline="0" dirty="0" smtClean="0"/>
+                        <a:t>when a new Game starts</a:t>
                       </a:r>
                       <a:endParaRPr lang="en-SG" sz="1200" dirty="0"/>
                     </a:p>
@@ -5187,7 +5205,7 @@
         </p:nvCxnSpPr>
         <p:spPr>
           <a:xfrm flipH="1">
-            <a:off x="1649180" y="6948512"/>
+            <a:off x="1649180" y="7132370"/>
             <a:ext cx="1212550" cy="0"/>
           </a:xfrm>
           <a:prstGeom prst="straightConnector1">
@@ -5223,7 +5241,7 @@
         </p:nvCxnSpPr>
         <p:spPr>
           <a:xfrm>
-            <a:off x="1673057" y="7236544"/>
+            <a:off x="1673057" y="7420402"/>
             <a:ext cx="1200258" cy="0"/>
           </a:xfrm>
           <a:prstGeom prst="straightConnector1">
@@ -5263,7 +5281,7 @@
         </p:nvSpPr>
         <p:spPr>
           <a:xfrm>
-            <a:off x="1727969" y="458083"/>
+            <a:off x="1727969" y="313959"/>
             <a:ext cx="1800200" cy="1080120"/>
           </a:xfrm>
           <a:prstGeom prst="rect">
@@ -5399,7 +5417,7 @@
         </p:nvSpPr>
         <p:spPr>
           <a:xfrm>
-            <a:off x="3384153" y="725601"/>
+            <a:off x="3384153" y="581477"/>
             <a:ext cx="144016" cy="682965"/>
           </a:xfrm>
           <a:prstGeom prst="rightBrace">
@@ -5447,8 +5465,8 @@
         </p:nvCxnSpPr>
         <p:spPr>
           <a:xfrm>
-            <a:off x="3528169" y="1067084"/>
-            <a:ext cx="936104" cy="2428992"/>
+            <a:off x="3528169" y="922960"/>
+            <a:ext cx="936104" cy="2573116"/>
           </a:xfrm>
           <a:prstGeom prst="straightConnector1">
             <a:avLst/>
@@ -5487,7 +5505,7 @@
         </p:nvCxnSpPr>
         <p:spPr>
           <a:xfrm flipH="1" flipV="1">
-            <a:off x="2448049" y="597954"/>
+            <a:off x="2448049" y="453830"/>
             <a:ext cx="1992490" cy="125100"/>
           </a:xfrm>
           <a:prstGeom prst="straightConnector1">
@@ -5601,6 +5619,392 @@
           </a:p>
         </p:txBody>
       </p:sp>
+      <p:sp>
+        <p:nvSpPr>
+          <p:cNvPr id="33" name="TextBox 32"/>
+          <p:cNvSpPr txBox="1"/>
+          <p:nvPr/>
+        </p:nvSpPr>
+        <p:spPr>
+          <a:xfrm>
+            <a:off x="1943993" y="1691860"/>
+            <a:ext cx="1512168" cy="1239310"/>
+          </a:xfrm>
+          <a:prstGeom prst="rect">
+            <a:avLst/>
+          </a:prstGeom>
+          <a:ln>
+            <a:noFill/>
+          </a:ln>
+        </p:spPr>
+        <p:style>
+          <a:lnRef idx="1">
+            <a:schemeClr val="accent3"/>
+          </a:lnRef>
+          <a:fillRef idx="2">
+            <a:schemeClr val="accent3"/>
+          </a:fillRef>
+          <a:effectRef idx="1">
+            <a:schemeClr val="accent3"/>
+          </a:effectRef>
+          <a:fontRef idx="minor">
+            <a:schemeClr val="dk1"/>
+          </a:fontRef>
+        </p:style>
+        <p:txBody>
+          <a:bodyPr wrap="square" rtlCol="0">
+            <a:noAutofit/>
+          </a:bodyPr>
+          <a:lstStyle/>
+          <a:p>
+            <a:r>
+              <a:rPr lang="en-SG" sz="1200" b="1" dirty="0" smtClean="0">
+                <a:latin typeface="Consolas" panose="020B0609020204030204" pitchFamily="49" charset="0"/>
+              </a:rPr>
+              <a:t>Robot</a:t>
+            </a:r>
+            <a:endParaRPr lang="en-SG" sz="1200" b="1" dirty="0" smtClean="0">
+              <a:latin typeface="Consolas" panose="020B0609020204030204" pitchFamily="49" charset="0"/>
+            </a:endParaRPr>
+          </a:p>
+          <a:p>
+            <a:r>
+              <a:rPr lang="en-SG" sz="1200" dirty="0" smtClean="0">
+                <a:latin typeface="Consolas" panose="020B0609020204030204" pitchFamily="49" charset="0"/>
+              </a:rPr>
+              <a:t>Map</a:t>
+            </a:r>
+            <a:endParaRPr lang="en-SG" sz="1200" dirty="0">
+              <a:latin typeface="Consolas" panose="020B0609020204030204" pitchFamily="49" charset="0"/>
+            </a:endParaRPr>
+          </a:p>
+          <a:p>
+            <a:r>
+              <a:rPr lang="en-SG" sz="1200" dirty="0" smtClean="0"/>
+              <a:t>Game</a:t>
+            </a:r>
+          </a:p>
+          <a:p>
+            <a:r>
+              <a:rPr lang="en-SG" sz="1200" dirty="0" smtClean="0"/>
+              <a:t>Player</a:t>
+            </a:r>
+            <a:endParaRPr lang="en-SG" sz="1200" dirty="0" smtClean="0">
+              <a:latin typeface="Consolas" panose="020B0609020204030204" pitchFamily="49" charset="0"/>
+            </a:endParaRPr>
+          </a:p>
+          <a:p>
+            <a:r>
+              <a:rPr lang="en-SG" sz="1200" dirty="0" err="1"/>
+              <a:t>RobotCountryIds</a:t>
+            </a:r>
+            <a:endParaRPr lang="en-SG" sz="1200" dirty="0" smtClean="0">
+              <a:latin typeface="Consolas" panose="020B0609020204030204" pitchFamily="49" charset="0"/>
+            </a:endParaRPr>
+          </a:p>
+          <a:p>
+            <a:r>
+              <a:rPr lang="en-SG" sz="1200" dirty="0" smtClean="0"/>
+              <a:t>Results</a:t>
+            </a:r>
+            <a:endParaRPr lang="en-SG" sz="1200" dirty="0">
+              <a:latin typeface="Consolas" panose="020B0609020204030204" pitchFamily="49" charset="0"/>
+            </a:endParaRPr>
+          </a:p>
+        </p:txBody>
+      </p:sp>
+      <p:cxnSp>
+        <p:nvCxnSpPr>
+          <p:cNvPr id="34" name="Straight Arrow Connector 33"/>
+          <p:cNvCxnSpPr/>
+          <p:nvPr/>
+        </p:nvCxnSpPr>
+        <p:spPr>
+          <a:xfrm>
+            <a:off x="2375917" y="1979852"/>
+            <a:ext cx="3960563" cy="360098"/>
+          </a:xfrm>
+          <a:prstGeom prst="straightConnector1">
+            <a:avLst/>
+          </a:prstGeom>
+          <a:ln>
+            <a:tailEnd type="arrow"/>
+          </a:ln>
+        </p:spPr>
+        <p:style>
+          <a:lnRef idx="1">
+            <a:schemeClr val="accent1"/>
+          </a:lnRef>
+          <a:fillRef idx="0">
+            <a:schemeClr val="accent1"/>
+          </a:fillRef>
+          <a:effectRef idx="0">
+            <a:schemeClr val="accent1"/>
+          </a:effectRef>
+          <a:fontRef idx="minor">
+            <a:schemeClr val="tx1"/>
+          </a:fontRef>
+        </p:style>
+      </p:cxnSp>
+      <p:cxnSp>
+        <p:nvCxnSpPr>
+          <p:cNvPr id="42" name="Straight Arrow Connector 41"/>
+          <p:cNvCxnSpPr/>
+          <p:nvPr/>
+        </p:nvCxnSpPr>
+        <p:spPr>
+          <a:xfrm>
+            <a:off x="2448049" y="2209518"/>
+            <a:ext cx="2016224" cy="274452"/>
+          </a:xfrm>
+          <a:prstGeom prst="straightConnector1">
+            <a:avLst/>
+          </a:prstGeom>
+          <a:ln>
+            <a:tailEnd type="arrow"/>
+          </a:ln>
+        </p:spPr>
+        <p:style>
+          <a:lnRef idx="1">
+            <a:schemeClr val="accent1"/>
+          </a:lnRef>
+          <a:fillRef idx="0">
+            <a:schemeClr val="accent1"/>
+          </a:fillRef>
+          <a:effectRef idx="0">
+            <a:schemeClr val="accent1"/>
+          </a:effectRef>
+          <a:fontRef idx="minor">
+            <a:schemeClr val="tx1"/>
+          </a:fontRef>
+        </p:style>
+      </p:cxnSp>
+      <p:sp>
+        <p:nvSpPr>
+          <p:cNvPr id="21" name="Freeform 20"/>
+          <p:cNvSpPr/>
+          <p:nvPr/>
+        </p:nvSpPr>
+        <p:spPr>
+          <a:xfrm>
+            <a:off x="2492734" y="2370061"/>
+            <a:ext cx="3820602" cy="2027010"/>
+          </a:xfrm>
+          <a:custGeom>
+            <a:avLst/>
+            <a:gdLst>
+              <a:gd name="connsiteX0" fmla="*/ 0 w 3820602"/>
+              <a:gd name="connsiteY0" fmla="*/ 15330 h 2027010"/>
+              <a:gd name="connsiteX1" fmla="*/ 1264257 w 3820602"/>
+              <a:gd name="connsiteY1" fmla="*/ 241942 h 2027010"/>
+              <a:gd name="connsiteX2" fmla="*/ 1614115 w 3820602"/>
+              <a:gd name="connsiteY2" fmla="*/ 1689080 h 2027010"/>
+              <a:gd name="connsiteX3" fmla="*/ 3820602 w 3820602"/>
+              <a:gd name="connsiteY3" fmla="*/ 2027010 h 2027010"/>
+              <a:gd name="connsiteX4" fmla="*/ 3820602 w 3820602"/>
+              <a:gd name="connsiteY4" fmla="*/ 2027010 h 2027010"/>
+            </a:gdLst>
+            <a:ahLst/>
+            <a:cxnLst>
+              <a:cxn ang="0">
+                <a:pos x="connsiteX0" y="connsiteY0"/>
+              </a:cxn>
+              <a:cxn ang="0">
+                <a:pos x="connsiteX1" y="connsiteY1"/>
+              </a:cxn>
+              <a:cxn ang="0">
+                <a:pos x="connsiteX2" y="connsiteY2"/>
+              </a:cxn>
+              <a:cxn ang="0">
+                <a:pos x="connsiteX3" y="connsiteY3"/>
+              </a:cxn>
+              <a:cxn ang="0">
+                <a:pos x="connsiteX4" y="connsiteY4"/>
+              </a:cxn>
+            </a:cxnLst>
+            <a:rect l="l" t="t" r="r" b="b"/>
+            <a:pathLst>
+              <a:path w="3820602" h="2027010">
+                <a:moveTo>
+                  <a:pt x="0" y="15330"/>
+                </a:moveTo>
+                <a:cubicBezTo>
+                  <a:pt x="497619" y="-10843"/>
+                  <a:pt x="995238" y="-37016"/>
+                  <a:pt x="1264257" y="241942"/>
+                </a:cubicBezTo>
+                <a:cubicBezTo>
+                  <a:pt x="1533276" y="520900"/>
+                  <a:pt x="1188058" y="1391569"/>
+                  <a:pt x="1614115" y="1689080"/>
+                </a:cubicBezTo>
+                <a:cubicBezTo>
+                  <a:pt x="2040172" y="1986591"/>
+                  <a:pt x="3820602" y="2027010"/>
+                  <a:pt x="3820602" y="2027010"/>
+                </a:cubicBezTo>
+                <a:lnTo>
+                  <a:pt x="3820602" y="2027010"/>
+                </a:lnTo>
+              </a:path>
+            </a:pathLst>
+          </a:custGeom>
+          <a:noFill/>
+          <a:ln w="9525">
+            <a:solidFill>
+              <a:schemeClr val="accent1"/>
+            </a:solidFill>
+            <a:headEnd type="none" w="med" len="med"/>
+            <a:tailEnd type="arrow" w="med" len="med"/>
+          </a:ln>
+        </p:spPr>
+        <p:style>
+          <a:lnRef idx="2">
+            <a:schemeClr val="accent1">
+              <a:shade val="50000"/>
+            </a:schemeClr>
+          </a:lnRef>
+          <a:fillRef idx="1">
+            <a:schemeClr val="accent1"/>
+          </a:fillRef>
+          <a:effectRef idx="0">
+            <a:schemeClr val="accent1"/>
+          </a:effectRef>
+          <a:fontRef idx="minor">
+            <a:schemeClr val="lt1"/>
+          </a:fontRef>
+        </p:style>
+        <p:txBody>
+          <a:bodyPr rtlCol="0" anchor="ctr"/>
+          <a:lstStyle/>
+          <a:p>
+            <a:pPr algn="ctr"/>
+            <a:endParaRPr lang="en-SG"/>
+          </a:p>
+        </p:txBody>
+      </p:sp>
+      <p:sp>
+        <p:nvSpPr>
+          <p:cNvPr id="22" name="Freeform 21"/>
+          <p:cNvSpPr/>
+          <p:nvPr/>
+        </p:nvSpPr>
+        <p:spPr>
+          <a:xfrm>
+            <a:off x="3168027" y="2650517"/>
+            <a:ext cx="5160964" cy="2507717"/>
+          </a:xfrm>
+          <a:custGeom>
+            <a:avLst/>
+            <a:gdLst>
+              <a:gd name="connsiteX0" fmla="*/ 0 w 5709036"/>
+              <a:gd name="connsiteY0" fmla="*/ 0 h 2407083"/>
+              <a:gd name="connsiteX1" fmla="*/ 1288111 w 5709036"/>
+              <a:gd name="connsiteY1" fmla="*/ 2142877 h 2407083"/>
+              <a:gd name="connsiteX2" fmla="*/ 5709036 w 5709036"/>
+              <a:gd name="connsiteY2" fmla="*/ 2297927 h 2407083"/>
+            </a:gdLst>
+            <a:ahLst/>
+            <a:cxnLst>
+              <a:cxn ang="0">
+                <a:pos x="connsiteX0" y="connsiteY0"/>
+              </a:cxn>
+              <a:cxn ang="0">
+                <a:pos x="connsiteX1" y="connsiteY1"/>
+              </a:cxn>
+              <a:cxn ang="0">
+                <a:pos x="connsiteX2" y="connsiteY2"/>
+              </a:cxn>
+            </a:cxnLst>
+            <a:rect l="l" t="t" r="r" b="b"/>
+            <a:pathLst>
+              <a:path w="5709036" h="2407083">
+                <a:moveTo>
+                  <a:pt x="0" y="0"/>
+                </a:moveTo>
+                <a:cubicBezTo>
+                  <a:pt x="168302" y="879944"/>
+                  <a:pt x="336605" y="1759889"/>
+                  <a:pt x="1288111" y="2142877"/>
+                </a:cubicBezTo>
+                <a:cubicBezTo>
+                  <a:pt x="2239617" y="2525865"/>
+                  <a:pt x="3974326" y="2411896"/>
+                  <a:pt x="5709036" y="2297927"/>
+                </a:cubicBezTo>
+              </a:path>
+            </a:pathLst>
+          </a:custGeom>
+          <a:noFill/>
+          <a:ln w="19050">
+            <a:solidFill>
+              <a:schemeClr val="accent1"/>
+            </a:solidFill>
+            <a:headEnd type="none" w="med" len="med"/>
+            <a:tailEnd type="arrow" w="med" len="med"/>
+          </a:ln>
+        </p:spPr>
+        <p:style>
+          <a:lnRef idx="2">
+            <a:schemeClr val="accent1">
+              <a:shade val="50000"/>
+            </a:schemeClr>
+          </a:lnRef>
+          <a:fillRef idx="1">
+            <a:schemeClr val="accent1"/>
+          </a:fillRef>
+          <a:effectRef idx="0">
+            <a:schemeClr val="accent1"/>
+          </a:effectRef>
+          <a:fontRef idx="minor">
+            <a:schemeClr val="lt1"/>
+          </a:fontRef>
+        </p:style>
+        <p:txBody>
+          <a:bodyPr rtlCol="0" anchor="ctr"/>
+          <a:lstStyle/>
+          <a:p>
+            <a:pPr algn="ctr"/>
+            <a:endParaRPr lang="en-SG"/>
+          </a:p>
+        </p:txBody>
+      </p:sp>
+      <p:cxnSp>
+        <p:nvCxnSpPr>
+          <p:cNvPr id="49" name="Straight Arrow Connector 48"/>
+          <p:cNvCxnSpPr/>
+          <p:nvPr/>
+        </p:nvCxnSpPr>
+        <p:spPr>
+          <a:xfrm>
+            <a:off x="1670909" y="6848664"/>
+            <a:ext cx="1209078" cy="0"/>
+          </a:xfrm>
+          <a:prstGeom prst="straightConnector1">
+            <a:avLst/>
+          </a:prstGeom>
+          <a:ln w="19050">
+            <a:solidFill>
+              <a:schemeClr val="accent1"/>
+            </a:solidFill>
+            <a:tailEnd type="arrow"/>
+          </a:ln>
+        </p:spPr>
+        <p:style>
+          <a:lnRef idx="1">
+            <a:schemeClr val="accent1"/>
+          </a:lnRef>
+          <a:fillRef idx="0">
+            <a:schemeClr val="accent1"/>
+          </a:fillRef>
+          <a:effectRef idx="0">
+            <a:schemeClr val="accent1"/>
+          </a:effectRef>
+          <a:fontRef idx="minor">
+            <a:schemeClr val="tx1"/>
+          </a:fontRef>
+        </p:style>
+      </p:cxnSp>
     </p:spTree>
     <p:extLst>
       <p:ext uri="{BB962C8B-B14F-4D97-AF65-F5344CB8AC3E}">
